--- a/01-MachineLearning/01-slides.pptx
+++ b/01-MachineLearning/01-slides.pptx
@@ -29,16 +29,16 @@
     <p:sldId id="495" r:id="rId17"/>
     <p:sldId id="498" r:id="rId18"/>
     <p:sldId id="496" r:id="rId19"/>
-    <p:sldId id="497" r:id="rId20"/>
-    <p:sldId id="501" r:id="rId21"/>
-    <p:sldId id="502" r:id="rId22"/>
-    <p:sldId id="499" r:id="rId23"/>
-    <p:sldId id="500" r:id="rId24"/>
-    <p:sldId id="513" r:id="rId25"/>
-    <p:sldId id="503" r:id="rId26"/>
-    <p:sldId id="504" r:id="rId27"/>
-    <p:sldId id="505" r:id="rId28"/>
-    <p:sldId id="506" r:id="rId29"/>
+    <p:sldId id="530" r:id="rId20"/>
+    <p:sldId id="497" r:id="rId21"/>
+    <p:sldId id="501" r:id="rId22"/>
+    <p:sldId id="502" r:id="rId23"/>
+    <p:sldId id="499" r:id="rId24"/>
+    <p:sldId id="500" r:id="rId25"/>
+    <p:sldId id="513" r:id="rId26"/>
+    <p:sldId id="503" r:id="rId27"/>
+    <p:sldId id="504" r:id="rId28"/>
+    <p:sldId id="505" r:id="rId29"/>
     <p:sldId id="325" r:id="rId30"/>
     <p:sldId id="514" r:id="rId31"/>
     <p:sldId id="509" r:id="rId32"/>
@@ -1679,10 +1679,14 @@
             </a:lnSpc>
           </a:pPr>
           <a:r>
-            <a:rPr lang="it-IT"/>
-            <a:t>Enter the folder `01-DataPreprocessing`</a:t>
+            <a:rPr lang="it-IT" dirty="0" err="1"/>
+            <a:t>Enter</a:t>
           </a:r>
-          <a:endParaRPr lang="en-US"/>
+          <a:r>
+            <a:rPr lang="it-IT" dirty="0"/>
+            <a:t> the folder `01-MachineLearning`</a:t>
+          </a:r>
+          <a:endParaRPr lang="en-US" dirty="0"/>
         </a:p>
       </dgm:t>
     </dgm:pt>
@@ -2877,10 +2881,14 @@
             <a:buNone/>
           </a:pPr>
           <a:r>
-            <a:rPr lang="it-IT" sz="1900" kern="1200"/>
-            <a:t>Enter the folder `01-DataPreprocessing`</a:t>
+            <a:rPr lang="it-IT" sz="1900" kern="1200" dirty="0" err="1"/>
+            <a:t>Enter</a:t>
           </a:r>
-          <a:endParaRPr lang="en-US" sz="1900" kern="1200"/>
+          <a:r>
+            <a:rPr lang="it-IT" sz="1900" kern="1200" dirty="0"/>
+            <a:t> the folder `01-MachineLearning`</a:t>
+          </a:r>
+          <a:endParaRPr lang="en-US" sz="1900" kern="1200" dirty="0"/>
         </a:p>
       </dsp:txBody>
       <dsp:txXfrm>
@@ -7098,7 +7106,7 @@
           <a:p>
             <a:fld id="{02297A90-1AFB-4FA1-ADF2-69FD2D1230BA}" type="datetimeFigureOut">
               <a:rPr lang="en-US" smtClean="0"/>
-              <a:t>7/16/2021</a:t>
+              <a:t>1/4/2022</a:t>
             </a:fld>
             <a:endParaRPr lang="en-US"/>
           </a:p>
@@ -7176,7 +7184,7 @@
           <a:p>
             <a:fld id="{42AE2D9A-5B89-4689-B04D-3FBBAA04CE2B}" type="slidenum">
               <a:rPr lang="en-US" smtClean="0"/>
-              <a:t>‹N›</a:t>
+              <a:t>‹#›</a:t>
             </a:fld>
             <a:endParaRPr lang="en-US"/>
           </a:p>
@@ -7276,7 +7284,7 @@
           <a:p>
             <a:fld id="{2D15495C-7C85-4DFE-8C2B-354A7A489EB6}" type="datetimeFigureOut">
               <a:rPr lang="it-IT" smtClean="0"/>
-              <a:t>16/07/2021</a:t>
+              <a:t>04/01/2022</a:t>
             </a:fld>
             <a:endParaRPr lang="it-IT"/>
           </a:p>
@@ -7434,7 +7442,7 @@
           <a:p>
             <a:fld id="{D98EE9EE-A74D-4412-94DD-33E68A97493E}" type="slidenum">
               <a:rPr lang="it-IT" smtClean="0"/>
-              <a:t>‹N›</a:t>
+              <a:t>‹#›</a:t>
             </a:fld>
             <a:endParaRPr lang="it-IT"/>
           </a:p>
@@ -7842,7 +7850,7 @@
           <a:p>
             <a:fld id="{D98EE9EE-A74D-4412-94DD-33E68A97493E}" type="slidenum">
               <a:rPr lang="it-IT" smtClean="0"/>
-              <a:t>19</a:t>
+              <a:t>20</a:t>
             </a:fld>
             <a:endParaRPr lang="it-IT"/>
           </a:p>
@@ -8493,7 +8501,7 @@
           <a:p>
             <a:fld id="{5DD6F1BA-2510-46FC-9346-AB1F3CA1593B}" type="slidenum">
               <a:rPr lang="it-IT" smtClean="0"/>
-              <a:t>‹N›</a:t>
+              <a:t>‹#›</a:t>
             </a:fld>
             <a:endParaRPr lang="it-IT"/>
           </a:p>
@@ -8762,7 +8770,7 @@
           <a:p>
             <a:fld id="{5DD6F1BA-2510-46FC-9346-AB1F3CA1593B}" type="slidenum">
               <a:rPr lang="it-IT" smtClean="0"/>
-              <a:t>‹N›</a:t>
+              <a:t>‹#›</a:t>
             </a:fld>
             <a:endParaRPr lang="it-IT"/>
           </a:p>
@@ -8946,7 +8954,7 @@
           <a:p>
             <a:fld id="{5DD6F1BA-2510-46FC-9346-AB1F3CA1593B}" type="slidenum">
               <a:rPr lang="it-IT" smtClean="0"/>
-              <a:t>‹N›</a:t>
+              <a:t>‹#›</a:t>
             </a:fld>
             <a:endParaRPr lang="it-IT"/>
           </a:p>
@@ -9135,7 +9143,7 @@
           <a:p>
             <a:fld id="{5DD6F1BA-2510-46FC-9346-AB1F3CA1593B}" type="slidenum">
               <a:rPr lang="it-IT" smtClean="0"/>
-              <a:t>‹N›</a:t>
+              <a:t>‹#›</a:t>
             </a:fld>
             <a:endParaRPr lang="it-IT"/>
           </a:p>
@@ -9316,7 +9324,7 @@
           <a:p>
             <a:fld id="{5DD6F1BA-2510-46FC-9346-AB1F3CA1593B}" type="slidenum">
               <a:rPr lang="it-IT" smtClean="0"/>
-              <a:t>‹N›</a:t>
+              <a:t>‹#›</a:t>
             </a:fld>
             <a:endParaRPr lang="it-IT"/>
           </a:p>
@@ -9535,7 +9543,7 @@
           <a:p>
             <a:fld id="{5DD6F1BA-2510-46FC-9346-AB1F3CA1593B}" type="slidenum">
               <a:rPr lang="it-IT" smtClean="0"/>
-              <a:t>‹N›</a:t>
+              <a:t>‹#›</a:t>
             </a:fld>
             <a:endParaRPr lang="it-IT"/>
           </a:p>
@@ -9724,7 +9732,7 @@
           <a:p>
             <a:fld id="{5DD6F1BA-2510-46FC-9346-AB1F3CA1593B}" type="slidenum">
               <a:rPr lang="it-IT" smtClean="0"/>
-              <a:t>‹N›</a:t>
+              <a:t>‹#›</a:t>
             </a:fld>
             <a:endParaRPr lang="it-IT"/>
           </a:p>
@@ -10080,7 +10088,7 @@
           <a:p>
             <a:fld id="{5DD6F1BA-2510-46FC-9346-AB1F3CA1593B}" type="slidenum">
               <a:rPr lang="it-IT" smtClean="0"/>
-              <a:t>‹N›</a:t>
+              <a:t>‹#›</a:t>
             </a:fld>
             <a:endParaRPr lang="it-IT"/>
           </a:p>
@@ -10327,7 +10335,7 @@
           <a:p>
             <a:fld id="{5DD6F1BA-2510-46FC-9346-AB1F3CA1593B}" type="slidenum">
               <a:rPr lang="it-IT" smtClean="0"/>
-              <a:t>‹N›</a:t>
+              <a:t>‹#›</a:t>
             </a:fld>
             <a:endParaRPr lang="it-IT"/>
           </a:p>
@@ -10755,7 +10763,7 @@
           <a:p>
             <a:fld id="{5DD6F1BA-2510-46FC-9346-AB1F3CA1593B}" type="slidenum">
               <a:rPr lang="it-IT" smtClean="0"/>
-              <a:t>‹N›</a:t>
+              <a:t>‹#›</a:t>
             </a:fld>
             <a:endParaRPr lang="it-IT"/>
           </a:p>
@@ -10879,7 +10887,7 @@
           <a:p>
             <a:fld id="{5DD6F1BA-2510-46FC-9346-AB1F3CA1593B}" type="slidenum">
               <a:rPr lang="it-IT" smtClean="0"/>
-              <a:t>‹N›</a:t>
+              <a:t>‹#›</a:t>
             </a:fld>
             <a:endParaRPr lang="it-IT"/>
           </a:p>
@@ -11000,7 +11008,7 @@
           <a:p>
             <a:fld id="{5DD6F1BA-2510-46FC-9346-AB1F3CA1593B}" type="slidenum">
               <a:rPr lang="it-IT" smtClean="0"/>
-              <a:t>‹N›</a:t>
+              <a:t>‹#›</a:t>
             </a:fld>
             <a:endParaRPr lang="it-IT"/>
           </a:p>
@@ -11253,7 +11261,7 @@
             <a:fld id="{5DD6F1BA-2510-46FC-9346-AB1F3CA1593B}" type="slidenum">
               <a:rPr lang="en-US" smtClean="0"/>
               <a:pPr/>
-              <a:t>‹N›</a:t>
+              <a:t>‹#›</a:t>
             </a:fld>
             <a:endParaRPr lang="en-US" dirty="0"/>
           </a:p>
@@ -11964,7 +11972,7 @@
             <p:ph sz="half" idx="1"/>
             <p:extLst>
               <p:ext uri="{D42A27DB-BD31-4B8C-83A1-F6EECF244321}">
-                <p14:modId xmlns:p14="http://schemas.microsoft.com/office/powerpoint/2010/main" val="3737269075"/>
+                <p14:modId xmlns:p14="http://schemas.microsoft.com/office/powerpoint/2010/main" val="3884375109"/>
               </p:ext>
             </p:extLst>
           </p:nvPr>
@@ -12247,10 +12255,42 @@
             <p:ph type="title"/>
           </p:nvPr>
         </p:nvSpPr>
+        <p:spPr/>
+        <p:txBody>
+          <a:bodyPr/>
+          <a:lstStyle/>
+          <a:p>
+            <a:r>
+              <a:rPr lang="it-IT" dirty="0"/>
+              <a:t>Data </a:t>
+            </a:r>
+            <a:r>
+              <a:rPr lang="en-US" dirty="0"/>
+              <a:t>analysis</a:t>
+            </a:r>
+          </a:p>
+        </p:txBody>
+      </p:sp>
+      <p:sp>
+        <p:nvSpPr>
+          <p:cNvPr id="3" name="Segnaposto contenuto 2">
+            <a:extLst>
+              <a:ext uri="{FF2B5EF4-FFF2-40B4-BE49-F238E27FC236}">
+                <a16:creationId xmlns:a16="http://schemas.microsoft.com/office/drawing/2014/main" id="{0D4953C0-CA08-4D5E-8515-AA784DA7F464}"/>
+              </a:ext>
+            </a:extLst>
+          </p:cNvPr>
+          <p:cNvSpPr>
+            <a:spLocks noGrp="1"/>
+          </p:cNvSpPr>
+          <p:nvPr>
+            <p:ph sz="half" idx="1"/>
+          </p:nvPr>
+        </p:nvSpPr>
         <p:spPr>
           <a:xfrm>
-            <a:off x="838200" y="365125"/>
-            <a:ext cx="10515600" cy="1325563"/>
+            <a:off x="838200" y="1825625"/>
+            <a:ext cx="5323764" cy="4351338"/>
           </a:xfrm>
         </p:spPr>
         <p:txBody>
@@ -12258,136 +12298,98 @@
           <a:lstStyle/>
           <a:p>
             <a:r>
-              <a:rPr lang="it-IT" dirty="0"/>
-              <a:t>Data </a:t>
-            </a:r>
-            <a:r>
-              <a:rPr lang="it-IT" dirty="0" err="1"/>
-              <a:t>manipulation</a:t>
-            </a:r>
-            <a:endParaRPr lang="en-US" dirty="0"/>
-          </a:p>
-        </p:txBody>
-      </p:sp>
-      <p:sp>
-        <p:nvSpPr>
-          <p:cNvPr id="3" name="Segnaposto contenuto 2">
-            <a:extLst>
-              <a:ext uri="{FF2B5EF4-FFF2-40B4-BE49-F238E27FC236}">
-                <a16:creationId xmlns:a16="http://schemas.microsoft.com/office/drawing/2014/main" id="{0D4953C0-CA08-4D5E-8515-AA784DA7F464}"/>
-              </a:ext>
-            </a:extLst>
-          </p:cNvPr>
-          <p:cNvSpPr>
-            <a:spLocks noGrp="1"/>
-          </p:cNvSpPr>
-          <p:nvPr>
-            <p:ph idx="1"/>
-          </p:nvPr>
-        </p:nvSpPr>
-        <p:spPr>
-          <a:xfrm>
-            <a:off x="838200" y="1700499"/>
-            <a:ext cx="10515600" cy="4351338"/>
-          </a:xfrm>
-        </p:spPr>
-        <p:txBody>
-          <a:bodyPr/>
-          <a:lstStyle/>
-          <a:p>
-            <a:r>
-              <a:rPr lang="it-IT" dirty="0"/>
-              <a:t>Un processo di analisi di dati prevede diversi passaggi:</a:t>
+              <a:rPr lang="en-US" dirty="0"/>
+              <a:t>Data analysis involves several steps:</a:t>
             </a:r>
           </a:p>
           <a:p>
             <a:pPr lvl="1"/>
             <a:r>
-              <a:rPr lang="it-IT" dirty="0">
+              <a:rPr lang="en-US" dirty="0">
                 <a:solidFill>
                   <a:schemeClr val="accent1"/>
                 </a:solidFill>
               </a:rPr>
-              <a:t>raccolta</a:t>
-            </a:r>
-            <a:r>
-              <a:rPr lang="it-IT" dirty="0"/>
-              <a:t> dei dati da una o più sorgenti (database, servizi web, etc.)</a:t>
+              <a:t>Collection</a:t>
+            </a:r>
+            <a:r>
+              <a:rPr lang="en-US" dirty="0"/>
+              <a:t> of data from one or more sources (database, web, etc.)</a:t>
             </a:r>
           </a:p>
           <a:p>
             <a:pPr lvl="1"/>
             <a:r>
-              <a:rPr lang="it-IT" dirty="0">
+              <a:rPr lang="en-US" dirty="0">
                 <a:solidFill>
                   <a:schemeClr val="accent1"/>
                 </a:solidFill>
               </a:rPr>
-              <a:t>comprensione</a:t>
-            </a:r>
-            <a:r>
-              <a:rPr lang="it-IT" dirty="0"/>
-              <a:t> della struttura e del significato dei dati</a:t>
+              <a:t>Understanding</a:t>
+            </a:r>
+            <a:r>
+              <a:rPr lang="en-US" dirty="0"/>
+              <a:t> of the structure and meaning of data</a:t>
             </a:r>
           </a:p>
           <a:p>
             <a:pPr lvl="1"/>
             <a:r>
-              <a:rPr lang="it-IT" dirty="0">
+              <a:rPr lang="en-US" dirty="0">
                 <a:solidFill>
                   <a:schemeClr val="accent1"/>
                 </a:solidFill>
               </a:rPr>
-              <a:t>trasformazione</a:t>
-            </a:r>
-            <a:r>
-              <a:rPr lang="it-IT" dirty="0"/>
-              <a:t> e pulizia dei dati in una forma utile alle fasi successive</a:t>
+              <a:t>Transformation </a:t>
+            </a:r>
+            <a:r>
+              <a:rPr lang="en-US" dirty="0"/>
+              <a:t>of data into manageable formats for subsequent steps</a:t>
             </a:r>
           </a:p>
           <a:p>
             <a:pPr lvl="1"/>
             <a:r>
-              <a:rPr lang="it-IT" dirty="0">
+              <a:rPr lang="en-US" dirty="0">
                 <a:solidFill>
                   <a:schemeClr val="accent1"/>
                 </a:solidFill>
               </a:rPr>
-              <a:t>estrazione</a:t>
-            </a:r>
-            <a:r>
-              <a:rPr lang="it-IT" dirty="0"/>
-              <a:t> di conoscenza dai dati (statistiche, modelli predittivi, etc.)</a:t>
+              <a:t>Extraction </a:t>
+            </a:r>
+            <a:r>
+              <a:rPr lang="en-US" dirty="0"/>
+              <a:t>of knowledge from data (statistics, models, patterns, etc.)</a:t>
             </a:r>
           </a:p>
           <a:p>
             <a:pPr lvl="1"/>
             <a:r>
-              <a:rPr lang="it-IT" dirty="0">
+              <a:rPr lang="en-US" dirty="0">
                 <a:solidFill>
                   <a:schemeClr val="accent1"/>
                 </a:solidFill>
               </a:rPr>
-              <a:t>validazione</a:t>
-            </a:r>
-            <a:r>
-              <a:rPr lang="it-IT" dirty="0"/>
-              <a:t> e interpretazione della conoscenza estratta</a:t>
+              <a:t>Validation</a:t>
+            </a:r>
+            <a:r>
+              <a:rPr lang="en-US" dirty="0"/>
+              <a:t> of the extracted knowledge</a:t>
             </a:r>
           </a:p>
           <a:p>
             <a:pPr lvl="1"/>
             <a:r>
-              <a:rPr lang="it-IT" dirty="0">
+              <a:rPr lang="en-US" dirty="0">
                 <a:solidFill>
                   <a:schemeClr val="accent1"/>
                 </a:solidFill>
               </a:rPr>
-              <a:t>deployment</a:t>
-            </a:r>
-            <a:r>
-              <a:rPr lang="it-IT" dirty="0"/>
-              <a:t> della conoscenza in applicazioni</a:t>
+              <a:t>Deployment</a:t>
+            </a:r>
+            <a:r>
+              <a:rPr lang="en-US" dirty="0"/>
+              <a:t> of the extracted knowledge and models</a:t>
             </a:r>
           </a:p>
         </p:txBody>
@@ -12408,12 +12410,7 @@
             <p:ph type="ftr" sz="quarter" idx="11"/>
           </p:nvPr>
         </p:nvSpPr>
-        <p:spPr>
-          <a:xfrm>
-            <a:off x="-1" y="6492875"/>
-            <a:ext cx="2837793" cy="365125"/>
-          </a:xfrm>
-        </p:spPr>
+        <p:spPr/>
         <p:txBody>
           <a:bodyPr/>
           <a:lstStyle/>
@@ -12441,12 +12438,7 @@
             <p:ph type="sldNum" sz="quarter" idx="12"/>
           </p:nvPr>
         </p:nvSpPr>
-        <p:spPr>
-          <a:xfrm>
-            <a:off x="9448800" y="6492874"/>
-            <a:ext cx="2743200" cy="365125"/>
-          </a:xfrm>
-        </p:spPr>
+        <p:spPr/>
         <p:txBody>
           <a:bodyPr/>
           <a:lstStyle/>
@@ -12462,10 +12454,10 @@
       </p:sp>
       <p:sp>
         <p:nvSpPr>
-          <p:cNvPr id="11" name="Segnaposto contenuto 10">
-            <a:extLst>
-              <a:ext uri="{FF2B5EF4-FFF2-40B4-BE49-F238E27FC236}">
-                <a16:creationId xmlns:a16="http://schemas.microsoft.com/office/drawing/2014/main" id="{5D38B146-9C8E-4408-90FC-CC1EE2F49411}"/>
+          <p:cNvPr id="7" name="Content Placeholder 6">
+            <a:extLst>
+              <a:ext uri="{FF2B5EF4-FFF2-40B4-BE49-F238E27FC236}">
+                <a16:creationId xmlns:a16="http://schemas.microsoft.com/office/drawing/2014/main" id="{4095FC39-34C4-4EE3-ACC8-114679334B3B}"/>
               </a:ext>
             </a:extLst>
           </p:cNvPr>
@@ -12485,6 +12477,41 @@
           </a:p>
         </p:txBody>
       </p:sp>
+      <p:pic>
+        <p:nvPicPr>
+          <p:cNvPr id="14" name="Content Placeholder 13" descr="Diagram&#10;&#10;Description automatically generated">
+            <a:extLst>
+              <a:ext uri="{FF2B5EF4-FFF2-40B4-BE49-F238E27FC236}">
+                <a16:creationId xmlns:a16="http://schemas.microsoft.com/office/drawing/2014/main" id="{9D0733D7-16A5-49E6-A533-0936F589A6FC}"/>
+              </a:ext>
+            </a:extLst>
+          </p:cNvPr>
+          <p:cNvPicPr>
+            <a:picLocks noGrp="1" noChangeAspect="1"/>
+          </p:cNvPicPr>
+          <p:nvPr>
+            <p:ph sz="half" idx="2"/>
+          </p:nvPr>
+        </p:nvPicPr>
+        <p:blipFill>
+          <a:blip r:embed="rId2">
+            <a:extLst>
+              <a:ext uri="{28A0092B-C50C-407E-A947-70E740481C1C}">
+                <a14:useLocalDpi xmlns:a14="http://schemas.microsoft.com/office/drawing/2010/main" val="0"/>
+              </a:ext>
+            </a:extLst>
+          </a:blip>
+          <a:stretch>
+            <a:fillRect/>
+          </a:stretch>
+        </p:blipFill>
+        <p:spPr>
+          <a:xfrm>
+            <a:off x="6612340" y="1847273"/>
+            <a:ext cx="4258102" cy="4264755"/>
+          </a:xfrm>
+        </p:spPr>
+      </p:pic>
     </p:spTree>
     <p:extLst>
       <p:ext uri="{BB962C8B-B14F-4D97-AF65-F5344CB8AC3E}">
@@ -12542,14 +12569,9 @@
           <a:lstStyle/>
           <a:p>
             <a:r>
-              <a:rPr lang="it-IT" dirty="0"/>
-              <a:t>Data </a:t>
-            </a:r>
-            <a:r>
-              <a:rPr lang="it-IT" dirty="0" err="1"/>
-              <a:t>manipulation</a:t>
-            </a:r>
-            <a:endParaRPr lang="en-US" dirty="0"/>
+              <a:rPr lang="en-US" dirty="0"/>
+              <a:t>Data preparation</a:t>
+            </a:r>
           </a:p>
         </p:txBody>
       </p:sp>
@@ -12580,82 +12602,102 @@
           <a:lstStyle/>
           <a:p>
             <a:r>
-              <a:rPr lang="it-IT" dirty="0"/>
-              <a:t>I dati (relazionali) sono comunemente reperiti o convertiti in forma </a:t>
-            </a:r>
-            <a:r>
-              <a:rPr lang="it-IT" dirty="0">
+              <a:rPr lang="en-US" dirty="0"/>
+              <a:t>(Relational) data are usually collected in </a:t>
+            </a:r>
+            <a:r>
+              <a:rPr lang="en-US" dirty="0">
                 <a:solidFill>
                   <a:srgbClr val="FF0000"/>
                 </a:solidFill>
               </a:rPr>
-              <a:t>tabulare</a:t>
+              <a:t>tabular format</a:t>
             </a:r>
           </a:p>
           <a:p>
             <a:pPr lvl="1"/>
             <a:r>
-              <a:rPr lang="it-IT" dirty="0"/>
-              <a:t>Ogni </a:t>
-            </a:r>
-            <a:r>
-              <a:rPr lang="it-IT" dirty="0">
+              <a:rPr lang="en-US" dirty="0"/>
+              <a:t>Each row is an observation (or instance)</a:t>
+            </a:r>
+          </a:p>
+          <a:p>
+            <a:pPr lvl="2"/>
+            <a:r>
+              <a:rPr lang="en-US" dirty="0"/>
+              <a:t>An object of the analysis</a:t>
+            </a:r>
+          </a:p>
+          <a:p>
+            <a:pPr lvl="2"/>
+            <a:r>
+              <a:rPr lang="en-US" dirty="0"/>
+              <a:t>E.g., a product for market basket analysis</a:t>
+            </a:r>
+          </a:p>
+          <a:p>
+            <a:pPr lvl="1"/>
+            <a:r>
+              <a:rPr lang="en-US" dirty="0"/>
+              <a:t>Each column is an attribute (or feature) characterizing each object</a:t>
+            </a:r>
+          </a:p>
+          <a:p>
+            <a:pPr lvl="2"/>
+            <a:r>
+              <a:rPr lang="en-US" dirty="0"/>
+              <a:t>All values within a column have the same type (i.e., all values belong to the same attribute domain)</a:t>
+            </a:r>
+          </a:p>
+          <a:p>
+            <a:pPr lvl="2"/>
+            <a:r>
+              <a:rPr lang="en-US" dirty="0"/>
+              <a:t>E.g., the attributes </a:t>
+            </a:r>
+            <a:r>
+              <a:rPr lang="en-US" dirty="0">
                 <a:solidFill>
-                  <a:srgbClr val="FF0000"/>
+                  <a:schemeClr val="accent1"/>
                 </a:solidFill>
               </a:rPr>
-              <a:t>riga</a:t>
-            </a:r>
-            <a:r>
-              <a:rPr lang="it-IT" dirty="0"/>
-              <a:t> rappresenta un’osservazione o istanza</a:t>
-            </a:r>
-          </a:p>
-          <a:p>
-            <a:pPr lvl="2"/>
-            <a:r>
-              <a:rPr lang="it-IT" dirty="0"/>
-              <a:t>Uno degli oggetti su cui si sta compiendo l’analisi</a:t>
-            </a:r>
-          </a:p>
-          <a:p>
-            <a:pPr lvl="2"/>
-            <a:r>
-              <a:rPr lang="it-IT" dirty="0"/>
-              <a:t>E.g., un prodotto</a:t>
-            </a:r>
-          </a:p>
-          <a:p>
-            <a:pPr lvl="1"/>
-            <a:r>
-              <a:rPr lang="it-IT" dirty="0"/>
-              <a:t>Ogni </a:t>
-            </a:r>
-            <a:r>
-              <a:rPr lang="it-IT" dirty="0">
+              <a:t>ID (int)</a:t>
+            </a:r>
+            <a:r>
+              <a:rPr lang="en-US" dirty="0"/>
+              <a:t>, </a:t>
+            </a:r>
+            <a:r>
+              <a:rPr lang="en-US" dirty="0">
                 <a:solidFill>
-                  <a:srgbClr val="FF0000"/>
+                  <a:schemeClr val="accent1"/>
                 </a:solidFill>
               </a:rPr>
-              <a:t>colonna</a:t>
-            </a:r>
-            <a:r>
-              <a:rPr lang="it-IT" dirty="0"/>
-              <a:t> è una variabile, attributo o feature che caratterizza ciascun oggetto</a:t>
-            </a:r>
-          </a:p>
-          <a:p>
-            <a:pPr lvl="2"/>
-            <a:r>
-              <a:rPr lang="it-IT" dirty="0"/>
-              <a:t>Tutti i valori di una colonna sono dello stesso tipo</a:t>
-            </a:r>
-          </a:p>
-          <a:p>
-            <a:pPr lvl="2"/>
-            <a:r>
-              <a:rPr lang="it-IT" dirty="0"/>
-              <a:t>E.g., nome del prodotto e prezzo</a:t>
+              <a:t>ProductName (str)</a:t>
+            </a:r>
+            <a:r>
+              <a:rPr lang="en-US" dirty="0"/>
+              <a:t>,</a:t>
+            </a:r>
+            <a:r>
+              <a:rPr lang="en-US" dirty="0">
+                <a:solidFill>
+                  <a:schemeClr val="accent1"/>
+                </a:solidFill>
+              </a:rPr>
+              <a:t> </a:t>
+            </a:r>
+            <a:r>
+              <a:rPr lang="en-US" dirty="0"/>
+              <a:t>or </a:t>
+            </a:r>
+            <a:r>
+              <a:rPr lang="en-US" dirty="0">
+                <a:solidFill>
+                  <a:schemeClr val="accent1"/>
+                </a:solidFill>
+              </a:rPr>
+              <a:t>Price (float)</a:t>
             </a:r>
           </a:p>
           <a:p>
@@ -12667,36 +12709,23 @@
           <a:p>
             <a:pPr lvl="1"/>
             <a:r>
-              <a:rPr lang="it-IT" dirty="0"/>
-              <a:t>Un prodotto è descritto da ID e prezzo, ma non ha senso calcolare l’ID medio dei prodotti</a:t>
+              <a:rPr lang="en-US" dirty="0"/>
+              <a:t>It makes sense to compute the average price but not the average ID</a:t>
             </a:r>
           </a:p>
           <a:p>
             <a:pPr lvl="1"/>
             <a:r>
-              <a:rPr lang="it-IT" dirty="0"/>
-              <a:t>Il tipo dell’attributo ci dice quali operatori ha senso applicare ai valori che esso assume</a:t>
+              <a:rPr lang="en-US" dirty="0"/>
+              <a:t>The attribute type determines which operator can be applied to the attribute</a:t>
             </a:r>
           </a:p>
           <a:p>
             <a:pPr lvl="2"/>
             <a:r>
-              <a:rPr lang="it-IT" dirty="0"/>
-              <a:t>E.g., diversità, ordinamento, </a:t>
-            </a:r>
-            <a:r>
-              <a:rPr lang="it-IT" dirty="0" err="1"/>
-              <a:t>addittività</a:t>
-            </a:r>
-            <a:r>
-              <a:rPr lang="it-IT" dirty="0"/>
-              <a:t>, </a:t>
-            </a:r>
-            <a:r>
-              <a:rPr lang="it-IT" dirty="0" err="1"/>
-              <a:t>moltiplicatività</a:t>
-            </a:r>
-            <a:endParaRPr lang="en-US" dirty="0"/>
+              <a:rPr lang="en-US" dirty="0"/>
+              <a:t>E.g., equality, sort, sum, ratio</a:t>
+            </a:r>
           </a:p>
         </p:txBody>
       </p:sp>
@@ -12727,7 +12756,7 @@
           <a:lstStyle/>
           <a:p>
             <a:r>
-              <a:rPr lang="it-IT" dirty="0"/>
+              <a:rPr lang="en-US"/>
               <a:t>Matteo Francia – University of Bologna</a:t>
             </a:r>
           </a:p>
@@ -12760,11 +12789,11 @@
           <a:lstStyle/>
           <a:p>
             <a:fld id="{5DD6F1BA-2510-46FC-9346-AB1F3CA1593B}" type="slidenum">
-              <a:rPr lang="it-IT" smtClean="0"/>
+              <a:rPr lang="en-US" smtClean="0"/>
               <a:pPr/>
               <a:t>12</a:t>
             </a:fld>
-            <a:endParaRPr lang="it-IT"/>
+            <a:endParaRPr lang="en-US"/>
           </a:p>
         </p:txBody>
       </p:sp>
@@ -12850,14 +12879,9 @@
           <a:lstStyle/>
           <a:p>
             <a:r>
-              <a:rPr lang="it-IT" dirty="0"/>
-              <a:t>Data </a:t>
-            </a:r>
-            <a:r>
-              <a:rPr lang="it-IT" dirty="0" err="1"/>
-              <a:t>manipulation</a:t>
-            </a:r>
-            <a:endParaRPr lang="en-US" dirty="0"/>
+              <a:rPr lang="en-US"/>
+              <a:t>Data preparation</a:t>
+            </a:r>
           </a:p>
         </p:txBody>
       </p:sp>
@@ -12888,80 +12912,76 @@
           <a:lstStyle/>
           <a:p>
             <a:r>
-              <a:rPr lang="it-IT" dirty="0"/>
-              <a:t>Diversi tipi di attributo</a:t>
+              <a:rPr lang="en-US" dirty="0"/>
+              <a:t>Different attribute types</a:t>
             </a:r>
           </a:p>
           <a:p>
             <a:pPr lvl="1"/>
             <a:r>
-              <a:rPr lang="it-IT" b="1" dirty="0">
+              <a:rPr lang="en-US" b="1" dirty="0">
                 <a:solidFill>
                   <a:schemeClr val="accent2"/>
                 </a:solidFill>
               </a:rPr>
-              <a:t>(Categorico) Nominale:</a:t>
-            </a:r>
-            <a:r>
-              <a:rPr lang="it-IT" b="1" dirty="0"/>
+              <a:t>(Categorical) Nominal:</a:t>
+            </a:r>
+            <a:r>
+              <a:rPr lang="en-US" b="1" dirty="0"/>
               <a:t> </a:t>
             </a:r>
             <a:r>
-              <a:rPr lang="it-IT" dirty="0"/>
-              <a:t>possiamo solo distinguere i valori</a:t>
+              <a:rPr lang="en-US" dirty="0"/>
+              <a:t>can distinguish the values (i.e., check equality)</a:t>
             </a:r>
           </a:p>
           <a:p>
             <a:pPr lvl="1"/>
             <a:r>
-              <a:rPr lang="it-IT" b="1" dirty="0">
+              <a:rPr lang="en-US" b="1" dirty="0">
                 <a:solidFill>
                   <a:schemeClr val="accent4"/>
                 </a:solidFill>
               </a:rPr>
-              <a:t>(Categorico) Ordinale: </a:t>
-            </a:r>
-            <a:r>
-              <a:rPr lang="it-IT" dirty="0"/>
-              <a:t>posso distinguere e ordinare i valori</a:t>
+              <a:t>(Categorical) Ordinal: </a:t>
+            </a:r>
+            <a:r>
+              <a:rPr lang="en-US" dirty="0"/>
+              <a:t>can distinguish and sort the values</a:t>
             </a:r>
           </a:p>
           <a:p>
             <a:pPr lvl="1"/>
             <a:r>
-              <a:rPr lang="it-IT" b="1" dirty="0">
+              <a:rPr lang="en-US" b="1" dirty="0">
                 <a:solidFill>
                   <a:schemeClr val="accent6"/>
                 </a:solidFill>
               </a:rPr>
-              <a:t>(Numerico) Di intervallo</a:t>
-            </a:r>
-            <a:r>
-              <a:rPr lang="it-IT" b="1" dirty="0"/>
+              <a:t>(Numeric) Interval</a:t>
+            </a:r>
+            <a:r>
+              <a:rPr lang="en-US" b="1" dirty="0"/>
               <a:t>: </a:t>
             </a:r>
             <a:r>
-              <a:rPr lang="it-IT" dirty="0"/>
-              <a:t>posso distinguere, ordinare i valori e calcolare differenza</a:t>
+              <a:rPr lang="en-US" dirty="0"/>
+              <a:t>can distinguish and sort the values, and compute their difference</a:t>
             </a:r>
           </a:p>
           <a:p>
             <a:pPr lvl="1"/>
             <a:r>
-              <a:rPr lang="it-IT" b="1" dirty="0">
+              <a:rPr lang="en-US" b="1" dirty="0">
                 <a:solidFill>
                   <a:schemeClr val="accent1"/>
                 </a:solidFill>
               </a:rPr>
-              <a:t>(Numerico) Di rapporto: </a:t>
-            </a:r>
-            <a:r>
-              <a:rPr lang="it-IT" dirty="0"/>
-              <a:t>posso distinguere, ordinare i valori e calcolare differenza e rapport</a:t>
+              <a:t>(Numeric) Ratio: </a:t>
             </a:r>
             <a:r>
               <a:rPr lang="en-US" dirty="0"/>
-              <a:t>o</a:t>
+              <a:t>can distinguish and sort the values, and compute their difference and ratio</a:t>
             </a:r>
           </a:p>
         </p:txBody>
@@ -12993,7 +13013,7 @@
           <a:lstStyle/>
           <a:p>
             <a:r>
-              <a:rPr lang="it-IT" dirty="0"/>
+              <a:rPr lang="en-US"/>
               <a:t>Matteo Francia – University of Bologna</a:t>
             </a:r>
           </a:p>
@@ -13026,11 +13046,11 @@
           <a:lstStyle/>
           <a:p>
             <a:fld id="{5DD6F1BA-2510-46FC-9346-AB1F3CA1593B}" type="slidenum">
-              <a:rPr lang="it-IT" smtClean="0"/>
+              <a:rPr lang="en-US" smtClean="0"/>
               <a:pPr/>
               <a:t>13</a:t>
             </a:fld>
-            <a:endParaRPr lang="it-IT"/>
+            <a:endParaRPr lang="en-US"/>
           </a:p>
         </p:txBody>
       </p:sp>
@@ -13050,7 +13070,7 @@
             <p:ph idx="13"/>
             <p:extLst>
               <p:ext uri="{D42A27DB-BD31-4B8C-83A1-F6EECF244321}">
-                <p14:modId xmlns:p14="http://schemas.microsoft.com/office/powerpoint/2010/main" val="1945970081"/>
+                <p14:modId xmlns:p14="http://schemas.microsoft.com/office/powerpoint/2010/main" val="2431158348"/>
               </p:ext>
             </p:extLst>
           </p:nvPr>
@@ -13107,7 +13127,7 @@
                           <a:latin typeface="Helvetica" panose="020B0604020202020204" pitchFamily="34" charset="0"/>
                           <a:cs typeface="Helvetica" panose="020B0604020202020204" pitchFamily="34" charset="0"/>
                         </a:rPr>
-                        <a:t>Prodotto</a:t>
+                        <a:t>ID</a:t>
                       </a:r>
                       <a:endParaRPr lang="en-US" sz="1400" dirty="0">
                         <a:latin typeface="Helvetica" panose="020B0604020202020204" pitchFamily="34" charset="0"/>
@@ -13128,11 +13148,11 @@
                     <a:p>
                       <a:pPr algn="ctr"/>
                       <a:r>
-                        <a:rPr lang="it-IT" sz="1400" dirty="0">
+                        <a:rPr lang="it-IT" sz="1400" dirty="0" err="1">
                           <a:latin typeface="Helvetica" panose="020B0604020202020204" pitchFamily="34" charset="0"/>
                           <a:cs typeface="Helvetica" panose="020B0604020202020204" pitchFamily="34" charset="0"/>
                         </a:rPr>
-                        <a:t>Fascia prezzo</a:t>
+                        <a:t>PriceBin</a:t>
                       </a:r>
                       <a:endParaRPr lang="en-US" sz="1400" dirty="0">
                         <a:latin typeface="Helvetica" panose="020B0604020202020204" pitchFamily="34" charset="0"/>
@@ -13157,7 +13177,7 @@
                           <a:latin typeface="Helvetica" panose="020B0604020202020204" pitchFamily="34" charset="0"/>
                           <a:cs typeface="Helvetica" panose="020B0604020202020204" pitchFamily="34" charset="0"/>
                         </a:rPr>
-                        <a:t>Data vendita</a:t>
+                        <a:t>Date of sale</a:t>
                       </a:r>
                       <a:endParaRPr lang="en-US" sz="1400" dirty="0">
                         <a:latin typeface="Helvetica" panose="020B0604020202020204" pitchFamily="34" charset="0"/>
@@ -13178,11 +13198,11 @@
                     <a:p>
                       <a:pPr algn="ctr"/>
                       <a:r>
-                        <a:rPr lang="it-IT" sz="1400" dirty="0">
+                        <a:rPr lang="it-IT" sz="1400" dirty="0" err="1">
                           <a:latin typeface="Helvetica" panose="020B0604020202020204" pitchFamily="34" charset="0"/>
                           <a:cs typeface="Helvetica" panose="020B0604020202020204" pitchFamily="34" charset="0"/>
                         </a:rPr>
-                        <a:t>Quantità</a:t>
+                        <a:t>Quantity</a:t>
                       </a:r>
                       <a:endParaRPr lang="en-US" sz="1400" dirty="0">
                         <a:latin typeface="Helvetica" panose="020B0604020202020204" pitchFamily="34" charset="0"/>
@@ -13233,7 +13253,7 @@
                           <a:latin typeface="Helvetica" panose="020B0604020202020204" pitchFamily="34" charset="0"/>
                           <a:cs typeface="Helvetica" panose="020B0604020202020204" pitchFamily="34" charset="0"/>
                         </a:rPr>
-                        <a:t>bassa</a:t>
+                        <a:t>low</a:t>
                       </a:r>
                       <a:endParaRPr lang="en-US" sz="1400" dirty="0">
                         <a:latin typeface="Helvetica" panose="020B0604020202020204" pitchFamily="34" charset="0"/>
@@ -13332,7 +13352,7 @@
                           <a:latin typeface="Helvetica" panose="020B0604020202020204" pitchFamily="34" charset="0"/>
                           <a:cs typeface="Helvetica" panose="020B0604020202020204" pitchFamily="34" charset="0"/>
                         </a:rPr>
-                        <a:t>media</a:t>
+                        <a:t>medium</a:t>
                       </a:r>
                       <a:endParaRPr lang="en-US" sz="1400" dirty="0">
                         <a:latin typeface="Helvetica" panose="020B0604020202020204" pitchFamily="34" charset="0"/>
@@ -13431,7 +13451,7 @@
                           <a:latin typeface="Helvetica" panose="020B0604020202020204" pitchFamily="34" charset="0"/>
                           <a:cs typeface="Helvetica" panose="020B0604020202020204" pitchFamily="34" charset="0"/>
                         </a:rPr>
-                        <a:t>alta</a:t>
+                        <a:t>high</a:t>
                       </a:r>
                       <a:endParaRPr lang="en-US" sz="1400" dirty="0">
                         <a:latin typeface="Helvetica" panose="020B0604020202020204" pitchFamily="34" charset="0"/>
@@ -13551,10 +13571,9 @@
           <a:lstStyle/>
           <a:p>
             <a:r>
-              <a:rPr lang="it-IT" dirty="0" err="1"/>
+              <a:rPr lang="en-US"/>
               <a:t>Pandas</a:t>
             </a:r>
-            <a:endParaRPr lang="en-US" dirty="0"/>
           </a:p>
         </p:txBody>
       </p:sp>
@@ -13585,7 +13604,7 @@
           <a:lstStyle/>
           <a:p>
             <a:r>
-              <a:rPr lang="it-IT" dirty="0" err="1">
+              <a:rPr lang="en-US" dirty="0">
                 <a:solidFill>
                   <a:schemeClr val="accent1"/>
                 </a:solidFill>
@@ -13593,18 +13612,18 @@
               <a:t>pandas</a:t>
             </a:r>
             <a:r>
-              <a:rPr lang="it-IT" dirty="0"/>
-              <a:t> (Python) è una soluzione per la manipolazione di dati tabulari</a:t>
+              <a:rPr lang="en-US" dirty="0"/>
+              <a:t> (Python) is a solution for the manipulation of relational data</a:t>
             </a:r>
           </a:p>
           <a:p>
             <a:pPr lvl="1"/>
             <a:r>
-              <a:rPr lang="it-IT" dirty="0"/>
-              <a:t>Introduce nuovi tipi di dati: </a:t>
-            </a:r>
-            <a:r>
-              <a:rPr lang="it-IT" b="1" dirty="0">
+              <a:rPr lang="en-US" dirty="0"/>
+              <a:t>Two main data types: </a:t>
+            </a:r>
+            <a:r>
+              <a:rPr lang="en-US" b="1" dirty="0">
                 <a:solidFill>
                   <a:srgbClr val="FF0000"/>
                 </a:solidFill>
@@ -13612,11 +13631,11 @@
               <a:t>Series</a:t>
             </a:r>
             <a:r>
-              <a:rPr lang="it-IT" dirty="0"/>
-              <a:t> (e.g., serie temporale) e </a:t>
-            </a:r>
-            <a:r>
-              <a:rPr lang="it-IT" b="1" dirty="0" err="1">
+              <a:rPr lang="en-US" dirty="0"/>
+              <a:t> (e.g., temporal series) and </a:t>
+            </a:r>
+            <a:r>
+              <a:rPr lang="en-US" b="1" dirty="0" err="1">
                 <a:solidFill>
                   <a:srgbClr val="FF0000"/>
                 </a:solidFill>
@@ -13624,88 +13643,75 @@
               <a:t>DataFrame</a:t>
             </a:r>
             <a:r>
-              <a:rPr lang="it-IT" dirty="0"/>
-              <a:t> </a:t>
-            </a:r>
-            <a:r>
               <a:rPr lang="en-US" dirty="0"/>
-              <a:t>(e.g., </a:t>
-            </a:r>
-            <a:r>
-              <a:rPr lang="en-US" dirty="0" err="1"/>
-              <a:t>tabelle</a:t>
-            </a:r>
+              <a:t> (e.g., table)</a:t>
+            </a:r>
+          </a:p>
+          <a:p>
+            <a:pPr lvl="1"/>
             <a:r>
               <a:rPr lang="en-US" dirty="0"/>
-              <a:t>)</a:t>
-            </a:r>
-          </a:p>
-          <a:p>
-            <a:pPr lvl="1"/>
-            <a:r>
-              <a:rPr lang="it-IT" dirty="0"/>
-              <a:t>Supporto operazioni SQL-like (</a:t>
-            </a:r>
-            <a:r>
-              <a:rPr lang="it-IT" dirty="0">
+              <a:t>Support to SQL-like operations (</a:t>
+            </a:r>
+            <a:r>
+              <a:rPr lang="en-US" dirty="0">
                 <a:solidFill>
                   <a:schemeClr val="accent1"/>
                 </a:solidFill>
               </a:rPr>
-              <a:t>join/merge, aggregazione, </a:t>
-            </a:r>
-            <a:r>
-              <a:rPr lang="it-IT" dirty="0"/>
+              <a:t>join/merge, aggregation, </a:t>
+            </a:r>
+            <a:r>
+              <a:rPr lang="en-US" dirty="0"/>
               <a:t>etc.)</a:t>
             </a:r>
           </a:p>
           <a:p>
             <a:pPr lvl="1"/>
             <a:r>
-              <a:rPr lang="it-IT" dirty="0"/>
-              <a:t>Trattamento </a:t>
-            </a:r>
-            <a:r>
-              <a:rPr lang="it-IT" dirty="0">
+              <a:rPr lang="en-US" dirty="0"/>
+              <a:t>Imputation of </a:t>
+            </a:r>
+            <a:r>
+              <a:rPr lang="en-US" dirty="0">
                 <a:solidFill>
                   <a:schemeClr val="accent1"/>
                 </a:solidFill>
               </a:rPr>
-              <a:t>dati mancanti</a:t>
-            </a:r>
-            <a:r>
-              <a:rPr lang="it-IT" dirty="0"/>
-              <a:t>, riorganizzazione della loro forma (</a:t>
-            </a:r>
-            <a:r>
-              <a:rPr lang="it-IT" dirty="0" err="1"/>
+              <a:t>missing values</a:t>
+            </a:r>
+          </a:p>
+          <a:p>
+            <a:pPr lvl="1"/>
+            <a:r>
+              <a:rPr lang="en-US" dirty="0"/>
+              <a:t>Manipulation of data </a:t>
+            </a:r>
+            <a:r>
+              <a:rPr lang="en-US" dirty="0">
+                <a:solidFill>
+                  <a:schemeClr val="accent1"/>
+                </a:solidFill>
+              </a:rPr>
               <a:t>shape</a:t>
             </a:r>
-            <a:r>
-              <a:rPr lang="it-IT" dirty="0"/>
-              <a:t>)</a:t>
-            </a:r>
           </a:p>
           <a:p>
             <a:pPr lvl="1"/>
             <a:r>
-              <a:rPr lang="it-IT" dirty="0"/>
-              <a:t>Per convenzione il package </a:t>
-            </a:r>
-            <a:r>
-              <a:rPr lang="it-IT" dirty="0" err="1"/>
-              <a:t>pandas</a:t>
-            </a:r>
-            <a:r>
-              <a:rPr lang="it-IT" dirty="0"/>
-              <a:t> si importa con nome “</a:t>
-            </a:r>
-            <a:r>
-              <a:rPr lang="it-IT" dirty="0" err="1"/>
+              <a:rPr lang="en-US" dirty="0"/>
+              <a:t>By convention, the package pandas is imported as “</a:t>
+            </a:r>
+            <a:r>
+              <a:rPr lang="en-US" dirty="0">
+                <a:solidFill>
+                  <a:schemeClr val="accent1"/>
+                </a:solidFill>
+              </a:rPr>
               <a:t>pd</a:t>
             </a:r>
             <a:r>
-              <a:rPr lang="it-IT" dirty="0"/>
+              <a:rPr lang="en-US" dirty="0"/>
               <a:t>”</a:t>
             </a:r>
           </a:p>
@@ -13751,7 +13757,7 @@
           <a:lstStyle/>
           <a:p>
             <a:r>
-              <a:rPr lang="it-IT" dirty="0"/>
+              <a:rPr lang="en-US"/>
               <a:t>Matteo Francia – University of Bologna</a:t>
             </a:r>
           </a:p>
@@ -13784,11 +13790,11 @@
           <a:lstStyle/>
           <a:p>
             <a:fld id="{5DD6F1BA-2510-46FC-9346-AB1F3CA1593B}" type="slidenum">
-              <a:rPr lang="it-IT" smtClean="0"/>
+              <a:rPr lang="en-US" smtClean="0"/>
               <a:pPr/>
               <a:t>14</a:t>
             </a:fld>
-            <a:endParaRPr lang="it-IT"/>
+            <a:endParaRPr lang="en-US"/>
           </a:p>
         </p:txBody>
       </p:sp>
@@ -13874,10 +13880,9 @@
           <a:lstStyle/>
           <a:p>
             <a:r>
-              <a:rPr lang="it-IT" dirty="0" err="1"/>
+              <a:rPr lang="en-US"/>
               <a:t>Pandas</a:t>
             </a:r>
-            <a:endParaRPr lang="en-US" dirty="0"/>
           </a:p>
         </p:txBody>
       </p:sp>
@@ -13908,50 +13913,46 @@
           <a:lstStyle/>
           <a:p>
             <a:r>
-              <a:rPr lang="it-IT" b="1" dirty="0">
+              <a:rPr lang="en-US" b="1" dirty="0">
                 <a:solidFill>
                   <a:srgbClr val="FF0000"/>
                 </a:solidFill>
               </a:rPr>
-              <a:t>Una serie (Series) </a:t>
-            </a:r>
-            <a:r>
-              <a:rPr lang="it-IT" dirty="0"/>
-              <a:t>è una sequenza di valori dello stesso tipo</a:t>
+              <a:t>A series </a:t>
+            </a:r>
+            <a:r>
+              <a:rPr lang="en-US" dirty="0"/>
+              <a:t>is a sequence of values with the same type</a:t>
             </a:r>
           </a:p>
           <a:p>
             <a:pPr lvl="1"/>
             <a:r>
-              <a:rPr lang="it-IT" dirty="0"/>
-              <a:t>Ad ogni valore è associata un’etichetta</a:t>
+              <a:rPr lang="en-US" dirty="0"/>
+              <a:t>Each value is associate with a label</a:t>
             </a:r>
           </a:p>
           <a:p>
             <a:pPr lvl="1"/>
             <a:r>
-              <a:rPr lang="it-IT" dirty="0"/>
-              <a:t>I tipi supportati, sia per i valori che per le etichette, sono quelli di </a:t>
-            </a:r>
-            <a:r>
               <a:rPr lang="en-US" dirty="0"/>
-              <a:t>NumPy (float64, int64, …)</a:t>
+              <a:t>Supported values and label types are the ones from NumPy (float64, int64, etc.)</a:t>
             </a:r>
           </a:p>
           <a:p>
             <a:pPr lvl="1"/>
             <a:r>
-              <a:rPr lang="it-IT" dirty="0"/>
-              <a:t>In pratica un vettore a una dimensione con un’etichetta associata ad ogni elemento</a:t>
-            </a:r>
-          </a:p>
-          <a:p>
-            <a:r>
-              <a:rPr lang="it-IT" dirty="0"/>
-              <a:t>L’indice di una serie (</a:t>
-            </a:r>
-            <a:r>
-              <a:rPr lang="it-IT" dirty="0">
+              <a:rPr lang="en-US" dirty="0"/>
+              <a:t>In other words, a series is a mono-dimensional vector of elements</a:t>
+            </a:r>
+          </a:p>
+          <a:p>
+            <a:r>
+              <a:rPr lang="en-US" dirty="0"/>
+              <a:t>The </a:t>
+            </a:r>
+            <a:r>
+              <a:rPr lang="en-US" dirty="0">
                 <a:solidFill>
                   <a:schemeClr val="accent1"/>
                 </a:solidFill>
@@ -13959,44 +13960,30 @@
               <a:t>index</a:t>
             </a:r>
             <a:r>
-              <a:rPr lang="it-IT" dirty="0"/>
-              <a:t>) è la sequenza delle </a:t>
-            </a:r>
-            <a:r>
-              <a:rPr lang="en-US" dirty="0" err="1"/>
-              <a:t>etichette</a:t>
-            </a:r>
-            <a:r>
               <a:rPr lang="en-US" dirty="0"/>
-              <a:t> associate ai </a:t>
-            </a:r>
-            <a:r>
-              <a:rPr lang="en-US" dirty="0" err="1"/>
-              <a:t>valori</a:t>
-            </a:r>
-            <a:endParaRPr lang="en-US" dirty="0"/>
+              <a:t> of a series is the sequence of labels</a:t>
+            </a:r>
           </a:p>
           <a:p>
             <a:pPr lvl="1"/>
             <a:r>
-              <a:rPr lang="it-IT" dirty="0"/>
-              <a:t>Le etichette sono spesso identificatori di tipo numerico o stringa</a:t>
+              <a:rPr lang="en-US" dirty="0"/>
+              <a:t>Label are usually numeric or string identifiers</a:t>
             </a:r>
           </a:p>
           <a:p>
             <a:pPr lvl="2"/>
             <a:r>
-              <a:rPr lang="it-IT" dirty="0"/>
-              <a:t>E.g., la chiave primaria di una tabella in un database</a:t>
+              <a:rPr lang="en-US" dirty="0"/>
+              <a:t>E.g., the primary key of a database table</a:t>
             </a:r>
           </a:p>
           <a:p>
             <a:pPr lvl="1"/>
             <a:r>
-              <a:rPr lang="it-IT" dirty="0"/>
-              <a:t>Le etichette in un indice possono non essere univoche, ma nell’uso pratico spesso lo sono</a:t>
-            </a:r>
-            <a:endParaRPr lang="en-US" dirty="0"/>
+              <a:rPr lang="en-US" dirty="0"/>
+              <a:t>Labels could repeat within the series, but usually do not</a:t>
+            </a:r>
           </a:p>
         </p:txBody>
       </p:sp>
@@ -14027,7 +14014,7 @@
           <a:lstStyle/>
           <a:p>
             <a:r>
-              <a:rPr lang="it-IT" dirty="0"/>
+              <a:rPr lang="en-US"/>
               <a:t>Matteo Francia – University of Bologna</a:t>
             </a:r>
           </a:p>
@@ -14060,11 +14047,11 @@
           <a:lstStyle/>
           <a:p>
             <a:fld id="{5DD6F1BA-2510-46FC-9346-AB1F3CA1593B}" type="slidenum">
-              <a:rPr lang="it-IT" smtClean="0"/>
+              <a:rPr lang="en-US" smtClean="0"/>
               <a:pPr/>
               <a:t>15</a:t>
             </a:fld>
-            <a:endParaRPr lang="it-IT"/>
+            <a:endParaRPr lang="en-US"/>
           </a:p>
         </p:txBody>
       </p:sp>
@@ -14150,10 +14137,9 @@
           <a:lstStyle/>
           <a:p>
             <a:r>
-              <a:rPr lang="it-IT" dirty="0" err="1"/>
+              <a:rPr lang="en-US"/>
               <a:t>Pandas</a:t>
             </a:r>
-            <a:endParaRPr lang="en-US" dirty="0"/>
           </a:p>
         </p:txBody>
       </p:sp>
@@ -14184,35 +14170,35 @@
           <a:lstStyle/>
           <a:p>
             <a:r>
-              <a:rPr lang="it-IT" dirty="0"/>
-              <a:t>Il </a:t>
-            </a:r>
-            <a:r>
-              <a:rPr lang="it-IT" dirty="0">
+              <a:rPr lang="en-US" dirty="0"/>
+              <a:t>The </a:t>
+            </a:r>
+            <a:r>
+              <a:rPr lang="en-US" dirty="0">
                 <a:solidFill>
                   <a:schemeClr val="accent1"/>
                 </a:solidFill>
               </a:rPr>
-              <a:t>costruttore</a:t>
-            </a:r>
-            <a:r>
-              <a:rPr lang="it-IT" dirty="0"/>
-              <a:t> di Series accetta i </a:t>
-            </a:r>
-            <a:r>
-              <a:rPr lang="it-IT" dirty="0">
+              <a:t>constructor </a:t>
+            </a:r>
+            <a:r>
+              <a:rPr lang="en-US" dirty="0"/>
+              <a:t>of a Series requires </a:t>
+            </a:r>
+            <a:r>
+              <a:rPr lang="en-US" dirty="0">
                 <a:solidFill>
                   <a:srgbClr val="C1504D"/>
                 </a:solidFill>
               </a:rPr>
-              <a:t>valori</a:t>
-            </a:r>
-            <a:r>
-              <a:rPr lang="it-IT" dirty="0"/>
-              <a:t> della serie e come attributo </a:t>
-            </a:r>
-            <a:r>
-              <a:rPr lang="it-IT" dirty="0">
+              <a:t>value </a:t>
+            </a:r>
+            <a:r>
+              <a:rPr lang="en-US" dirty="0"/>
+              <a:t>and (optionally) </a:t>
+            </a:r>
+            <a:r>
+              <a:rPr lang="en-US" dirty="0">
                 <a:solidFill>
                   <a:srgbClr val="92D050"/>
                 </a:solidFill>
@@ -14220,8 +14206,8 @@
               <a:t>index</a:t>
             </a:r>
             <a:r>
-              <a:rPr lang="it-IT" dirty="0"/>
-              <a:t> opzionale le etichette corrispondenti</a:t>
+              <a:rPr lang="en-US" dirty="0"/>
+              <a:t> attributes</a:t>
             </a:r>
           </a:p>
           <a:p>
@@ -14293,8 +14279,8 @@
           <a:p>
             <a:pPr lvl="1"/>
             <a:r>
-              <a:rPr lang="it-IT" dirty="0"/>
-              <a:t>Se non specificato, l’indice è la sequenza di interi da 0 a N-1, così che ogni elemento sia etichettato dalla posizione (come in liste e array)</a:t>
+              <a:rPr lang="en-US" dirty="0"/>
+              <a:t>If unspecified,  the index is a sequence of integers ranging from 0 to N-1</a:t>
             </a:r>
           </a:p>
         </p:txBody>
@@ -14355,7 +14341,7 @@
           <a:lstStyle/>
           <a:p>
             <a:r>
-              <a:rPr lang="it-IT"/>
+              <a:rPr lang="en-US"/>
               <a:t>Matteo Francia – University of Bologna</a:t>
             </a:r>
           </a:p>
@@ -14388,11 +14374,11 @@
           <a:lstStyle/>
           <a:p>
             <a:fld id="{5DD6F1BA-2510-46FC-9346-AB1F3CA1593B}" type="slidenum">
-              <a:rPr lang="it-IT" smtClean="0"/>
+              <a:rPr lang="en-US" smtClean="0"/>
               <a:pPr/>
               <a:t>16</a:t>
             </a:fld>
-            <a:endParaRPr lang="it-IT"/>
+            <a:endParaRPr lang="en-US"/>
           </a:p>
         </p:txBody>
       </p:sp>
@@ -14478,10 +14464,9 @@
           <a:lstStyle/>
           <a:p>
             <a:r>
-              <a:rPr lang="it-IT" dirty="0" err="1"/>
+              <a:rPr lang="en-US"/>
               <a:t>Pandas</a:t>
             </a:r>
-            <a:endParaRPr lang="en-US" dirty="0"/>
           </a:p>
         </p:txBody>
       </p:sp>
@@ -14513,207 +14498,50 @@
           <a:p>
             <a:r>
               <a:rPr lang="en-US" dirty="0"/>
-              <a:t>Le </a:t>
-            </a:r>
-            <a:r>
-              <a:rPr lang="en-US" dirty="0" err="1"/>
-              <a:t>serie</a:t>
-            </a:r>
+              <a:t>Series support binary operators</a:t>
+            </a:r>
+          </a:p>
+          <a:p>
+            <a:pPr lvl="1"/>
             <a:r>
               <a:rPr lang="en-US" dirty="0"/>
-              <a:t> </a:t>
-            </a:r>
-            <a:r>
-              <a:rPr lang="en-US" dirty="0" err="1"/>
-              <a:t>supportano</a:t>
-            </a:r>
+              <a:t>+, -, *, etc.</a:t>
+            </a:r>
+          </a:p>
+          <a:p>
+            <a:pPr lvl="1"/>
             <a:r>
               <a:rPr lang="en-US" dirty="0"/>
-              <a:t> </a:t>
-            </a:r>
-            <a:r>
-              <a:rPr lang="en-US" dirty="0" err="1"/>
-              <a:t>anche</a:t>
-            </a:r>
+              <a:t>Custom functions</a:t>
+            </a:r>
+          </a:p>
+          <a:p>
             <a:r>
               <a:rPr lang="en-US" dirty="0"/>
-              <a:t> </a:t>
-            </a:r>
-            <a:r>
-              <a:rPr lang="en-US" dirty="0" err="1"/>
-              <a:t>operazioni</a:t>
-            </a:r>
+              <a:t>Binary operators are applied to the values </a:t>
+            </a:r>
+            <a:r>
+              <a:rPr lang="en-US" dirty="0">
+                <a:solidFill>
+                  <a:schemeClr val="accent1"/>
+                </a:solidFill>
+              </a:rPr>
+              <a:t>with the same label</a:t>
+            </a:r>
+          </a:p>
+          <a:p>
+            <a:pPr lvl="1"/>
             <a:r>
               <a:rPr lang="en-US" dirty="0"/>
-              <a:t> </a:t>
-            </a:r>
-            <a:r>
-              <a:rPr lang="en-US" dirty="0" err="1"/>
-              <a:t>binarie</a:t>
-            </a:r>
+              <a:t>... and by the value order</a:t>
+            </a:r>
+          </a:p>
+          <a:p>
+            <a:pPr lvl="1"/>
             <a:r>
               <a:rPr lang="en-US" dirty="0"/>
-              <a:t> </a:t>
-            </a:r>
-            <a:r>
-              <a:rPr lang="en-US" dirty="0" err="1"/>
-              <a:t>tra</a:t>
-            </a:r>
-            <a:r>
-              <a:rPr lang="en-US" dirty="0"/>
-              <a:t> </a:t>
-            </a:r>
-            <a:r>
-              <a:rPr lang="en-US" dirty="0" err="1"/>
-              <a:t>esse</a:t>
-            </a:r>
-            <a:endParaRPr lang="en-US" dirty="0"/>
-          </a:p>
-          <a:p>
-            <a:pPr lvl="1"/>
-            <a:r>
-              <a:rPr lang="en-US" dirty="0"/>
-              <a:t>Con </a:t>
-            </a:r>
-            <a:r>
-              <a:rPr lang="en-US" dirty="0" err="1"/>
-              <a:t>operatori</a:t>
-            </a:r>
-            <a:r>
-              <a:rPr lang="en-US" dirty="0"/>
-              <a:t> +, -, *, etc.</a:t>
-            </a:r>
-          </a:p>
-          <a:p>
-            <a:pPr lvl="1"/>
-            <a:r>
-              <a:rPr lang="en-US" dirty="0"/>
-              <a:t>Con </a:t>
-            </a:r>
-            <a:r>
-              <a:rPr lang="en-US" dirty="0" err="1"/>
-              <a:t>funzioni</a:t>
-            </a:r>
-            <a:r>
-              <a:rPr lang="en-US" dirty="0"/>
-              <a:t> </a:t>
-            </a:r>
-            <a:r>
-              <a:rPr lang="en-US" dirty="0" err="1"/>
-              <a:t>universali</a:t>
-            </a:r>
-            <a:endParaRPr lang="en-US" dirty="0"/>
-          </a:p>
-          <a:p>
-            <a:r>
-              <a:rPr lang="en-US" dirty="0" err="1"/>
-              <a:t>L’operazione</a:t>
-            </a:r>
-            <a:r>
-              <a:rPr lang="en-US" dirty="0"/>
-              <a:t> è </a:t>
-            </a:r>
-            <a:r>
-              <a:rPr lang="en-US" dirty="0" err="1"/>
-              <a:t>applicata</a:t>
-            </a:r>
-            <a:r>
-              <a:rPr lang="en-US" dirty="0"/>
-              <a:t> per </a:t>
-            </a:r>
-            <a:r>
-              <a:rPr lang="en-US" dirty="0" err="1"/>
-              <a:t>elementi</a:t>
-            </a:r>
-            <a:r>
-              <a:rPr lang="en-US" dirty="0"/>
-              <a:t> con </a:t>
-            </a:r>
-            <a:r>
-              <a:rPr lang="en-US" dirty="0" err="1"/>
-              <a:t>pari</a:t>
-            </a:r>
-            <a:r>
-              <a:rPr lang="en-US" dirty="0"/>
-              <a:t> </a:t>
-            </a:r>
-            <a:r>
-              <a:rPr lang="en-US" dirty="0" err="1"/>
-              <a:t>etichetta</a:t>
-            </a:r>
-            <a:endParaRPr lang="en-US" dirty="0"/>
-          </a:p>
-          <a:p>
-            <a:pPr lvl="1"/>
-            <a:r>
-              <a:rPr lang="en-US" dirty="0"/>
-              <a:t>Non </a:t>
-            </a:r>
-            <a:r>
-              <a:rPr lang="en-US" dirty="0" err="1"/>
-              <a:t>viene</a:t>
-            </a:r>
-            <a:r>
-              <a:rPr lang="en-US" dirty="0"/>
-              <a:t> considerate </a:t>
-            </a:r>
-            <a:r>
-              <a:rPr lang="en-US" dirty="0" err="1"/>
-              <a:t>l’ordine</a:t>
-            </a:r>
-            <a:r>
-              <a:rPr lang="en-US" dirty="0"/>
-              <a:t> </a:t>
-            </a:r>
-            <a:r>
-              <a:rPr lang="en-US" dirty="0" err="1"/>
-              <a:t>dei</a:t>
-            </a:r>
-            <a:r>
-              <a:rPr lang="en-US" dirty="0"/>
-              <a:t> </a:t>
-            </a:r>
-            <a:r>
-              <a:rPr lang="en-US" dirty="0" err="1"/>
-              <a:t>valori</a:t>
-            </a:r>
-            <a:endParaRPr lang="en-US" dirty="0"/>
-          </a:p>
-          <a:p>
-            <a:pPr lvl="1"/>
-            <a:r>
-              <a:rPr lang="en-US" dirty="0"/>
-              <a:t>Per </a:t>
-            </a:r>
-            <a:r>
-              <a:rPr lang="en-US" dirty="0" err="1"/>
-              <a:t>ogni</a:t>
-            </a:r>
-            <a:r>
-              <a:rPr lang="en-US" dirty="0"/>
-              <a:t> </a:t>
-            </a:r>
-            <a:r>
-              <a:rPr lang="en-US" dirty="0" err="1"/>
-              <a:t>etichetta</a:t>
-            </a:r>
-            <a:r>
-              <a:rPr lang="en-US" dirty="0"/>
-              <a:t> </a:t>
-            </a:r>
-            <a:r>
-              <a:rPr lang="en-US" dirty="0" err="1"/>
-              <a:t>presente</a:t>
-            </a:r>
-            <a:r>
-              <a:rPr lang="en-US" dirty="0"/>
-              <a:t> </a:t>
-            </a:r>
-            <a:r>
-              <a:rPr lang="it-IT" dirty="0"/>
-              <a:t>solo in un operando si avrà un valore NA nel risultato</a:t>
-            </a:r>
-            <a:endParaRPr lang="en-US" dirty="0"/>
+              <a:t>The result will contain NA for each unmatched label (i.e., a label contained in one series but not the other)</a:t>
+            </a:r>
           </a:p>
         </p:txBody>
       </p:sp>
@@ -14744,7 +14572,7 @@
           <a:lstStyle/>
           <a:p>
             <a:r>
-              <a:rPr lang="it-IT" dirty="0"/>
+              <a:rPr lang="en-US"/>
               <a:t>Matteo Francia – University of Bologna</a:t>
             </a:r>
           </a:p>
@@ -14777,11 +14605,11 @@
           <a:lstStyle/>
           <a:p>
             <a:fld id="{5DD6F1BA-2510-46FC-9346-AB1F3CA1593B}" type="slidenum">
-              <a:rPr lang="it-IT" smtClean="0"/>
+              <a:rPr lang="en-US" smtClean="0"/>
               <a:pPr/>
               <a:t>17</a:t>
             </a:fld>
-            <a:endParaRPr lang="it-IT"/>
+            <a:endParaRPr lang="en-US"/>
           </a:p>
         </p:txBody>
       </p:sp>
@@ -14842,10 +14670,9 @@
           <a:lstStyle/>
           <a:p>
             <a:r>
-              <a:rPr lang="it-IT" dirty="0"/>
-              <a:t>Tipi di attributo</a:t>
-            </a:r>
-            <a:endParaRPr lang="en-US" dirty="0"/>
+              <a:rPr lang="en-US"/>
+              <a:t>Attribute types</a:t>
+            </a:r>
           </a:p>
         </p:txBody>
       </p:sp>
@@ -14876,24 +14703,20 @@
           <a:lstStyle/>
           <a:p>
             <a:r>
-              <a:rPr lang="it-IT" dirty="0"/>
-              <a:t>Quando si crea una serie è possibile specificare il tipo di dato</a:t>
-            </a:r>
-          </a:p>
-          <a:p>
-            <a:r>
-              <a:rPr lang="it-IT" dirty="0"/>
-              <a:t>I tipi di dati utilizzati più comunemente sono quelli numerici</a:t>
+              <a:rPr lang="en-US" dirty="0"/>
+              <a:t>Attribute type can be specified during the creation of a series</a:t>
+            </a:r>
+          </a:p>
+          <a:p>
+            <a:r>
+              <a:rPr lang="en-US" dirty="0"/>
+              <a:t>Common data types are numeric ones</a:t>
             </a:r>
           </a:p>
           <a:p>
             <a:pPr lvl="1"/>
             <a:r>
-              <a:rPr lang="it-IT" dirty="0"/>
-              <a:t>I tipi </a:t>
-            </a:r>
-            <a:r>
-              <a:rPr lang="it-IT" dirty="0" err="1">
+              <a:rPr lang="en-US" dirty="0" err="1">
                 <a:solidFill>
                   <a:schemeClr val="accent1"/>
                 </a:solidFill>
@@ -14901,7 +14724,7 @@
               <a:t>np.floatN</a:t>
             </a:r>
             <a:r>
-              <a:rPr lang="it-IT" dirty="0">
+              <a:rPr lang="en-US" dirty="0">
                 <a:solidFill>
                   <a:schemeClr val="accent1"/>
                 </a:solidFill>
@@ -14909,18 +14732,22 @@
               <a:t> </a:t>
             </a:r>
             <a:r>
-              <a:rPr lang="it-IT" dirty="0"/>
-              <a:t>memorizzano numeri a virgola mobile</a:t>
+              <a:rPr lang="en-US" dirty="0"/>
+              <a:t>represents </a:t>
+            </a:r>
+            <a:r>
+              <a:rPr lang="en-US" dirty="0" err="1"/>
+              <a:t>floting</a:t>
+            </a:r>
+            <a:r>
+              <a:rPr lang="en-US" dirty="0"/>
+              <a:t> numbers (e.g., -3.14)</a:t>
             </a:r>
           </a:p>
           <a:p>
             <a:pPr lvl="1"/>
             <a:r>
-              <a:rPr lang="it-IT" dirty="0"/>
-              <a:t>I tipi </a:t>
-            </a:r>
-            <a:r>
-              <a:rPr lang="it-IT" dirty="0" err="1">
+              <a:rPr lang="en-US" dirty="0" err="1">
                 <a:solidFill>
                   <a:schemeClr val="accent1"/>
                 </a:solidFill>
@@ -14928,7 +14755,7 @@
               <a:t>np.intN</a:t>
             </a:r>
             <a:r>
-              <a:rPr lang="it-IT" dirty="0">
+              <a:rPr lang="en-US" dirty="0">
                 <a:solidFill>
                   <a:schemeClr val="accent1"/>
                 </a:solidFill>
@@ -14936,7 +14763,7 @@
               <a:t> / </a:t>
             </a:r>
             <a:r>
-              <a:rPr lang="it-IT" dirty="0" err="1">
+              <a:rPr lang="en-US" dirty="0" err="1">
                 <a:solidFill>
                   <a:schemeClr val="accent1"/>
                 </a:solidFill>
@@ -14944,7 +14771,7 @@
               <a:t>np.uintN</a:t>
             </a:r>
             <a:r>
-              <a:rPr lang="it-IT" dirty="0">
+              <a:rPr lang="en-US" dirty="0">
                 <a:solidFill>
                   <a:schemeClr val="accent1"/>
                 </a:solidFill>
@@ -14952,14 +14779,14 @@
               <a:t> </a:t>
             </a:r>
             <a:r>
-              <a:rPr lang="it-IT" dirty="0"/>
-              <a:t>memorizzano numeri interi con/senza segno</a:t>
+              <a:rPr lang="en-US" dirty="0"/>
+              <a:t>represent integers with/without sign (-42 and 42)</a:t>
             </a:r>
           </a:p>
           <a:p>
             <a:pPr lvl="1"/>
             <a:r>
-              <a:rPr lang="it-IT" dirty="0">
+              <a:rPr lang="en-US" dirty="0">
                 <a:solidFill>
                   <a:schemeClr val="accent1"/>
                 </a:solidFill>
@@ -14967,14 +14794,14 @@
               <a:t>N</a:t>
             </a:r>
             <a:r>
-              <a:rPr lang="it-IT" dirty="0"/>
-              <a:t> è il numero di bit usati, pari a 8, 16, 32 o 64</a:t>
-            </a:r>
-          </a:p>
-          <a:p>
-            <a:r>
-              <a:rPr lang="it-IT" dirty="0"/>
-              <a:t>Altri tipi di dato includono</a:t>
+              <a:rPr lang="en-US" dirty="0"/>
+              <a:t> is the number of needed bits: 8, 16, 32 o 64</a:t>
+            </a:r>
+          </a:p>
+          <a:p>
+            <a:r>
+              <a:rPr lang="en-US" dirty="0"/>
+              <a:t>Other data types</a:t>
             </a:r>
           </a:p>
           <a:p>
@@ -14989,26 +14816,13 @@
             </a:r>
             <a:r>
               <a:rPr lang="en-US" dirty="0"/>
-              <a:t>: </a:t>
-            </a:r>
-            <a:r>
-              <a:rPr lang="en-US" dirty="0" err="1"/>
-              <a:t>valori</a:t>
-            </a:r>
-            <a:r>
-              <a:rPr lang="en-US" dirty="0"/>
-              <a:t> </a:t>
-            </a:r>
-            <a:r>
-              <a:rPr lang="en-US" dirty="0" err="1"/>
-              <a:t>booleani</a:t>
-            </a:r>
-            <a:endParaRPr lang="en-US" dirty="0"/>
+              <a:t>: Boolean values</a:t>
+            </a:r>
           </a:p>
           <a:p>
             <a:pPr lvl="1"/>
             <a:r>
-              <a:rPr lang="it-IT" dirty="0">
+              <a:rPr lang="en-US" dirty="0">
                 <a:solidFill>
                   <a:schemeClr val="accent1"/>
                 </a:solidFill>
@@ -15016,22 +14830,14 @@
               <a:t>datetime64, timedelta64</a:t>
             </a:r>
             <a:r>
-              <a:rPr lang="it-IT" dirty="0"/>
-              <a:t>: </a:t>
-            </a:r>
-            <a:r>
-              <a:rPr lang="it-IT" dirty="0" err="1"/>
-              <a:t>timestamp</a:t>
-            </a:r>
-            <a:r>
-              <a:rPr lang="it-IT" dirty="0"/>
-              <a:t> e intervalli di tempo</a:t>
+              <a:rPr lang="en-US" dirty="0"/>
+              <a:t>: timestamp and time intervals</a:t>
             </a:r>
           </a:p>
           <a:p>
             <a:pPr lvl="1"/>
             <a:r>
-              <a:rPr lang="it-IT" dirty="0" err="1">
+              <a:rPr lang="en-US" dirty="0">
                 <a:solidFill>
                   <a:schemeClr val="accent1"/>
                 </a:solidFill>
@@ -15039,14 +14845,14 @@
               <a:t>object</a:t>
             </a:r>
             <a:r>
-              <a:rPr lang="it-IT" dirty="0"/>
-              <a:t>: generici oggetti Python, usato principalmente per stringhe</a:t>
-            </a:r>
-          </a:p>
-          <a:p>
-            <a:r>
-              <a:rPr lang="it-IT" dirty="0"/>
-              <a:t>Perché è importante selezionare il giusto tipo di dato?</a:t>
+              <a:rPr lang="en-US" dirty="0"/>
+              <a:t>: mainly used for strings</a:t>
+            </a:r>
+          </a:p>
+          <a:p>
+            <a:r>
+              <a:rPr lang="en-US" dirty="0"/>
+              <a:t>Why is data type important?</a:t>
             </a:r>
           </a:p>
         </p:txBody>
@@ -15078,7 +14884,7 @@
           <a:lstStyle/>
           <a:p>
             <a:r>
-              <a:rPr lang="it-IT"/>
+              <a:rPr lang="en-US"/>
               <a:t>Matteo Francia – University of Bologna</a:t>
             </a:r>
           </a:p>
@@ -15111,11 +14917,11 @@
           <a:lstStyle/>
           <a:p>
             <a:fld id="{5DD6F1BA-2510-46FC-9346-AB1F3CA1593B}" type="slidenum">
-              <a:rPr lang="it-IT" smtClean="0"/>
+              <a:rPr lang="en-US" smtClean="0"/>
               <a:pPr/>
               <a:t>18</a:t>
             </a:fld>
-            <a:endParaRPr lang="it-IT"/>
+            <a:endParaRPr lang="en-US"/>
           </a:p>
         </p:txBody>
       </p:sp>
@@ -15151,10 +14957,10 @@
       </p:grpSpPr>
       <p:sp>
         <p:nvSpPr>
-          <p:cNvPr id="3" name="Titolo 2">
-            <a:extLst>
-              <a:ext uri="{FF2B5EF4-FFF2-40B4-BE49-F238E27FC236}">
-                <a16:creationId xmlns:a16="http://schemas.microsoft.com/office/drawing/2014/main" id="{89F3FFF7-06B8-4E67-A4D5-7350ED8AA308}"/>
+          <p:cNvPr id="6" name="Title 5">
+            <a:extLst>
+              <a:ext uri="{FF2B5EF4-FFF2-40B4-BE49-F238E27FC236}">
+                <a16:creationId xmlns:a16="http://schemas.microsoft.com/office/drawing/2014/main" id="{63D32C6F-875F-4EA4-B347-E210775D9CC4}"/>
               </a:ext>
             </a:extLst>
           </p:cNvPr>
@@ -15165,380 +14971,140 @@
             <p:ph type="title"/>
           </p:nvPr>
         </p:nvSpPr>
+        <p:spPr/>
+        <p:txBody>
+          <a:bodyPr>
+            <a:normAutofit/>
+          </a:bodyPr>
+          <a:lstStyle/>
+          <a:p>
+            <a:r>
+              <a:rPr lang="en-US" dirty="0"/>
+              <a:t>Why is data type important?</a:t>
+            </a:r>
+          </a:p>
+        </p:txBody>
+      </p:sp>
+      <p:pic>
+        <p:nvPicPr>
+          <p:cNvPr id="10" name="Content Placeholder 9">
+            <a:extLst>
+              <a:ext uri="{FF2B5EF4-FFF2-40B4-BE49-F238E27FC236}">
+                <a16:creationId xmlns:a16="http://schemas.microsoft.com/office/drawing/2014/main" id="{A395ECE6-4257-4ECA-8D23-8AE1D6F981E2}"/>
+              </a:ext>
+            </a:extLst>
+          </p:cNvPr>
+          <p:cNvPicPr>
+            <a:picLocks noGrp="1" noChangeAspect="1"/>
+          </p:cNvPicPr>
+          <p:nvPr>
+            <p:ph idx="1"/>
+          </p:nvPr>
+        </p:nvPicPr>
+        <p:blipFill>
+          <a:blip r:embed="rId2"/>
+          <a:stretch>
+            <a:fillRect/>
+          </a:stretch>
+        </p:blipFill>
         <p:spPr>
           <a:xfrm>
-            <a:off x="838200" y="365125"/>
-            <a:ext cx="10515600" cy="1325563"/>
+            <a:off x="3374838" y="1700213"/>
+            <a:ext cx="5442324" cy="4351337"/>
           </a:xfrm>
         </p:spPr>
+      </p:pic>
+      <p:sp>
+        <p:nvSpPr>
+          <p:cNvPr id="4" name="Footer Placeholder 3">
+            <a:extLst>
+              <a:ext uri="{FF2B5EF4-FFF2-40B4-BE49-F238E27FC236}">
+                <a16:creationId xmlns:a16="http://schemas.microsoft.com/office/drawing/2014/main" id="{EEF3E275-1B71-4ACA-9AF8-7CA01712DBF0}"/>
+              </a:ext>
+            </a:extLst>
+          </p:cNvPr>
+          <p:cNvSpPr>
+            <a:spLocks noGrp="1"/>
+          </p:cNvSpPr>
+          <p:nvPr>
+            <p:ph type="ftr" sz="quarter" idx="11"/>
+          </p:nvPr>
+        </p:nvSpPr>
+        <p:spPr/>
         <p:txBody>
           <a:bodyPr/>
           <a:lstStyle/>
           <a:p>
-            <a:r>
-              <a:rPr lang="it-IT" dirty="0"/>
-              <a:t>Valori mancanti</a:t>
-            </a:r>
-            <a:endParaRPr lang="en-US" dirty="0"/>
-          </a:p>
-        </p:txBody>
-      </p:sp>
-      <p:sp>
-        <p:nvSpPr>
-          <p:cNvPr id="9" name="Segnaposto contenuto 8">
-            <a:extLst>
-              <a:ext uri="{FF2B5EF4-FFF2-40B4-BE49-F238E27FC236}">
-                <a16:creationId xmlns:a16="http://schemas.microsoft.com/office/drawing/2014/main" id="{98563907-39E7-49FA-AABD-60A9F6C096D5}"/>
-              </a:ext>
-            </a:extLst>
-          </p:cNvPr>
-          <p:cNvSpPr>
-            <a:spLocks noGrp="1"/>
-          </p:cNvSpPr>
-          <p:nvPr>
-            <p:ph idx="1"/>
-          </p:nvPr>
-        </p:nvSpPr>
-        <p:spPr>
-          <a:xfrm>
-            <a:off x="838200" y="1700499"/>
-            <a:ext cx="10515600" cy="4351338"/>
-          </a:xfrm>
-        </p:spPr>
+            <a:pPr algn="l"/>
+            <a:r>
+              <a:rPr lang="it-IT"/>
+              <a:t>Matteo Francia – University of Bologna</a:t>
+            </a:r>
+            <a:endParaRPr lang="it-IT" dirty="0"/>
+          </a:p>
+        </p:txBody>
+      </p:sp>
+      <p:sp>
+        <p:nvSpPr>
+          <p:cNvPr id="5" name="Slide Number Placeholder 4">
+            <a:extLst>
+              <a:ext uri="{FF2B5EF4-FFF2-40B4-BE49-F238E27FC236}">
+                <a16:creationId xmlns:a16="http://schemas.microsoft.com/office/drawing/2014/main" id="{23F467B6-ED7D-43BF-A69D-863B02EAB059}"/>
+              </a:ext>
+            </a:extLst>
+          </p:cNvPr>
+          <p:cNvSpPr>
+            <a:spLocks noGrp="1"/>
+          </p:cNvSpPr>
+          <p:nvPr>
+            <p:ph type="sldNum" sz="quarter" idx="12"/>
+          </p:nvPr>
+        </p:nvSpPr>
+        <p:spPr/>
         <p:txBody>
           <a:bodyPr/>
           <a:lstStyle/>
           <a:p>
-            <a:r>
-              <a:rPr lang="it-IT" dirty="0"/>
-              <a:t>Nella pratica, dataset ha spesso dei valori mancanti</a:t>
-            </a:r>
-          </a:p>
-          <a:p>
-            <a:pPr lvl="1"/>
-            <a:r>
-              <a:rPr lang="it-IT" dirty="0"/>
-              <a:t>E.g., perché non esistono o non sono stati forniti</a:t>
-            </a:r>
-          </a:p>
-          <a:p>
-            <a:r>
-              <a:rPr lang="it-IT" dirty="0"/>
-              <a:t>Una serie può avere valori mancanti, detti </a:t>
-            </a:r>
-            <a:r>
-              <a:rPr lang="it-IT" dirty="0">
-                <a:solidFill>
-                  <a:schemeClr val="accent1"/>
-                </a:solidFill>
-              </a:rPr>
-              <a:t>NA</a:t>
-            </a:r>
-            <a:r>
-              <a:rPr lang="it-IT" dirty="0"/>
-              <a:t> (Not </a:t>
-            </a:r>
-            <a:r>
-              <a:rPr lang="it-IT" dirty="0" err="1"/>
-              <a:t>Available</a:t>
-            </a:r>
-            <a:r>
-              <a:rPr lang="it-IT" dirty="0"/>
-              <a:t>)</a:t>
-            </a:r>
-          </a:p>
-          <a:p>
-            <a:pPr lvl="1"/>
-            <a:r>
-              <a:rPr lang="it-IT" dirty="0"/>
-              <a:t>In caso di numeri reali, NA è rappresentato internamente dal valore </a:t>
-            </a:r>
-            <a:r>
-              <a:rPr lang="it-IT" dirty="0" err="1">
-                <a:solidFill>
-                  <a:schemeClr val="accent1"/>
-                </a:solidFill>
-              </a:rPr>
-              <a:t>nan</a:t>
-            </a:r>
-            <a:r>
-              <a:rPr lang="it-IT" dirty="0">
-                <a:solidFill>
-                  <a:schemeClr val="accent1"/>
-                </a:solidFill>
-              </a:rPr>
-              <a:t> </a:t>
-            </a:r>
-            <a:r>
-              <a:rPr lang="it-IT" dirty="0"/>
-              <a:t>(Not a </a:t>
-            </a:r>
-            <a:r>
-              <a:rPr lang="it-IT" dirty="0" err="1"/>
-              <a:t>Number</a:t>
-            </a:r>
-            <a:r>
-              <a:rPr lang="it-IT" dirty="0"/>
-              <a:t>)</a:t>
-            </a:r>
-          </a:p>
-          <a:p>
-            <a:pPr lvl="1"/>
-            <a:r>
-              <a:rPr lang="it-IT" dirty="0"/>
-              <a:t>Come in altri linguaggi, il valore </a:t>
-            </a:r>
-            <a:r>
-              <a:rPr lang="it-IT" dirty="0" err="1">
-                <a:solidFill>
-                  <a:schemeClr val="accent1"/>
-                </a:solidFill>
-              </a:rPr>
-              <a:t>nan</a:t>
-            </a:r>
-            <a:r>
-              <a:rPr lang="it-IT" dirty="0"/>
-              <a:t> non risulta mai uguale, maggiore o minore di altri numeri</a:t>
-            </a:r>
-          </a:p>
-          <a:p>
-            <a:pPr marL="914400" lvl="2" indent="0">
-              <a:buNone/>
-            </a:pPr>
-            <a:r>
-              <a:rPr lang="en-US" dirty="0">
-                <a:solidFill>
-                  <a:schemeClr val="accent1"/>
-                </a:solidFill>
-              </a:rPr>
-              <a:t>&gt;&gt;&gt; </a:t>
-            </a:r>
-            <a:r>
-              <a:rPr lang="en-US" dirty="0" err="1">
-                <a:solidFill>
-                  <a:schemeClr val="accent1"/>
-                </a:solidFill>
-              </a:rPr>
-              <a:t>np.nan</a:t>
-            </a:r>
-            <a:r>
-              <a:rPr lang="en-US" dirty="0">
-                <a:solidFill>
-                  <a:schemeClr val="accent1"/>
-                </a:solidFill>
-              </a:rPr>
-              <a:t> == </a:t>
-            </a:r>
-            <a:r>
-              <a:rPr lang="en-US" dirty="0" err="1">
-                <a:solidFill>
-                  <a:schemeClr val="accent1"/>
-                </a:solidFill>
-              </a:rPr>
-              <a:t>np.nan</a:t>
-            </a:r>
-            <a:endParaRPr lang="en-US" dirty="0">
-              <a:solidFill>
-                <a:schemeClr val="accent1"/>
-              </a:solidFill>
-            </a:endParaRPr>
-          </a:p>
-          <a:p>
-            <a:pPr marL="914400" lvl="2" indent="0">
-              <a:buNone/>
-            </a:pPr>
-            <a:r>
-              <a:rPr lang="en-US" dirty="0">
-                <a:solidFill>
-                  <a:schemeClr val="accent1"/>
-                </a:solidFill>
-              </a:rPr>
-              <a:t>False</a:t>
-            </a:r>
-          </a:p>
-          <a:p>
-            <a:pPr lvl="1"/>
-            <a:r>
-              <a:rPr lang="it-IT" dirty="0"/>
-              <a:t>Qualsiasi espressione numerica con </a:t>
-            </a:r>
-            <a:r>
-              <a:rPr lang="it-IT" dirty="0" err="1">
-                <a:solidFill>
-                  <a:schemeClr val="accent1"/>
-                </a:solidFill>
-              </a:rPr>
-              <a:t>nan</a:t>
-            </a:r>
-            <a:r>
-              <a:rPr lang="it-IT" dirty="0"/>
-              <a:t> ha risultato </a:t>
-            </a:r>
-            <a:r>
-              <a:rPr lang="it-IT" dirty="0" err="1">
-                <a:solidFill>
-                  <a:schemeClr val="accent1"/>
-                </a:solidFill>
-              </a:rPr>
-              <a:t>nan</a:t>
-            </a:r>
-            <a:endParaRPr lang="it-IT" dirty="0">
-              <a:solidFill>
-                <a:schemeClr val="accent1"/>
-              </a:solidFill>
-            </a:endParaRPr>
-          </a:p>
-          <a:p>
-            <a:pPr marL="914400" lvl="2" indent="0">
-              <a:buNone/>
-            </a:pPr>
-            <a:r>
-              <a:rPr lang="en-US" dirty="0">
-                <a:solidFill>
-                  <a:schemeClr val="accent1"/>
-                </a:solidFill>
-              </a:rPr>
-              <a:t>&gt;&gt;&gt; 2 * </a:t>
-            </a:r>
-            <a:r>
-              <a:rPr lang="en-US" dirty="0" err="1">
-                <a:solidFill>
-                  <a:schemeClr val="accent1"/>
-                </a:solidFill>
-              </a:rPr>
-              <a:t>np.nan</a:t>
-            </a:r>
-            <a:r>
-              <a:rPr lang="en-US" dirty="0">
-                <a:solidFill>
-                  <a:schemeClr val="accent1"/>
-                </a:solidFill>
-              </a:rPr>
-              <a:t> – 1</a:t>
-            </a:r>
-          </a:p>
-          <a:p>
-            <a:pPr marL="914400" lvl="2" indent="0">
-              <a:buNone/>
-            </a:pPr>
-            <a:r>
-              <a:rPr lang="en-US" dirty="0">
-                <a:solidFill>
-                  <a:schemeClr val="accent1"/>
-                </a:solidFill>
-              </a:rPr>
-              <a:t>nan</a:t>
-            </a:r>
-          </a:p>
-          <a:p>
-            <a:pPr indent="-285750"/>
-            <a:r>
-              <a:rPr lang="en-US" dirty="0" err="1"/>
-              <a:t>Quali</a:t>
-            </a:r>
-            <a:r>
-              <a:rPr lang="en-US" dirty="0"/>
-              <a:t> </a:t>
-            </a:r>
-            <a:r>
-              <a:rPr lang="en-US" dirty="0" err="1"/>
-              <a:t>problemi</a:t>
-            </a:r>
-            <a:r>
-              <a:rPr lang="en-US" dirty="0"/>
-              <a:t> </a:t>
-            </a:r>
-            <a:r>
-              <a:rPr lang="en-US" dirty="0" err="1"/>
-              <a:t>possono</a:t>
-            </a:r>
-            <a:r>
-              <a:rPr lang="en-US" dirty="0"/>
-              <a:t> </a:t>
-            </a:r>
-            <a:r>
-              <a:rPr lang="en-US" dirty="0" err="1"/>
-              <a:t>sorgere</a:t>
-            </a:r>
-            <a:r>
-              <a:rPr lang="en-US" dirty="0"/>
-              <a:t>?</a:t>
-            </a:r>
-          </a:p>
-        </p:txBody>
-      </p:sp>
-      <p:sp>
-        <p:nvSpPr>
-          <p:cNvPr id="5" name="Segnaposto piè di pagina 4">
-            <a:extLst>
-              <a:ext uri="{FF2B5EF4-FFF2-40B4-BE49-F238E27FC236}">
-                <a16:creationId xmlns:a16="http://schemas.microsoft.com/office/drawing/2014/main" id="{F991CF9B-BE11-43FF-8B66-41283DE60E5C}"/>
-              </a:ext>
-            </a:extLst>
-          </p:cNvPr>
-          <p:cNvSpPr>
-            <a:spLocks noGrp="1"/>
-          </p:cNvSpPr>
-          <p:nvPr>
-            <p:ph type="ftr" sz="quarter" idx="11"/>
-          </p:nvPr>
-        </p:nvSpPr>
-        <p:spPr>
-          <a:xfrm>
-            <a:off x="-1" y="6492875"/>
-            <a:ext cx="2837793" cy="365125"/>
-          </a:xfrm>
-        </p:spPr>
-        <p:txBody>
-          <a:bodyPr/>
-          <a:lstStyle/>
-          <a:p>
-            <a:r>
-              <a:rPr lang="it-IT"/>
-              <a:t>Matteo Francia – University of Bologna</a:t>
-            </a:r>
-          </a:p>
-        </p:txBody>
-      </p:sp>
-      <p:sp>
-        <p:nvSpPr>
-          <p:cNvPr id="6" name="Segnaposto numero diapositiva 5">
-            <a:extLst>
-              <a:ext uri="{FF2B5EF4-FFF2-40B4-BE49-F238E27FC236}">
-                <a16:creationId xmlns:a16="http://schemas.microsoft.com/office/drawing/2014/main" id="{4F1A9BC8-7D3E-4BAD-9CA7-FBC3E57F5B49}"/>
-              </a:ext>
-            </a:extLst>
-          </p:cNvPr>
-          <p:cNvSpPr>
-            <a:spLocks noGrp="1"/>
-          </p:cNvSpPr>
-          <p:nvPr>
-            <p:ph type="sldNum" sz="quarter" idx="12"/>
-          </p:nvPr>
-        </p:nvSpPr>
-        <p:spPr>
-          <a:xfrm>
-            <a:off x="9448800" y="6492874"/>
-            <a:ext cx="2743200" cy="365125"/>
-          </a:xfrm>
-        </p:spPr>
-        <p:txBody>
-          <a:bodyPr/>
-          <a:lstStyle/>
-          <a:p>
             <a:fld id="{5DD6F1BA-2510-46FC-9346-AB1F3CA1593B}" type="slidenum">
               <a:rPr lang="it-IT" smtClean="0"/>
-              <a:pPr/>
               <a:t>19</a:t>
             </a:fld>
             <a:endParaRPr lang="it-IT"/>
           </a:p>
         </p:txBody>
       </p:sp>
+      <p:sp>
+        <p:nvSpPr>
+          <p:cNvPr id="8" name="Content Placeholder 7">
+            <a:extLst>
+              <a:ext uri="{FF2B5EF4-FFF2-40B4-BE49-F238E27FC236}">
+                <a16:creationId xmlns:a16="http://schemas.microsoft.com/office/drawing/2014/main" id="{0B21AD72-66B6-4187-8821-F642828645FC}"/>
+              </a:ext>
+            </a:extLst>
+          </p:cNvPr>
+          <p:cNvSpPr>
+            <a:spLocks noGrp="1"/>
+          </p:cNvSpPr>
+          <p:nvPr>
+            <p:ph idx="13"/>
+          </p:nvPr>
+        </p:nvSpPr>
+        <p:spPr/>
+        <p:txBody>
+          <a:bodyPr/>
+          <a:lstStyle/>
+          <a:p>
+            <a:r>
+              <a:rPr lang="en-US" dirty="0"/>
+              <a:t>https://www.bleepingcomputer.com/news/microsoft/microsoft-releases-emergency-fix-for-exchange-year-2022-bug/</a:t>
+            </a:r>
+          </a:p>
+        </p:txBody>
+      </p:sp>
     </p:spTree>
     <p:extLst>
       <p:ext uri="{BB962C8B-B14F-4D97-AF65-F5344CB8AC3E}">
-        <p14:creationId xmlns:p14="http://schemas.microsoft.com/office/powerpoint/2010/main" val="1292825123"/>
+        <p14:creationId xmlns:p14="http://schemas.microsoft.com/office/powerpoint/2010/main" val="3877820663"/>
       </p:ext>
     </p:extLst>
   </p:cSld>
@@ -15626,90 +15192,65 @@
           <a:lstStyle/>
           <a:p>
             <a:r>
+              <a:rPr lang="en-US" dirty="0"/>
+              <a:t>Cross-platform interpreted language</a:t>
+            </a:r>
+          </a:p>
+          <a:p>
+            <a:pPr lvl="1"/>
+            <a:r>
+              <a:rPr lang="en-US" dirty="0"/>
+              <a:t>Available on the main OS (Linux, Mac, Windows, etc.)</a:t>
+            </a:r>
+          </a:p>
+          <a:p>
+            <a:pPr lvl="1"/>
+            <a:r>
               <a:rPr lang="en-US" dirty="0" err="1"/>
-              <a:t>Linguaggio</a:t>
+              <a:t>CPython</a:t>
             </a:r>
             <a:r>
               <a:rPr lang="en-US" dirty="0"/>
-              <a:t> </a:t>
-            </a:r>
-            <a:r>
-              <a:rPr lang="en-US" dirty="0" err="1"/>
-              <a:t>interpretato</a:t>
-            </a:r>
+              <a:t> is the reference implementation plus other alternatives</a:t>
+            </a:r>
+          </a:p>
+          <a:p>
+            <a:pPr lvl="1"/>
             <a:r>
               <a:rPr lang="en-US" dirty="0"/>
-              <a:t> cross-platform</a:t>
+              <a:t>Can be integrated into other languages (C, C++, Java, etc.)</a:t>
+            </a:r>
+          </a:p>
+          <a:p>
+            <a:r>
+              <a:rPr lang="en-US" dirty="0"/>
+              <a:t>Created in the late 80s, became popular in the 2000s</a:t>
+            </a:r>
+          </a:p>
+          <a:p>
+            <a:r>
+              <a:rPr lang="en-US" dirty="0"/>
+              <a:t>Multi-paradigm</a:t>
             </a:r>
           </a:p>
           <a:p>
             <a:pPr lvl="1"/>
             <a:r>
-              <a:rPr lang="it-IT" dirty="0"/>
-              <a:t>Disponibile per i principali SO (Linux, Mac, Windows, etc.)</a:t>
+              <a:rPr lang="en-US" dirty="0"/>
+              <a:t>Imperative, object-oriented</a:t>
             </a:r>
           </a:p>
           <a:p>
             <a:pPr lvl="1"/>
             <a:r>
-              <a:rPr lang="it-IT" dirty="0"/>
-              <a:t>Un’implementazione di riferimento (</a:t>
-            </a:r>
-            <a:r>
-              <a:rPr lang="it-IT" dirty="0" err="1"/>
-              <a:t>CPython</a:t>
-            </a:r>
-            <a:r>
-              <a:rPr lang="it-IT" dirty="0"/>
-              <a:t>) più altre alternative</a:t>
-            </a:r>
-          </a:p>
-          <a:p>
-            <a:pPr lvl="1"/>
-            <a:r>
-              <a:rPr lang="it-IT" dirty="0"/>
-              <a:t>Integrabile in altri linguaggi (C, C++, Java, etc.)</a:t>
-            </a:r>
-          </a:p>
-          <a:p>
-            <a:r>
-              <a:rPr lang="it-IT" dirty="0"/>
-              <a:t>Creato alla fine degli anni ’80, divenuto popolare nei 2000</a:t>
-            </a:r>
-          </a:p>
-          <a:p>
-            <a:r>
               <a:rPr lang="en-US" dirty="0"/>
-              <a:t>Multi-</a:t>
-            </a:r>
-            <a:r>
-              <a:rPr lang="en-US" dirty="0" err="1"/>
-              <a:t>paradigma</a:t>
-            </a:r>
-            <a:endParaRPr lang="en-US" dirty="0"/>
-          </a:p>
-          <a:p>
-            <a:pPr lvl="1"/>
-            <a:r>
-              <a:rPr lang="en-US" dirty="0" err="1"/>
-              <a:t>Imperativo</a:t>
-            </a:r>
+              <a:t>Syntax can be easily extended</a:t>
+            </a:r>
+          </a:p>
+          <a:p>
             <a:r>
               <a:rPr lang="en-US" dirty="0"/>
-              <a:t>, object-oriented</a:t>
-            </a:r>
-          </a:p>
-          <a:p>
-            <a:pPr lvl="1"/>
-            <a:r>
-              <a:rPr lang="it-IT" dirty="0"/>
-              <a:t>Sintassi facilmente estendibile ad altri paradigmi</a:t>
-            </a:r>
-          </a:p>
-          <a:p>
-            <a:r>
-              <a:rPr lang="it-IT" dirty="0"/>
-              <a:t>Enfasi sulla facilità di lettura e scrittura del codice</a:t>
+              <a:t>Emphasis on the on ease of reading and writing</a:t>
             </a:r>
           </a:p>
           <a:p>
@@ -15792,10 +15333,10 @@
       </p:sp>
       <p:sp>
         <p:nvSpPr>
-          <p:cNvPr id="11" name="Segnaposto contenuto 10">
-            <a:extLst>
-              <a:ext uri="{FF2B5EF4-FFF2-40B4-BE49-F238E27FC236}">
-                <a16:creationId xmlns:a16="http://schemas.microsoft.com/office/drawing/2014/main" id="{F5DDC016-3513-4EAB-AC18-62758B11D8B3}"/>
+          <p:cNvPr id="13" name="Content Placeholder 12">
+            <a:extLst>
+              <a:ext uri="{FF2B5EF4-FFF2-40B4-BE49-F238E27FC236}">
+                <a16:creationId xmlns:a16="http://schemas.microsoft.com/office/drawing/2014/main" id="{32E03AF0-EC65-4F83-A639-BC9A977B4514}"/>
               </a:ext>
             </a:extLst>
           </p:cNvPr>
@@ -15847,10 +15388,10 @@
       </p:grpSpPr>
       <p:sp>
         <p:nvSpPr>
-          <p:cNvPr id="10" name="Titolo 9">
-            <a:extLst>
-              <a:ext uri="{FF2B5EF4-FFF2-40B4-BE49-F238E27FC236}">
-                <a16:creationId xmlns:a16="http://schemas.microsoft.com/office/drawing/2014/main" id="{383AF3F6-3903-4EEA-86A9-B32FDFFFE87C}"/>
+          <p:cNvPr id="3" name="Titolo 2">
+            <a:extLst>
+              <a:ext uri="{FF2B5EF4-FFF2-40B4-BE49-F238E27FC236}">
+                <a16:creationId xmlns:a16="http://schemas.microsoft.com/office/drawing/2014/main" id="{89F3FFF7-06B8-4E67-A4D5-7350ED8AA308}"/>
               </a:ext>
             </a:extLst>
           </p:cNvPr>
@@ -15872,33 +15413,32 @@
           <a:lstStyle/>
           <a:p>
             <a:r>
-              <a:rPr lang="it-IT" dirty="0"/>
-              <a:t>Valori mancanti</a:t>
-            </a:r>
-            <a:endParaRPr lang="en-US" dirty="0"/>
-          </a:p>
-        </p:txBody>
-      </p:sp>
-      <p:sp>
-        <p:nvSpPr>
-          <p:cNvPr id="3" name="Segnaposto contenuto 2">
-            <a:extLst>
-              <a:ext uri="{FF2B5EF4-FFF2-40B4-BE49-F238E27FC236}">
-                <a16:creationId xmlns:a16="http://schemas.microsoft.com/office/drawing/2014/main" id="{51E9D40F-BF0D-42B9-BC9E-333C1070F9D6}"/>
-              </a:ext>
-            </a:extLst>
-          </p:cNvPr>
-          <p:cNvSpPr>
-            <a:spLocks noGrp="1"/>
-          </p:cNvSpPr>
-          <p:nvPr>
-            <p:ph sz="half" idx="1"/>
+              <a:rPr lang="en-US" dirty="0"/>
+              <a:t>Missing values</a:t>
+            </a:r>
+          </a:p>
+        </p:txBody>
+      </p:sp>
+      <p:sp>
+        <p:nvSpPr>
+          <p:cNvPr id="9" name="Segnaposto contenuto 8">
+            <a:extLst>
+              <a:ext uri="{FF2B5EF4-FFF2-40B4-BE49-F238E27FC236}">
+                <a16:creationId xmlns:a16="http://schemas.microsoft.com/office/drawing/2014/main" id="{98563907-39E7-49FA-AABD-60A9F6C096D5}"/>
+              </a:ext>
+            </a:extLst>
+          </p:cNvPr>
+          <p:cNvSpPr>
+            <a:spLocks noGrp="1"/>
+          </p:cNvSpPr>
+          <p:nvPr>
+            <p:ph idx="1"/>
           </p:nvPr>
         </p:nvSpPr>
         <p:spPr>
           <a:xfrm>
-            <a:off x="838200" y="1825625"/>
-            <a:ext cx="5181600" cy="4351338"/>
+            <a:off x="838200" y="1700499"/>
+            <a:ext cx="10515600" cy="4351338"/>
           </a:xfrm>
         </p:spPr>
         <p:txBody>
@@ -15906,195 +15446,92 @@
           <a:lstStyle/>
           <a:p>
             <a:r>
-              <a:rPr lang="it-IT" dirty="0"/>
-              <a:t>Alcuni metodi </a:t>
+              <a:rPr lang="en-US" dirty="0"/>
+              <a:t>Datasets often show missing values</a:t>
             </a:r>
           </a:p>
           <a:p>
             <a:pPr lvl="1"/>
             <a:r>
-              <a:rPr lang="it-IT" dirty="0" err="1">
+              <a:rPr lang="en-US" dirty="0"/>
+              <a:t>E.g., they are not applicable (e.g., date of death) or unknown</a:t>
+            </a:r>
+          </a:p>
+          <a:p>
+            <a:r>
+              <a:rPr lang="en-US" dirty="0"/>
+              <a:t>A series can have missing values, referred to as </a:t>
+            </a:r>
+            <a:r>
+              <a:rPr lang="en-US" dirty="0">
                 <a:solidFill>
                   <a:schemeClr val="accent1"/>
                 </a:solidFill>
               </a:rPr>
-              <a:t>isna</a:t>
-            </a:r>
-            <a:r>
-              <a:rPr lang="it-IT" dirty="0"/>
-              <a:t> e </a:t>
-            </a:r>
-            <a:r>
-              <a:rPr lang="it-IT" dirty="0" err="1">
-                <a:solidFill>
-                  <a:schemeClr val="accent1"/>
-                </a:solidFill>
-              </a:rPr>
-              <a:t>notna</a:t>
-            </a:r>
-            <a:r>
-              <a:rPr lang="it-IT" dirty="0"/>
-              <a:t> </a:t>
+              <a:t>NA</a:t>
+            </a:r>
+            <a:r>
+              <a:rPr lang="en-US" dirty="0"/>
+              <a:t> (Not Available)</a:t>
+            </a:r>
+          </a:p>
+          <a:p>
+            <a:pPr lvl="1"/>
+            <a:r>
+              <a:rPr lang="en-US" dirty="0"/>
+              <a:t>Numeric attributes: NA is </a:t>
             </a:r>
             <a:r>
               <a:rPr lang="en-US" dirty="0" err="1"/>
-              <a:t>verificano</a:t>
-            </a:r>
-            <a:r>
-              <a:rPr lang="en-US" dirty="0"/>
-              <a:t> </a:t>
-            </a:r>
-            <a:r>
-              <a:rPr lang="en-US" dirty="0" err="1"/>
-              <a:t>quali</a:t>
-            </a:r>
-            <a:r>
-              <a:rPr lang="en-US" dirty="0"/>
-              <a:t> </a:t>
-            </a:r>
-            <a:r>
-              <a:rPr lang="en-US" dirty="0" err="1"/>
-              <a:t>elementi</a:t>
-            </a:r>
-            <a:r>
-              <a:rPr lang="en-US" dirty="0"/>
-              <a:t> (non) </a:t>
-            </a:r>
-            <a:r>
-              <a:rPr lang="en-US" dirty="0" err="1"/>
-              <a:t>sono</a:t>
-            </a:r>
-            <a:r>
-              <a:rPr lang="en-US" dirty="0"/>
-              <a:t> </a:t>
-            </a:r>
-            <a:r>
-              <a:rPr lang="en-US" dirty="0" err="1"/>
-              <a:t>mancanti</a:t>
-            </a:r>
-            <a:r>
-              <a:rPr lang="en-US" dirty="0"/>
-              <a:t> e </a:t>
-            </a:r>
-            <a:r>
-              <a:rPr lang="en-US" dirty="0" err="1"/>
-              <a:t>restituiscono</a:t>
-            </a:r>
-            <a:r>
-              <a:rPr lang="en-US" dirty="0"/>
-              <a:t> una </a:t>
-            </a:r>
-            <a:r>
-              <a:rPr lang="en-US" dirty="0" err="1"/>
-              <a:t>serie</a:t>
-            </a:r>
-            <a:r>
-              <a:rPr lang="en-US" dirty="0"/>
-              <a:t> </a:t>
-            </a:r>
-            <a:r>
-              <a:rPr lang="en-US" dirty="0" err="1"/>
-              <a:t>booleana</a:t>
-            </a:r>
-            <a:endParaRPr lang="en-US" dirty="0"/>
-          </a:p>
-          <a:p>
-            <a:pPr lvl="1"/>
+              <a:t>np.</a:t>
+            </a:r>
             <a:r>
               <a:rPr lang="en-US" dirty="0" err="1">
                 <a:solidFill>
                   <a:schemeClr val="accent1"/>
                 </a:solidFill>
               </a:rPr>
-              <a:t>dropna</a:t>
+              <a:t>nan</a:t>
+            </a:r>
+            <a:r>
+              <a:rPr lang="en-US" dirty="0">
+                <a:solidFill>
+                  <a:schemeClr val="accent1"/>
+                </a:solidFill>
+              </a:rPr>
+              <a:t> </a:t>
             </a:r>
             <a:r>
               <a:rPr lang="en-US" dirty="0"/>
-              <a:t> </a:t>
-            </a:r>
-            <a:r>
-              <a:rPr lang="en-US" dirty="0" err="1"/>
-              <a:t>rimuove</a:t>
+              <a:t>(Not a Number)</a:t>
+            </a:r>
+          </a:p>
+          <a:p>
+            <a:pPr lvl="1"/>
+            <a:r>
+              <a:rPr lang="en-US" dirty="0">
+                <a:solidFill>
+                  <a:schemeClr val="accent1"/>
+                </a:solidFill>
+              </a:rPr>
+              <a:t>nan</a:t>
             </a:r>
             <a:r>
               <a:rPr lang="en-US" dirty="0"/>
-              <a:t> </a:t>
-            </a:r>
-            <a:r>
-              <a:rPr lang="en-US" dirty="0" err="1"/>
-              <a:t>i</a:t>
-            </a:r>
-            <a:r>
-              <a:rPr lang="en-US" dirty="0"/>
-              <a:t> </a:t>
-            </a:r>
-            <a:r>
-              <a:rPr lang="en-US" dirty="0" err="1"/>
-              <a:t>valori</a:t>
-            </a:r>
-            <a:r>
-              <a:rPr lang="en-US" dirty="0"/>
-              <a:t> </a:t>
-            </a:r>
-            <a:r>
-              <a:rPr lang="en-US" dirty="0" err="1"/>
-              <a:t>mancanti</a:t>
-            </a:r>
-            <a:r>
-              <a:rPr lang="en-US" dirty="0"/>
-              <a:t> </a:t>
-            </a:r>
-            <a:r>
-              <a:rPr lang="en-US" dirty="0" err="1"/>
-              <a:t>dalla</a:t>
-            </a:r>
-            <a:r>
-              <a:rPr lang="en-US" dirty="0"/>
-              <a:t> </a:t>
-            </a:r>
-            <a:r>
-              <a:rPr lang="en-US" dirty="0" err="1"/>
-              <a:t>serie</a:t>
-            </a:r>
-            <a:endParaRPr lang="en-US" dirty="0"/>
-          </a:p>
-          <a:p>
-            <a:pPr lvl="2"/>
-            <a:r>
-              <a:rPr lang="it-IT" dirty="0"/>
-              <a:t>di default, viene creata una </a:t>
-            </a:r>
-            <a:r>
-              <a:rPr lang="en-US" dirty="0" err="1"/>
-              <a:t>copia</a:t>
-            </a:r>
-            <a:r>
-              <a:rPr lang="en-US" dirty="0"/>
-              <a:t> </a:t>
-            </a:r>
-            <a:r>
-              <a:rPr lang="en-US" dirty="0" err="1"/>
-              <a:t>della</a:t>
-            </a:r>
-            <a:r>
-              <a:rPr lang="en-US" dirty="0"/>
-              <a:t> </a:t>
-            </a:r>
-            <a:r>
-              <a:rPr lang="en-US" dirty="0" err="1"/>
-              <a:t>serie</a:t>
-            </a:r>
-            <a:endParaRPr lang="en-US" dirty="0"/>
-          </a:p>
-          <a:p>
-            <a:pPr lvl="2"/>
-            <a:r>
-              <a:rPr lang="en-US" dirty="0" err="1"/>
-              <a:t>indicando</a:t>
-            </a:r>
-            <a:r>
-              <a:rPr lang="en-US" dirty="0"/>
-              <a:t> </a:t>
+              <a:t> is never equal, greater, or lower than other values (nor itself)</a:t>
+            </a:r>
+          </a:p>
+          <a:p>
+            <a:pPr marL="914400" lvl="2" indent="0">
+              <a:buNone/>
+            </a:pPr>
+            <a:r>
+              <a:rPr lang="en-US" dirty="0">
+                <a:solidFill>
+                  <a:schemeClr val="accent1"/>
+                </a:solidFill>
+              </a:rPr>
+              <a:t>&gt;&gt;&gt; </a:t>
             </a:r>
             <a:r>
               <a:rPr lang="en-US" dirty="0" err="1">
@@ -16102,7 +15539,7 @@
                   <a:schemeClr val="accent1"/>
                 </a:solidFill>
               </a:rPr>
-              <a:t>inplace</a:t>
+              <a:t>np.nan</a:t>
             </a:r>
             <a:r>
               <a:rPr lang="en-US" dirty="0">
@@ -16110,83 +15547,119 @@
                   <a:schemeClr val="accent1"/>
                 </a:solidFill>
               </a:rPr>
-              <a:t>=True </a:t>
-            </a:r>
-            <a:r>
-              <a:rPr lang="en-US" dirty="0" err="1"/>
-              <a:t>viene</a:t>
-            </a:r>
+              <a:t> == </a:t>
+            </a:r>
+            <a:r>
+              <a:rPr lang="en-US" dirty="0" err="1">
+                <a:solidFill>
+                  <a:schemeClr val="accent1"/>
+                </a:solidFill>
+              </a:rPr>
+              <a:t>np.nan</a:t>
+            </a:r>
+            <a:endParaRPr lang="en-US" dirty="0">
+              <a:solidFill>
+                <a:schemeClr val="accent1"/>
+              </a:solidFill>
+            </a:endParaRPr>
+          </a:p>
+          <a:p>
+            <a:pPr marL="914400" lvl="2" indent="0">
+              <a:buNone/>
+            </a:pPr>
+            <a:r>
+              <a:rPr lang="en-US" dirty="0">
+                <a:solidFill>
+                  <a:schemeClr val="accent1"/>
+                </a:solidFill>
+              </a:rPr>
+              <a:t>False</a:t>
+            </a:r>
+          </a:p>
+          <a:p>
+            <a:pPr lvl="1"/>
             <a:r>
               <a:rPr lang="en-US" dirty="0"/>
-              <a:t> </a:t>
-            </a:r>
-            <a:r>
-              <a:rPr lang="en-US" dirty="0" err="1"/>
-              <a:t>invece</a:t>
+              <a:t>Numeric expressions with </a:t>
+            </a:r>
+            <a:r>
+              <a:rPr lang="en-US" dirty="0">
+                <a:solidFill>
+                  <a:schemeClr val="accent1"/>
+                </a:solidFill>
+              </a:rPr>
+              <a:t>nan</a:t>
             </a:r>
             <a:r>
               <a:rPr lang="en-US" dirty="0"/>
-              <a:t> </a:t>
-            </a:r>
-            <a:r>
-              <a:rPr lang="en-US" dirty="0" err="1"/>
-              <a:t>modificata</a:t>
-            </a:r>
+              <a:t> return </a:t>
+            </a:r>
+            <a:r>
+              <a:rPr lang="en-US" dirty="0">
+                <a:solidFill>
+                  <a:schemeClr val="accent1"/>
+                </a:solidFill>
+              </a:rPr>
+              <a:t>nan</a:t>
+            </a:r>
+          </a:p>
+          <a:p>
+            <a:pPr marL="914400" lvl="2" indent="0">
+              <a:buNone/>
+            </a:pPr>
+            <a:r>
+              <a:rPr lang="en-US" dirty="0">
+                <a:solidFill>
+                  <a:schemeClr val="accent1"/>
+                </a:solidFill>
+              </a:rPr>
+              <a:t>&gt;&gt;&gt; 2 * </a:t>
+            </a:r>
+            <a:r>
+              <a:rPr lang="en-US" dirty="0" err="1">
+                <a:solidFill>
+                  <a:schemeClr val="accent1"/>
+                </a:solidFill>
+              </a:rPr>
+              <a:t>np.nan</a:t>
+            </a:r>
+            <a:r>
+              <a:rPr lang="en-US" dirty="0">
+                <a:solidFill>
+                  <a:schemeClr val="accent1"/>
+                </a:solidFill>
+              </a:rPr>
+              <a:t> – 1</a:t>
+            </a:r>
+          </a:p>
+          <a:p>
+            <a:pPr marL="914400" lvl="2" indent="0">
+              <a:buNone/>
+            </a:pPr>
+            <a:r>
+              <a:rPr lang="en-US" dirty="0">
+                <a:solidFill>
+                  <a:schemeClr val="accent1"/>
+                </a:solidFill>
+              </a:rPr>
+              <a:t>nan</a:t>
+            </a:r>
+          </a:p>
+          <a:p>
+            <a:pPr indent="-285750"/>
             <a:r>
               <a:rPr lang="en-US" dirty="0"/>
-              <a:t> la </a:t>
-            </a:r>
-            <a:r>
-              <a:rPr lang="en-US" dirty="0" err="1"/>
-              <a:t>serie</a:t>
-            </a:r>
-            <a:r>
-              <a:rPr lang="en-US" dirty="0"/>
-              <a:t> </a:t>
-            </a:r>
-            <a:r>
-              <a:rPr lang="en-US" dirty="0" err="1"/>
-              <a:t>stessa</a:t>
-            </a:r>
-            <a:endParaRPr lang="en-US" dirty="0"/>
-          </a:p>
-        </p:txBody>
-      </p:sp>
-      <p:pic>
-        <p:nvPicPr>
-          <p:cNvPr id="14" name="Segnaposto contenuto 13">
-            <a:extLst>
-              <a:ext uri="{FF2B5EF4-FFF2-40B4-BE49-F238E27FC236}">
-                <a16:creationId xmlns:a16="http://schemas.microsoft.com/office/drawing/2014/main" id="{A137B964-66F3-4D3F-B7BC-B548D757D382}"/>
-              </a:ext>
-            </a:extLst>
-          </p:cNvPr>
-          <p:cNvPicPr>
-            <a:picLocks noGrp="1" noChangeAspect="1"/>
-          </p:cNvPicPr>
-          <p:nvPr>
-            <p:ph sz="half" idx="2"/>
-          </p:nvPr>
-        </p:nvPicPr>
-        <p:blipFill>
-          <a:blip r:embed="rId2"/>
-          <a:stretch>
-            <a:fillRect/>
-          </a:stretch>
-        </p:blipFill>
-        <p:spPr>
-          <a:xfrm>
-            <a:off x="6820052" y="1825625"/>
-            <a:ext cx="3885896" cy="4351338"/>
-          </a:xfrm>
-        </p:spPr>
-      </p:pic>
-      <p:sp>
-        <p:nvSpPr>
-          <p:cNvPr id="4" name="Segnaposto piè di pagina 3">
-            <a:extLst>
-              <a:ext uri="{FF2B5EF4-FFF2-40B4-BE49-F238E27FC236}">
-                <a16:creationId xmlns:a16="http://schemas.microsoft.com/office/drawing/2014/main" id="{2EFAB4A0-B151-4DA5-98BF-625EB185BF35}"/>
+              <a:t>Which problems arise?</a:t>
+            </a:r>
+          </a:p>
+        </p:txBody>
+      </p:sp>
+      <p:sp>
+        <p:nvSpPr>
+          <p:cNvPr id="5" name="Segnaposto piè di pagina 4">
+            <a:extLst>
+              <a:ext uri="{FF2B5EF4-FFF2-40B4-BE49-F238E27FC236}">
+                <a16:creationId xmlns:a16="http://schemas.microsoft.com/office/drawing/2014/main" id="{F991CF9B-BE11-43FF-8B66-41283DE60E5C}"/>
               </a:ext>
             </a:extLst>
           </p:cNvPr>
@@ -16208,7 +15681,7 @@
           <a:lstStyle/>
           <a:p>
             <a:r>
-              <a:rPr lang="it-IT" dirty="0"/>
+              <a:rPr lang="en-US"/>
               <a:t>Matteo Francia – University of Bologna</a:t>
             </a:r>
           </a:p>
@@ -16216,10 +15689,10 @@
       </p:sp>
       <p:sp>
         <p:nvSpPr>
-          <p:cNvPr id="5" name="Segnaposto numero diapositiva 4">
-            <a:extLst>
-              <a:ext uri="{FF2B5EF4-FFF2-40B4-BE49-F238E27FC236}">
-                <a16:creationId xmlns:a16="http://schemas.microsoft.com/office/drawing/2014/main" id="{B460D6AA-BEB0-4611-9E53-5F9A1ABD3714}"/>
+          <p:cNvPr id="6" name="Segnaposto numero diapositiva 5">
+            <a:extLst>
+              <a:ext uri="{FF2B5EF4-FFF2-40B4-BE49-F238E27FC236}">
+                <a16:creationId xmlns:a16="http://schemas.microsoft.com/office/drawing/2014/main" id="{4F1A9BC8-7D3E-4BAD-9CA7-FBC3E57F5B49}"/>
               </a:ext>
             </a:extLst>
           </p:cNvPr>
@@ -16241,35 +15714,10 @@
           <a:lstStyle/>
           <a:p>
             <a:fld id="{5DD6F1BA-2510-46FC-9346-AB1F3CA1593B}" type="slidenum">
-              <a:rPr lang="it-IT" smtClean="0"/>
+              <a:rPr lang="en-US" smtClean="0"/>
               <a:pPr/>
               <a:t>20</a:t>
             </a:fld>
-            <a:endParaRPr lang="it-IT"/>
-          </a:p>
-        </p:txBody>
-      </p:sp>
-      <p:sp>
-        <p:nvSpPr>
-          <p:cNvPr id="11" name="Segnaposto contenuto 10">
-            <a:extLst>
-              <a:ext uri="{FF2B5EF4-FFF2-40B4-BE49-F238E27FC236}">
-                <a16:creationId xmlns:a16="http://schemas.microsoft.com/office/drawing/2014/main" id="{DC095D2D-44C8-4334-97B4-1A73B1819CBF}"/>
-              </a:ext>
-            </a:extLst>
-          </p:cNvPr>
-          <p:cNvSpPr>
-            <a:spLocks noGrp="1"/>
-          </p:cNvSpPr>
-          <p:nvPr>
-            <p:ph idx="13"/>
-          </p:nvPr>
-        </p:nvSpPr>
-        <p:spPr/>
-        <p:txBody>
-          <a:bodyPr/>
-          <a:lstStyle/>
-          <a:p>
             <a:endParaRPr lang="en-US"/>
           </a:p>
         </p:txBody>
@@ -16277,7 +15725,7 @@
     </p:spTree>
     <p:extLst>
       <p:ext uri="{BB962C8B-B14F-4D97-AF65-F5344CB8AC3E}">
-        <p14:creationId xmlns:p14="http://schemas.microsoft.com/office/powerpoint/2010/main" val="721613098"/>
+        <p14:creationId xmlns:p14="http://schemas.microsoft.com/office/powerpoint/2010/main" val="1292825123"/>
       </p:ext>
     </p:extLst>
   </p:cSld>
@@ -16306,10 +15754,10 @@
       </p:grpSpPr>
       <p:sp>
         <p:nvSpPr>
-          <p:cNvPr id="6" name="Titolo 5">
-            <a:extLst>
-              <a:ext uri="{FF2B5EF4-FFF2-40B4-BE49-F238E27FC236}">
-                <a16:creationId xmlns:a16="http://schemas.microsoft.com/office/drawing/2014/main" id="{86E08C45-1088-4ABE-966A-D6307389D8FF}"/>
+          <p:cNvPr id="10" name="Titolo 9">
+            <a:extLst>
+              <a:ext uri="{FF2B5EF4-FFF2-40B4-BE49-F238E27FC236}">
+                <a16:creationId xmlns:a16="http://schemas.microsoft.com/office/drawing/2014/main" id="{383AF3F6-3903-4EEA-86A9-B32FDFFFE87C}"/>
               </a:ext>
             </a:extLst>
           </p:cNvPr>
@@ -16331,10 +15779,9 @@
           <a:lstStyle/>
           <a:p>
             <a:r>
-              <a:rPr lang="it-IT" dirty="0"/>
-              <a:t>Valori mancanti</a:t>
-            </a:r>
-            <a:endParaRPr lang="en-US" dirty="0"/>
+              <a:rPr lang="en-US"/>
+              <a:t>Missing values</a:t>
+            </a:r>
           </a:p>
         </p:txBody>
       </p:sp>
@@ -16343,7 +15790,7 @@
           <p:cNvPr id="3" name="Segnaposto contenuto 2">
             <a:extLst>
               <a:ext uri="{FF2B5EF4-FFF2-40B4-BE49-F238E27FC236}">
-                <a16:creationId xmlns:a16="http://schemas.microsoft.com/office/drawing/2014/main" id="{7A742322-2FBE-4690-9B98-9276F2C4E9E3}"/>
+                <a16:creationId xmlns:a16="http://schemas.microsoft.com/office/drawing/2014/main" id="{51E9D40F-BF0D-42B9-BC9E-333C1070F9D6}"/>
               </a:ext>
             </a:extLst>
           </p:cNvPr>
@@ -16364,227 +15811,78 @@
           <a:bodyPr/>
           <a:lstStyle/>
           <a:p>
-            <a:r>
-              <a:rPr lang="en-US" dirty="0"/>
-              <a:t>Il </a:t>
-            </a:r>
-            <a:r>
-              <a:rPr lang="en-US" dirty="0" err="1"/>
-              <a:t>metodo</a:t>
-            </a:r>
-            <a:r>
-              <a:rPr lang="en-US" dirty="0"/>
-              <a:t> </a:t>
-            </a:r>
-            <a:r>
-              <a:rPr lang="en-US" dirty="0" err="1">
+            <a:pPr lvl="1"/>
+            <a:r>
+              <a:rPr lang="en-US">
                 <a:solidFill>
                   <a:schemeClr val="accent1"/>
                 </a:solidFill>
               </a:rPr>
-              <a:t>fillna</a:t>
-            </a:r>
-            <a:r>
-              <a:rPr lang="en-US" dirty="0"/>
-              <a:t> </a:t>
-            </a:r>
-            <a:r>
-              <a:rPr lang="en-US" dirty="0" err="1"/>
-              <a:t>permette</a:t>
-            </a:r>
-            <a:r>
-              <a:rPr lang="en-US" dirty="0"/>
-              <a:t> </a:t>
-            </a:r>
-            <a:r>
-              <a:rPr lang="it-IT" dirty="0"/>
-              <a:t>di rimpiazzare i valori NA</a:t>
-            </a:r>
-          </a:p>
-          <a:p>
-            <a:pPr lvl="1"/>
-            <a:r>
-              <a:rPr lang="it-IT" dirty="0"/>
-              <a:t>anche qui viene creata una copia a meno che non si </a:t>
-            </a:r>
-            <a:r>
-              <a:rPr lang="en-US" dirty="0" err="1"/>
-              <a:t>specifichi</a:t>
-            </a:r>
-            <a:r>
-              <a:rPr lang="en-US" dirty="0"/>
-              <a:t> </a:t>
-            </a:r>
-            <a:r>
-              <a:rPr lang="en-US" dirty="0" err="1">
+              <a:t>isna</a:t>
+            </a:r>
+            <a:r>
+              <a:rPr lang="en-US"/>
+              <a:t> and </a:t>
+            </a:r>
+            <a:r>
+              <a:rPr lang="en-US">
                 <a:solidFill>
                   <a:schemeClr val="accent1"/>
                 </a:solidFill>
               </a:rPr>
-              <a:t>inplace</a:t>
-            </a:r>
-            <a:r>
-              <a:rPr lang="en-US" dirty="0">
+              <a:t>notna</a:t>
+            </a:r>
+            <a:r>
+              <a:rPr lang="en-US"/>
+              <a:t> verify (not) missing values and return a Boolean series</a:t>
+            </a:r>
+          </a:p>
+          <a:p>
+            <a:pPr lvl="1"/>
+            <a:r>
+              <a:rPr lang="en-US">
                 <a:solidFill>
                   <a:schemeClr val="accent1"/>
                 </a:solidFill>
               </a:rPr>
-              <a:t>=True</a:t>
-            </a:r>
-          </a:p>
-          <a:p>
-            <a:pPr lvl="1"/>
-            <a:r>
-              <a:rPr lang="it-IT" dirty="0"/>
-              <a:t>Indicando un valore, tutti gli NA sono sostituiti con esso</a:t>
+              <a:t>dropna</a:t>
+            </a:r>
+            <a:r>
+              <a:rPr lang="en-US"/>
+              <a:t> removes missing values</a:t>
             </a:r>
           </a:p>
           <a:p>
             <a:pPr lvl="2"/>
             <a:r>
-              <a:rPr lang="it-IT" dirty="0">
-                <a:solidFill>
-                  <a:srgbClr val="7030A0"/>
-                </a:solidFill>
-              </a:rPr>
-              <a:t>è comune usare la media</a:t>
-            </a:r>
-          </a:p>
-          <a:p>
-            <a:pPr lvl="1"/>
-            <a:r>
-              <a:rPr lang="en-US" dirty="0" err="1"/>
-              <a:t>Usando</a:t>
-            </a:r>
-            <a:r>
-              <a:rPr lang="en-US" dirty="0"/>
-              <a:t> </a:t>
-            </a:r>
-            <a:r>
-              <a:rPr lang="en-US" dirty="0" err="1"/>
-              <a:t>invece</a:t>
-            </a:r>
-            <a:r>
-              <a:rPr lang="en-US" dirty="0"/>
-              <a:t> il </a:t>
-            </a:r>
-            <a:r>
-              <a:rPr lang="en-US" dirty="0" err="1"/>
-              <a:t>parametro</a:t>
-            </a:r>
-            <a:r>
-              <a:rPr lang="en-US" dirty="0"/>
-              <a:t> </a:t>
-            </a:r>
-            <a:r>
-              <a:rPr lang="en-US" dirty="0">
+              <a:rPr lang="en-US"/>
+              <a:t>Return a new series by default</a:t>
+            </a:r>
+          </a:p>
+          <a:p>
+            <a:pPr lvl="2"/>
+            <a:r>
+              <a:rPr lang="en-US"/>
+              <a:t>Modify the same series if </a:t>
+            </a:r>
+            <a:r>
+              <a:rPr lang="en-US">
                 <a:solidFill>
                   <a:schemeClr val="accent1"/>
                 </a:solidFill>
               </a:rPr>
-              <a:t>method</a:t>
-            </a:r>
-            <a:r>
-              <a:rPr lang="en-US" dirty="0"/>
-              <a:t> </a:t>
-            </a:r>
-            <a:r>
-              <a:rPr lang="en-US" dirty="0" err="1"/>
-              <a:t>pari</a:t>
-            </a:r>
-            <a:r>
-              <a:rPr lang="en-US" dirty="0"/>
-              <a:t> a </a:t>
-            </a:r>
-            <a:r>
-              <a:rPr lang="en-US" dirty="0" err="1">
-                <a:solidFill>
-                  <a:schemeClr val="accent1"/>
-                </a:solidFill>
-              </a:rPr>
-              <a:t>ffill</a:t>
-            </a:r>
-            <a:r>
-              <a:rPr lang="en-US" dirty="0"/>
-              <a:t> o </a:t>
-            </a:r>
-            <a:r>
-              <a:rPr lang="it-IT" dirty="0" err="1">
-                <a:solidFill>
-                  <a:schemeClr val="accent1"/>
-                </a:solidFill>
-              </a:rPr>
-              <a:t>bfill</a:t>
-            </a:r>
-            <a:r>
-              <a:rPr lang="it-IT" dirty="0"/>
-              <a:t> ogni </a:t>
-            </a:r>
-            <a:r>
-              <a:rPr lang="it-IT" dirty="0">
-                <a:solidFill>
-                  <a:schemeClr val="accent1"/>
-                </a:solidFill>
-              </a:rPr>
-              <a:t>NA</a:t>
-            </a:r>
-            <a:r>
-              <a:rPr lang="it-IT" dirty="0"/>
-              <a:t> è sostituito col valore non </a:t>
-            </a:r>
-            <a:r>
-              <a:rPr lang="it-IT" dirty="0">
-                <a:solidFill>
-                  <a:schemeClr val="accent1"/>
-                </a:solidFill>
-              </a:rPr>
-              <a:t>NA</a:t>
-            </a:r>
-            <a:r>
-              <a:rPr lang="it-IT" dirty="0"/>
-              <a:t> prima o </a:t>
-            </a:r>
-            <a:r>
-              <a:rPr lang="en-US" dirty="0"/>
-              <a:t>dopo (se </a:t>
-            </a:r>
-            <a:r>
-              <a:rPr lang="en-US" dirty="0" err="1"/>
-              <a:t>esiste</a:t>
-            </a:r>
-            <a:r>
-              <a:rPr lang="en-US" dirty="0"/>
-              <a:t>!)</a:t>
-            </a:r>
-          </a:p>
-          <a:p>
-            <a:pPr lvl="2"/>
-            <a:r>
-              <a:rPr lang="en-US" dirty="0"/>
-              <a:t>utile per </a:t>
-            </a:r>
-            <a:r>
-              <a:rPr lang="en-US" dirty="0" err="1"/>
-              <a:t>serie</a:t>
-            </a:r>
-            <a:r>
-              <a:rPr lang="en-US" dirty="0"/>
-              <a:t> </a:t>
-            </a:r>
-            <a:r>
-              <a:rPr lang="en-US" dirty="0" err="1"/>
-              <a:t>temporali</a:t>
-            </a:r>
-            <a:endParaRPr lang="en-US" dirty="0"/>
+              <a:t>inplace=True</a:t>
+            </a:r>
+            <a:endParaRPr lang="en-US"/>
           </a:p>
         </p:txBody>
       </p:sp>
       <p:pic>
         <p:nvPicPr>
-          <p:cNvPr id="10" name="Segnaposto contenuto 9">
-            <a:extLst>
-              <a:ext uri="{FF2B5EF4-FFF2-40B4-BE49-F238E27FC236}">
-                <a16:creationId xmlns:a16="http://schemas.microsoft.com/office/drawing/2014/main" id="{D917AD74-A834-4A7D-93A7-877514B9EDEF}"/>
+          <p:cNvPr id="14" name="Segnaposto contenuto 13">
+            <a:extLst>
+              <a:ext uri="{FF2B5EF4-FFF2-40B4-BE49-F238E27FC236}">
+                <a16:creationId xmlns:a16="http://schemas.microsoft.com/office/drawing/2014/main" id="{A137B964-66F3-4D3F-B7BC-B548D757D382}"/>
               </a:ext>
             </a:extLst>
           </p:cNvPr>
@@ -16603,8 +15901,8 @@
         </p:blipFill>
         <p:spPr>
           <a:xfrm>
-            <a:off x="6635640" y="1921562"/>
-            <a:ext cx="4254719" cy="4159464"/>
+            <a:off x="6820052" y="1825625"/>
+            <a:ext cx="3885896" cy="4351338"/>
           </a:xfrm>
         </p:spPr>
       </p:pic>
@@ -16613,7 +15911,7 @@
           <p:cNvPr id="4" name="Segnaposto piè di pagina 3">
             <a:extLst>
               <a:ext uri="{FF2B5EF4-FFF2-40B4-BE49-F238E27FC236}">
-                <a16:creationId xmlns:a16="http://schemas.microsoft.com/office/drawing/2014/main" id="{275C1F7F-2BD2-4BEE-A1C5-8DC23EFEB8DE}"/>
+                <a16:creationId xmlns:a16="http://schemas.microsoft.com/office/drawing/2014/main" id="{2EFAB4A0-B151-4DA5-98BF-625EB185BF35}"/>
               </a:ext>
             </a:extLst>
           </p:cNvPr>
@@ -16635,7 +15933,7 @@
           <a:lstStyle/>
           <a:p>
             <a:r>
-              <a:rPr lang="it-IT" dirty="0"/>
+              <a:rPr lang="en-US"/>
               <a:t>Matteo Francia – University of Bologna</a:t>
             </a:r>
           </a:p>
@@ -16646,7 +15944,7 @@
           <p:cNvPr id="5" name="Segnaposto numero diapositiva 4">
             <a:extLst>
               <a:ext uri="{FF2B5EF4-FFF2-40B4-BE49-F238E27FC236}">
-                <a16:creationId xmlns:a16="http://schemas.microsoft.com/office/drawing/2014/main" id="{439F8CCD-C0FA-4800-8364-0282B113364F}"/>
+                <a16:creationId xmlns:a16="http://schemas.microsoft.com/office/drawing/2014/main" id="{B460D6AA-BEB0-4611-9E53-5F9A1ABD3714}"/>
               </a:ext>
             </a:extLst>
           </p:cNvPr>
@@ -16668,20 +15966,20 @@
           <a:lstStyle/>
           <a:p>
             <a:fld id="{5DD6F1BA-2510-46FC-9346-AB1F3CA1593B}" type="slidenum">
-              <a:rPr lang="it-IT" smtClean="0"/>
+              <a:rPr lang="en-US" smtClean="0"/>
               <a:pPr/>
               <a:t>21</a:t>
             </a:fld>
-            <a:endParaRPr lang="it-IT"/>
-          </a:p>
-        </p:txBody>
-      </p:sp>
-      <p:sp>
-        <p:nvSpPr>
-          <p:cNvPr id="13" name="Segnaposto contenuto 12">
-            <a:extLst>
-              <a:ext uri="{FF2B5EF4-FFF2-40B4-BE49-F238E27FC236}">
-                <a16:creationId xmlns:a16="http://schemas.microsoft.com/office/drawing/2014/main" id="{4F5FA6D8-B8B3-418F-A06F-2EA984B941FB}"/>
+            <a:endParaRPr lang="en-US"/>
+          </a:p>
+        </p:txBody>
+      </p:sp>
+      <p:sp>
+        <p:nvSpPr>
+          <p:cNvPr id="11" name="Segnaposto contenuto 10">
+            <a:extLst>
+              <a:ext uri="{FF2B5EF4-FFF2-40B4-BE49-F238E27FC236}">
+                <a16:creationId xmlns:a16="http://schemas.microsoft.com/office/drawing/2014/main" id="{DC095D2D-44C8-4334-97B4-1A73B1819CBF}"/>
               </a:ext>
             </a:extLst>
           </p:cNvPr>
@@ -16704,7 +16002,7 @@
     </p:spTree>
     <p:extLst>
       <p:ext uri="{BB962C8B-B14F-4D97-AF65-F5344CB8AC3E}">
-        <p14:creationId xmlns:p14="http://schemas.microsoft.com/office/powerpoint/2010/main" val="2912145028"/>
+        <p14:creationId xmlns:p14="http://schemas.microsoft.com/office/powerpoint/2010/main" val="721613098"/>
       </p:ext>
     </p:extLst>
   </p:cSld>
@@ -16733,10 +16031,10 @@
       </p:grpSpPr>
       <p:sp>
         <p:nvSpPr>
-          <p:cNvPr id="2" name="Titolo 1">
-            <a:extLst>
-              <a:ext uri="{FF2B5EF4-FFF2-40B4-BE49-F238E27FC236}">
-                <a16:creationId xmlns:a16="http://schemas.microsoft.com/office/drawing/2014/main" id="{6BCC59CA-A650-4D1C-AE3D-081662240E82}"/>
+          <p:cNvPr id="6" name="Titolo 5">
+            <a:extLst>
+              <a:ext uri="{FF2B5EF4-FFF2-40B4-BE49-F238E27FC236}">
+                <a16:creationId xmlns:a16="http://schemas.microsoft.com/office/drawing/2014/main" id="{86E08C45-1088-4ABE-966A-D6307389D8FF}"/>
               </a:ext>
             </a:extLst>
           </p:cNvPr>
@@ -16758,10 +16056,9 @@
           <a:lstStyle/>
           <a:p>
             <a:r>
-              <a:rPr lang="it-IT" dirty="0"/>
-              <a:t>Funzioni aggregate</a:t>
-            </a:r>
-            <a:endParaRPr lang="en-US" dirty="0"/>
+              <a:rPr lang="en-US"/>
+              <a:t>Missing values</a:t>
+            </a:r>
           </a:p>
         </p:txBody>
       </p:sp>
@@ -16770,21 +16067,21 @@
           <p:cNvPr id="3" name="Segnaposto contenuto 2">
             <a:extLst>
               <a:ext uri="{FF2B5EF4-FFF2-40B4-BE49-F238E27FC236}">
-                <a16:creationId xmlns:a16="http://schemas.microsoft.com/office/drawing/2014/main" id="{51E9D40F-BF0D-42B9-BC9E-333C1070F9D6}"/>
-              </a:ext>
-            </a:extLst>
-          </p:cNvPr>
-          <p:cNvSpPr>
-            <a:spLocks noGrp="1"/>
-          </p:cNvSpPr>
-          <p:nvPr>
-            <p:ph idx="1"/>
+                <a16:creationId xmlns:a16="http://schemas.microsoft.com/office/drawing/2014/main" id="{7A742322-2FBE-4690-9B98-9276F2C4E9E3}"/>
+              </a:ext>
+            </a:extLst>
+          </p:cNvPr>
+          <p:cNvSpPr>
+            <a:spLocks noGrp="1"/>
+          </p:cNvSpPr>
+          <p:nvPr>
+            <p:ph sz="half" idx="1"/>
           </p:nvPr>
         </p:nvSpPr>
         <p:spPr>
           <a:xfrm>
-            <a:off x="838200" y="1700499"/>
-            <a:ext cx="10515600" cy="4351338"/>
+            <a:off x="838200" y="1825625"/>
+            <a:ext cx="5181600" cy="4351338"/>
           </a:xfrm>
         </p:spPr>
         <p:txBody>
@@ -16792,64 +16089,31 @@
           <a:lstStyle/>
           <a:p>
             <a:r>
-              <a:rPr lang="it-IT" dirty="0"/>
-              <a:t>Le serie offrono metodi per calcolare statistiche aggregate sui valori con nomi e funzionamento pari a quelle degli </a:t>
-            </a:r>
-            <a:r>
-              <a:rPr lang="it-IT" dirty="0" err="1"/>
-              <a:t>ndarray</a:t>
-            </a:r>
-            <a:endParaRPr lang="it-IT" dirty="0"/>
-          </a:p>
-          <a:p>
-            <a:pPr lvl="1"/>
-            <a:r>
-              <a:rPr lang="it-IT" dirty="0">
+              <a:rPr lang="en-US" dirty="0" err="1">
                 <a:solidFill>
                   <a:schemeClr val="accent1"/>
                 </a:solidFill>
               </a:rPr>
-              <a:t>sum</a:t>
-            </a:r>
-            <a:r>
-              <a:rPr lang="it-IT" dirty="0"/>
-              <a:t> (somma), </a:t>
-            </a:r>
-            <a:r>
-              <a:rPr lang="it-IT" dirty="0" err="1">
+              <a:t>fillna</a:t>
+            </a:r>
+            <a:r>
+              <a:rPr lang="en-US" dirty="0"/>
+              <a:t> replaces NA values</a:t>
+            </a:r>
+          </a:p>
+          <a:p>
+            <a:pPr lvl="1"/>
+            <a:r>
+              <a:rPr lang="en-US" dirty="0"/>
+              <a:t>Return a new series or modify the given one if </a:t>
+            </a:r>
+            <a:r>
+              <a:rPr lang="en-US" dirty="0" err="1">
                 <a:solidFill>
                   <a:schemeClr val="accent1"/>
                 </a:solidFill>
               </a:rPr>
-              <a:t>mean</a:t>
-            </a:r>
-            <a:r>
-              <a:rPr lang="it-IT" dirty="0"/>
-              <a:t> (media), </a:t>
-            </a:r>
-            <a:r>
-              <a:rPr lang="it-IT" dirty="0">
-                <a:solidFill>
-                  <a:schemeClr val="accent1"/>
-                </a:solidFill>
-              </a:rPr>
-              <a:t>min</a:t>
-            </a:r>
-            <a:r>
-              <a:rPr lang="it-IT" dirty="0"/>
-              <a:t> (minimo), </a:t>
-            </a:r>
-            <a:r>
-              <a:rPr lang="it-IT" dirty="0">
-                <a:solidFill>
-                  <a:schemeClr val="accent1"/>
-                </a:solidFill>
-              </a:rPr>
-              <a:t>max</a:t>
-            </a:r>
-            <a:r>
-              <a:rPr lang="it-IT" dirty="0"/>
-              <a:t> (massimo), </a:t>
+              <a:t>inplace</a:t>
             </a:r>
             <a:r>
               <a:rPr lang="en-US" dirty="0">
@@ -16857,40 +16121,44 @@
                   <a:schemeClr val="accent1"/>
                 </a:solidFill>
               </a:rPr>
-              <a:t>count </a:t>
-            </a:r>
+              <a:t>=True</a:t>
+            </a:r>
+          </a:p>
+          <a:p>
+            <a:pPr lvl="1"/>
             <a:r>
               <a:rPr lang="en-US" dirty="0"/>
-              <a:t>(</a:t>
-            </a:r>
-            <a:r>
-              <a:rPr lang="en-US" dirty="0" err="1"/>
-              <a:t>conta</a:t>
-            </a:r>
+              <a:t>All NA are replaced by the same value</a:t>
+            </a:r>
+          </a:p>
+          <a:p>
+            <a:pPr lvl="2"/>
+            <a:r>
+              <a:rPr lang="en-US" dirty="0">
+                <a:solidFill>
+                  <a:srgbClr val="7030A0"/>
+                </a:solidFill>
+              </a:rPr>
+              <a:t>Usually, the average</a:t>
+            </a:r>
+          </a:p>
+          <a:p>
+            <a:pPr lvl="1"/>
             <a:r>
               <a:rPr lang="en-US" dirty="0"/>
-              <a:t>)</a:t>
-            </a:r>
-            <a:endParaRPr lang="it-IT" dirty="0"/>
-          </a:p>
-          <a:p>
-            <a:pPr lvl="1"/>
-            <a:r>
-              <a:rPr lang="it-IT" dirty="0"/>
-              <a:t>Di default, eventuali valori mancanti vengono ignorati</a:t>
-            </a:r>
-          </a:p>
-          <a:p>
-            <a:pPr marL="457200" lvl="1" indent="0">
-              <a:buNone/>
-            </a:pPr>
+              <a:t>If the attribute </a:t>
+            </a:r>
             <a:r>
               <a:rPr lang="en-US" dirty="0">
                 <a:solidFill>
                   <a:schemeClr val="accent1"/>
                 </a:solidFill>
               </a:rPr>
-              <a:t>	&gt;&gt;&gt; </a:t>
+              <a:t>method</a:t>
+            </a:r>
+            <a:r>
+              <a:rPr lang="en-US" dirty="0"/>
+              <a:t> is set to </a:t>
             </a:r>
             <a:r>
               <a:rPr lang="en-US" dirty="0" err="1">
@@ -16898,7 +16166,19 @@
                   <a:schemeClr val="accent1"/>
                 </a:solidFill>
               </a:rPr>
-              <a:t>pd.Series</a:t>
+              <a:t>ffill</a:t>
+            </a:r>
+            <a:r>
+              <a:rPr lang="en-US" dirty="0"/>
+              <a:t> or </a:t>
+            </a:r>
+            <a:r>
+              <a:rPr lang="en-US" dirty="0" err="1">
+                <a:solidFill>
+                  <a:schemeClr val="accent1"/>
+                </a:solidFill>
+              </a:rPr>
+              <a:t>bfill</a:t>
             </a:r>
             <a:r>
               <a:rPr lang="en-US" dirty="0">
@@ -16906,15 +16186,11 @@
                   <a:schemeClr val="accent1"/>
                 </a:solidFill>
               </a:rPr>
-              <a:t>([2, </a:t>
-            </a:r>
-            <a:r>
-              <a:rPr lang="en-US" dirty="0" err="1">
-                <a:solidFill>
-                  <a:schemeClr val="accent1"/>
-                </a:solidFill>
-              </a:rPr>
-              <a:t>np.nan</a:t>
+              <a:t>,</a:t>
+            </a:r>
+            <a:r>
+              <a:rPr lang="en-US" dirty="0"/>
+              <a:t> each </a:t>
             </a:r>
             <a:r>
               <a:rPr lang="en-US" dirty="0">
@@ -16922,218 +16198,69 @@
                   <a:schemeClr val="accent1"/>
                 </a:solidFill>
               </a:rPr>
-              <a:t>, 6, 4]).mean()</a:t>
-            </a:r>
-          </a:p>
-          <a:p>
-            <a:pPr marL="457200" lvl="1" indent="0">
-              <a:buNone/>
-            </a:pPr>
+              <a:t>NA</a:t>
+            </a:r>
+            <a:r>
+              <a:rPr lang="en-US" dirty="0"/>
+              <a:t> is replaced by the first preceding/posterior not </a:t>
+            </a:r>
             <a:r>
               <a:rPr lang="en-US" dirty="0">
                 <a:solidFill>
                   <a:schemeClr val="accent1"/>
                 </a:solidFill>
               </a:rPr>
-              <a:t>	4.0</a:t>
-            </a:r>
-          </a:p>
-          <a:p>
-            <a:r>
-              <a:rPr lang="it-IT" dirty="0"/>
-              <a:t>Specificando </a:t>
-            </a:r>
-            <a:r>
-              <a:rPr lang="it-IT" dirty="0" err="1">
-                <a:solidFill>
-                  <a:schemeClr val="accent1"/>
-                </a:solidFill>
-              </a:rPr>
-              <a:t>skipna</a:t>
-            </a:r>
-            <a:r>
-              <a:rPr lang="it-IT" dirty="0">
-                <a:solidFill>
-                  <a:schemeClr val="accent1"/>
-                </a:solidFill>
-              </a:rPr>
-              <a:t>=False </a:t>
-            </a:r>
-            <a:r>
-              <a:rPr lang="it-IT" dirty="0"/>
-              <a:t>invece gli NA invalidano il calcolo</a:t>
-            </a:r>
-          </a:p>
-          <a:p>
-            <a:pPr marL="457200" lvl="1" indent="0">
-              <a:buNone/>
-            </a:pPr>
-            <a:r>
-              <a:rPr lang="en-US" dirty="0">
-                <a:solidFill>
-                  <a:schemeClr val="accent1"/>
-                </a:solidFill>
-              </a:rPr>
-              <a:t>&gt;&gt;&gt; </a:t>
-            </a:r>
-            <a:r>
-              <a:rPr lang="en-US" dirty="0" err="1">
-                <a:solidFill>
-                  <a:schemeClr val="accent1"/>
-                </a:solidFill>
-              </a:rPr>
-              <a:t>pd.Series</a:t>
-            </a:r>
-            <a:r>
-              <a:rPr lang="en-US" dirty="0">
-                <a:solidFill>
-                  <a:schemeClr val="accent1"/>
-                </a:solidFill>
-              </a:rPr>
-              <a:t>([2, </a:t>
-            </a:r>
-            <a:r>
-              <a:rPr lang="en-US" dirty="0" err="1">
-                <a:solidFill>
-                  <a:schemeClr val="accent1"/>
-                </a:solidFill>
-              </a:rPr>
-              <a:t>np.nan</a:t>
-            </a:r>
-            <a:r>
-              <a:rPr lang="en-US" dirty="0">
-                <a:solidFill>
-                  <a:schemeClr val="accent1"/>
-                </a:solidFill>
-              </a:rPr>
-              <a:t>, 6, 4]).mean(</a:t>
-            </a:r>
-            <a:r>
-              <a:rPr lang="en-US" dirty="0" err="1">
-                <a:solidFill>
-                  <a:schemeClr val="accent1"/>
-                </a:solidFill>
-              </a:rPr>
-              <a:t>skipna</a:t>
-            </a:r>
-            <a:r>
-              <a:rPr lang="en-US" dirty="0">
-                <a:solidFill>
-                  <a:schemeClr val="accent1"/>
-                </a:solidFill>
-              </a:rPr>
-              <a:t>=False)</a:t>
-            </a:r>
-          </a:p>
-          <a:p>
-            <a:pPr marL="457200" lvl="1" indent="0">
-              <a:buNone/>
-            </a:pPr>
-            <a:r>
-              <a:rPr lang="en-US" dirty="0">
-                <a:solidFill>
-                  <a:schemeClr val="accent1"/>
-                </a:solidFill>
-              </a:rPr>
-              <a:t>nan</a:t>
-            </a:r>
-          </a:p>
-          <a:p>
-            <a:r>
-              <a:rPr lang="it-IT" dirty="0"/>
-              <a:t>Rispetto a </a:t>
-            </a:r>
-            <a:r>
-              <a:rPr lang="it-IT" dirty="0" err="1"/>
-              <a:t>NumPy</a:t>
-            </a:r>
-            <a:r>
-              <a:rPr lang="it-IT" dirty="0"/>
-              <a:t> sono aggiunti i metodi </a:t>
-            </a:r>
-            <a:r>
-              <a:rPr lang="it-IT" dirty="0" err="1"/>
-              <a:t>idxmin</a:t>
-            </a:r>
-            <a:r>
-              <a:rPr lang="it-IT" dirty="0"/>
-              <a:t> e </a:t>
-            </a:r>
-            <a:r>
-              <a:rPr lang="it-IT" dirty="0" err="1"/>
-              <a:t>idxmax</a:t>
-            </a:r>
-            <a:r>
-              <a:rPr lang="it-IT" dirty="0"/>
-              <a:t>, che restituiscono l’etichetta del valore minimo o massimo</a:t>
-            </a:r>
-          </a:p>
-          <a:p>
-            <a:pPr marL="457200" lvl="1" indent="0">
-              <a:buNone/>
-            </a:pPr>
-            <a:r>
-              <a:rPr lang="en-US" dirty="0">
-                <a:solidFill>
-                  <a:schemeClr val="accent1"/>
-                </a:solidFill>
-              </a:rPr>
-              <a:t>&gt;&gt;&gt; </a:t>
-            </a:r>
-            <a:r>
-              <a:rPr lang="en-US" dirty="0" err="1">
-                <a:solidFill>
-                  <a:schemeClr val="accent1"/>
-                </a:solidFill>
-              </a:rPr>
-              <a:t>pd.Series</a:t>
-            </a:r>
-            <a:r>
-              <a:rPr lang="en-US" dirty="0">
-                <a:solidFill>
-                  <a:schemeClr val="accent1"/>
-                </a:solidFill>
-              </a:rPr>
-              <a:t>({"a": 6, "b": 10, "c": 7}).</a:t>
-            </a:r>
-            <a:r>
-              <a:rPr lang="en-US" dirty="0" err="1">
-                <a:solidFill>
-                  <a:schemeClr val="accent1"/>
-                </a:solidFill>
-              </a:rPr>
-              <a:t>idxmax</a:t>
-            </a:r>
-            <a:r>
-              <a:rPr lang="en-US" dirty="0">
-                <a:solidFill>
-                  <a:schemeClr val="accent1"/>
-                </a:solidFill>
-              </a:rPr>
-              <a:t>()</a:t>
-            </a:r>
-          </a:p>
-          <a:p>
-            <a:pPr marL="457200" lvl="1" indent="0">
-              <a:buNone/>
-            </a:pPr>
-            <a:r>
-              <a:rPr lang="en-US" dirty="0">
-                <a:solidFill>
-                  <a:schemeClr val="accent1"/>
-                </a:solidFill>
-              </a:rPr>
-              <a:t>'b'</a:t>
-            </a:r>
-          </a:p>
-        </p:txBody>
-      </p:sp>
+              <a:t>NA</a:t>
+            </a:r>
+            <a:r>
+              <a:rPr lang="en-US" dirty="0"/>
+              <a:t> value (if any)</a:t>
+            </a:r>
+          </a:p>
+          <a:p>
+            <a:pPr lvl="2"/>
+            <a:r>
+              <a:rPr lang="en-US" dirty="0"/>
+              <a:t>Useful for temporal series</a:t>
+            </a:r>
+          </a:p>
+        </p:txBody>
+      </p:sp>
+      <p:pic>
+        <p:nvPicPr>
+          <p:cNvPr id="10" name="Segnaposto contenuto 9">
+            <a:extLst>
+              <a:ext uri="{FF2B5EF4-FFF2-40B4-BE49-F238E27FC236}">
+                <a16:creationId xmlns:a16="http://schemas.microsoft.com/office/drawing/2014/main" id="{D917AD74-A834-4A7D-93A7-877514B9EDEF}"/>
+              </a:ext>
+            </a:extLst>
+          </p:cNvPr>
+          <p:cNvPicPr>
+            <a:picLocks noGrp="1" noChangeAspect="1"/>
+          </p:cNvPicPr>
+          <p:nvPr>
+            <p:ph sz="half" idx="2"/>
+          </p:nvPr>
+        </p:nvPicPr>
+        <p:blipFill>
+          <a:blip r:embed="rId2"/>
+          <a:stretch>
+            <a:fillRect/>
+          </a:stretch>
+        </p:blipFill>
+        <p:spPr>
+          <a:xfrm>
+            <a:off x="6635640" y="1921562"/>
+            <a:ext cx="4254719" cy="4159464"/>
+          </a:xfrm>
+        </p:spPr>
+      </p:pic>
       <p:sp>
         <p:nvSpPr>
           <p:cNvPr id="4" name="Segnaposto piè di pagina 3">
             <a:extLst>
               <a:ext uri="{FF2B5EF4-FFF2-40B4-BE49-F238E27FC236}">
-                <a16:creationId xmlns:a16="http://schemas.microsoft.com/office/drawing/2014/main" id="{2EFAB4A0-B151-4DA5-98BF-625EB185BF35}"/>
+                <a16:creationId xmlns:a16="http://schemas.microsoft.com/office/drawing/2014/main" id="{275C1F7F-2BD2-4BEE-A1C5-8DC23EFEB8DE}"/>
               </a:ext>
             </a:extLst>
           </p:cNvPr>
@@ -17155,7 +16282,7 @@
           <a:lstStyle/>
           <a:p>
             <a:r>
-              <a:rPr lang="it-IT" dirty="0"/>
+              <a:rPr lang="en-US"/>
               <a:t>Matteo Francia – University of Bologna</a:t>
             </a:r>
           </a:p>
@@ -17166,7 +16293,7 @@
           <p:cNvPr id="5" name="Segnaposto numero diapositiva 4">
             <a:extLst>
               <a:ext uri="{FF2B5EF4-FFF2-40B4-BE49-F238E27FC236}">
-                <a16:creationId xmlns:a16="http://schemas.microsoft.com/office/drawing/2014/main" id="{B460D6AA-BEB0-4611-9E53-5F9A1ABD3714}"/>
+                <a16:creationId xmlns:a16="http://schemas.microsoft.com/office/drawing/2014/main" id="{439F8CCD-C0FA-4800-8364-0282B113364F}"/>
               </a:ext>
             </a:extLst>
           </p:cNvPr>
@@ -17188,18 +16315,43 @@
           <a:lstStyle/>
           <a:p>
             <a:fld id="{5DD6F1BA-2510-46FC-9346-AB1F3CA1593B}" type="slidenum">
-              <a:rPr lang="it-IT" smtClean="0"/>
+              <a:rPr lang="en-US" smtClean="0"/>
               <a:pPr/>
               <a:t>22</a:t>
             </a:fld>
-            <a:endParaRPr lang="it-IT"/>
+            <a:endParaRPr lang="en-US"/>
+          </a:p>
+        </p:txBody>
+      </p:sp>
+      <p:sp>
+        <p:nvSpPr>
+          <p:cNvPr id="13" name="Segnaposto contenuto 12">
+            <a:extLst>
+              <a:ext uri="{FF2B5EF4-FFF2-40B4-BE49-F238E27FC236}">
+                <a16:creationId xmlns:a16="http://schemas.microsoft.com/office/drawing/2014/main" id="{4F5FA6D8-B8B3-418F-A06F-2EA984B941FB}"/>
+              </a:ext>
+            </a:extLst>
+          </p:cNvPr>
+          <p:cNvSpPr>
+            <a:spLocks noGrp="1"/>
+          </p:cNvSpPr>
+          <p:nvPr>
+            <p:ph idx="13"/>
+          </p:nvPr>
+        </p:nvSpPr>
+        <p:spPr/>
+        <p:txBody>
+          <a:bodyPr/>
+          <a:lstStyle/>
+          <a:p>
+            <a:endParaRPr lang="en-US"/>
           </a:p>
         </p:txBody>
       </p:sp>
     </p:spTree>
     <p:extLst>
       <p:ext uri="{BB962C8B-B14F-4D97-AF65-F5344CB8AC3E}">
-        <p14:creationId xmlns:p14="http://schemas.microsoft.com/office/powerpoint/2010/main" val="769491650"/>
+        <p14:creationId xmlns:p14="http://schemas.microsoft.com/office/powerpoint/2010/main" val="2912145028"/>
       </p:ext>
     </p:extLst>
   </p:cSld>
@@ -17228,10 +16380,10 @@
       </p:grpSpPr>
       <p:sp>
         <p:nvSpPr>
-          <p:cNvPr id="6" name="Titolo 5">
-            <a:extLst>
-              <a:ext uri="{FF2B5EF4-FFF2-40B4-BE49-F238E27FC236}">
-                <a16:creationId xmlns:a16="http://schemas.microsoft.com/office/drawing/2014/main" id="{276992A1-E4E8-4FC1-80AA-AC33A6F33ECF}"/>
+          <p:cNvPr id="2" name="Titolo 1">
+            <a:extLst>
+              <a:ext uri="{FF2B5EF4-FFF2-40B4-BE49-F238E27FC236}">
+                <a16:creationId xmlns:a16="http://schemas.microsoft.com/office/drawing/2014/main" id="{6BCC59CA-A650-4D1C-AE3D-081662240E82}"/>
               </a:ext>
             </a:extLst>
           </p:cNvPr>
@@ -17253,10 +16405,9 @@
           <a:lstStyle/>
           <a:p>
             <a:r>
-              <a:rPr lang="it-IT" dirty="0"/>
-              <a:t>Distribuzione dei valori</a:t>
-            </a:r>
-            <a:endParaRPr lang="en-US" dirty="0"/>
+              <a:rPr lang="en-US"/>
+              <a:t>Aggregation</a:t>
+            </a:r>
           </a:p>
         </p:txBody>
       </p:sp>
@@ -17273,13 +16424,13 @@
             <a:spLocks noGrp="1"/>
           </p:cNvSpPr>
           <p:nvPr>
-            <p:ph sz="half" idx="1"/>
+            <p:ph idx="1"/>
           </p:nvPr>
         </p:nvSpPr>
         <p:spPr>
           <a:xfrm>
-            <a:off x="838200" y="1825625"/>
-            <a:ext cx="5181600" cy="4351338"/>
+            <a:off x="838200" y="1700499"/>
+            <a:ext cx="10515600" cy="4351338"/>
           </a:xfrm>
         </p:spPr>
         <p:txBody>
@@ -17287,8 +16438,8 @@
           <a:lstStyle/>
           <a:p>
             <a:r>
-              <a:rPr lang="it-IT" dirty="0"/>
-              <a:t>Alcuni metodi </a:t>
+              <a:rPr lang="en-US" dirty="0"/>
+              <a:t>Series of methods to compute aggregated statistics</a:t>
             </a:r>
           </a:p>
           <a:p>
@@ -17299,104 +16450,301 @@
                   <a:schemeClr val="accent1"/>
                 </a:solidFill>
               </a:rPr>
-              <a:t>unique</a:t>
+              <a:t>sum</a:t>
             </a:r>
             <a:r>
               <a:rPr lang="en-US" dirty="0"/>
-              <a:t> </a:t>
-            </a:r>
-            <a:r>
-              <a:rPr lang="en-US" dirty="0" err="1"/>
-              <a:t>restituisce</a:t>
+              <a:t>, </a:t>
+            </a:r>
+            <a:r>
+              <a:rPr lang="en-US" dirty="0">
+                <a:solidFill>
+                  <a:schemeClr val="accent1"/>
+                </a:solidFill>
+              </a:rPr>
+              <a:t>mean</a:t>
             </a:r>
             <a:r>
               <a:rPr lang="en-US" dirty="0"/>
-              <a:t> </a:t>
-            </a:r>
-            <a:r>
-              <a:rPr lang="it-IT" dirty="0"/>
-              <a:t>un vettore con tutti i valori distinti in una serie, ordinati </a:t>
-            </a:r>
-            <a:r>
-              <a:rPr lang="en-US" dirty="0" err="1"/>
-              <a:t>sulla</a:t>
+              <a:t>, </a:t>
+            </a:r>
+            <a:r>
+              <a:rPr lang="en-US" dirty="0">
+                <a:solidFill>
+                  <a:schemeClr val="accent1"/>
+                </a:solidFill>
+              </a:rPr>
+              <a:t>min</a:t>
             </a:r>
             <a:r>
               <a:rPr lang="en-US" dirty="0"/>
-              <a:t> prima </a:t>
-            </a:r>
-            <a:r>
-              <a:rPr lang="en-US" dirty="0" err="1"/>
-              <a:t>apparizione</a:t>
+              <a:t>, </a:t>
+            </a:r>
+            <a:r>
+              <a:rPr lang="en-US" dirty="0">
+                <a:solidFill>
+                  <a:schemeClr val="accent1"/>
+                </a:solidFill>
+              </a:rPr>
+              <a:t>max</a:t>
+            </a:r>
+            <a:r>
+              <a:rPr lang="en-US" dirty="0"/>
+              <a:t>, </a:t>
+            </a:r>
+            <a:r>
+              <a:rPr lang="en-US" dirty="0">
+                <a:solidFill>
+                  <a:schemeClr val="accent1"/>
+                </a:solidFill>
+              </a:rPr>
+              <a:t>count</a:t>
             </a:r>
             <a:endParaRPr lang="en-US" dirty="0"/>
           </a:p>
           <a:p>
             <a:pPr lvl="1"/>
+            <a:r>
+              <a:rPr lang="en-US" dirty="0"/>
+              <a:t>NA values are ignored by default</a:t>
+            </a:r>
+          </a:p>
+          <a:p>
+            <a:pPr marL="457200" lvl="1" indent="0">
+              <a:buNone/>
+            </a:pPr>
+            <a:r>
+              <a:rPr lang="en-US" dirty="0">
+                <a:solidFill>
+                  <a:schemeClr val="accent1"/>
+                </a:solidFill>
+              </a:rPr>
+              <a:t>	&gt;&gt;&gt; </a:t>
+            </a:r>
             <a:r>
               <a:rPr lang="en-US" dirty="0" err="1">
                 <a:solidFill>
                   <a:schemeClr val="accent1"/>
                 </a:solidFill>
               </a:rPr>
-              <a:t>nunique</a:t>
-            </a:r>
+              <a:t>pd.Series</a:t>
+            </a:r>
+            <a:r>
+              <a:rPr lang="en-US" dirty="0">
+                <a:solidFill>
+                  <a:schemeClr val="accent1"/>
+                </a:solidFill>
+              </a:rPr>
+              <a:t>([2, </a:t>
+            </a:r>
+            <a:r>
+              <a:rPr lang="en-US" dirty="0" err="1">
+                <a:solidFill>
+                  <a:schemeClr val="accent1"/>
+                </a:solidFill>
+              </a:rPr>
+              <a:t>np.nan</a:t>
+            </a:r>
+            <a:r>
+              <a:rPr lang="en-US" dirty="0">
+                <a:solidFill>
+                  <a:schemeClr val="accent1"/>
+                </a:solidFill>
+              </a:rPr>
+              <a:t>, 6, 4]).mean()</a:t>
+            </a:r>
+          </a:p>
+          <a:p>
+            <a:pPr marL="457200" lvl="1" indent="0">
+              <a:buNone/>
+            </a:pPr>
+            <a:r>
+              <a:rPr lang="en-US" dirty="0">
+                <a:solidFill>
+                  <a:schemeClr val="accent1"/>
+                </a:solidFill>
+              </a:rPr>
+              <a:t>	4.0</a:t>
+            </a:r>
+          </a:p>
+          <a:p>
             <a:r>
               <a:rPr lang="en-US" dirty="0"/>
-              <a:t> ne </a:t>
-            </a:r>
+              <a:t>If </a:t>
+            </a:r>
+            <a:r>
+              <a:rPr lang="en-US" dirty="0" err="1">
+                <a:solidFill>
+                  <a:schemeClr val="accent1"/>
+                </a:solidFill>
+              </a:rPr>
+              <a:t>skipna</a:t>
+            </a:r>
+            <a:r>
+              <a:rPr lang="en-US" dirty="0">
+                <a:solidFill>
+                  <a:schemeClr val="accent1"/>
+                </a:solidFill>
+              </a:rPr>
+              <a:t>=False, </a:t>
+            </a:r>
+            <a:r>
+              <a:rPr lang="en-US" dirty="0"/>
+              <a:t>NA values invalidate the statistics</a:t>
+            </a:r>
+          </a:p>
+          <a:p>
+            <a:pPr marL="457200" lvl="1" indent="0">
+              <a:buNone/>
+            </a:pPr>
+            <a:r>
+              <a:rPr lang="en-US" dirty="0">
+                <a:solidFill>
+                  <a:schemeClr val="accent1"/>
+                </a:solidFill>
+              </a:rPr>
+              <a:t>&gt;&gt;&gt; </a:t>
+            </a:r>
+            <a:r>
+              <a:rPr lang="en-US" dirty="0" err="1">
+                <a:solidFill>
+                  <a:schemeClr val="accent1"/>
+                </a:solidFill>
+              </a:rPr>
+              <a:t>pd.Series</a:t>
+            </a:r>
+            <a:r>
+              <a:rPr lang="en-US" dirty="0">
+                <a:solidFill>
+                  <a:schemeClr val="accent1"/>
+                </a:solidFill>
+              </a:rPr>
+              <a:t>([2, </a:t>
+            </a:r>
+            <a:r>
+              <a:rPr lang="en-US" dirty="0" err="1">
+                <a:solidFill>
+                  <a:schemeClr val="accent1"/>
+                </a:solidFill>
+              </a:rPr>
+              <a:t>np.nan</a:t>
+            </a:r>
+            <a:r>
+              <a:rPr lang="en-US" dirty="0">
+                <a:solidFill>
+                  <a:schemeClr val="accent1"/>
+                </a:solidFill>
+              </a:rPr>
+              <a:t>, 6, 4]).mean(</a:t>
+            </a:r>
+            <a:r>
+              <a:rPr lang="en-US" dirty="0" err="1">
+                <a:solidFill>
+                  <a:schemeClr val="accent1"/>
+                </a:solidFill>
+              </a:rPr>
+              <a:t>skipna</a:t>
+            </a:r>
+            <a:r>
+              <a:rPr lang="en-US" dirty="0">
+                <a:solidFill>
+                  <a:schemeClr val="accent1"/>
+                </a:solidFill>
+              </a:rPr>
+              <a:t>=False)</a:t>
+            </a:r>
+          </a:p>
+          <a:p>
+            <a:pPr marL="457200" lvl="1" indent="0">
+              <a:buNone/>
+            </a:pPr>
+            <a:r>
+              <a:rPr lang="en-US" dirty="0">
+                <a:solidFill>
+                  <a:schemeClr val="accent1"/>
+                </a:solidFill>
+              </a:rPr>
+              <a:t>nan</a:t>
+            </a:r>
+          </a:p>
+          <a:p>
             <a:r>
               <a:rPr lang="en-US" dirty="0" err="1"/>
-              <a:t>restituisce</a:t>
+              <a:t>idxmin</a:t>
             </a:r>
             <a:r>
               <a:rPr lang="en-US" dirty="0"/>
-              <a:t> </a:t>
+              <a:t> e </a:t>
             </a:r>
             <a:r>
               <a:rPr lang="en-US" dirty="0" err="1"/>
-              <a:t>direttamente</a:t>
+              <a:t>idxmax</a:t>
             </a:r>
             <a:r>
               <a:rPr lang="en-US" dirty="0"/>
-              <a:t> la </a:t>
-            </a:r>
-            <a:r>
-              <a:rPr lang="en-US" dirty="0" err="1"/>
-              <a:t>quantità</a:t>
-            </a:r>
-            <a:endParaRPr lang="en-US" dirty="0"/>
-          </a:p>
-        </p:txBody>
-      </p:sp>
-      <p:pic>
-        <p:nvPicPr>
-          <p:cNvPr id="10" name="Segnaposto contenuto 9">
-            <a:extLst>
-              <a:ext uri="{FF2B5EF4-FFF2-40B4-BE49-F238E27FC236}">
-                <a16:creationId xmlns:a16="http://schemas.microsoft.com/office/drawing/2014/main" id="{D471B0FF-BFBA-4104-9A88-34172415C3E6}"/>
-              </a:ext>
-            </a:extLst>
-          </p:cNvPr>
-          <p:cNvPicPr>
-            <a:picLocks noGrp="1" noChangeAspect="1"/>
-          </p:cNvPicPr>
-          <p:nvPr>
-            <p:ph sz="half" idx="2"/>
-          </p:nvPr>
-        </p:nvPicPr>
-        <p:blipFill rotWithShape="1">
-          <a:blip r:embed="rId2"/>
-          <a:srcRect b="49935"/>
-          <a:stretch/>
-        </p:blipFill>
-        <p:spPr>
-          <a:xfrm>
-            <a:off x="6633231" y="1825625"/>
-            <a:ext cx="4259537" cy="2178484"/>
-          </a:xfrm>
-        </p:spPr>
-      </p:pic>
+              <a:t>, return the label of the minimum/maximum value</a:t>
+            </a:r>
+          </a:p>
+          <a:p>
+            <a:pPr marL="457200" lvl="1" indent="0">
+              <a:buNone/>
+            </a:pPr>
+            <a:r>
+              <a:rPr lang="en-US" dirty="0">
+                <a:solidFill>
+                  <a:schemeClr val="accent1"/>
+                </a:solidFill>
+              </a:rPr>
+              <a:t>&gt;&gt;&gt; </a:t>
+            </a:r>
+            <a:r>
+              <a:rPr lang="en-US" dirty="0" err="1">
+                <a:solidFill>
+                  <a:schemeClr val="accent1"/>
+                </a:solidFill>
+              </a:rPr>
+              <a:t>pd.Series</a:t>
+            </a:r>
+            <a:r>
+              <a:rPr lang="en-US" dirty="0">
+                <a:solidFill>
+                  <a:schemeClr val="accent1"/>
+                </a:solidFill>
+              </a:rPr>
+              <a:t>({"a": 6, "b": 10, "c": 7}).</a:t>
+            </a:r>
+            <a:r>
+              <a:rPr lang="en-US" dirty="0" err="1">
+                <a:solidFill>
+                  <a:schemeClr val="accent1"/>
+                </a:solidFill>
+              </a:rPr>
+              <a:t>idxmax</a:t>
+            </a:r>
+            <a:r>
+              <a:rPr lang="en-US" dirty="0">
+                <a:solidFill>
+                  <a:schemeClr val="accent1"/>
+                </a:solidFill>
+              </a:rPr>
+              <a:t>()</a:t>
+            </a:r>
+          </a:p>
+          <a:p>
+            <a:pPr marL="457200" lvl="1" indent="0">
+              <a:buNone/>
+            </a:pPr>
+            <a:r>
+              <a:rPr lang="en-US" dirty="0">
+                <a:solidFill>
+                  <a:schemeClr val="accent1"/>
+                </a:solidFill>
+              </a:rPr>
+              <a:t>'b'</a:t>
+            </a:r>
+          </a:p>
+        </p:txBody>
+      </p:sp>
       <p:sp>
         <p:nvSpPr>
           <p:cNvPr id="4" name="Segnaposto piè di pagina 3">
@@ -17424,7 +16772,7 @@
           <a:lstStyle/>
           <a:p>
             <a:r>
-              <a:rPr lang="it-IT" dirty="0"/>
+              <a:rPr lang="en-US"/>
               <a:t>Matteo Francia – University of Bologna</a:t>
             </a:r>
           </a:p>
@@ -17457,35 +16805,10 @@
           <a:lstStyle/>
           <a:p>
             <a:fld id="{5DD6F1BA-2510-46FC-9346-AB1F3CA1593B}" type="slidenum">
-              <a:rPr lang="it-IT" smtClean="0"/>
+              <a:rPr lang="en-US" smtClean="0"/>
               <a:pPr/>
               <a:t>23</a:t>
             </a:fld>
-            <a:endParaRPr lang="it-IT"/>
-          </a:p>
-        </p:txBody>
-      </p:sp>
-      <p:sp>
-        <p:nvSpPr>
-          <p:cNvPr id="13" name="Segnaposto contenuto 12">
-            <a:extLst>
-              <a:ext uri="{FF2B5EF4-FFF2-40B4-BE49-F238E27FC236}">
-                <a16:creationId xmlns:a16="http://schemas.microsoft.com/office/drawing/2014/main" id="{95996ECB-15F1-4D2B-85D3-9CC408776A62}"/>
-              </a:ext>
-            </a:extLst>
-          </p:cNvPr>
-          <p:cNvSpPr>
-            <a:spLocks noGrp="1"/>
-          </p:cNvSpPr>
-          <p:nvPr>
-            <p:ph idx="13"/>
-          </p:nvPr>
-        </p:nvSpPr>
-        <p:spPr/>
-        <p:txBody>
-          <a:bodyPr/>
-          <a:lstStyle/>
-          <a:p>
             <a:endParaRPr lang="en-US"/>
           </a:p>
         </p:txBody>
@@ -17493,7 +16816,7 @@
     </p:spTree>
     <p:extLst>
       <p:ext uri="{BB962C8B-B14F-4D97-AF65-F5344CB8AC3E}">
-        <p14:creationId xmlns:p14="http://schemas.microsoft.com/office/powerpoint/2010/main" val="723737290"/>
+        <p14:creationId xmlns:p14="http://schemas.microsoft.com/office/powerpoint/2010/main" val="769491650"/>
       </p:ext>
     </p:extLst>
   </p:cSld>
@@ -17548,7 +16871,11 @@
           <a:p>
             <a:r>
               <a:rPr lang="it-IT" dirty="0"/>
-              <a:t>Distribuzione dei valori</a:t>
+              <a:t>Value </a:t>
+            </a:r>
+            <a:r>
+              <a:rPr lang="it-IT" dirty="0" err="1"/>
+              <a:t>distribution</a:t>
             </a:r>
             <a:endParaRPr lang="en-US" dirty="0"/>
           </a:p>
@@ -17580,11 +16907,256 @@
           <a:bodyPr/>
           <a:lstStyle/>
           <a:p>
+            <a:pPr lvl="1"/>
+            <a:r>
+              <a:rPr lang="en-US" dirty="0">
+                <a:solidFill>
+                  <a:schemeClr val="accent1"/>
+                </a:solidFill>
+              </a:rPr>
+              <a:t>unique</a:t>
+            </a:r>
+            <a:r>
+              <a:rPr lang="en-US" dirty="0"/>
+              <a:t> returns an array with distinct values, values are sorted by </a:t>
+            </a:r>
             <a:r>
               <a:rPr lang="it-IT" dirty="0"/>
-              <a:t>Alcuni metodi </a:t>
-            </a:r>
-          </a:p>
+              <a:t>first </a:t>
+            </a:r>
+            <a:r>
+              <a:rPr lang="it-IT" dirty="0" err="1"/>
+              <a:t>appearance</a:t>
+            </a:r>
+            <a:endParaRPr lang="en-US" dirty="0"/>
+          </a:p>
+          <a:p>
+            <a:pPr lvl="1"/>
+            <a:r>
+              <a:rPr lang="en-US" dirty="0" err="1">
+                <a:solidFill>
+                  <a:schemeClr val="accent1"/>
+                </a:solidFill>
+              </a:rPr>
+              <a:t>nunique</a:t>
+            </a:r>
+            <a:r>
+              <a:rPr lang="en-US" dirty="0"/>
+              <a:t> returns the quantity of unique values</a:t>
+            </a:r>
+          </a:p>
+        </p:txBody>
+      </p:sp>
+      <p:pic>
+        <p:nvPicPr>
+          <p:cNvPr id="10" name="Segnaposto contenuto 9">
+            <a:extLst>
+              <a:ext uri="{FF2B5EF4-FFF2-40B4-BE49-F238E27FC236}">
+                <a16:creationId xmlns:a16="http://schemas.microsoft.com/office/drawing/2014/main" id="{D471B0FF-BFBA-4104-9A88-34172415C3E6}"/>
+              </a:ext>
+            </a:extLst>
+          </p:cNvPr>
+          <p:cNvPicPr>
+            <a:picLocks noGrp="1" noChangeAspect="1"/>
+          </p:cNvPicPr>
+          <p:nvPr>
+            <p:ph sz="half" idx="2"/>
+          </p:nvPr>
+        </p:nvPicPr>
+        <p:blipFill rotWithShape="1">
+          <a:blip r:embed="rId2"/>
+          <a:srcRect b="49935"/>
+          <a:stretch/>
+        </p:blipFill>
+        <p:spPr>
+          <a:xfrm>
+            <a:off x="6633231" y="1825625"/>
+            <a:ext cx="4259537" cy="2178484"/>
+          </a:xfrm>
+        </p:spPr>
+      </p:pic>
+      <p:sp>
+        <p:nvSpPr>
+          <p:cNvPr id="4" name="Segnaposto piè di pagina 3">
+            <a:extLst>
+              <a:ext uri="{FF2B5EF4-FFF2-40B4-BE49-F238E27FC236}">
+                <a16:creationId xmlns:a16="http://schemas.microsoft.com/office/drawing/2014/main" id="{2EFAB4A0-B151-4DA5-98BF-625EB185BF35}"/>
+              </a:ext>
+            </a:extLst>
+          </p:cNvPr>
+          <p:cNvSpPr>
+            <a:spLocks noGrp="1"/>
+          </p:cNvSpPr>
+          <p:nvPr>
+            <p:ph type="ftr" sz="quarter" idx="11"/>
+          </p:nvPr>
+        </p:nvSpPr>
+        <p:spPr>
+          <a:xfrm>
+            <a:off x="-1" y="6492875"/>
+            <a:ext cx="2837793" cy="365125"/>
+          </a:xfrm>
+        </p:spPr>
+        <p:txBody>
+          <a:bodyPr/>
+          <a:lstStyle/>
+          <a:p>
+            <a:r>
+              <a:rPr lang="it-IT" dirty="0"/>
+              <a:t>Matteo Francia – University of Bologna</a:t>
+            </a:r>
+          </a:p>
+        </p:txBody>
+      </p:sp>
+      <p:sp>
+        <p:nvSpPr>
+          <p:cNvPr id="5" name="Segnaposto numero diapositiva 4">
+            <a:extLst>
+              <a:ext uri="{FF2B5EF4-FFF2-40B4-BE49-F238E27FC236}">
+                <a16:creationId xmlns:a16="http://schemas.microsoft.com/office/drawing/2014/main" id="{B460D6AA-BEB0-4611-9E53-5F9A1ABD3714}"/>
+              </a:ext>
+            </a:extLst>
+          </p:cNvPr>
+          <p:cNvSpPr>
+            <a:spLocks noGrp="1"/>
+          </p:cNvSpPr>
+          <p:nvPr>
+            <p:ph type="sldNum" sz="quarter" idx="12"/>
+          </p:nvPr>
+        </p:nvSpPr>
+        <p:spPr>
+          <a:xfrm>
+            <a:off x="9448800" y="6492874"/>
+            <a:ext cx="2743200" cy="365125"/>
+          </a:xfrm>
+        </p:spPr>
+        <p:txBody>
+          <a:bodyPr/>
+          <a:lstStyle/>
+          <a:p>
+            <a:fld id="{5DD6F1BA-2510-46FC-9346-AB1F3CA1593B}" type="slidenum">
+              <a:rPr lang="it-IT" smtClean="0"/>
+              <a:pPr/>
+              <a:t>24</a:t>
+            </a:fld>
+            <a:endParaRPr lang="it-IT"/>
+          </a:p>
+        </p:txBody>
+      </p:sp>
+      <p:sp>
+        <p:nvSpPr>
+          <p:cNvPr id="13" name="Segnaposto contenuto 12">
+            <a:extLst>
+              <a:ext uri="{FF2B5EF4-FFF2-40B4-BE49-F238E27FC236}">
+                <a16:creationId xmlns:a16="http://schemas.microsoft.com/office/drawing/2014/main" id="{95996ECB-15F1-4D2B-85D3-9CC408776A62}"/>
+              </a:ext>
+            </a:extLst>
+          </p:cNvPr>
+          <p:cNvSpPr>
+            <a:spLocks noGrp="1"/>
+          </p:cNvSpPr>
+          <p:nvPr>
+            <p:ph idx="13"/>
+          </p:nvPr>
+        </p:nvSpPr>
+        <p:spPr/>
+        <p:txBody>
+          <a:bodyPr/>
+          <a:lstStyle/>
+          <a:p>
+            <a:endParaRPr lang="en-US"/>
+          </a:p>
+        </p:txBody>
+      </p:sp>
+    </p:spTree>
+    <p:extLst>
+      <p:ext uri="{BB962C8B-B14F-4D97-AF65-F5344CB8AC3E}">
+        <p14:creationId xmlns:p14="http://schemas.microsoft.com/office/powerpoint/2010/main" val="723737290"/>
+      </p:ext>
+    </p:extLst>
+  </p:cSld>
+  <p:clrMapOvr>
+    <a:masterClrMapping/>
+  </p:clrMapOvr>
+</p:sld>
+</file>
+
+<file path=ppt/slides/slide25.xml><?xml version="1.0" encoding="utf-8"?>
+<p:sld xmlns:a="http://schemas.openxmlformats.org/drawingml/2006/main" xmlns:r="http://schemas.openxmlformats.org/officeDocument/2006/relationships" xmlns:p="http://schemas.openxmlformats.org/presentationml/2006/main">
+  <p:cSld>
+    <p:spTree>
+      <p:nvGrpSpPr>
+        <p:cNvPr id="1" name=""/>
+        <p:cNvGrpSpPr/>
+        <p:nvPr/>
+      </p:nvGrpSpPr>
+      <p:grpSpPr>
+        <a:xfrm>
+          <a:off x="0" y="0"/>
+          <a:ext cx="0" cy="0"/>
+          <a:chOff x="0" y="0"/>
+          <a:chExt cx="0" cy="0"/>
+        </a:xfrm>
+      </p:grpSpPr>
+      <p:sp>
+        <p:nvSpPr>
+          <p:cNvPr id="6" name="Titolo 5">
+            <a:extLst>
+              <a:ext uri="{FF2B5EF4-FFF2-40B4-BE49-F238E27FC236}">
+                <a16:creationId xmlns:a16="http://schemas.microsoft.com/office/drawing/2014/main" id="{276992A1-E4E8-4FC1-80AA-AC33A6F33ECF}"/>
+              </a:ext>
+            </a:extLst>
+          </p:cNvPr>
+          <p:cNvSpPr>
+            <a:spLocks noGrp="1"/>
+          </p:cNvSpPr>
+          <p:nvPr>
+            <p:ph type="title"/>
+          </p:nvPr>
+        </p:nvSpPr>
+        <p:spPr>
+          <a:xfrm>
+            <a:off x="838200" y="365125"/>
+            <a:ext cx="10515600" cy="1325563"/>
+          </a:xfrm>
+        </p:spPr>
+        <p:txBody>
+          <a:bodyPr/>
+          <a:lstStyle/>
+          <a:p>
+            <a:r>
+              <a:rPr lang="it-IT" dirty="0"/>
+              <a:t>Distribuzione dei valori</a:t>
+            </a:r>
+            <a:endParaRPr lang="en-US" dirty="0"/>
+          </a:p>
+        </p:txBody>
+      </p:sp>
+      <p:sp>
+        <p:nvSpPr>
+          <p:cNvPr id="3" name="Segnaposto contenuto 2">
+            <a:extLst>
+              <a:ext uri="{FF2B5EF4-FFF2-40B4-BE49-F238E27FC236}">
+                <a16:creationId xmlns:a16="http://schemas.microsoft.com/office/drawing/2014/main" id="{51E9D40F-BF0D-42B9-BC9E-333C1070F9D6}"/>
+              </a:ext>
+            </a:extLst>
+          </p:cNvPr>
+          <p:cNvSpPr>
+            <a:spLocks noGrp="1"/>
+          </p:cNvSpPr>
+          <p:nvPr>
+            <p:ph sz="half" idx="1"/>
+          </p:nvPr>
+        </p:nvSpPr>
+        <p:spPr>
+          <a:xfrm>
+            <a:off x="838200" y="1825625"/>
+            <a:ext cx="5181600" cy="4351338"/>
+          </a:xfrm>
+        </p:spPr>
+        <p:txBody>
+          <a:bodyPr/>
+          <a:lstStyle/>
           <a:p>
             <a:pPr lvl="1"/>
             <a:r>
@@ -17604,98 +17176,17 @@
               <a:t> </a:t>
             </a:r>
             <a:r>
-              <a:rPr lang="en-US" dirty="0" err="1"/>
-              <a:t>restituisce</a:t>
-            </a:r>
-            <a:r>
               <a:rPr lang="en-US" dirty="0"/>
-              <a:t> </a:t>
-            </a:r>
-            <a:r>
-              <a:rPr lang="it-IT" dirty="0"/>
-              <a:t>una nuova serie che associa ad ogni valore distinto il suo </a:t>
-            </a:r>
-            <a:r>
-              <a:rPr lang="en-US" dirty="0" err="1"/>
-              <a:t>numero</a:t>
-            </a:r>
+              <a:t>returns a new series that associates each value with its number of occurrences, sorted by frequency</a:t>
+            </a:r>
+          </a:p>
+          <a:p>
+            <a:endParaRPr lang="en-US" dirty="0"/>
+          </a:p>
+          <a:p>
             <a:r>
               <a:rPr lang="en-US" dirty="0"/>
-              <a:t> di </a:t>
-            </a:r>
-            <a:r>
-              <a:rPr lang="en-US" dirty="0" err="1"/>
-              <a:t>occorrenze</a:t>
-            </a:r>
-            <a:r>
-              <a:rPr lang="en-US" dirty="0"/>
-              <a:t>, </a:t>
-            </a:r>
-            <a:r>
-              <a:rPr lang="en-US" dirty="0" err="1"/>
-              <a:t>partendo</a:t>
-            </a:r>
-            <a:r>
-              <a:rPr lang="en-US" dirty="0"/>
-              <a:t> dal </a:t>
-            </a:r>
-            <a:r>
-              <a:rPr lang="en-US" dirty="0" err="1"/>
-              <a:t>più</a:t>
-            </a:r>
-            <a:r>
-              <a:rPr lang="en-US" dirty="0"/>
-              <a:t> </a:t>
-            </a:r>
-            <a:r>
-              <a:rPr lang="en-US" dirty="0" err="1"/>
-              <a:t>frequente</a:t>
-            </a:r>
-            <a:endParaRPr lang="en-US" dirty="0"/>
-          </a:p>
-          <a:p>
-            <a:endParaRPr lang="en-US" dirty="0"/>
-          </a:p>
-          <a:p>
-            <a:r>
-              <a:rPr lang="en-US" dirty="0" err="1"/>
-              <a:t>Quali</a:t>
-            </a:r>
-            <a:r>
-              <a:rPr lang="en-US" dirty="0"/>
-              <a:t> </a:t>
-            </a:r>
-            <a:r>
-              <a:rPr lang="en-US" dirty="0" err="1"/>
-              <a:t>problemi</a:t>
-            </a:r>
-            <a:r>
-              <a:rPr lang="en-US" dirty="0"/>
-              <a:t> </a:t>
-            </a:r>
-            <a:r>
-              <a:rPr lang="en-US" dirty="0" err="1"/>
-              <a:t>può</a:t>
-            </a:r>
-            <a:r>
-              <a:rPr lang="en-US" dirty="0"/>
-              <a:t> </a:t>
-            </a:r>
-            <a:r>
-              <a:rPr lang="en-US" dirty="0" err="1"/>
-              <a:t>causare</a:t>
-            </a:r>
-            <a:r>
-              <a:rPr lang="en-US" dirty="0"/>
-              <a:t> una </a:t>
-            </a:r>
-            <a:r>
-              <a:rPr lang="en-US" dirty="0" err="1"/>
-              <a:t>distribuzione</a:t>
-            </a:r>
-            <a:r>
-              <a:rPr lang="en-US" dirty="0"/>
-              <a:t> “skewed”?</a:t>
+              <a:t>Which problems can cause skewed distributions?</a:t>
             </a:r>
           </a:p>
         </p:txBody>
@@ -17791,7 +17282,7 @@
             <a:fld id="{5DD6F1BA-2510-46FC-9346-AB1F3CA1593B}" type="slidenum">
               <a:rPr lang="it-IT" smtClean="0"/>
               <a:pPr/>
-              <a:t>24</a:t>
+              <a:t>25</a:t>
             </a:fld>
             <a:endParaRPr lang="it-IT"/>
           </a:p>
@@ -17899,311 +17390,6 @@
 </p:sld>
 </file>
 
-<file path=ppt/slides/slide25.xml><?xml version="1.0" encoding="utf-8"?>
-<p:sld xmlns:a="http://schemas.openxmlformats.org/drawingml/2006/main" xmlns:r="http://schemas.openxmlformats.org/officeDocument/2006/relationships" xmlns:p="http://schemas.openxmlformats.org/presentationml/2006/main">
-  <p:cSld>
-    <p:spTree>
-      <p:nvGrpSpPr>
-        <p:cNvPr id="1" name=""/>
-        <p:cNvGrpSpPr/>
-        <p:nvPr/>
-      </p:nvGrpSpPr>
-      <p:grpSpPr>
-        <a:xfrm>
-          <a:off x="0" y="0"/>
-          <a:ext cx="0" cy="0"/>
-          <a:chOff x="0" y="0"/>
-          <a:chExt cx="0" cy="0"/>
-        </a:xfrm>
-      </p:grpSpPr>
-      <p:sp>
-        <p:nvSpPr>
-          <p:cNvPr id="6" name="Titolo 5">
-            <a:extLst>
-              <a:ext uri="{FF2B5EF4-FFF2-40B4-BE49-F238E27FC236}">
-                <a16:creationId xmlns:a16="http://schemas.microsoft.com/office/drawing/2014/main" id="{86E08C45-1088-4ABE-966A-D6307389D8FF}"/>
-              </a:ext>
-            </a:extLst>
-          </p:cNvPr>
-          <p:cNvSpPr>
-            <a:spLocks noGrp="1"/>
-          </p:cNvSpPr>
-          <p:nvPr>
-            <p:ph type="title"/>
-          </p:nvPr>
-        </p:nvSpPr>
-        <p:spPr>
-          <a:xfrm>
-            <a:off x="838200" y="365125"/>
-            <a:ext cx="10515600" cy="1325563"/>
-          </a:xfrm>
-        </p:spPr>
-        <p:txBody>
-          <a:bodyPr/>
-          <a:lstStyle/>
-          <a:p>
-            <a:r>
-              <a:rPr lang="it-IT" dirty="0" err="1"/>
-              <a:t>Dataframe</a:t>
-            </a:r>
-            <a:endParaRPr lang="en-US" dirty="0"/>
-          </a:p>
-        </p:txBody>
-      </p:sp>
-      <p:sp>
-        <p:nvSpPr>
-          <p:cNvPr id="3" name="Segnaposto contenuto 2">
-            <a:extLst>
-              <a:ext uri="{FF2B5EF4-FFF2-40B4-BE49-F238E27FC236}">
-                <a16:creationId xmlns:a16="http://schemas.microsoft.com/office/drawing/2014/main" id="{7A742322-2FBE-4690-9B98-9276F2C4E9E3}"/>
-              </a:ext>
-            </a:extLst>
-          </p:cNvPr>
-          <p:cNvSpPr>
-            <a:spLocks noGrp="1"/>
-          </p:cNvSpPr>
-          <p:nvPr>
-            <p:ph sz="half" idx="1"/>
-          </p:nvPr>
-        </p:nvSpPr>
-        <p:spPr>
-          <a:xfrm>
-            <a:off x="838200" y="1825625"/>
-            <a:ext cx="5181600" cy="4351338"/>
-          </a:xfrm>
-        </p:spPr>
-        <p:txBody>
-          <a:bodyPr/>
-          <a:lstStyle/>
-          <a:p>
-            <a:r>
-              <a:rPr lang="it-IT" dirty="0"/>
-              <a:t>Un </a:t>
-            </a:r>
-            <a:r>
-              <a:rPr lang="it-IT" dirty="0" err="1">
-                <a:solidFill>
-                  <a:srgbClr val="FF0000"/>
-                </a:solidFill>
-              </a:rPr>
-              <a:t>DataFrame</a:t>
-            </a:r>
-            <a:r>
-              <a:rPr lang="it-IT" dirty="0"/>
-              <a:t> rappresenta dati in forma relazionale </a:t>
-            </a:r>
-          </a:p>
-          <a:p>
-            <a:pPr lvl="1"/>
-            <a:r>
-              <a:rPr lang="it-IT" dirty="0"/>
-              <a:t>Può essere visto come </a:t>
-            </a:r>
-            <a:r>
-              <a:rPr lang="it-IT" dirty="0">
-                <a:solidFill>
-                  <a:srgbClr val="92D050"/>
-                </a:solidFill>
-              </a:rPr>
-              <a:t>una sequenza di colonne</a:t>
-            </a:r>
-            <a:r>
-              <a:rPr lang="it-IT" dirty="0"/>
-              <a:t> rappresentate da serie di diverso tipo con </a:t>
-            </a:r>
-            <a:r>
-              <a:rPr lang="it-IT" dirty="0">
-                <a:solidFill>
-                  <a:srgbClr val="7030A0"/>
-                </a:solidFill>
-              </a:rPr>
-              <a:t>etichette condivise</a:t>
-            </a:r>
-          </a:p>
-          <a:p>
-            <a:pPr lvl="1"/>
-            <a:r>
-              <a:rPr lang="it-IT" dirty="0"/>
-              <a:t>Le </a:t>
-            </a:r>
-            <a:r>
-              <a:rPr lang="it-IT" dirty="0">
-                <a:solidFill>
-                  <a:srgbClr val="7030A0"/>
-                </a:solidFill>
-              </a:rPr>
-              <a:t>etichette</a:t>
-            </a:r>
-            <a:r>
-              <a:rPr lang="it-IT" dirty="0"/>
-              <a:t> sono di solito identificatori univoci delle righe</a:t>
-            </a:r>
-          </a:p>
-          <a:p>
-            <a:pPr lvl="1"/>
-            <a:r>
-              <a:rPr lang="it-IT" dirty="0">
-                <a:solidFill>
-                  <a:schemeClr val="accent1"/>
-                </a:solidFill>
-              </a:rPr>
-              <a:t>Ogni serie (colonna) </a:t>
-            </a:r>
-            <a:r>
-              <a:rPr lang="it-IT" dirty="0"/>
-              <a:t>ha un nome, utilizzabile come chiave per </a:t>
-            </a:r>
-            <a:r>
-              <a:rPr lang="en-US" dirty="0" err="1"/>
-              <a:t>accedere</a:t>
-            </a:r>
-            <a:r>
-              <a:rPr lang="en-US" dirty="0"/>
-              <a:t> ad </a:t>
-            </a:r>
-            <a:r>
-              <a:rPr lang="en-US" dirty="0" err="1"/>
-              <a:t>essa</a:t>
-            </a:r>
-            <a:endParaRPr lang="en-US" dirty="0"/>
-          </a:p>
-        </p:txBody>
-      </p:sp>
-      <p:pic>
-        <p:nvPicPr>
-          <p:cNvPr id="11" name="Segnaposto contenuto 10">
-            <a:extLst>
-              <a:ext uri="{FF2B5EF4-FFF2-40B4-BE49-F238E27FC236}">
-                <a16:creationId xmlns:a16="http://schemas.microsoft.com/office/drawing/2014/main" id="{4120B8EC-10A6-4F06-8996-B0FC451710C3}"/>
-              </a:ext>
-            </a:extLst>
-          </p:cNvPr>
-          <p:cNvPicPr>
-            <a:picLocks noGrp="1" noChangeAspect="1"/>
-          </p:cNvPicPr>
-          <p:nvPr>
-            <p:ph sz="half" idx="2"/>
-          </p:nvPr>
-        </p:nvPicPr>
-        <p:blipFill>
-          <a:blip r:embed="rId2"/>
-          <a:stretch>
-            <a:fillRect/>
-          </a:stretch>
-        </p:blipFill>
-        <p:spPr>
-          <a:xfrm>
-            <a:off x="6172200" y="3111703"/>
-            <a:ext cx="5181600" cy="1779181"/>
-          </a:xfrm>
-        </p:spPr>
-      </p:pic>
-      <p:sp>
-        <p:nvSpPr>
-          <p:cNvPr id="4" name="Segnaposto piè di pagina 3">
-            <a:extLst>
-              <a:ext uri="{FF2B5EF4-FFF2-40B4-BE49-F238E27FC236}">
-                <a16:creationId xmlns:a16="http://schemas.microsoft.com/office/drawing/2014/main" id="{275C1F7F-2BD2-4BEE-A1C5-8DC23EFEB8DE}"/>
-              </a:ext>
-            </a:extLst>
-          </p:cNvPr>
-          <p:cNvSpPr>
-            <a:spLocks noGrp="1"/>
-          </p:cNvSpPr>
-          <p:nvPr>
-            <p:ph type="ftr" sz="quarter" idx="11"/>
-          </p:nvPr>
-        </p:nvSpPr>
-        <p:spPr>
-          <a:xfrm>
-            <a:off x="-1" y="6492875"/>
-            <a:ext cx="2837793" cy="365125"/>
-          </a:xfrm>
-        </p:spPr>
-        <p:txBody>
-          <a:bodyPr/>
-          <a:lstStyle/>
-          <a:p>
-            <a:r>
-              <a:rPr lang="it-IT" dirty="0"/>
-              <a:t>Matteo Francia – University of Bologna</a:t>
-            </a:r>
-          </a:p>
-        </p:txBody>
-      </p:sp>
-      <p:sp>
-        <p:nvSpPr>
-          <p:cNvPr id="5" name="Segnaposto numero diapositiva 4">
-            <a:extLst>
-              <a:ext uri="{FF2B5EF4-FFF2-40B4-BE49-F238E27FC236}">
-                <a16:creationId xmlns:a16="http://schemas.microsoft.com/office/drawing/2014/main" id="{439F8CCD-C0FA-4800-8364-0282B113364F}"/>
-              </a:ext>
-            </a:extLst>
-          </p:cNvPr>
-          <p:cNvSpPr>
-            <a:spLocks noGrp="1"/>
-          </p:cNvSpPr>
-          <p:nvPr>
-            <p:ph type="sldNum" sz="quarter" idx="12"/>
-          </p:nvPr>
-        </p:nvSpPr>
-        <p:spPr>
-          <a:xfrm>
-            <a:off x="9448800" y="6492874"/>
-            <a:ext cx="2743200" cy="365125"/>
-          </a:xfrm>
-        </p:spPr>
-        <p:txBody>
-          <a:bodyPr/>
-          <a:lstStyle/>
-          <a:p>
-            <a:fld id="{5DD6F1BA-2510-46FC-9346-AB1F3CA1593B}" type="slidenum">
-              <a:rPr lang="it-IT" smtClean="0"/>
-              <a:pPr/>
-              <a:t>25</a:t>
-            </a:fld>
-            <a:endParaRPr lang="it-IT"/>
-          </a:p>
-        </p:txBody>
-      </p:sp>
-      <p:sp>
-        <p:nvSpPr>
-          <p:cNvPr id="13" name="Segnaposto contenuto 12">
-            <a:extLst>
-              <a:ext uri="{FF2B5EF4-FFF2-40B4-BE49-F238E27FC236}">
-                <a16:creationId xmlns:a16="http://schemas.microsoft.com/office/drawing/2014/main" id="{9DEEA5A1-54EB-4FA9-AF8E-388DA6CC5052}"/>
-              </a:ext>
-            </a:extLst>
-          </p:cNvPr>
-          <p:cNvSpPr>
-            <a:spLocks noGrp="1"/>
-          </p:cNvSpPr>
-          <p:nvPr>
-            <p:ph idx="13"/>
-          </p:nvPr>
-        </p:nvSpPr>
-        <p:spPr/>
-        <p:txBody>
-          <a:bodyPr/>
-          <a:lstStyle/>
-          <a:p>
-            <a:endParaRPr lang="en-US"/>
-          </a:p>
-        </p:txBody>
-      </p:sp>
-    </p:spTree>
-    <p:extLst>
-      <p:ext uri="{BB962C8B-B14F-4D97-AF65-F5344CB8AC3E}">
-        <p14:creationId xmlns:p14="http://schemas.microsoft.com/office/powerpoint/2010/main" val="3711184077"/>
-      </p:ext>
-    </p:extLst>
-  </p:cSld>
-  <p:clrMapOvr>
-    <a:masterClrMapping/>
-  </p:clrMapOvr>
-</p:sld>
-</file>
-
 <file path=ppt/slides/slide26.xml><?xml version="1.0" encoding="utf-8"?>
 <p:sld xmlns:a="http://schemas.openxmlformats.org/drawingml/2006/main" xmlns:r="http://schemas.openxmlformats.org/officeDocument/2006/relationships" xmlns:p="http://schemas.openxmlformats.org/presentationml/2006/main">
   <p:cSld>
@@ -18248,10 +17434,9 @@
           <a:lstStyle/>
           <a:p>
             <a:r>
-              <a:rPr lang="it-IT" dirty="0" err="1"/>
+              <a:rPr lang="en-US"/>
               <a:t>Dataframe</a:t>
             </a:r>
-            <a:endParaRPr lang="en-US" dirty="0"/>
           </a:p>
         </p:txBody>
       </p:sp>
@@ -18283,35 +17468,26 @@
           <a:p>
             <a:r>
               <a:rPr lang="en-US" dirty="0"/>
-              <a:t>Una </a:t>
-            </a:r>
-            <a:r>
-              <a:rPr lang="en-US" dirty="0" err="1"/>
-              <a:t>colonna</a:t>
-            </a:r>
-            <a:r>
-              <a:rPr lang="en-US" dirty="0"/>
-              <a:t> di </a:t>
-            </a:r>
-            <a:r>
-              <a:rPr lang="en-US" dirty="0" err="1"/>
-              <a:t>DataFrame</a:t>
-            </a:r>
-            <a:r>
-              <a:rPr lang="en-US" dirty="0"/>
-              <a:t> </a:t>
-            </a:r>
-            <a:r>
-              <a:rPr lang="it-IT" dirty="0"/>
-              <a:t>può essere estratta in forma di serie usando </a:t>
-            </a:r>
-            <a:r>
-              <a:rPr lang="it-IT" dirty="0">
+              <a:t>A </a:t>
+            </a:r>
+            <a:r>
+              <a:rPr lang="en-US" dirty="0" err="1">
                 <a:solidFill>
-                  <a:srgbClr val="92D050"/>
+                  <a:srgbClr val="FF0000"/>
                 </a:solidFill>
               </a:rPr>
-              <a:t>il suo nome </a:t>
+              <a:t>DataFrame</a:t>
+            </a:r>
+            <a:r>
+              <a:rPr lang="en-US" dirty="0"/>
+              <a:t> represents relational data </a:t>
+            </a:r>
+          </a:p>
+          <a:p>
+            <a:pPr lvl="1"/>
+            <a:r>
+              <a:rPr lang="en-US" dirty="0"/>
+              <a:t>It can be seen as a </a:t>
             </a:r>
             <a:r>
               <a:rPr lang="en-US" dirty="0">
@@ -18319,120 +17495,59 @@
                   <a:srgbClr val="92D050"/>
                 </a:solidFill>
               </a:rPr>
-              <a:t>come </a:t>
-            </a:r>
-            <a:r>
-              <a:rPr lang="en-US" dirty="0" err="1">
+              <a:t>set of columns,</a:t>
+            </a:r>
+            <a:r>
+              <a:rPr lang="en-US" dirty="0"/>
+              <a:t> each column is a series of a given type, all columns share </a:t>
+            </a:r>
+            <a:r>
+              <a:rPr lang="en-US" dirty="0">
                 <a:solidFill>
-                  <a:srgbClr val="92D050"/>
+                  <a:srgbClr val="7030A0"/>
                 </a:solidFill>
               </a:rPr>
-              <a:t>indice</a:t>
-            </a:r>
-            <a:endParaRPr lang="en-US" dirty="0">
-              <a:solidFill>
-                <a:srgbClr val="92D050"/>
-              </a:solidFill>
-            </a:endParaRPr>
+              <a:t>the labels</a:t>
+            </a:r>
           </a:p>
           <a:p>
             <a:pPr lvl="1"/>
             <a:r>
-              <a:rPr lang="it-IT" dirty="0"/>
-              <a:t>Se il nome è un </a:t>
-            </a:r>
-            <a:r>
-              <a:rPr lang="en-US" dirty="0" err="1"/>
-              <a:t>identificatore</a:t>
+              <a:rPr lang="en-US" dirty="0">
+                <a:solidFill>
+                  <a:srgbClr val="7030A0"/>
+                </a:solidFill>
+              </a:rPr>
+              <a:t>Labels</a:t>
             </a:r>
             <a:r>
               <a:rPr lang="en-US" dirty="0"/>
-              <a:t> Python </a:t>
-            </a:r>
-            <a:r>
-              <a:rPr lang="en-US" dirty="0" err="1"/>
-              <a:t>valido</a:t>
-            </a:r>
-            <a:r>
-              <a:rPr lang="en-US" dirty="0"/>
-              <a:t> </a:t>
-            </a:r>
-            <a:r>
-              <a:rPr lang="it-IT" dirty="0"/>
-              <a:t>non usato da </a:t>
-            </a:r>
-            <a:r>
-              <a:rPr lang="it-IT" dirty="0" err="1"/>
-              <a:t>pandas</a:t>
-            </a:r>
-            <a:r>
-              <a:rPr lang="it-IT" dirty="0"/>
-              <a:t>, si può </a:t>
-            </a:r>
-            <a:r>
-              <a:rPr lang="en-US" dirty="0" err="1"/>
-              <a:t>accedere</a:t>
-            </a:r>
-            <a:r>
-              <a:rPr lang="en-US" dirty="0"/>
-              <a:t> </a:t>
-            </a:r>
-            <a:r>
-              <a:rPr lang="en-US" dirty="0" err="1"/>
-              <a:t>alla</a:t>
-            </a:r>
-            <a:r>
-              <a:rPr lang="en-US" dirty="0"/>
-              <a:t> </a:t>
-            </a:r>
-            <a:r>
-              <a:rPr lang="en-US" dirty="0" err="1"/>
-              <a:t>colonna</a:t>
-            </a:r>
-            <a:r>
-              <a:rPr lang="en-US" dirty="0"/>
-              <a:t> come se fosse un </a:t>
-            </a:r>
-            <a:r>
-              <a:rPr lang="en-US" dirty="0" err="1"/>
-              <a:t>attributo</a:t>
-            </a:r>
-            <a:endParaRPr lang="en-US" dirty="0"/>
-          </a:p>
-          <a:p>
-            <a:pPr marL="457200" lvl="1" indent="0">
-              <a:buNone/>
-            </a:pPr>
+              <a:t> are unique row identifiers</a:t>
+            </a:r>
+          </a:p>
+          <a:p>
+            <a:pPr lvl="1"/>
             <a:r>
               <a:rPr lang="en-US" dirty="0">
                 <a:solidFill>
                   <a:schemeClr val="accent1"/>
                 </a:solidFill>
               </a:rPr>
-              <a:t>	&gt;&gt;&gt; </a:t>
-            </a:r>
-            <a:r>
-              <a:rPr lang="en-US" dirty="0" err="1">
-                <a:solidFill>
-                  <a:schemeClr val="accent1"/>
-                </a:solidFill>
-              </a:rPr>
-              <a:t>df.year</a:t>
-            </a:r>
-            <a:endParaRPr lang="en-US" dirty="0">
-              <a:solidFill>
-                <a:schemeClr val="accent1"/>
-              </a:solidFill>
-            </a:endParaRPr>
+              <a:t>Each series (column) </a:t>
+            </a:r>
+            <a:r>
+              <a:rPr lang="en-US" dirty="0"/>
+              <a:t>has a unique name, the name is used to access the column values</a:t>
+            </a:r>
           </a:p>
         </p:txBody>
       </p:sp>
       <p:pic>
         <p:nvPicPr>
-          <p:cNvPr id="10" name="Segnaposto contenuto 9">
-            <a:extLst>
-              <a:ext uri="{FF2B5EF4-FFF2-40B4-BE49-F238E27FC236}">
-                <a16:creationId xmlns:a16="http://schemas.microsoft.com/office/drawing/2014/main" id="{E59BF9B9-494B-4D81-9677-A36ACD2135D5}"/>
+          <p:cNvPr id="11" name="Segnaposto contenuto 10">
+            <a:extLst>
+              <a:ext uri="{FF2B5EF4-FFF2-40B4-BE49-F238E27FC236}">
+                <a16:creationId xmlns:a16="http://schemas.microsoft.com/office/drawing/2014/main" id="{4120B8EC-10A6-4F06-8996-B0FC451710C3}"/>
               </a:ext>
             </a:extLst>
           </p:cNvPr>
@@ -18451,8 +17566,8 @@
         </p:blipFill>
         <p:spPr>
           <a:xfrm>
-            <a:off x="6502284" y="1905686"/>
-            <a:ext cx="4521432" cy="4191215"/>
+            <a:off x="6172200" y="3111703"/>
+            <a:ext cx="5181600" cy="1779181"/>
           </a:xfrm>
         </p:spPr>
       </p:pic>
@@ -18483,7 +17598,7 @@
           <a:lstStyle/>
           <a:p>
             <a:r>
-              <a:rPr lang="it-IT" dirty="0"/>
+              <a:rPr lang="en-US"/>
               <a:t>Matteo Francia – University of Bologna</a:t>
             </a:r>
           </a:p>
@@ -18516,11 +17631,11 @@
           <a:lstStyle/>
           <a:p>
             <a:fld id="{5DD6F1BA-2510-46FC-9346-AB1F3CA1593B}" type="slidenum">
-              <a:rPr lang="it-IT" smtClean="0"/>
+              <a:rPr lang="en-US" smtClean="0"/>
               <a:pPr/>
               <a:t>26</a:t>
             </a:fld>
-            <a:endParaRPr lang="it-IT"/>
+            <a:endParaRPr lang="en-US"/>
           </a:p>
         </p:txBody>
       </p:sp>
@@ -18529,7 +17644,7 @@
           <p:cNvPr id="13" name="Segnaposto contenuto 12">
             <a:extLst>
               <a:ext uri="{FF2B5EF4-FFF2-40B4-BE49-F238E27FC236}">
-                <a16:creationId xmlns:a16="http://schemas.microsoft.com/office/drawing/2014/main" id="{DBE27682-D95B-45A7-84A6-52A60EB5C0EF}"/>
+                <a16:creationId xmlns:a16="http://schemas.microsoft.com/office/drawing/2014/main" id="{9DEEA5A1-54EB-4FA9-AF8E-388DA6CC5052}"/>
               </a:ext>
             </a:extLst>
           </p:cNvPr>
@@ -18552,7 +17667,7 @@
     </p:spTree>
     <p:extLst>
       <p:ext uri="{BB962C8B-B14F-4D97-AF65-F5344CB8AC3E}">
-        <p14:creationId xmlns:p14="http://schemas.microsoft.com/office/powerpoint/2010/main" val="39781509"/>
+        <p14:creationId xmlns:p14="http://schemas.microsoft.com/office/powerpoint/2010/main" val="3711184077"/>
       </p:ext>
     </p:extLst>
   </p:cSld>
@@ -18606,10 +17721,9 @@
           <a:lstStyle/>
           <a:p>
             <a:r>
-              <a:rPr lang="it-IT" dirty="0" err="1"/>
+              <a:rPr lang="en-US"/>
               <a:t>Dataframe</a:t>
             </a:r>
-            <a:endParaRPr lang="en-US" dirty="0"/>
           </a:p>
         </p:txBody>
       </p:sp>
@@ -18626,13 +17740,13 @@
             <a:spLocks noGrp="1"/>
           </p:cNvSpPr>
           <p:nvPr>
-            <p:ph idx="1"/>
+            <p:ph sz="half" idx="1"/>
           </p:nvPr>
         </p:nvSpPr>
         <p:spPr>
           <a:xfrm>
-            <a:off x="838200" y="1700499"/>
-            <a:ext cx="10515600" cy="4351338"/>
+            <a:off x="838200" y="1825625"/>
+            <a:ext cx="5181600" cy="4351338"/>
           </a:xfrm>
         </p:spPr>
         <p:txBody>
@@ -18640,69 +17754,16 @@
           <a:lstStyle/>
           <a:p>
             <a:r>
-              <a:rPr lang="it-IT" dirty="0" err="1"/>
-              <a:t>pandas</a:t>
-            </a:r>
-            <a:r>
-              <a:rPr lang="it-IT" dirty="0"/>
-              <a:t> fornisce varie funzioni per caricare </a:t>
-            </a:r>
-            <a:r>
-              <a:rPr lang="it-IT" dirty="0" err="1"/>
-              <a:t>DataFrame</a:t>
-            </a:r>
-            <a:r>
-              <a:rPr lang="it-IT" dirty="0"/>
-              <a:t> da sorgenti esterne</a:t>
-            </a:r>
-          </a:p>
-          <a:p>
-            <a:pPr lvl="1"/>
-            <a:r>
-              <a:rPr lang="it-IT" dirty="0"/>
-              <a:t>Tra queste </a:t>
-            </a:r>
-            <a:r>
-              <a:rPr lang="it-IT" dirty="0" err="1">
+              <a:rPr lang="en-US" dirty="0"/>
+              <a:t>As in a SQL projection, a column can be selected by </a:t>
+            </a:r>
+            <a:r>
+              <a:rPr lang="en-US" dirty="0">
                 <a:solidFill>
-                  <a:schemeClr val="accent1"/>
+                  <a:srgbClr val="92D050"/>
                 </a:solidFill>
               </a:rPr>
-              <a:t>read_csv</a:t>
-            </a:r>
-            <a:r>
-              <a:rPr lang="it-IT" dirty="0">
-                <a:solidFill>
-                  <a:schemeClr val="accent1"/>
-                </a:solidFill>
-              </a:rPr>
-              <a:t> </a:t>
-            </a:r>
-            <a:r>
-              <a:rPr lang="it-IT" dirty="0"/>
-              <a:t>consente di creare un </a:t>
-            </a:r>
-            <a:r>
-              <a:rPr lang="it-IT" dirty="0" err="1"/>
-              <a:t>DataFrame</a:t>
-            </a:r>
-            <a:r>
-              <a:rPr lang="it-IT" dirty="0"/>
-              <a:t> caricando i dati da un file CSV</a:t>
-            </a:r>
-          </a:p>
-          <a:p>
-            <a:pPr lvl="1"/>
-            <a:r>
-              <a:rPr lang="it-IT" dirty="0"/>
-              <a:t>Va passato un oggetto file da cui leggere, oppure direttamente il nome di un file da aprire</a:t>
-            </a:r>
-          </a:p>
-          <a:p>
-            <a:pPr lvl="1"/>
-            <a:r>
-              <a:rPr lang="it-IT" dirty="0"/>
-              <a:t>I dati letti sono convertiti automaticamente nei tipi appropriati (numeri interi, reali, etc.)</a:t>
+              <a:t>name</a:t>
             </a:r>
           </a:p>
           <a:p>
@@ -18715,7 +17776,7 @@
                   <a:schemeClr val="accent1"/>
                 </a:solidFill>
               </a:rPr>
-              <a:t>	&gt;&gt;&gt; data = </a:t>
+              <a:t>&gt;&gt;&gt; </a:t>
             </a:r>
             <a:r>
               <a:rPr lang="en-US" dirty="0" err="1">
@@ -18723,19 +17784,65 @@
                   <a:schemeClr val="accent1"/>
                 </a:solidFill>
               </a:rPr>
-              <a:t>pd.read_csv</a:t>
-            </a:r>
-            <a:r>
+              <a:t>df.year</a:t>
+            </a:r>
+            <a:br>
               <a:rPr lang="en-US" dirty="0">
                 <a:solidFill>
                   <a:schemeClr val="accent1"/>
                 </a:solidFill>
               </a:rPr>
-              <a:t>("mydata.csv")</a:t>
-            </a:r>
-          </a:p>
-        </p:txBody>
-      </p:sp>
+            </a:br>
+            <a:r>
+              <a:rPr lang="en-US" dirty="0">
+                <a:solidFill>
+                  <a:schemeClr val="accent1"/>
+                </a:solidFill>
+              </a:rPr>
+              <a:t>&gt;&gt;&gt; df["year"]</a:t>
+            </a:r>
+          </a:p>
+          <a:p>
+            <a:pPr marL="457200" lvl="1" indent="0">
+              <a:buNone/>
+            </a:pPr>
+            <a:endParaRPr lang="en-US" dirty="0">
+              <a:solidFill>
+                <a:schemeClr val="accent1"/>
+              </a:solidFill>
+            </a:endParaRPr>
+          </a:p>
+        </p:txBody>
+      </p:sp>
+      <p:pic>
+        <p:nvPicPr>
+          <p:cNvPr id="10" name="Segnaposto contenuto 9">
+            <a:extLst>
+              <a:ext uri="{FF2B5EF4-FFF2-40B4-BE49-F238E27FC236}">
+                <a16:creationId xmlns:a16="http://schemas.microsoft.com/office/drawing/2014/main" id="{E59BF9B9-494B-4D81-9677-A36ACD2135D5}"/>
+              </a:ext>
+            </a:extLst>
+          </p:cNvPr>
+          <p:cNvPicPr>
+            <a:picLocks noGrp="1" noChangeAspect="1"/>
+          </p:cNvPicPr>
+          <p:nvPr>
+            <p:ph sz="half" idx="2"/>
+          </p:nvPr>
+        </p:nvPicPr>
+        <p:blipFill>
+          <a:blip r:embed="rId2"/>
+          <a:stretch>
+            <a:fillRect/>
+          </a:stretch>
+        </p:blipFill>
+        <p:spPr>
+          <a:xfrm>
+            <a:off x="6502284" y="1905686"/>
+            <a:ext cx="4521432" cy="4191215"/>
+          </a:xfrm>
+        </p:spPr>
+      </p:pic>
       <p:sp>
         <p:nvSpPr>
           <p:cNvPr id="4" name="Segnaposto piè di pagina 3">
@@ -18763,7 +17870,7 @@
           <a:lstStyle/>
           <a:p>
             <a:r>
-              <a:rPr lang="it-IT" dirty="0"/>
+              <a:rPr lang="en-US"/>
               <a:t>Matteo Francia – University of Bologna</a:t>
             </a:r>
           </a:p>
@@ -18796,18 +17903,43 @@
           <a:lstStyle/>
           <a:p>
             <a:fld id="{5DD6F1BA-2510-46FC-9346-AB1F3CA1593B}" type="slidenum">
-              <a:rPr lang="it-IT" smtClean="0"/>
+              <a:rPr lang="en-US" smtClean="0"/>
               <a:pPr/>
               <a:t>27</a:t>
             </a:fld>
-            <a:endParaRPr lang="it-IT"/>
+            <a:endParaRPr lang="en-US"/>
+          </a:p>
+        </p:txBody>
+      </p:sp>
+      <p:sp>
+        <p:nvSpPr>
+          <p:cNvPr id="13" name="Segnaposto contenuto 12">
+            <a:extLst>
+              <a:ext uri="{FF2B5EF4-FFF2-40B4-BE49-F238E27FC236}">
+                <a16:creationId xmlns:a16="http://schemas.microsoft.com/office/drawing/2014/main" id="{DBE27682-D95B-45A7-84A6-52A60EB5C0EF}"/>
+              </a:ext>
+            </a:extLst>
+          </p:cNvPr>
+          <p:cNvSpPr>
+            <a:spLocks noGrp="1"/>
+          </p:cNvSpPr>
+          <p:nvPr>
+            <p:ph idx="13"/>
+          </p:nvPr>
+        </p:nvSpPr>
+        <p:spPr/>
+        <p:txBody>
+          <a:bodyPr/>
+          <a:lstStyle/>
+          <a:p>
+            <a:endParaRPr lang="en-US"/>
           </a:p>
         </p:txBody>
       </p:sp>
     </p:spTree>
     <p:extLst>
       <p:ext uri="{BB962C8B-B14F-4D97-AF65-F5344CB8AC3E}">
-        <p14:creationId xmlns:p14="http://schemas.microsoft.com/office/powerpoint/2010/main" val="1393827217"/>
+        <p14:creationId xmlns:p14="http://schemas.microsoft.com/office/powerpoint/2010/main" val="39781509"/>
       </p:ext>
     </p:extLst>
   </p:cSld>
@@ -18861,10 +17993,9 @@
           <a:lstStyle/>
           <a:p>
             <a:r>
-              <a:rPr lang="it-IT" dirty="0" err="1"/>
+              <a:rPr lang="en-US"/>
               <a:t>Dataframe</a:t>
             </a:r>
-            <a:endParaRPr lang="en-US" dirty="0"/>
           </a:p>
         </p:txBody>
       </p:sp>
@@ -18895,9 +18026,86 @@
           <a:lstStyle/>
           <a:p>
             <a:r>
-              <a:rPr lang="it-IT" dirty="0"/>
-              <a:t>Il metodo </a:t>
-            </a:r>
+              <a:rPr lang="en-US" dirty="0"/>
+              <a:t>A </a:t>
+            </a:r>
+            <a:r>
+              <a:rPr lang="en-US" dirty="0" err="1"/>
+              <a:t>DataFrame</a:t>
+            </a:r>
+            <a:r>
+              <a:rPr lang="en-US" dirty="0"/>
+              <a:t> can be imported from external sources</a:t>
+            </a:r>
+          </a:p>
+          <a:p>
+            <a:pPr lvl="1"/>
+            <a:r>
+              <a:rPr lang="en-US" dirty="0" err="1">
+                <a:solidFill>
+                  <a:schemeClr val="accent1"/>
+                </a:solidFill>
+              </a:rPr>
+              <a:t>pd.read_csv</a:t>
+            </a:r>
+            <a:r>
+              <a:rPr lang="en-US" dirty="0">
+                <a:solidFill>
+                  <a:schemeClr val="accent1"/>
+                </a:solidFill>
+              </a:rPr>
+              <a:t> </a:t>
+            </a:r>
+            <a:r>
+              <a:rPr lang="en-US" dirty="0"/>
+              <a:t>returns </a:t>
+            </a:r>
+            <a:r>
+              <a:rPr lang="en-US" dirty="0" err="1"/>
+              <a:t>DataFrame</a:t>
+            </a:r>
+            <a:r>
+              <a:rPr lang="en-US" dirty="0"/>
+              <a:t> from a given CSV file</a:t>
+            </a:r>
+          </a:p>
+          <a:p>
+            <a:pPr lvl="1"/>
+            <a:r>
+              <a:rPr lang="en-US" dirty="0"/>
+              <a:t>Data types are automatically inferred (integers, floating numbers, objects, etc.)</a:t>
+            </a:r>
+          </a:p>
+          <a:p>
+            <a:pPr marL="457200" lvl="1" indent="0">
+              <a:buNone/>
+            </a:pPr>
+            <a:r>
+              <a:rPr lang="en-US" dirty="0">
+                <a:solidFill>
+                  <a:schemeClr val="accent1"/>
+                </a:solidFill>
+              </a:rPr>
+              <a:t>	&gt;&gt;&gt; data = </a:t>
+            </a:r>
+            <a:r>
+              <a:rPr lang="en-US" dirty="0" err="1">
+                <a:solidFill>
+                  <a:schemeClr val="accent1"/>
+                </a:solidFill>
+              </a:rPr>
+              <a:t>pd.read_csv</a:t>
+            </a:r>
+            <a:r>
+              <a:rPr lang="en-US" dirty="0">
+                <a:solidFill>
+                  <a:schemeClr val="accent1"/>
+                </a:solidFill>
+              </a:rPr>
+              <a:t>("mydata.csv")</a:t>
+            </a:r>
+          </a:p>
+          <a:p>
             <a:r>
               <a:rPr lang="it-IT" dirty="0" err="1">
                 <a:solidFill>
@@ -18915,8 +18123,44 @@
               <a:t> </a:t>
             </a:r>
             <a:r>
+              <a:rPr lang="it-IT" dirty="0" err="1"/>
+              <a:t>has</a:t>
+            </a:r>
+            <a:r>
               <a:rPr lang="it-IT" dirty="0"/>
-              <a:t>ha molti parametri opzionali, ad es.:</a:t>
+              <a:t> </a:t>
+            </a:r>
+            <a:r>
+              <a:rPr lang="it-IT" dirty="0" err="1"/>
+              <a:t>many</a:t>
+            </a:r>
+            <a:r>
+              <a:rPr lang="it-IT" dirty="0"/>
+              <a:t> optional </a:t>
+            </a:r>
+            <a:r>
+              <a:rPr lang="it-IT" dirty="0" err="1"/>
+              <a:t>parameters</a:t>
+            </a:r>
+            <a:r>
+              <a:rPr lang="it-IT" dirty="0"/>
+              <a:t>, </a:t>
+            </a:r>
+            <a:r>
+              <a:rPr lang="it-IT" dirty="0" err="1"/>
+              <a:t>such</a:t>
+            </a:r>
+            <a:r>
+              <a:rPr lang="it-IT" dirty="0"/>
+              <a:t> </a:t>
+            </a:r>
+            <a:r>
+              <a:rPr lang="it-IT" dirty="0" err="1"/>
+              <a:t>as</a:t>
+            </a:r>
+            <a:r>
+              <a:rPr lang="it-IT" dirty="0"/>
+              <a:t>:</a:t>
             </a:r>
           </a:p>
           <a:p>
@@ -18931,7 +18175,15 @@
             </a:r>
             <a:r>
               <a:rPr lang="it-IT" dirty="0"/>
-              <a:t>: separatore di colonna da usare (default “,”)</a:t>
+              <a:t>: </a:t>
+            </a:r>
+            <a:r>
+              <a:rPr lang="it-IT" dirty="0" err="1"/>
+              <a:t>column</a:t>
+            </a:r>
+            <a:r>
+              <a:rPr lang="it-IT" dirty="0"/>
+              <a:t> separator (default: “,”)</a:t>
             </a:r>
           </a:p>
           <a:p>
@@ -18946,7 +18198,23 @@
             </a:r>
             <a:r>
               <a:rPr lang="it-IT" dirty="0"/>
-              <a:t>: nomi delle colonne (di default letti dalla prima riga)</a:t>
+              <a:t>: </a:t>
+            </a:r>
+            <a:r>
+              <a:rPr lang="it-IT" dirty="0" err="1"/>
+              <a:t>column</a:t>
+            </a:r>
+            <a:r>
+              <a:rPr lang="it-IT" dirty="0"/>
+              <a:t> names (default: the first </a:t>
+            </a:r>
+            <a:r>
+              <a:rPr lang="it-IT" dirty="0" err="1"/>
+              <a:t>row</a:t>
+            </a:r>
+            <a:r>
+              <a:rPr lang="it-IT" dirty="0"/>
+              <a:t> from the file)</a:t>
             </a:r>
           </a:p>
           <a:p>
@@ -18961,8 +18229,29 @@
             </a:r>
             <a:r>
               <a:rPr lang="it-IT" dirty="0"/>
-              <a:t>: numero della colonna da usare come indice, passando una lista di numeri si ottiene un indice a più livelli</a:t>
-            </a:r>
+              <a:t>: </a:t>
+            </a:r>
+            <a:r>
+              <a:rPr lang="it-IT" dirty="0" err="1"/>
+              <a:t>column</a:t>
+            </a:r>
+            <a:r>
+              <a:rPr lang="it-IT" dirty="0"/>
+              <a:t> to use </a:t>
+            </a:r>
+            <a:r>
+              <a:rPr lang="it-IT" dirty="0" err="1"/>
+              <a:t>as</a:t>
+            </a:r>
+            <a:r>
+              <a:rPr lang="it-IT" dirty="0"/>
+              <a:t> index, indexes can be </a:t>
+            </a:r>
+            <a:r>
+              <a:rPr lang="it-IT" dirty="0" err="1"/>
+              <a:t>nested</a:t>
+            </a:r>
+            <a:endParaRPr lang="it-IT" dirty="0"/>
           </a:p>
           <a:p>
             <a:pPr lvl="1"/>
@@ -18976,23 +18265,21 @@
             </a:r>
             <a:r>
               <a:rPr lang="it-IT" dirty="0"/>
-              <a:t>: tipo di dati delle colonne</a:t>
-            </a:r>
-          </a:p>
-          <a:p>
-            <a:pPr lvl="2"/>
+              <a:t>: </a:t>
+            </a:r>
+            <a:r>
+              <a:rPr lang="it-IT" dirty="0" err="1"/>
+              <a:t>column</a:t>
+            </a:r>
             <a:r>
               <a:rPr lang="it-IT" dirty="0"/>
-              <a:t>Con </a:t>
+              <a:t> </a:t>
             </a:r>
             <a:r>
               <a:rPr lang="it-IT" dirty="0" err="1"/>
-              <a:t>dtype</a:t>
-            </a:r>
-            <a:r>
-              <a:rPr lang="it-IT" dirty="0"/>
-              <a:t> possiamo definire tipi di dati efficienti da usare </a:t>
-            </a:r>
+              <a:t>types</a:t>
+            </a:r>
+            <a:endParaRPr lang="it-IT" dirty="0"/>
           </a:p>
           <a:p>
             <a:pPr lvl="1"/>
@@ -19006,24 +18293,31 @@
             </a:r>
             <a:r>
               <a:rPr lang="it-IT" dirty="0"/>
-              <a:t>: massimo numero di righe da leggere </a:t>
-            </a:r>
-          </a:p>
-          <a:p>
-            <a:pPr lvl="2"/>
+              <a:t>: maximum </a:t>
+            </a:r>
+            <a:r>
+              <a:rPr lang="it-IT" dirty="0" err="1"/>
+              <a:t>number</a:t>
+            </a:r>
             <a:r>
               <a:rPr lang="it-IT" dirty="0"/>
-              <a:t>Con </a:t>
+              <a:t> of </a:t>
             </a:r>
             <a:r>
               <a:rPr lang="it-IT" dirty="0" err="1"/>
-              <a:t>nrows</a:t>
-            </a:r>
-            <a:r>
-              <a:rPr lang="it-IT" dirty="0"/>
-              <a:t> si possono importare poche righe per verificare preventivamente i tipi di dati da usare</a:t>
+              <a:t>rows</a:t>
             </a:r>
             <a:endParaRPr lang="en-US" dirty="0"/>
+          </a:p>
+          <a:p>
+            <a:pPr marL="457200" lvl="1" indent="0">
+              <a:buNone/>
+            </a:pPr>
+            <a:endParaRPr lang="en-US" dirty="0">
+              <a:solidFill>
+                <a:schemeClr val="accent1"/>
+              </a:solidFill>
+            </a:endParaRPr>
           </a:p>
         </p:txBody>
       </p:sp>
@@ -19054,7 +18348,7 @@
           <a:lstStyle/>
           <a:p>
             <a:r>
-              <a:rPr lang="it-IT" dirty="0"/>
+              <a:rPr lang="en-US"/>
               <a:t>Matteo Francia – University of Bologna</a:t>
             </a:r>
           </a:p>
@@ -19087,18 +18381,18 @@
           <a:lstStyle/>
           <a:p>
             <a:fld id="{5DD6F1BA-2510-46FC-9346-AB1F3CA1593B}" type="slidenum">
-              <a:rPr lang="it-IT" smtClean="0"/>
+              <a:rPr lang="en-US" smtClean="0"/>
               <a:pPr/>
               <a:t>28</a:t>
             </a:fld>
-            <a:endParaRPr lang="it-IT"/>
+            <a:endParaRPr lang="en-US"/>
           </a:p>
         </p:txBody>
       </p:sp>
     </p:spTree>
     <p:extLst>
       <p:ext uri="{BB962C8B-B14F-4D97-AF65-F5344CB8AC3E}">
-        <p14:creationId xmlns:p14="http://schemas.microsoft.com/office/powerpoint/2010/main" val="1038364999"/>
+        <p14:creationId xmlns:p14="http://schemas.microsoft.com/office/powerpoint/2010/main" val="1393827217"/>
       </p:ext>
     </p:extLst>
   </p:cSld>
@@ -19307,7 +18601,12 @@
             <p:ph type="title"/>
           </p:nvPr>
         </p:nvSpPr>
-        <p:spPr/>
+        <p:spPr>
+          <a:xfrm>
+            <a:off x="838200" y="365125"/>
+            <a:ext cx="10515600" cy="1325563"/>
+          </a:xfrm>
+        </p:spPr>
         <p:txBody>
           <a:bodyPr/>
           <a:lstStyle/>
@@ -19336,99 +18635,65 @@
             <p:ph sz="half" idx="1"/>
           </p:nvPr>
         </p:nvSpPr>
-        <p:spPr/>
+        <p:spPr>
+          <a:xfrm>
+            <a:off x="838200" y="1825625"/>
+            <a:ext cx="5181600" cy="4351338"/>
+          </a:xfrm>
+        </p:spPr>
         <p:txBody>
           <a:bodyPr/>
           <a:lstStyle/>
           <a:p>
             <a:r>
-              <a:rPr lang="it-IT" dirty="0"/>
-              <a:t>Perché Python?</a:t>
+              <a:rPr lang="en-US" dirty="0"/>
+              <a:t>Why Python? </a:t>
             </a:r>
           </a:p>
           <a:p>
             <a:pPr lvl="1"/>
             <a:r>
               <a:rPr lang="en-US" dirty="0"/>
-              <a:t>Facile da </a:t>
-            </a:r>
-            <a:r>
-              <a:rPr lang="en-US" dirty="0" err="1"/>
-              <a:t>imparare</a:t>
-            </a:r>
-            <a:endParaRPr lang="en-US" dirty="0"/>
+              <a:t>Easy to learn</a:t>
+            </a:r>
           </a:p>
           <a:p>
             <a:pPr lvl="1"/>
             <a:r>
-              <a:rPr lang="it-IT" dirty="0"/>
-              <a:t>Usato per molteplici scopi (scripting, data science, etc.) </a:t>
+              <a:rPr lang="en-US" dirty="0"/>
+              <a:t>Used for multiple purposes (scripting, data science, etc.)</a:t>
             </a:r>
           </a:p>
           <a:p>
             <a:pPr lvl="1"/>
             <a:r>
-              <a:rPr lang="it-IT" dirty="0"/>
-              <a:t>Usato per prototipazione e cicli di sviluppo rapidi</a:t>
+              <a:rPr lang="en-US" dirty="0"/>
+              <a:t>Used for prototyping and rapid development cycles</a:t>
             </a:r>
           </a:p>
           <a:p>
             <a:pPr lvl="1"/>
             <a:r>
-              <a:rPr lang="en-US" dirty="0" err="1"/>
-              <a:t>Popolarità</a:t>
-            </a:r>
-            <a:r>
               <a:rPr lang="en-US" dirty="0"/>
-              <a:t> in </a:t>
-            </a:r>
-            <a:r>
-              <a:rPr lang="en-US" dirty="0" err="1"/>
-              <a:t>aumento</a:t>
-            </a:r>
-            <a:endParaRPr lang="en-US" dirty="0"/>
+              <a:t>Rising popularity</a:t>
+            </a:r>
           </a:p>
           <a:p>
             <a:pPr lvl="2"/>
             <a:r>
-              <a:rPr lang="it-IT" dirty="0"/>
-              <a:t>Include una libreria standard</a:t>
+              <a:rPr lang="en-US" dirty="0"/>
+              <a:t>Includes a standard library </a:t>
             </a:r>
           </a:p>
           <a:p>
             <a:pPr lvl="2"/>
             <a:r>
-              <a:rPr lang="en-US" dirty="0" err="1"/>
-              <a:t>Ampia</a:t>
-            </a:r>
-            <a:r>
               <a:rPr lang="en-US" dirty="0"/>
-              <a:t> </a:t>
-            </a:r>
-            <a:r>
-              <a:rPr lang="en-US" dirty="0" err="1"/>
-              <a:t>disponibilità</a:t>
-            </a:r>
-            <a:r>
-              <a:rPr lang="en-US" dirty="0"/>
-              <a:t> di </a:t>
-            </a:r>
-            <a:r>
-              <a:rPr lang="en-US" dirty="0" err="1"/>
-              <a:t>librerie</a:t>
-            </a:r>
-            <a:r>
-              <a:rPr lang="en-US" dirty="0"/>
-              <a:t> </a:t>
-            </a:r>
-            <a:r>
-              <a:rPr lang="en-US" dirty="0" err="1"/>
-              <a:t>esterne</a:t>
-            </a:r>
-            <a:endParaRPr lang="en-US" dirty="0"/>
-          </a:p>
-          <a:p>
-            <a:pPr lvl="3"/>
+              <a:t>Wide availability of external libraries</a:t>
+            </a:r>
+          </a:p>
+          <a:p>
+            <a:pPr lvl="2"/>
             <a:r>
               <a:rPr lang="en-US" dirty="0"/>
               <a:t>E.g., machine learning, deep learning</a:t>
@@ -19481,7 +18746,12 @@
             <p:ph type="ftr" sz="quarter" idx="11"/>
           </p:nvPr>
         </p:nvSpPr>
-        <p:spPr/>
+        <p:spPr>
+          <a:xfrm>
+            <a:off x="-1" y="6492875"/>
+            <a:ext cx="2837793" cy="365125"/>
+          </a:xfrm>
+        </p:spPr>
         <p:txBody>
           <a:bodyPr/>
           <a:lstStyle/>
@@ -19509,7 +18779,12 @@
             <p:ph type="sldNum" sz="quarter" idx="12"/>
           </p:nvPr>
         </p:nvSpPr>
-        <p:spPr/>
+        <p:spPr>
+          <a:xfrm>
+            <a:off x="9448800" y="6492874"/>
+            <a:ext cx="2743200" cy="365125"/>
+          </a:xfrm>
+        </p:spPr>
         <p:txBody>
           <a:bodyPr/>
           <a:lstStyle/>
@@ -19525,10 +18800,10 @@
       </p:sp>
       <p:sp>
         <p:nvSpPr>
-          <p:cNvPr id="7" name="Content Placeholder 6">
-            <a:extLst>
-              <a:ext uri="{FF2B5EF4-FFF2-40B4-BE49-F238E27FC236}">
-                <a16:creationId xmlns:a16="http://schemas.microsoft.com/office/drawing/2014/main" id="{FD971E0C-1817-4496-AB0C-FAE0E8147090}"/>
+          <p:cNvPr id="13" name="Content Placeholder 12">
+            <a:extLst>
+              <a:ext uri="{FF2B5EF4-FFF2-40B4-BE49-F238E27FC236}">
+                <a16:creationId xmlns:a16="http://schemas.microsoft.com/office/drawing/2014/main" id="{E54B4719-F83A-4CB1-B5E2-63E0060E7FD5}"/>
               </a:ext>
             </a:extLst>
           </p:cNvPr>
@@ -22769,119 +22044,105 @@
           <a:lstStyle/>
           <a:p>
             <a:r>
-              <a:rPr lang="it-IT" dirty="0"/>
-              <a:t>Le caratteristiche di Python lo rendono adatto per operazioni di analisi</a:t>
+              <a:rPr lang="en-US" dirty="0"/>
+              <a:t>Python features make it suitable for analysis operations </a:t>
             </a:r>
           </a:p>
           <a:p>
             <a:pPr lvl="1"/>
             <a:r>
-              <a:rPr lang="it-IT" dirty="0"/>
-              <a:t>Utilizzabile in modo interattivo, script, e programmi completi</a:t>
-            </a:r>
-          </a:p>
-          <a:p>
-            <a:r>
-              <a:rPr lang="it-IT" dirty="0"/>
-              <a:t>Diverse librerie che rendono Python un </a:t>
-            </a:r>
-            <a:r>
-              <a:rPr lang="it-IT" dirty="0">
+              <a:rPr lang="en-US" dirty="0"/>
+              <a:t>Interactively usable, scripts, and complete programs</a:t>
+            </a:r>
+          </a:p>
+          <a:p>
+            <a:r>
+              <a:rPr lang="en-US" dirty="0"/>
+              <a:t>Several libraries that make Python a complete data analysis environment</a:t>
+            </a:r>
+          </a:p>
+          <a:p>
+            <a:pPr lvl="1"/>
+            <a:r>
+              <a:rPr lang="en-US" dirty="0"/>
+              <a:t>Python is increasingly used as a replacement for R and other ad-hoc software </a:t>
+            </a:r>
+          </a:p>
+          <a:p>
+            <a:pPr lvl="1"/>
+            <a:r>
+              <a:rPr lang="en-US" dirty="0"/>
+              <a:t>E.g., </a:t>
+            </a:r>
+            <a:r>
+              <a:rPr lang="en-US" dirty="0">
                 <a:solidFill>
-                  <a:srgbClr val="FF0000"/>
-                </a:solidFill>
-              </a:rPr>
-              <a:t>ambiente completo </a:t>
-            </a:r>
-            <a:r>
-              <a:rPr lang="it-IT" dirty="0"/>
-              <a:t>di analisi dati</a:t>
-            </a:r>
-          </a:p>
-          <a:p>
-            <a:pPr lvl="1"/>
-            <a:r>
-              <a:rPr lang="it-IT" dirty="0"/>
-              <a:t>Python è sempre più usato in sostituzione di R e altri software ad-hoc</a:t>
-            </a:r>
-            <a:endParaRPr lang="en-US" dirty="0"/>
-          </a:p>
-          <a:p>
-            <a:pPr lvl="1"/>
-            <a:r>
-              <a:rPr lang="it-IT" dirty="0"/>
-              <a:t>E.g., </a:t>
-            </a:r>
-            <a:r>
-              <a:rPr lang="it-IT" dirty="0" err="1">
-                <a:solidFill>
-                  <a:schemeClr val="accent1"/>
+                  <a:srgbClr val="0070C0"/>
                 </a:solidFill>
               </a:rPr>
               <a:t>NumPy</a:t>
             </a:r>
             <a:r>
-              <a:rPr lang="it-IT" dirty="0"/>
-              <a:t> per la rappresentazione di dati in forma di vettori e matrici</a:t>
+              <a:rPr lang="en-US" dirty="0"/>
+              <a:t> for the representation of data in the form of vectors and matrices </a:t>
             </a:r>
           </a:p>
           <a:p>
             <a:pPr lvl="1"/>
             <a:r>
-              <a:rPr lang="it-IT" dirty="0"/>
+              <a:rPr lang="en-US" dirty="0"/>
               <a:t>E.g., </a:t>
             </a:r>
             <a:r>
-              <a:rPr lang="it-IT" dirty="0" err="1">
+              <a:rPr lang="en-US" dirty="0">
                 <a:solidFill>
-                  <a:schemeClr val="accent1"/>
+                  <a:srgbClr val="0070C0"/>
                 </a:solidFill>
               </a:rPr>
               <a:t>Pandas</a:t>
             </a:r>
             <a:r>
-              <a:rPr lang="it-IT" dirty="0"/>
-              <a:t> per la manipolazione e trasformazione di dati tabellari</a:t>
+              <a:rPr lang="en-US" dirty="0"/>
+              <a:t> for the manipulation and transformation of tabular data </a:t>
             </a:r>
           </a:p>
           <a:p>
             <a:pPr lvl="1"/>
             <a:r>
-              <a:rPr lang="it-IT" dirty="0"/>
+              <a:rPr lang="en-US" dirty="0"/>
               <a:t>E.g., </a:t>
             </a:r>
             <a:r>
-              <a:rPr lang="it-IT" dirty="0" err="1">
+              <a:rPr lang="en-US" dirty="0" err="1">
                 <a:solidFill>
-                  <a:schemeClr val="accent1"/>
+                  <a:srgbClr val="0070C0"/>
                 </a:solidFill>
               </a:rPr>
               <a:t>Sklearn</a:t>
             </a:r>
             <a:r>
-              <a:rPr lang="it-IT" dirty="0"/>
-              <a:t> per l’applicazione di algoritmi di machine learning e data mining</a:t>
+              <a:rPr lang="en-US" dirty="0"/>
+              <a:t> for the application of machine learning and data mining algorithms</a:t>
             </a:r>
           </a:p>
           <a:p>
             <a:pPr lvl="1"/>
             <a:r>
-              <a:rPr lang="it-IT" dirty="0"/>
+              <a:rPr lang="en-US" dirty="0"/>
               <a:t>E.g., </a:t>
             </a:r>
             <a:r>
-              <a:rPr lang="it-IT" dirty="0" err="1">
+              <a:rPr lang="en-US" dirty="0">
                 <a:solidFill>
-                  <a:schemeClr val="accent1"/>
+                  <a:srgbClr val="0070C0"/>
                 </a:solidFill>
               </a:rPr>
               <a:t>Matplotlib</a:t>
             </a:r>
             <a:r>
-              <a:rPr lang="it-IT" dirty="0"/>
-              <a:t> per visualizzazione di dati</a:t>
-            </a:r>
-            <a:endParaRPr lang="en-US" dirty="0"/>
+              <a:rPr lang="en-US" dirty="0"/>
+              <a:t> for data visualization</a:t>
+            </a:r>
           </a:p>
         </p:txBody>
       </p:sp>
@@ -22969,12 +22230,20 @@
             <p:ph idx="13"/>
           </p:nvPr>
         </p:nvSpPr>
-        <p:spPr/>
+        <p:spPr>
+          <a:xfrm>
+            <a:off x="838200" y="6119199"/>
+            <a:ext cx="10515600" cy="365125"/>
+          </a:xfrm>
+        </p:spPr>
         <p:txBody>
           <a:bodyPr/>
           <a:lstStyle/>
           <a:p>
-            <a:endParaRPr lang="en-US"/>
+            <a:endParaRPr lang="en-US" dirty="0"/>
+          </a:p>
+          <a:p>
+            <a:endParaRPr lang="en-US" dirty="0"/>
           </a:p>
         </p:txBody>
       </p:sp>
@@ -23731,57 +23000,29 @@
           <a:lstStyle/>
           <a:p>
             <a:r>
-              <a:rPr lang="it-IT" dirty="0"/>
-              <a:t>Sono diffuse due diverse versioni major di Python</a:t>
-            </a:r>
-          </a:p>
-          <a:p>
-            <a:r>
-              <a:rPr lang="it-IT" dirty="0"/>
-              <a:t>Su Python 2 si basa molto software tutt’ora in uso</a:t>
+              <a:rPr lang="en-US" dirty="0"/>
+              <a:t>Two different major versions of Python </a:t>
             </a:r>
           </a:p>
           <a:p>
             <a:pPr lvl="1"/>
             <a:r>
-              <a:rPr lang="it-IT" dirty="0"/>
-              <a:t>L’ultima versione minor prevista è la 2.7, rilasciata nel 2010</a:t>
+              <a:rPr lang="en-US" dirty="0"/>
+              <a:t>Python 2, end of support in 2020</a:t>
             </a:r>
           </a:p>
           <a:p>
             <a:pPr lvl="1"/>
             <a:r>
-              <a:rPr lang="it-IT" dirty="0"/>
-              <a:t>Il termine del supporto è previsto nel 2020</a:t>
-            </a:r>
-          </a:p>
-          <a:p>
-            <a:r>
-              <a:rPr lang="it-IT" dirty="0"/>
-              <a:t>Python 3 introduce novità incompatibili con Python 2</a:t>
-            </a:r>
-          </a:p>
-          <a:p>
-            <a:pPr lvl="1"/>
-            <a:r>
-              <a:rPr lang="it-IT" dirty="0"/>
-              <a:t>Molte librerie di uso comune sono state (</a:t>
-            </a:r>
-            <a:r>
-              <a:rPr lang="it-IT" dirty="0" err="1"/>
-              <a:t>ri</a:t>
-            </a:r>
-            <a:r>
-              <a:rPr lang="it-IT" dirty="0"/>
-              <a:t>)scritte per funzionare con entrambe le versioni</a:t>
-            </a:r>
-          </a:p>
-          <a:p>
-            <a:r>
-              <a:rPr lang="it-IT" dirty="0"/>
-              <a:t>Useremo Python 3</a:t>
-            </a:r>
-            <a:endParaRPr lang="en-US" dirty="0"/>
+              <a:rPr lang="en-US" dirty="0"/>
+              <a:t>Python 3 </a:t>
+            </a:r>
+          </a:p>
+          <a:p>
+            <a:r>
+              <a:rPr lang="en-US" dirty="0"/>
+              <a:t>We will use Python 3</a:t>
+            </a:r>
           </a:p>
         </p:txBody>
       </p:sp>
@@ -23855,10 +23096,10 @@
       </p:sp>
       <p:sp>
         <p:nvSpPr>
-          <p:cNvPr id="16" name="Segnaposto contenuto 15">
-            <a:extLst>
-              <a:ext uri="{FF2B5EF4-FFF2-40B4-BE49-F238E27FC236}">
-                <a16:creationId xmlns:a16="http://schemas.microsoft.com/office/drawing/2014/main" id="{8BB80D19-4319-4291-8966-D11262C73430}"/>
+          <p:cNvPr id="15" name="Content Placeholder 14">
+            <a:extLst>
+              <a:ext uri="{FF2B5EF4-FFF2-40B4-BE49-F238E27FC236}">
+                <a16:creationId xmlns:a16="http://schemas.microsoft.com/office/drawing/2014/main" id="{32576652-6C78-4D29-AF2A-6D638FA453C5}"/>
               </a:ext>
             </a:extLst>
           </p:cNvPr>
@@ -23969,8 +23210,8 @@
           <a:lstStyle/>
           <a:p>
             <a:r>
-              <a:rPr lang="it-IT" dirty="0"/>
-              <a:t>Un’istruzione Python è contenuta di default in una riga</a:t>
+              <a:rPr lang="en-US" dirty="0"/>
+              <a:t>A Python statement is contained by default in a row</a:t>
             </a:r>
           </a:p>
           <a:p>
@@ -23986,8 +23227,8 @@
           </a:p>
           <a:p>
             <a:r>
-              <a:rPr lang="it-IT" dirty="0"/>
-              <a:t>Si possono però scrivere più istruzioni in riga separate con “;”</a:t>
+              <a:rPr lang="en-US" dirty="0"/>
+              <a:t>Write several separate line instructions with “;”</a:t>
             </a:r>
           </a:p>
           <a:p>
@@ -24003,11 +23244,11 @@
           </a:p>
           <a:p>
             <a:r>
-              <a:rPr lang="it-IT" dirty="0"/>
-              <a:t>I commenti sono introdotti da “</a:t>
-            </a:r>
-            <a:r>
-              <a:rPr lang="it-IT" sz="1800" dirty="0">
+              <a:rPr lang="en-US" dirty="0"/>
+              <a:t>Comments begins with “</a:t>
+            </a:r>
+            <a:r>
+              <a:rPr lang="en-US" sz="1800" dirty="0">
                 <a:solidFill>
                   <a:srgbClr val="00B050"/>
                 </a:solidFill>
@@ -24015,8 +23256,8 @@
               <a:t>#</a:t>
             </a:r>
             <a:r>
-              <a:rPr lang="it-IT" dirty="0"/>
-              <a:t>” e finiscono a fine riga</a:t>
+              <a:rPr lang="en-US" dirty="0"/>
+              <a:t>” and end at the end of the line</a:t>
             </a:r>
           </a:p>
           <a:p>
@@ -24027,37 +23268,8 @@
                   <a:srgbClr val="00B050"/>
                 </a:solidFill>
               </a:rPr>
-              <a:t># </a:t>
-            </a:r>
-            <a:r>
-              <a:rPr lang="en-US" dirty="0" err="1">
-                <a:solidFill>
-                  <a:srgbClr val="00B050"/>
-                </a:solidFill>
-              </a:rPr>
-              <a:t>Questo</a:t>
-            </a:r>
-            <a:r>
-              <a:rPr lang="en-US" dirty="0">
-                <a:solidFill>
-                  <a:srgbClr val="00B050"/>
-                </a:solidFill>
-              </a:rPr>
-              <a:t> è un </a:t>
-            </a:r>
-            <a:r>
-              <a:rPr lang="en-US" dirty="0" err="1">
-                <a:solidFill>
-                  <a:srgbClr val="00B050"/>
-                </a:solidFill>
-              </a:rPr>
-              <a:t>commento</a:t>
-            </a:r>
-            <a:endParaRPr lang="en-US" dirty="0">
-              <a:solidFill>
-                <a:srgbClr val="00B050"/>
-              </a:solidFill>
-            </a:endParaRPr>
+              <a:t># this is a comment</a:t>
+            </a:r>
           </a:p>
           <a:p>
             <a:pPr lvl="1"/>
@@ -24075,52 +23287,23 @@
                   <a:srgbClr val="00B050"/>
                 </a:solidFill>
               </a:rPr>
-              <a:t># </a:t>
-            </a:r>
-            <a:r>
-              <a:rPr lang="en-US" dirty="0" err="1">
-                <a:solidFill>
-                  <a:srgbClr val="00B050"/>
-                </a:solidFill>
-              </a:rPr>
-              <a:t>altro</a:t>
+              <a:t># another comment</a:t>
+            </a:r>
+          </a:p>
+          <a:p>
+            <a:r>
+              <a:rPr lang="en-US" dirty="0"/>
+              <a:t>A statement can continue in the next row</a:t>
+            </a:r>
+          </a:p>
+          <a:p>
+            <a:pPr lvl="1"/>
+            <a:r>
+              <a:rPr lang="en-US" dirty="0"/>
+              <a:t>Explicit: the row ends with “</a:t>
             </a:r>
             <a:r>
               <a:rPr lang="en-US" dirty="0">
-                <a:solidFill>
-                  <a:srgbClr val="00B050"/>
-                </a:solidFill>
-              </a:rPr>
-              <a:t> </a:t>
-            </a:r>
-            <a:r>
-              <a:rPr lang="en-US" dirty="0" err="1">
-                <a:solidFill>
-                  <a:srgbClr val="00B050"/>
-                </a:solidFill>
-              </a:rPr>
-              <a:t>commento</a:t>
-            </a:r>
-            <a:endParaRPr lang="en-US" dirty="0">
-              <a:solidFill>
-                <a:srgbClr val="00B050"/>
-              </a:solidFill>
-            </a:endParaRPr>
-          </a:p>
-          <a:p>
-            <a:r>
-              <a:rPr lang="it-IT" dirty="0"/>
-              <a:t>Si può far continuare un’istruzione in una riga successiva</a:t>
-            </a:r>
-          </a:p>
-          <a:p>
-            <a:pPr lvl="1"/>
-            <a:r>
-              <a:rPr lang="it-IT" dirty="0"/>
-              <a:t>esplicitamente se la riga termina in “</a:t>
-            </a:r>
-            <a:r>
-              <a:rPr lang="it-IT" dirty="0">
                 <a:solidFill>
                   <a:schemeClr val="accent1"/>
                 </a:solidFill>
@@ -24128,15 +23311,15 @@
               <a:t>\</a:t>
             </a:r>
             <a:r>
-              <a:rPr lang="it-IT" dirty="0"/>
+              <a:rPr lang="en-US" dirty="0"/>
               <a:t>”</a:t>
             </a:r>
           </a:p>
           <a:p>
             <a:pPr lvl="1"/>
             <a:r>
-              <a:rPr lang="it-IT" dirty="0"/>
-              <a:t>implicitamente se ci sono parentesi non chiuse (più comune)</a:t>
+              <a:rPr lang="en-US" dirty="0"/>
+              <a:t>Implicit: if there are unclosed brackets</a:t>
             </a:r>
           </a:p>
           <a:p>
@@ -24162,7 +23345,15 @@
                   <a:schemeClr val="accent1"/>
                 </a:solidFill>
               </a:rPr>
-              <a:t> 	   " + "world")</a:t>
+              <a:t> 	</a:t>
+            </a:r>
+            <a:r>
+              <a:rPr lang="en-US" sz="1600" dirty="0">
+                <a:solidFill>
+                  <a:schemeClr val="accent1"/>
+                </a:solidFill>
+              </a:rPr>
+              <a:t>   " + "world")</a:t>
             </a:r>
           </a:p>
         </p:txBody>
@@ -24312,10 +23503,9 @@
           <a:lstStyle/>
           <a:p>
             <a:r>
-              <a:rPr lang="it-IT" dirty="0"/>
+              <a:rPr lang="en-US"/>
               <a:t>Python</a:t>
             </a:r>
-            <a:endParaRPr lang="en-US" dirty="0"/>
           </a:p>
         </p:txBody>
       </p:sp>
@@ -24346,11 +23536,11 @@
           <a:lstStyle/>
           <a:p>
             <a:r>
-              <a:rPr lang="it-IT" dirty="0"/>
-              <a:t>In altri linguaggi i blocchi di codice (</a:t>
-            </a:r>
-            <a:r>
-              <a:rPr lang="it-IT" dirty="0" err="1">
+              <a:rPr lang="en-US" dirty="0"/>
+              <a:t>In other languages, code blocks (</a:t>
+            </a:r>
+            <a:r>
+              <a:rPr lang="en-US" dirty="0">
                 <a:solidFill>
                   <a:schemeClr val="accent1"/>
                 </a:solidFill>
@@ -24358,11 +23548,11 @@
               <a:t>if</a:t>
             </a:r>
             <a:r>
-              <a:rPr lang="it-IT" dirty="0"/>
+              <a:rPr lang="en-US" dirty="0"/>
               <a:t>, </a:t>
             </a:r>
             <a:r>
-              <a:rPr lang="it-IT" dirty="0">
+              <a:rPr lang="en-US" dirty="0">
                 <a:solidFill>
                   <a:schemeClr val="accent1"/>
                 </a:solidFill>
@@ -24370,11 +23560,11 @@
               <a:t>for</a:t>
             </a:r>
             <a:r>
-              <a:rPr lang="it-IT" dirty="0"/>
-              <a:t>, etc.) sono delimitati da simboli specifici (spesso “</a:t>
-            </a:r>
-            <a:r>
-              <a:rPr lang="it-IT" dirty="0">
+              <a:rPr lang="en-US" dirty="0"/>
+              <a:t>, etc.) are usually delimited by specific symbols (e.g., “</a:t>
+            </a:r>
+            <a:r>
+              <a:rPr lang="en-US" dirty="0">
                 <a:solidFill>
                   <a:schemeClr val="accent1"/>
                 </a:solidFill>
@@ -24382,11 +23572,11 @@
               <a:t>{</a:t>
             </a:r>
             <a:r>
-              <a:rPr lang="it-IT" dirty="0"/>
-              <a:t>” e “</a:t>
-            </a:r>
-            <a:r>
-              <a:rPr lang="it-IT" dirty="0">
+              <a:rPr lang="en-US" dirty="0"/>
+              <a:t>” and “</a:t>
+            </a:r>
+            <a:r>
+              <a:rPr lang="en-US" dirty="0">
                 <a:solidFill>
                   <a:schemeClr val="accent1"/>
                 </a:solidFill>
@@ -24394,31 +23584,31 @@
               <a:t>}</a:t>
             </a:r>
             <a:r>
-              <a:rPr lang="it-IT" dirty="0"/>
+              <a:rPr lang="en-US" dirty="0"/>
               <a:t>”)</a:t>
             </a:r>
           </a:p>
           <a:p>
             <a:pPr lvl="1"/>
             <a:r>
-              <a:rPr lang="it-IT" dirty="0"/>
-              <a:t>L’indentazione è usata convenzionalmente per migliore leggibilità</a:t>
-            </a:r>
-          </a:p>
-          <a:p>
-            <a:r>
-              <a:rPr lang="it-IT" dirty="0"/>
-              <a:t>Python usa l’indentazione come sintassi per i blocchi</a:t>
+              <a:rPr lang="en-US" dirty="0"/>
+              <a:t>Indentation is used for better readability</a:t>
+            </a:r>
+          </a:p>
+          <a:p>
+            <a:r>
+              <a:rPr lang="en-US" dirty="0"/>
+              <a:t>Python only uses indentation to delimit code blocks</a:t>
             </a:r>
           </a:p>
           <a:p>
             <a:pPr lvl="1"/>
             <a:r>
-              <a:rPr lang="it-IT" dirty="0"/>
-              <a:t>Ogni riga che introduce un blocco (e.g., </a:t>
-            </a:r>
-            <a:r>
-              <a:rPr lang="it-IT" dirty="0" err="1">
+              <a:rPr lang="en-US" dirty="0"/>
+              <a:t>Each row introducing a block (e.g., </a:t>
+            </a:r>
+            <a:r>
+              <a:rPr lang="en-US" dirty="0">
                 <a:solidFill>
                   <a:schemeClr val="accent1"/>
                 </a:solidFill>
@@ -24426,11 +23616,11 @@
               <a:t>if</a:t>
             </a:r>
             <a:r>
-              <a:rPr lang="it-IT" dirty="0"/>
-              <a:t>) termina in “</a:t>
-            </a:r>
-            <a:r>
-              <a:rPr lang="it-IT" dirty="0">
+              <a:rPr lang="en-US" dirty="0"/>
+              <a:t>) ends with “</a:t>
+            </a:r>
+            <a:r>
+              <a:rPr lang="en-US" dirty="0">
                 <a:solidFill>
                   <a:schemeClr val="accent1"/>
                 </a:solidFill>
@@ -24438,25 +23628,25 @@
               <a:t>:</a:t>
             </a:r>
             <a:r>
-              <a:rPr lang="it-IT" dirty="0"/>
+              <a:rPr lang="en-US" dirty="0"/>
               <a:t>”</a:t>
             </a:r>
           </a:p>
           <a:p>
             <a:pPr lvl="1"/>
             <a:r>
-              <a:rPr lang="it-IT" dirty="0"/>
-              <a:t>Le righe a pari livello sono indentate con pari numero di spazi</a:t>
+              <a:rPr lang="en-US" dirty="0"/>
+              <a:t>Rows within the same block are indented the same (i.e., same number of spaces)</a:t>
             </a:r>
           </a:p>
           <a:p>
             <a:pPr lvl="1"/>
             <a:r>
-              <a:rPr lang="it-IT" dirty="0"/>
-              <a:t>Per indicare un blocco vuoto si usa la parola chiave “</a:t>
-            </a:r>
-            <a:r>
-              <a:rPr lang="it-IT" dirty="0">
+              <a:rPr lang="en-US" dirty="0"/>
+              <a:t>An empty block contains the keyword “</a:t>
+            </a:r>
+            <a:r>
+              <a:rPr lang="en-US" dirty="0">
                 <a:solidFill>
                   <a:schemeClr val="accent1"/>
                 </a:solidFill>
@@ -24464,10 +23654,9 @@
               <a:t>pass</a:t>
             </a:r>
             <a:r>
-              <a:rPr lang="it-IT" dirty="0"/>
+              <a:rPr lang="en-US" dirty="0"/>
               <a:t>”</a:t>
             </a:r>
-            <a:endParaRPr lang="en-US" dirty="0"/>
           </a:p>
         </p:txBody>
       </p:sp>
@@ -24527,7 +23716,7 @@
           <a:lstStyle/>
           <a:p>
             <a:r>
-              <a:rPr lang="it-IT" dirty="0"/>
+              <a:rPr lang="en-US"/>
               <a:t>Matteo Francia – University of Bologna</a:t>
             </a:r>
           </a:p>
@@ -24560,11 +23749,11 @@
           <a:lstStyle/>
           <a:p>
             <a:fld id="{5DD6F1BA-2510-46FC-9346-AB1F3CA1593B}" type="slidenum">
-              <a:rPr lang="it-IT" smtClean="0"/>
+              <a:rPr lang="en-US" smtClean="0"/>
               <a:pPr/>
               <a:t>7</a:t>
             </a:fld>
-            <a:endParaRPr lang="it-IT"/>
+            <a:endParaRPr lang="en-US"/>
           </a:p>
         </p:txBody>
       </p:sp>
@@ -24684,18 +23873,18 @@
           <a:lstStyle/>
           <a:p>
             <a:r>
-              <a:rPr lang="it-IT" dirty="0"/>
-              <a:t>In Python ogni cosa è un oggetto: numeri, liste, funzioni, …</a:t>
+              <a:rPr lang="en-US" dirty="0"/>
+              <a:t>Everything is an object: numbers, lists, functions, etc.</a:t>
             </a:r>
           </a:p>
           <a:p>
             <a:pPr lvl="1"/>
             <a:r>
-              <a:rPr lang="it-IT" dirty="0"/>
-              <a:t>Al contrario di Java, dove non sono oggetti valori </a:t>
-            </a:r>
-            <a:r>
-              <a:rPr lang="it-IT" dirty="0" err="1">
+              <a:rPr lang="en-US" dirty="0"/>
+              <a:t>Not the same as Java, where </a:t>
+            </a:r>
+            <a:r>
+              <a:rPr lang="en-US" dirty="0">
                 <a:solidFill>
                   <a:schemeClr val="accent1"/>
                 </a:solidFill>
@@ -24703,11 +23892,11 @@
               <a:t>int</a:t>
             </a:r>
             <a:r>
-              <a:rPr lang="it-IT" dirty="0"/>
-              <a:t>, </a:t>
-            </a:r>
-            <a:r>
-              <a:rPr lang="it-IT" dirty="0">
+              <a:rPr lang="en-US" dirty="0"/>
+              <a:t> and </a:t>
+            </a:r>
+            <a:r>
+              <a:rPr lang="en-US" dirty="0">
                 <a:solidFill>
                   <a:schemeClr val="accent1"/>
                 </a:solidFill>
@@ -24715,22 +23904,14 @@
               <a:t>float</a:t>
             </a:r>
             <a:r>
-              <a:rPr lang="it-IT" dirty="0"/>
-              <a:t>,…</a:t>
-            </a:r>
-          </a:p>
-          <a:p>
-            <a:r>
-              <a:rPr lang="it-IT" dirty="0"/>
-              <a:t>Ogni oggetto ha attributi e metodi, accessibili tramite la tipica </a:t>
-            </a:r>
-            <a:r>
-              <a:rPr lang="en-US" dirty="0" err="1"/>
-              <a:t>sintassi</a:t>
-            </a:r>
-            <a:r>
               <a:rPr lang="en-US" dirty="0"/>
-              <a:t> </a:t>
+              <a:t> are not objects</a:t>
+            </a:r>
+          </a:p>
+          <a:p>
+            <a:r>
+              <a:rPr lang="en-US" dirty="0"/>
+              <a:t>Objects have attributes and methods accessed via the "." syntax</a:t>
             </a:r>
           </a:p>
           <a:p>
@@ -24741,7 +23922,7 @@
                   <a:schemeClr val="accent1"/>
                 </a:solidFill>
               </a:rPr>
-              <a:t>oggetto.attributo</a:t>
+              <a:t>object.attribute</a:t>
             </a:r>
             <a:endParaRPr lang="en-US" dirty="0">
               <a:solidFill>
@@ -24751,36 +23932,31 @@
           </a:p>
           <a:p>
             <a:r>
-              <a:rPr lang="it-IT" dirty="0"/>
-              <a:t>Il tipo di un oggetto ne determina gli attributi esistenti e le operazioni che si possono compiere su di esso</a:t>
+              <a:rPr lang="en-US" dirty="0"/>
+              <a:t>The object type determines the available attributes and operations</a:t>
             </a:r>
           </a:p>
           <a:p>
             <a:pPr lvl="1"/>
             <a:r>
-              <a:rPr lang="it-IT" dirty="0"/>
-              <a:t>I tipi degli oggetti sono noti solo durante l’esecuzione</a:t>
+              <a:rPr lang="en-US" dirty="0"/>
+              <a:t>Object types are known only at execution time</a:t>
             </a:r>
           </a:p>
           <a:p>
             <a:pPr lvl="1"/>
             <a:r>
-              <a:rPr lang="it-IT" dirty="0"/>
-              <a:t>Al contrario di Java, dove i tipi degli oggetti sono verificati prima de</a:t>
-            </a:r>
-            <a:r>
-              <a:rPr lang="en-US" dirty="0" err="1"/>
-              <a:t>ll’esecuzione</a:t>
-            </a:r>
-            <a:endParaRPr lang="en-US" dirty="0"/>
-          </a:p>
-          <a:p>
-            <a:r>
-              <a:rPr lang="it-IT" dirty="0"/>
-              <a:t>Oggetto predefinito </a:t>
-            </a:r>
-            <a:r>
-              <a:rPr lang="it-IT" dirty="0">
+              <a:rPr lang="en-US" dirty="0"/>
+              <a:t>Not the same as Java, where object types are known at compile time (i.e., before execution)</a:t>
+            </a:r>
+          </a:p>
+          <a:p>
+            <a:r>
+              <a:rPr lang="en-US" dirty="0"/>
+              <a:t>The object </a:t>
+            </a:r>
+            <a:r>
+              <a:rPr lang="en-US" dirty="0">
                 <a:solidFill>
                   <a:schemeClr val="accent1"/>
                 </a:solidFill>
@@ -24788,11 +23964,11 @@
               <a:t>None</a:t>
             </a:r>
             <a:r>
-              <a:rPr lang="it-IT" dirty="0"/>
-              <a:t> (di tipo </a:t>
-            </a:r>
-            <a:r>
-              <a:rPr lang="it-IT" dirty="0" err="1">
+              <a:rPr lang="en-US" dirty="0"/>
+              <a:t> (with type </a:t>
+            </a:r>
+            <a:r>
+              <a:rPr lang="en-US" dirty="0" err="1">
                 <a:solidFill>
                   <a:schemeClr val="accent1"/>
                 </a:solidFill>
@@ -24800,35 +23976,18 @@
               <a:t>NoneType</a:t>
             </a:r>
             <a:r>
-              <a:rPr lang="it-IT" dirty="0"/>
-              <a:t>) </a:t>
-            </a:r>
-            <a:r>
               <a:rPr lang="en-US" dirty="0"/>
-              <a:t>indica </a:t>
-            </a:r>
-            <a:r>
-              <a:rPr lang="en-US" dirty="0" err="1"/>
-              <a:t>assenza</a:t>
-            </a:r>
+              <a:t>) represents an absence of value</a:t>
+            </a:r>
+          </a:p>
+          <a:p>
+            <a:pPr lvl="1"/>
             <a:r>
               <a:rPr lang="en-US" dirty="0"/>
-              <a:t> di </a:t>
-            </a:r>
-            <a:r>
-              <a:rPr lang="en-US" dirty="0" err="1"/>
-              <a:t>valore</a:t>
-            </a:r>
-            <a:endParaRPr lang="en-US" dirty="0"/>
-          </a:p>
-          <a:p>
-            <a:pPr lvl="1"/>
-            <a:r>
-              <a:rPr lang="it-IT" dirty="0"/>
-              <a:t>Simile a </a:t>
-            </a:r>
-            <a:r>
-              <a:rPr lang="it-IT" dirty="0" err="1">
+              <a:t>As </a:t>
+            </a:r>
+            <a:r>
+              <a:rPr lang="en-US" dirty="0">
                 <a:solidFill>
                   <a:schemeClr val="accent1"/>
                 </a:solidFill>
@@ -24836,10 +23995,9 @@
               <a:t>null</a:t>
             </a:r>
             <a:r>
-              <a:rPr lang="it-IT" dirty="0"/>
-              <a:t> in Java (che però non è un oggetto)</a:t>
-            </a:r>
-            <a:endParaRPr lang="en-US" dirty="0"/>
+              <a:rPr lang="en-US" dirty="0"/>
+              <a:t> in Java (which is not an object)</a:t>
+            </a:r>
           </a:p>
         </p:txBody>
       </p:sp>
@@ -25002,71 +24160,138 @@
           <a:lstStyle/>
           <a:p>
             <a:r>
-              <a:rPr lang="it-IT" dirty="0"/>
-              <a:t>Python definisce diversi tipi di collezioni di oggetti</a:t>
+              <a:rPr lang="en-US" dirty="0"/>
+              <a:t>Python introduces different object collections</a:t>
             </a:r>
           </a:p>
           <a:p>
             <a:pPr lvl="1"/>
             <a:r>
-              <a:rPr lang="it-IT" dirty="0"/>
-              <a:t>E.g., liste, insiemi, dizionari</a:t>
+              <a:rPr lang="en-US" dirty="0"/>
+              <a:t>E.g., lists (</a:t>
+            </a:r>
+            <a:r>
+              <a:rPr lang="en-US" dirty="0">
+                <a:solidFill>
+                  <a:schemeClr val="accent1"/>
+                </a:solidFill>
+              </a:rPr>
+              <a:t>["cat", "cat", "dog"]</a:t>
+            </a:r>
+            <a:r>
+              <a:rPr lang="en-US" dirty="0"/>
+              <a:t>)</a:t>
+            </a:r>
+            <a:r>
+              <a:rPr lang="en-US" dirty="0">
+                <a:solidFill>
+                  <a:srgbClr val="0070C0"/>
+                </a:solidFill>
+              </a:rPr>
+              <a:t>, </a:t>
+            </a:r>
+            <a:r>
+              <a:rPr lang="en-US" dirty="0"/>
+              <a:t>sets (</a:t>
+            </a:r>
+            <a:r>
+              <a:rPr lang="en-US" dirty="0">
+                <a:solidFill>
+                  <a:schemeClr val="accent1"/>
+                </a:solidFill>
+              </a:rPr>
+              <a:t>{"cat", "dog"}</a:t>
+            </a:r>
+            <a:r>
+              <a:rPr lang="en-US" dirty="0"/>
+              <a:t>), dictionaries (</a:t>
+            </a:r>
+            <a:r>
+              <a:rPr lang="en-US" dirty="0">
+                <a:solidFill>
+                  <a:schemeClr val="accent1"/>
+                </a:solidFill>
+              </a:rPr>
+              <a:t>{"key": "value"}</a:t>
+            </a:r>
+            <a:r>
+              <a:rPr lang="en-US" dirty="0"/>
+              <a:t>)</a:t>
             </a:r>
           </a:p>
           <a:p>
             <a:pPr lvl="1"/>
             <a:r>
-              <a:rPr lang="it-IT" dirty="0"/>
-              <a:t>Una collezione può contenere oggetti di tipi eterogenei</a:t>
+              <a:rPr lang="en-US" dirty="0"/>
+              <a:t>A collection can contain objects with heterogeneous types (e.g., the list </a:t>
+            </a:r>
+            <a:r>
+              <a:rPr lang="en-US" dirty="0">
+                <a:solidFill>
+                  <a:schemeClr val="accent1"/>
+                </a:solidFill>
+              </a:rPr>
+              <a:t>[1, "cat"]</a:t>
+            </a:r>
+            <a:r>
+              <a:rPr lang="en-US" dirty="0"/>
+              <a:t>)</a:t>
             </a:r>
           </a:p>
           <a:p>
             <a:pPr lvl="1"/>
             <a:r>
-              <a:rPr lang="it-IT" dirty="0"/>
-              <a:t>Le collezioni possono essere innestate</a:t>
-            </a:r>
-          </a:p>
-          <a:p>
-            <a:r>
-              <a:rPr lang="it-IT" dirty="0"/>
-              <a:t>Le collezioni si possono distinguere in mutabili e immutabili</a:t>
+              <a:rPr lang="en-US" dirty="0"/>
+              <a:t>Collections can be nested (e.g., the list </a:t>
+            </a:r>
+            <a:r>
+              <a:rPr lang="en-US" dirty="0">
+                <a:solidFill>
+                  <a:schemeClr val="accent1"/>
+                </a:solidFill>
+              </a:rPr>
+              <a:t>["cat", ["cat", ["dog"]]]</a:t>
+            </a:r>
+            <a:r>
+              <a:rPr lang="en-US" dirty="0"/>
+              <a:t>)</a:t>
+            </a:r>
+          </a:p>
+          <a:p>
+            <a:r>
+              <a:rPr lang="en-US" dirty="0"/>
+              <a:t>Collections can be mutable or immutable</a:t>
             </a:r>
           </a:p>
           <a:p>
             <a:pPr lvl="1"/>
             <a:r>
-              <a:rPr lang="it-IT" dirty="0"/>
-              <a:t>Solo nelle collezioni mutabili è possibile aggiungere, rimuovere e </a:t>
+              <a:rPr lang="en-US" dirty="0"/>
+              <a:t>Mutable: it is possible to add/remove/replaces elements</a:t>
+            </a:r>
+          </a:p>
+          <a:p>
+            <a:pPr lvl="1"/>
+            <a:r>
+              <a:rPr lang="en-US" dirty="0"/>
+              <a:t>Immutable: it is not possible to modify the collection (e.g., numbers, </a:t>
             </a:r>
             <a:r>
               <a:rPr lang="en-US" dirty="0" err="1"/>
-              <a:t>sostituire</a:t>
+              <a:t>booleans</a:t>
             </a:r>
             <a:r>
               <a:rPr lang="en-US" dirty="0"/>
-              <a:t> </a:t>
-            </a:r>
-            <a:r>
-              <a:rPr lang="en-US" dirty="0" err="1"/>
-              <a:t>elementi</a:t>
-            </a:r>
-            <a:endParaRPr lang="en-US" dirty="0"/>
-          </a:p>
-          <a:p>
-            <a:pPr lvl="1"/>
-            <a:r>
-              <a:rPr lang="it-IT" dirty="0"/>
-              <a:t>Gli oggetti visti finora (numeri, booleani, stringhe) sono immutabili</a:t>
-            </a:r>
-          </a:p>
-          <a:p>
-            <a:r>
-              <a:rPr lang="it-IT" dirty="0"/>
-              <a:t>Le stringhe (</a:t>
-            </a:r>
-            <a:r>
-              <a:rPr lang="it-IT" dirty="0" err="1">
+              <a:t>, strings)</a:t>
+            </a:r>
+          </a:p>
+          <a:p>
+            <a:r>
+              <a:rPr lang="en-US" dirty="0"/>
+              <a:t>Strings (</a:t>
+            </a:r>
+            <a:r>
+              <a:rPr lang="en-US" dirty="0">
                 <a:solidFill>
                   <a:schemeClr val="accent1"/>
                 </a:solidFill>
@@ -25074,44 +24299,16 @@
               <a:t>str</a:t>
             </a:r>
             <a:r>
-              <a:rPr lang="it-IT" dirty="0"/>
-              <a:t>) sono trattabili come </a:t>
-            </a:r>
-            <a:r>
-              <a:rPr lang="en-US" dirty="0" err="1"/>
-              <a:t>sequenze</a:t>
-            </a:r>
-            <a:r>
               <a:rPr lang="en-US" dirty="0"/>
-              <a:t> </a:t>
-            </a:r>
-            <a:r>
-              <a:rPr lang="en-US" dirty="0" err="1"/>
-              <a:t>immutabili</a:t>
-            </a:r>
+              <a:t>) are immutable sequences of characters</a:t>
+            </a:r>
+          </a:p>
+          <a:p>
+            <a:pPr lvl="1"/>
             <a:r>
               <a:rPr lang="en-US" dirty="0"/>
-              <a:t> di </a:t>
-            </a:r>
-            <a:r>
-              <a:rPr lang="en-US" dirty="0" err="1"/>
-              <a:t>caratteri</a:t>
-            </a:r>
-            <a:endParaRPr lang="en-US" dirty="0"/>
-          </a:p>
-          <a:p>
-            <a:pPr lvl="1"/>
-            <a:r>
-              <a:rPr lang="it-IT" dirty="0"/>
-              <a:t>Un carattere è una stringa lunga 1, non c’è un tipo di dato apposito</a:t>
-            </a:r>
-          </a:p>
-          <a:p>
-            <a:r>
-              <a:rPr lang="it-IT" dirty="0"/>
-              <a:t>Python fornisce funzionalità comuni per accedere a collezioni</a:t>
-            </a:r>
-            <a:endParaRPr lang="en-US" dirty="0"/>
+              <a:t>A character is a string with length 1, there is not char type</a:t>
+            </a:r>
           </a:p>
         </p:txBody>
       </p:sp>

--- a/01-MachineLearning/01-slides.pptx
+++ b/01-MachineLearning/01-slides.pptx
@@ -156,6 +156,12 @@
     </p:ext>
   </p:extLst>
 </p:presentation>
+</file>
+
+<file path=ppt/commentAuthors.xml><?xml version="1.0" encoding="utf-8"?>
+<p:cmAuthorLst xmlns:a="http://schemas.openxmlformats.org/drawingml/2006/main" xmlns:r="http://schemas.openxmlformats.org/officeDocument/2006/relationships" xmlns:p="http://schemas.openxmlformats.org/presentationml/2006/main">
+  <p:cmAuthor id="1" name="Matteo Francia" initials="" lastIdx="0" clrIdx="0"/>
+</p:cmAuthorLst>
 </file>
 
 <file path=ppt/diagrams/colors1.xml><?xml version="1.0" encoding="utf-8"?>
@@ -7106,7 +7112,7 @@
           <a:p>
             <a:fld id="{02297A90-1AFB-4FA1-ADF2-69FD2D1230BA}" type="datetimeFigureOut">
               <a:rPr lang="en-US" smtClean="0"/>
-              <a:t>1/4/2022</a:t>
+              <a:t>4/15/2022</a:t>
             </a:fld>
             <a:endParaRPr lang="en-US"/>
           </a:p>
@@ -7184,7 +7190,7 @@
           <a:p>
             <a:fld id="{42AE2D9A-5B89-4689-B04D-3FBBAA04CE2B}" type="slidenum">
               <a:rPr lang="en-US" smtClean="0"/>
-              <a:t>‹#›</a:t>
+              <a:t>‹N›</a:t>
             </a:fld>
             <a:endParaRPr lang="en-US"/>
           </a:p>
@@ -7284,7 +7290,7 @@
           <a:p>
             <a:fld id="{2D15495C-7C85-4DFE-8C2B-354A7A489EB6}" type="datetimeFigureOut">
               <a:rPr lang="it-IT" smtClean="0"/>
-              <a:t>04/01/2022</a:t>
+              <a:t>15/04/2022</a:t>
             </a:fld>
             <a:endParaRPr lang="it-IT"/>
           </a:p>
@@ -7442,7 +7448,7 @@
           <a:p>
             <a:fld id="{D98EE9EE-A74D-4412-94DD-33E68A97493E}" type="slidenum">
               <a:rPr lang="it-IT" smtClean="0"/>
-              <a:t>‹#›</a:t>
+              <a:t>‹N›</a:t>
             </a:fld>
             <a:endParaRPr lang="it-IT"/>
           </a:p>
@@ -8501,7 +8507,7 @@
           <a:p>
             <a:fld id="{5DD6F1BA-2510-46FC-9346-AB1F3CA1593B}" type="slidenum">
               <a:rPr lang="it-IT" smtClean="0"/>
-              <a:t>‹#›</a:t>
+              <a:t>‹N›</a:t>
             </a:fld>
             <a:endParaRPr lang="it-IT"/>
           </a:p>
@@ -8770,7 +8776,7 @@
           <a:p>
             <a:fld id="{5DD6F1BA-2510-46FC-9346-AB1F3CA1593B}" type="slidenum">
               <a:rPr lang="it-IT" smtClean="0"/>
-              <a:t>‹#›</a:t>
+              <a:t>‹N›</a:t>
             </a:fld>
             <a:endParaRPr lang="it-IT"/>
           </a:p>
@@ -8954,7 +8960,7 @@
           <a:p>
             <a:fld id="{5DD6F1BA-2510-46FC-9346-AB1F3CA1593B}" type="slidenum">
               <a:rPr lang="it-IT" smtClean="0"/>
-              <a:t>‹#›</a:t>
+              <a:t>‹N›</a:t>
             </a:fld>
             <a:endParaRPr lang="it-IT"/>
           </a:p>
@@ -9143,7 +9149,7 @@
           <a:p>
             <a:fld id="{5DD6F1BA-2510-46FC-9346-AB1F3CA1593B}" type="slidenum">
               <a:rPr lang="it-IT" smtClean="0"/>
-              <a:t>‹#›</a:t>
+              <a:t>‹N›</a:t>
             </a:fld>
             <a:endParaRPr lang="it-IT"/>
           </a:p>
@@ -9324,7 +9330,7 @@
           <a:p>
             <a:fld id="{5DD6F1BA-2510-46FC-9346-AB1F3CA1593B}" type="slidenum">
               <a:rPr lang="it-IT" smtClean="0"/>
-              <a:t>‹#›</a:t>
+              <a:t>‹N›</a:t>
             </a:fld>
             <a:endParaRPr lang="it-IT"/>
           </a:p>
@@ -9543,7 +9549,7 @@
           <a:p>
             <a:fld id="{5DD6F1BA-2510-46FC-9346-AB1F3CA1593B}" type="slidenum">
               <a:rPr lang="it-IT" smtClean="0"/>
-              <a:t>‹#›</a:t>
+              <a:t>‹N›</a:t>
             </a:fld>
             <a:endParaRPr lang="it-IT"/>
           </a:p>
@@ -9732,7 +9738,7 @@
           <a:p>
             <a:fld id="{5DD6F1BA-2510-46FC-9346-AB1F3CA1593B}" type="slidenum">
               <a:rPr lang="it-IT" smtClean="0"/>
-              <a:t>‹#›</a:t>
+              <a:t>‹N›</a:t>
             </a:fld>
             <a:endParaRPr lang="it-IT"/>
           </a:p>
@@ -10088,7 +10094,7 @@
           <a:p>
             <a:fld id="{5DD6F1BA-2510-46FC-9346-AB1F3CA1593B}" type="slidenum">
               <a:rPr lang="it-IT" smtClean="0"/>
-              <a:t>‹#›</a:t>
+              <a:t>‹N›</a:t>
             </a:fld>
             <a:endParaRPr lang="it-IT"/>
           </a:p>
@@ -10335,7 +10341,7 @@
           <a:p>
             <a:fld id="{5DD6F1BA-2510-46FC-9346-AB1F3CA1593B}" type="slidenum">
               <a:rPr lang="it-IT" smtClean="0"/>
-              <a:t>‹#›</a:t>
+              <a:t>‹N›</a:t>
             </a:fld>
             <a:endParaRPr lang="it-IT"/>
           </a:p>
@@ -10763,7 +10769,7 @@
           <a:p>
             <a:fld id="{5DD6F1BA-2510-46FC-9346-AB1F3CA1593B}" type="slidenum">
               <a:rPr lang="it-IT" smtClean="0"/>
-              <a:t>‹#›</a:t>
+              <a:t>‹N›</a:t>
             </a:fld>
             <a:endParaRPr lang="it-IT"/>
           </a:p>
@@ -10887,7 +10893,7 @@
           <a:p>
             <a:fld id="{5DD6F1BA-2510-46FC-9346-AB1F3CA1593B}" type="slidenum">
               <a:rPr lang="it-IT" smtClean="0"/>
-              <a:t>‹#›</a:t>
+              <a:t>‹N›</a:t>
             </a:fld>
             <a:endParaRPr lang="it-IT"/>
           </a:p>
@@ -11008,7 +11014,7 @@
           <a:p>
             <a:fld id="{5DD6F1BA-2510-46FC-9346-AB1F3CA1593B}" type="slidenum">
               <a:rPr lang="it-IT" smtClean="0"/>
-              <a:t>‹#›</a:t>
+              <a:t>‹N›</a:t>
             </a:fld>
             <a:endParaRPr lang="it-IT"/>
           </a:p>
@@ -11261,7 +11267,7 @@
             <a:fld id="{5DD6F1BA-2510-46FC-9346-AB1F3CA1593B}" type="slidenum">
               <a:rPr lang="en-US" smtClean="0"/>
               <a:pPr/>
-              <a:t>‹#›</a:t>
+              <a:t>‹N›</a:t>
             </a:fld>
             <a:endParaRPr lang="en-US" dirty="0"/>
           </a:p>
@@ -17125,8 +17131,8 @@
           <a:lstStyle/>
           <a:p>
             <a:r>
-              <a:rPr lang="it-IT" dirty="0"/>
-              <a:t>Distribuzione dei valori</a:t>
+              <a:rPr lang="it-IT"/>
+              <a:t>Value distribution</a:t>
             </a:r>
             <a:endParaRPr lang="en-US" dirty="0"/>
           </a:p>

--- a/01-MachineLearning/01-slides.pptx
+++ b/01-MachineLearning/01-slides.pptx
@@ -5,10 +5,10 @@
     <p:sldMasterId id="2147483648" r:id="rId1"/>
   </p:sldMasterIdLst>
   <p:notesMasterIdLst>
-    <p:notesMasterId r:id="rId43"/>
+    <p:notesMasterId r:id="rId44"/>
   </p:notesMasterIdLst>
   <p:handoutMasterIdLst>
-    <p:handoutMasterId r:id="rId44"/>
+    <p:handoutMasterId r:id="rId45"/>
   </p:handoutMasterIdLst>
   <p:sldIdLst>
     <p:sldId id="479" r:id="rId2"/>
@@ -51,7 +51,8 @@
     <p:sldId id="523" r:id="rId39"/>
     <p:sldId id="526" r:id="rId40"/>
     <p:sldId id="512" r:id="rId41"/>
-    <p:sldId id="528" r:id="rId42"/>
+    <p:sldId id="531" r:id="rId42"/>
+    <p:sldId id="528" r:id="rId43"/>
   </p:sldIdLst>
   <p:sldSz cx="12192000" cy="6858000"/>
   <p:notesSz cx="6858000" cy="9144000"/>
@@ -912,6 +913,753 @@
 </file>
 
 <file path=ppt/diagrams/colors2.xml><?xml version="1.0" encoding="utf-8"?>
+<dgm:colorsDef xmlns:dgm="http://schemas.openxmlformats.org/drawingml/2006/diagram" xmlns:a="http://schemas.openxmlformats.org/drawingml/2006/main" uniqueId="urn:microsoft.com/office/officeart/2005/8/colors/accent1_2">
+  <dgm:title val=""/>
+  <dgm:desc val=""/>
+  <dgm:catLst>
+    <dgm:cat type="accent1" pri="11200"/>
+  </dgm:catLst>
+  <dgm:styleLbl name="node0">
+    <dgm:fillClrLst meth="repeat">
+      <a:schemeClr val="accent1"/>
+    </dgm:fillClrLst>
+    <dgm:linClrLst meth="repeat">
+      <a:schemeClr val="lt1"/>
+    </dgm:linClrLst>
+    <dgm:effectClrLst/>
+    <dgm:txLinClrLst/>
+    <dgm:txFillClrLst/>
+    <dgm:txEffectClrLst/>
+  </dgm:styleLbl>
+  <dgm:styleLbl name="alignNode1">
+    <dgm:fillClrLst meth="repeat">
+      <a:schemeClr val="accent1"/>
+    </dgm:fillClrLst>
+    <dgm:linClrLst meth="repeat">
+      <a:schemeClr val="accent1"/>
+    </dgm:linClrLst>
+    <dgm:effectClrLst/>
+    <dgm:txLinClrLst/>
+    <dgm:txFillClrLst/>
+    <dgm:txEffectClrLst/>
+  </dgm:styleLbl>
+  <dgm:styleLbl name="node1">
+    <dgm:fillClrLst meth="repeat">
+      <a:schemeClr val="accent1"/>
+    </dgm:fillClrLst>
+    <dgm:linClrLst meth="repeat">
+      <a:schemeClr val="lt1"/>
+    </dgm:linClrLst>
+    <dgm:effectClrLst/>
+    <dgm:txLinClrLst/>
+    <dgm:txFillClrLst/>
+    <dgm:txEffectClrLst/>
+  </dgm:styleLbl>
+  <dgm:styleLbl name="lnNode1">
+    <dgm:fillClrLst meth="repeat">
+      <a:schemeClr val="accent1"/>
+    </dgm:fillClrLst>
+    <dgm:linClrLst meth="repeat">
+      <a:schemeClr val="lt1"/>
+    </dgm:linClrLst>
+    <dgm:effectClrLst/>
+    <dgm:txLinClrLst/>
+    <dgm:txFillClrLst/>
+    <dgm:txEffectClrLst/>
+  </dgm:styleLbl>
+  <dgm:styleLbl name="vennNode1">
+    <dgm:fillClrLst meth="repeat">
+      <a:schemeClr val="accent1">
+        <a:alpha val="50000"/>
+      </a:schemeClr>
+    </dgm:fillClrLst>
+    <dgm:linClrLst meth="repeat">
+      <a:schemeClr val="lt1"/>
+    </dgm:linClrLst>
+    <dgm:effectClrLst/>
+    <dgm:txLinClrLst/>
+    <dgm:txFillClrLst/>
+    <dgm:txEffectClrLst/>
+  </dgm:styleLbl>
+  <dgm:styleLbl name="node2">
+    <dgm:fillClrLst meth="repeat">
+      <a:schemeClr val="accent1"/>
+    </dgm:fillClrLst>
+    <dgm:linClrLst meth="repeat">
+      <a:schemeClr val="lt1"/>
+    </dgm:linClrLst>
+    <dgm:effectClrLst/>
+    <dgm:txLinClrLst/>
+    <dgm:txFillClrLst/>
+    <dgm:txEffectClrLst/>
+  </dgm:styleLbl>
+  <dgm:styleLbl name="node3">
+    <dgm:fillClrLst meth="repeat">
+      <a:schemeClr val="accent1"/>
+    </dgm:fillClrLst>
+    <dgm:linClrLst meth="repeat">
+      <a:schemeClr val="lt1"/>
+    </dgm:linClrLst>
+    <dgm:effectClrLst/>
+    <dgm:txLinClrLst/>
+    <dgm:txFillClrLst/>
+    <dgm:txEffectClrLst/>
+  </dgm:styleLbl>
+  <dgm:styleLbl name="node4">
+    <dgm:fillClrLst meth="repeat">
+      <a:schemeClr val="accent1"/>
+    </dgm:fillClrLst>
+    <dgm:linClrLst meth="repeat">
+      <a:schemeClr val="lt1"/>
+    </dgm:linClrLst>
+    <dgm:effectClrLst/>
+    <dgm:txLinClrLst/>
+    <dgm:txFillClrLst/>
+    <dgm:txEffectClrLst/>
+  </dgm:styleLbl>
+  <dgm:styleLbl name="fgImgPlace1">
+    <dgm:fillClrLst meth="repeat">
+      <a:schemeClr val="accent1">
+        <a:tint val="50000"/>
+      </a:schemeClr>
+    </dgm:fillClrLst>
+    <dgm:linClrLst meth="repeat">
+      <a:schemeClr val="lt1"/>
+    </dgm:linClrLst>
+    <dgm:effectClrLst/>
+    <dgm:txLinClrLst/>
+    <dgm:txFillClrLst meth="repeat">
+      <a:schemeClr val="lt1"/>
+    </dgm:txFillClrLst>
+    <dgm:txEffectClrLst/>
+  </dgm:styleLbl>
+  <dgm:styleLbl name="alignImgPlace1">
+    <dgm:fillClrLst meth="repeat">
+      <a:schemeClr val="accent1">
+        <a:tint val="50000"/>
+      </a:schemeClr>
+    </dgm:fillClrLst>
+    <dgm:linClrLst meth="repeat">
+      <a:schemeClr val="lt1"/>
+    </dgm:linClrLst>
+    <dgm:effectClrLst/>
+    <dgm:txLinClrLst/>
+    <dgm:txFillClrLst meth="repeat">
+      <a:schemeClr val="lt1"/>
+    </dgm:txFillClrLst>
+    <dgm:txEffectClrLst/>
+  </dgm:styleLbl>
+  <dgm:styleLbl name="bgImgPlace1">
+    <dgm:fillClrLst meth="repeat">
+      <a:schemeClr val="accent1">
+        <a:tint val="50000"/>
+      </a:schemeClr>
+    </dgm:fillClrLst>
+    <dgm:linClrLst meth="repeat">
+      <a:schemeClr val="lt1"/>
+    </dgm:linClrLst>
+    <dgm:effectClrLst/>
+    <dgm:txLinClrLst/>
+    <dgm:txFillClrLst meth="repeat">
+      <a:schemeClr val="lt1"/>
+    </dgm:txFillClrLst>
+    <dgm:txEffectClrLst/>
+  </dgm:styleLbl>
+  <dgm:styleLbl name="sibTrans2D1">
+    <dgm:fillClrLst meth="repeat">
+      <a:schemeClr val="accent1">
+        <a:tint val="60000"/>
+      </a:schemeClr>
+    </dgm:fillClrLst>
+    <dgm:linClrLst meth="repeat">
+      <a:schemeClr val="accent1">
+        <a:tint val="60000"/>
+      </a:schemeClr>
+    </dgm:linClrLst>
+    <dgm:effectClrLst/>
+    <dgm:txLinClrLst/>
+    <dgm:txFillClrLst/>
+    <dgm:txEffectClrLst/>
+  </dgm:styleLbl>
+  <dgm:styleLbl name="fgSibTrans2D1">
+    <dgm:fillClrLst meth="repeat">
+      <a:schemeClr val="accent1">
+        <a:tint val="60000"/>
+      </a:schemeClr>
+    </dgm:fillClrLst>
+    <dgm:linClrLst meth="repeat">
+      <a:schemeClr val="accent1">
+        <a:tint val="60000"/>
+      </a:schemeClr>
+    </dgm:linClrLst>
+    <dgm:effectClrLst/>
+    <dgm:txLinClrLst/>
+    <dgm:txFillClrLst/>
+    <dgm:txEffectClrLst/>
+  </dgm:styleLbl>
+  <dgm:styleLbl name="bgSibTrans2D1">
+    <dgm:fillClrLst meth="repeat">
+      <a:schemeClr val="accent1">
+        <a:tint val="60000"/>
+      </a:schemeClr>
+    </dgm:fillClrLst>
+    <dgm:linClrLst meth="repeat">
+      <a:schemeClr val="accent1">
+        <a:tint val="60000"/>
+      </a:schemeClr>
+    </dgm:linClrLst>
+    <dgm:effectClrLst/>
+    <dgm:txLinClrLst/>
+    <dgm:txFillClrLst/>
+    <dgm:txEffectClrLst/>
+  </dgm:styleLbl>
+  <dgm:styleLbl name="sibTrans1D1">
+    <dgm:fillClrLst meth="repeat">
+      <a:schemeClr val="accent1"/>
+    </dgm:fillClrLst>
+    <dgm:linClrLst meth="repeat">
+      <a:schemeClr val="accent1"/>
+    </dgm:linClrLst>
+    <dgm:effectClrLst/>
+    <dgm:txLinClrLst/>
+    <dgm:txFillClrLst meth="repeat">
+      <a:schemeClr val="tx1"/>
+    </dgm:txFillClrLst>
+    <dgm:txEffectClrLst/>
+  </dgm:styleLbl>
+  <dgm:styleLbl name="callout">
+    <dgm:fillClrLst meth="repeat">
+      <a:schemeClr val="accent1"/>
+    </dgm:fillClrLst>
+    <dgm:linClrLst meth="repeat">
+      <a:schemeClr val="accent1">
+        <a:tint val="50000"/>
+      </a:schemeClr>
+    </dgm:linClrLst>
+    <dgm:effectClrLst/>
+    <dgm:txLinClrLst/>
+    <dgm:txFillClrLst meth="repeat">
+      <a:schemeClr val="tx1"/>
+    </dgm:txFillClrLst>
+    <dgm:txEffectClrLst/>
+  </dgm:styleLbl>
+  <dgm:styleLbl name="asst0">
+    <dgm:fillClrLst meth="repeat">
+      <a:schemeClr val="accent1"/>
+    </dgm:fillClrLst>
+    <dgm:linClrLst meth="repeat">
+      <a:schemeClr val="lt1"/>
+    </dgm:linClrLst>
+    <dgm:effectClrLst/>
+    <dgm:txLinClrLst/>
+    <dgm:txFillClrLst/>
+    <dgm:txEffectClrLst/>
+  </dgm:styleLbl>
+  <dgm:styleLbl name="asst1">
+    <dgm:fillClrLst meth="repeat">
+      <a:schemeClr val="accent1"/>
+    </dgm:fillClrLst>
+    <dgm:linClrLst meth="repeat">
+      <a:schemeClr val="lt1"/>
+    </dgm:linClrLst>
+    <dgm:effectClrLst/>
+    <dgm:txLinClrLst/>
+    <dgm:txFillClrLst/>
+    <dgm:txEffectClrLst/>
+  </dgm:styleLbl>
+  <dgm:styleLbl name="asst2">
+    <dgm:fillClrLst meth="repeat">
+      <a:schemeClr val="accent1"/>
+    </dgm:fillClrLst>
+    <dgm:linClrLst meth="repeat">
+      <a:schemeClr val="lt1"/>
+    </dgm:linClrLst>
+    <dgm:effectClrLst/>
+    <dgm:txLinClrLst/>
+    <dgm:txFillClrLst/>
+    <dgm:txEffectClrLst/>
+  </dgm:styleLbl>
+  <dgm:styleLbl name="asst3">
+    <dgm:fillClrLst meth="repeat">
+      <a:schemeClr val="accent1"/>
+    </dgm:fillClrLst>
+    <dgm:linClrLst meth="repeat">
+      <a:schemeClr val="lt1"/>
+    </dgm:linClrLst>
+    <dgm:effectClrLst/>
+    <dgm:txLinClrLst/>
+    <dgm:txFillClrLst/>
+    <dgm:txEffectClrLst/>
+  </dgm:styleLbl>
+  <dgm:styleLbl name="asst4">
+    <dgm:fillClrLst meth="repeat">
+      <a:schemeClr val="accent1"/>
+    </dgm:fillClrLst>
+    <dgm:linClrLst meth="repeat">
+      <a:schemeClr val="lt1"/>
+    </dgm:linClrLst>
+    <dgm:effectClrLst/>
+    <dgm:txLinClrLst/>
+    <dgm:txFillClrLst/>
+    <dgm:txEffectClrLst/>
+  </dgm:styleLbl>
+  <dgm:styleLbl name="parChTrans2D1">
+    <dgm:fillClrLst meth="repeat">
+      <a:schemeClr val="accent1">
+        <a:tint val="60000"/>
+      </a:schemeClr>
+    </dgm:fillClrLst>
+    <dgm:linClrLst meth="repeat">
+      <a:schemeClr val="accent1">
+        <a:tint val="60000"/>
+      </a:schemeClr>
+    </dgm:linClrLst>
+    <dgm:effectClrLst/>
+    <dgm:txLinClrLst/>
+    <dgm:txFillClrLst meth="repeat">
+      <a:schemeClr val="lt1"/>
+    </dgm:txFillClrLst>
+    <dgm:txEffectClrLst/>
+  </dgm:styleLbl>
+  <dgm:styleLbl name="parChTrans2D2">
+    <dgm:fillClrLst meth="repeat">
+      <a:schemeClr val="accent1"/>
+    </dgm:fillClrLst>
+    <dgm:linClrLst meth="repeat">
+      <a:schemeClr val="accent1"/>
+    </dgm:linClrLst>
+    <dgm:effectClrLst/>
+    <dgm:txLinClrLst/>
+    <dgm:txFillClrLst meth="repeat">
+      <a:schemeClr val="lt1"/>
+    </dgm:txFillClrLst>
+    <dgm:txEffectClrLst/>
+  </dgm:styleLbl>
+  <dgm:styleLbl name="parChTrans2D3">
+    <dgm:fillClrLst meth="repeat">
+      <a:schemeClr val="accent1"/>
+    </dgm:fillClrLst>
+    <dgm:linClrLst meth="repeat">
+      <a:schemeClr val="accent1"/>
+    </dgm:linClrLst>
+    <dgm:effectClrLst/>
+    <dgm:txLinClrLst/>
+    <dgm:txFillClrLst meth="repeat">
+      <a:schemeClr val="lt1"/>
+    </dgm:txFillClrLst>
+    <dgm:txEffectClrLst/>
+  </dgm:styleLbl>
+  <dgm:styleLbl name="parChTrans2D4">
+    <dgm:fillClrLst meth="repeat">
+      <a:schemeClr val="accent1"/>
+    </dgm:fillClrLst>
+    <dgm:linClrLst meth="repeat">
+      <a:schemeClr val="accent1"/>
+    </dgm:linClrLst>
+    <dgm:effectClrLst/>
+    <dgm:txLinClrLst/>
+    <dgm:txFillClrLst meth="repeat">
+      <a:schemeClr val="lt1"/>
+    </dgm:txFillClrLst>
+    <dgm:txEffectClrLst/>
+  </dgm:styleLbl>
+  <dgm:styleLbl name="parChTrans1D1">
+    <dgm:fillClrLst meth="repeat">
+      <a:schemeClr val="accent1"/>
+    </dgm:fillClrLst>
+    <dgm:linClrLst meth="repeat">
+      <a:schemeClr val="accent1">
+        <a:shade val="60000"/>
+      </a:schemeClr>
+    </dgm:linClrLst>
+    <dgm:effectClrLst/>
+    <dgm:txLinClrLst/>
+    <dgm:txFillClrLst meth="repeat">
+      <a:schemeClr val="tx1"/>
+    </dgm:txFillClrLst>
+    <dgm:txEffectClrLst/>
+  </dgm:styleLbl>
+  <dgm:styleLbl name="parChTrans1D2">
+    <dgm:fillClrLst meth="repeat">
+      <a:schemeClr val="accent1"/>
+    </dgm:fillClrLst>
+    <dgm:linClrLst meth="repeat">
+      <a:schemeClr val="accent1">
+        <a:shade val="60000"/>
+      </a:schemeClr>
+    </dgm:linClrLst>
+    <dgm:effectClrLst/>
+    <dgm:txLinClrLst/>
+    <dgm:txFillClrLst meth="repeat">
+      <a:schemeClr val="tx1"/>
+    </dgm:txFillClrLst>
+    <dgm:txEffectClrLst/>
+  </dgm:styleLbl>
+  <dgm:styleLbl name="parChTrans1D3">
+    <dgm:fillClrLst meth="repeat">
+      <a:schemeClr val="accent1"/>
+    </dgm:fillClrLst>
+    <dgm:linClrLst meth="repeat">
+      <a:schemeClr val="accent1">
+        <a:shade val="80000"/>
+      </a:schemeClr>
+    </dgm:linClrLst>
+    <dgm:effectClrLst/>
+    <dgm:txLinClrLst/>
+    <dgm:txFillClrLst meth="repeat">
+      <a:schemeClr val="tx1"/>
+    </dgm:txFillClrLst>
+    <dgm:txEffectClrLst/>
+  </dgm:styleLbl>
+  <dgm:styleLbl name="parChTrans1D4">
+    <dgm:fillClrLst meth="repeat">
+      <a:schemeClr val="accent1"/>
+    </dgm:fillClrLst>
+    <dgm:linClrLst meth="repeat">
+      <a:schemeClr val="accent1">
+        <a:shade val="80000"/>
+      </a:schemeClr>
+    </dgm:linClrLst>
+    <dgm:effectClrLst/>
+    <dgm:txLinClrLst/>
+    <dgm:txFillClrLst meth="repeat">
+      <a:schemeClr val="tx1"/>
+    </dgm:txFillClrLst>
+    <dgm:txEffectClrLst/>
+  </dgm:styleLbl>
+  <dgm:styleLbl name="fgAcc1">
+    <dgm:fillClrLst meth="repeat">
+      <a:schemeClr val="lt1">
+        <a:alpha val="90000"/>
+      </a:schemeClr>
+    </dgm:fillClrLst>
+    <dgm:linClrLst meth="repeat">
+      <a:schemeClr val="accent1"/>
+    </dgm:linClrLst>
+    <dgm:effectClrLst/>
+    <dgm:txLinClrLst/>
+    <dgm:txFillClrLst meth="repeat">
+      <a:schemeClr val="dk1"/>
+    </dgm:txFillClrLst>
+    <dgm:txEffectClrLst/>
+  </dgm:styleLbl>
+  <dgm:styleLbl name="conFgAcc1">
+    <dgm:fillClrLst meth="repeat">
+      <a:schemeClr val="lt1">
+        <a:alpha val="90000"/>
+      </a:schemeClr>
+    </dgm:fillClrLst>
+    <dgm:linClrLst meth="repeat">
+      <a:schemeClr val="accent1"/>
+    </dgm:linClrLst>
+    <dgm:effectClrLst/>
+    <dgm:txLinClrLst/>
+    <dgm:txFillClrLst meth="repeat">
+      <a:schemeClr val="dk1"/>
+    </dgm:txFillClrLst>
+    <dgm:txEffectClrLst/>
+  </dgm:styleLbl>
+  <dgm:styleLbl name="alignAcc1">
+    <dgm:fillClrLst meth="repeat">
+      <a:schemeClr val="lt1">
+        <a:alpha val="90000"/>
+      </a:schemeClr>
+    </dgm:fillClrLst>
+    <dgm:linClrLst meth="repeat">
+      <a:schemeClr val="accent1"/>
+    </dgm:linClrLst>
+    <dgm:effectClrLst/>
+    <dgm:txLinClrLst/>
+    <dgm:txFillClrLst meth="repeat">
+      <a:schemeClr val="dk1"/>
+    </dgm:txFillClrLst>
+    <dgm:txEffectClrLst/>
+  </dgm:styleLbl>
+  <dgm:styleLbl name="trAlignAcc1">
+    <dgm:fillClrLst meth="repeat">
+      <a:schemeClr val="lt1">
+        <a:alpha val="40000"/>
+      </a:schemeClr>
+    </dgm:fillClrLst>
+    <dgm:linClrLst meth="repeat">
+      <a:schemeClr val="accent1"/>
+    </dgm:linClrLst>
+    <dgm:effectClrLst/>
+    <dgm:txLinClrLst/>
+    <dgm:txFillClrLst meth="repeat">
+      <a:schemeClr val="dk1"/>
+    </dgm:txFillClrLst>
+    <dgm:txEffectClrLst/>
+  </dgm:styleLbl>
+  <dgm:styleLbl name="bgAcc1">
+    <dgm:fillClrLst meth="repeat">
+      <a:schemeClr val="lt1">
+        <a:alpha val="90000"/>
+      </a:schemeClr>
+    </dgm:fillClrLst>
+    <dgm:linClrLst meth="repeat">
+      <a:schemeClr val="accent1"/>
+    </dgm:linClrLst>
+    <dgm:effectClrLst/>
+    <dgm:txLinClrLst/>
+    <dgm:txFillClrLst meth="repeat">
+      <a:schemeClr val="dk1"/>
+    </dgm:txFillClrLst>
+    <dgm:txEffectClrLst/>
+  </dgm:styleLbl>
+  <dgm:styleLbl name="solidFgAcc1">
+    <dgm:fillClrLst meth="repeat">
+      <a:schemeClr val="lt1"/>
+    </dgm:fillClrLst>
+    <dgm:linClrLst meth="repeat">
+      <a:schemeClr val="accent1"/>
+    </dgm:linClrLst>
+    <dgm:effectClrLst/>
+    <dgm:txLinClrLst/>
+    <dgm:txFillClrLst meth="repeat">
+      <a:schemeClr val="dk1"/>
+    </dgm:txFillClrLst>
+    <dgm:txEffectClrLst/>
+  </dgm:styleLbl>
+  <dgm:styleLbl name="solidAlignAcc1">
+    <dgm:fillClrLst meth="repeat">
+      <a:schemeClr val="lt1"/>
+    </dgm:fillClrLst>
+    <dgm:linClrLst meth="repeat">
+      <a:schemeClr val="accent1"/>
+    </dgm:linClrLst>
+    <dgm:effectClrLst/>
+    <dgm:txLinClrLst/>
+    <dgm:txFillClrLst meth="repeat">
+      <a:schemeClr val="dk1"/>
+    </dgm:txFillClrLst>
+    <dgm:txEffectClrLst/>
+  </dgm:styleLbl>
+  <dgm:styleLbl name="solidBgAcc1">
+    <dgm:fillClrLst meth="repeat">
+      <a:schemeClr val="lt1"/>
+    </dgm:fillClrLst>
+    <dgm:linClrLst meth="repeat">
+      <a:schemeClr val="accent1"/>
+    </dgm:linClrLst>
+    <dgm:effectClrLst/>
+    <dgm:txLinClrLst/>
+    <dgm:txFillClrLst meth="repeat">
+      <a:schemeClr val="dk1"/>
+    </dgm:txFillClrLst>
+    <dgm:txEffectClrLst/>
+  </dgm:styleLbl>
+  <dgm:styleLbl name="fgAccFollowNode1">
+    <dgm:fillClrLst meth="repeat">
+      <a:schemeClr val="accent1">
+        <a:alpha val="90000"/>
+        <a:tint val="40000"/>
+      </a:schemeClr>
+    </dgm:fillClrLst>
+    <dgm:linClrLst meth="repeat">
+      <a:schemeClr val="accent1">
+        <a:alpha val="90000"/>
+        <a:tint val="40000"/>
+      </a:schemeClr>
+    </dgm:linClrLst>
+    <dgm:effectClrLst/>
+    <dgm:txLinClrLst/>
+    <dgm:txFillClrLst meth="repeat">
+      <a:schemeClr val="dk1"/>
+    </dgm:txFillClrLst>
+    <dgm:txEffectClrLst/>
+  </dgm:styleLbl>
+  <dgm:styleLbl name="alignAccFollowNode1">
+    <dgm:fillClrLst meth="repeat">
+      <a:schemeClr val="accent1">
+        <a:alpha val="90000"/>
+        <a:tint val="40000"/>
+      </a:schemeClr>
+    </dgm:fillClrLst>
+    <dgm:linClrLst meth="repeat">
+      <a:schemeClr val="accent1">
+        <a:alpha val="90000"/>
+        <a:tint val="40000"/>
+      </a:schemeClr>
+    </dgm:linClrLst>
+    <dgm:effectClrLst/>
+    <dgm:txLinClrLst/>
+    <dgm:txFillClrLst meth="repeat">
+      <a:schemeClr val="dk1"/>
+    </dgm:txFillClrLst>
+    <dgm:txEffectClrLst/>
+  </dgm:styleLbl>
+  <dgm:styleLbl name="bgAccFollowNode1">
+    <dgm:fillClrLst meth="repeat">
+      <a:schemeClr val="accent1">
+        <a:alpha val="90000"/>
+        <a:tint val="40000"/>
+      </a:schemeClr>
+    </dgm:fillClrLst>
+    <dgm:linClrLst meth="repeat">
+      <a:schemeClr val="accent1">
+        <a:alpha val="90000"/>
+        <a:tint val="40000"/>
+      </a:schemeClr>
+    </dgm:linClrLst>
+    <dgm:effectClrLst/>
+    <dgm:txLinClrLst/>
+    <dgm:txFillClrLst meth="repeat">
+      <a:schemeClr val="dk1"/>
+    </dgm:txFillClrLst>
+    <dgm:txEffectClrLst/>
+  </dgm:styleLbl>
+  <dgm:styleLbl name="fgAcc0">
+    <dgm:fillClrLst meth="repeat">
+      <a:schemeClr val="lt1">
+        <a:alpha val="90000"/>
+      </a:schemeClr>
+    </dgm:fillClrLst>
+    <dgm:linClrLst meth="repeat">
+      <a:schemeClr val="accent1"/>
+    </dgm:linClrLst>
+    <dgm:effectClrLst/>
+    <dgm:txLinClrLst/>
+    <dgm:txFillClrLst meth="repeat">
+      <a:schemeClr val="dk1"/>
+    </dgm:txFillClrLst>
+    <dgm:txEffectClrLst/>
+  </dgm:styleLbl>
+  <dgm:styleLbl name="fgAcc2">
+    <dgm:fillClrLst meth="repeat">
+      <a:schemeClr val="lt1">
+        <a:alpha val="90000"/>
+      </a:schemeClr>
+    </dgm:fillClrLst>
+    <dgm:linClrLst meth="repeat">
+      <a:schemeClr val="accent1"/>
+    </dgm:linClrLst>
+    <dgm:effectClrLst/>
+    <dgm:txLinClrLst/>
+    <dgm:txFillClrLst meth="repeat">
+      <a:schemeClr val="dk1"/>
+    </dgm:txFillClrLst>
+    <dgm:txEffectClrLst/>
+  </dgm:styleLbl>
+  <dgm:styleLbl name="fgAcc3">
+    <dgm:fillClrLst meth="repeat">
+      <a:schemeClr val="lt1">
+        <a:alpha val="90000"/>
+      </a:schemeClr>
+    </dgm:fillClrLst>
+    <dgm:linClrLst meth="repeat">
+      <a:schemeClr val="accent1"/>
+    </dgm:linClrLst>
+    <dgm:effectClrLst/>
+    <dgm:txLinClrLst/>
+    <dgm:txFillClrLst meth="repeat">
+      <a:schemeClr val="dk1"/>
+    </dgm:txFillClrLst>
+    <dgm:txEffectClrLst/>
+  </dgm:styleLbl>
+  <dgm:styleLbl name="fgAcc4">
+    <dgm:fillClrLst meth="repeat">
+      <a:schemeClr val="lt1">
+        <a:alpha val="90000"/>
+      </a:schemeClr>
+    </dgm:fillClrLst>
+    <dgm:linClrLst meth="repeat">
+      <a:schemeClr val="accent1"/>
+    </dgm:linClrLst>
+    <dgm:effectClrLst/>
+    <dgm:txLinClrLst/>
+    <dgm:txFillClrLst meth="repeat">
+      <a:schemeClr val="dk1"/>
+    </dgm:txFillClrLst>
+    <dgm:txEffectClrLst/>
+  </dgm:styleLbl>
+  <dgm:styleLbl name="bgShp">
+    <dgm:fillClrLst meth="repeat">
+      <a:schemeClr val="accent1">
+        <a:tint val="40000"/>
+      </a:schemeClr>
+    </dgm:fillClrLst>
+    <dgm:linClrLst meth="repeat">
+      <a:schemeClr val="accent1"/>
+    </dgm:linClrLst>
+    <dgm:effectClrLst/>
+    <dgm:txLinClrLst/>
+    <dgm:txFillClrLst meth="repeat">
+      <a:schemeClr val="dk1"/>
+    </dgm:txFillClrLst>
+    <dgm:txEffectClrLst/>
+  </dgm:styleLbl>
+  <dgm:styleLbl name="dkBgShp">
+    <dgm:fillClrLst meth="repeat">
+      <a:schemeClr val="accent1">
+        <a:shade val="80000"/>
+      </a:schemeClr>
+    </dgm:fillClrLst>
+    <dgm:linClrLst meth="repeat">
+      <a:schemeClr val="accent1"/>
+    </dgm:linClrLst>
+    <dgm:effectClrLst/>
+    <dgm:txLinClrLst/>
+    <dgm:txFillClrLst meth="repeat">
+      <a:schemeClr val="lt1"/>
+    </dgm:txFillClrLst>
+    <dgm:txEffectClrLst/>
+  </dgm:styleLbl>
+  <dgm:styleLbl name="trBgShp">
+    <dgm:fillClrLst meth="repeat">
+      <a:schemeClr val="accent1">
+        <a:tint val="50000"/>
+        <a:alpha val="40000"/>
+      </a:schemeClr>
+    </dgm:fillClrLst>
+    <dgm:linClrLst meth="repeat">
+      <a:schemeClr val="accent1"/>
+    </dgm:linClrLst>
+    <dgm:effectClrLst/>
+    <dgm:txLinClrLst/>
+    <dgm:txFillClrLst meth="repeat">
+      <a:schemeClr val="lt1"/>
+    </dgm:txFillClrLst>
+    <dgm:txEffectClrLst/>
+  </dgm:styleLbl>
+  <dgm:styleLbl name="fgShp">
+    <dgm:fillClrLst meth="repeat">
+      <a:schemeClr val="accent1">
+        <a:tint val="60000"/>
+      </a:schemeClr>
+    </dgm:fillClrLst>
+    <dgm:linClrLst meth="repeat">
+      <a:schemeClr val="lt1"/>
+    </dgm:linClrLst>
+    <dgm:effectClrLst/>
+    <dgm:txLinClrLst/>
+    <dgm:txFillClrLst meth="repeat">
+      <a:schemeClr val="dk1"/>
+    </dgm:txFillClrLst>
+    <dgm:txEffectClrLst/>
+  </dgm:styleLbl>
+  <dgm:styleLbl name="revTx">
+    <dgm:fillClrLst meth="repeat">
+      <a:schemeClr val="lt1">
+        <a:alpha val="0"/>
+      </a:schemeClr>
+    </dgm:fillClrLst>
+    <dgm:linClrLst meth="repeat">
+      <a:schemeClr val="dk1">
+        <a:alpha val="0"/>
+      </a:schemeClr>
+    </dgm:linClrLst>
+    <dgm:effectClrLst/>
+    <dgm:txLinClrLst/>
+    <dgm:txFillClrLst meth="repeat">
+      <a:schemeClr val="tx1"/>
+    </dgm:txFillClrLst>
+    <dgm:txEffectClrLst/>
+  </dgm:styleLbl>
+</dgm:colorsDef>
+</file>
+
+<file path=ppt/diagrams/colors3.xml><?xml version="1.0" encoding="utf-8"?>
 <dgm:colorsDef xmlns:dgm="http://schemas.openxmlformats.org/drawingml/2006/diagram" xmlns:a="http://schemas.openxmlformats.org/drawingml/2006/main" uniqueId="urn:microsoft.com/office/officeart/2005/8/colors/accent1_2">
   <dgm:title val=""/>
   <dgm:desc val=""/>
@@ -2208,6 +2956,242 @@
         </a:p>
       </dgm:t>
     </dgm:pt>
+    <dgm:pt modelId="{E24FEA54-9DD2-4DFF-8D08-E9690922B0AC}">
+      <dgm:prSet/>
+      <dgm:spPr/>
+      <dgm:t>
+        <a:bodyPr/>
+        <a:lstStyle/>
+        <a:p>
+          <a:pPr>
+            <a:lnSpc>
+              <a:spcPct val="100000"/>
+            </a:lnSpc>
+          </a:pPr>
+          <a:r>
+            <a:rPr lang="it-IT" dirty="0"/>
+            <a:t>Open the browser</a:t>
+          </a:r>
+          <a:endParaRPr lang="en-US" dirty="0"/>
+        </a:p>
+      </dgm:t>
+    </dgm:pt>
+    <dgm:pt modelId="{A70BBCD7-F648-4D1A-B529-06EECE5139D1}" type="parTrans" cxnId="{8D6A9359-00F3-494C-9354-9D1E586E9A68}">
+      <dgm:prSet/>
+      <dgm:spPr/>
+      <dgm:t>
+        <a:bodyPr/>
+        <a:lstStyle/>
+        <a:p>
+          <a:endParaRPr lang="en-US"/>
+        </a:p>
+      </dgm:t>
+    </dgm:pt>
+    <dgm:pt modelId="{8B401ED7-476B-4977-AC83-7D8108466F4B}" type="sibTrans" cxnId="{8D6A9359-00F3-494C-9354-9D1E586E9A68}">
+      <dgm:prSet/>
+      <dgm:spPr/>
+      <dgm:t>
+        <a:bodyPr/>
+        <a:lstStyle/>
+        <a:p>
+          <a:endParaRPr lang="en-US"/>
+        </a:p>
+      </dgm:t>
+    </dgm:pt>
+    <dgm:pt modelId="{17FD767B-8850-4DC5-838B-B9810308666D}">
+      <dgm:prSet/>
+      <dgm:spPr/>
+      <dgm:t>
+        <a:bodyPr/>
+        <a:lstStyle/>
+        <a:p>
+          <a:pPr>
+            <a:lnSpc>
+              <a:spcPct val="100000"/>
+            </a:lnSpc>
+          </a:pPr>
+          <a:r>
+            <a:rPr lang="it-IT" dirty="0" err="1"/>
+            <a:t>Enter</a:t>
+          </a:r>
+          <a:r>
+            <a:rPr lang="it-IT" dirty="0"/>
+            <a:t> the notebook `02-Housing-DataPreprocessing`</a:t>
+          </a:r>
+          <a:endParaRPr lang="en-US" dirty="0"/>
+        </a:p>
+      </dgm:t>
+    </dgm:pt>
+    <dgm:pt modelId="{1EC73261-59D8-4BC1-A77F-440060C4CE5E}" type="sibTrans" cxnId="{80EBFDAE-31AD-4D65-96A7-CBCC84157EAA}">
+      <dgm:prSet/>
+      <dgm:spPr/>
+      <dgm:t>
+        <a:bodyPr/>
+        <a:lstStyle/>
+        <a:p>
+          <a:endParaRPr lang="en-US"/>
+        </a:p>
+      </dgm:t>
+    </dgm:pt>
+    <dgm:pt modelId="{8A21885B-E326-4223-BF59-A6BC29BD324F}" type="parTrans" cxnId="{80EBFDAE-31AD-4D65-96A7-CBCC84157EAA}">
+      <dgm:prSet/>
+      <dgm:spPr/>
+      <dgm:t>
+        <a:bodyPr/>
+        <a:lstStyle/>
+        <a:p>
+          <a:endParaRPr lang="en-US"/>
+        </a:p>
+      </dgm:t>
+    </dgm:pt>
+    <dgm:pt modelId="{89ABC053-9CDA-4711-BD71-AFA62AE0C2EB}" type="pres">
+      <dgm:prSet presAssocID="{43080D54-461E-47FF-9F23-74DB8B81554A}" presName="root" presStyleCnt="0">
+        <dgm:presLayoutVars>
+          <dgm:dir/>
+          <dgm:resizeHandles val="exact"/>
+        </dgm:presLayoutVars>
+      </dgm:prSet>
+      <dgm:spPr/>
+    </dgm:pt>
+    <dgm:pt modelId="{3767F8DC-1F9F-4EFB-A2C5-FE015F3F074A}" type="pres">
+      <dgm:prSet presAssocID="{E24FEA54-9DD2-4DFF-8D08-E9690922B0AC}" presName="compNode" presStyleCnt="0"/>
+      <dgm:spPr/>
+    </dgm:pt>
+    <dgm:pt modelId="{C458BD67-BD9B-4B75-B2C9-A64481E261B9}" type="pres">
+      <dgm:prSet presAssocID="{E24FEA54-9DD2-4DFF-8D08-E9690922B0AC}" presName="bgRect" presStyleLbl="bgShp" presStyleIdx="0" presStyleCnt="2"/>
+      <dgm:spPr/>
+    </dgm:pt>
+    <dgm:pt modelId="{6D01FA83-B0A1-4A6B-BDA2-A67450453F79}" type="pres">
+      <dgm:prSet presAssocID="{E24FEA54-9DD2-4DFF-8D08-E9690922B0AC}" presName="iconRect" presStyleLbl="node1" presStyleIdx="0" presStyleCnt="2"/>
+      <dgm:spPr>
+        <a:blipFill>
+          <a:blip xmlns:r="http://schemas.openxmlformats.org/officeDocument/2006/relationships" r:embed="rId1">
+            <a:extLst>
+              <a:ext uri="{28A0092B-C50C-407E-A947-70E740481C1C}">
+                <a14:useLocalDpi xmlns:a14="http://schemas.microsoft.com/office/drawing/2010/main" val="0"/>
+              </a:ext>
+              <a:ext uri="{96DAC541-7B7A-43D3-8B79-37D633B846F1}">
+                <asvg:svgBlip xmlns:asvg="http://schemas.microsoft.com/office/drawing/2016/SVG/main" r:embed="rId2"/>
+              </a:ext>
+            </a:extLst>
+          </a:blip>
+          <a:stretch>
+            <a:fillRect/>
+          </a:stretch>
+        </a:blipFill>
+      </dgm:spPr>
+      <dgm:extLst>
+        <a:ext uri="{E40237B7-FDA0-4F09-8148-C483321AD2D9}">
+          <dgm14:cNvPr xmlns:dgm14="http://schemas.microsoft.com/office/drawing/2010/diagram" id="0" name="" descr="Browser Window"/>
+        </a:ext>
+      </dgm:extLst>
+    </dgm:pt>
+    <dgm:pt modelId="{743B9422-5CC2-4866-A6C4-E5D459CA0EC4}" type="pres">
+      <dgm:prSet presAssocID="{E24FEA54-9DD2-4DFF-8D08-E9690922B0AC}" presName="spaceRect" presStyleCnt="0"/>
+      <dgm:spPr/>
+    </dgm:pt>
+    <dgm:pt modelId="{61F75FB0-16F6-40FF-9661-5436EF9CAD59}" type="pres">
+      <dgm:prSet presAssocID="{E24FEA54-9DD2-4DFF-8D08-E9690922B0AC}" presName="parTx" presStyleLbl="revTx" presStyleIdx="0" presStyleCnt="2">
+        <dgm:presLayoutVars>
+          <dgm:chMax val="0"/>
+          <dgm:chPref val="0"/>
+        </dgm:presLayoutVars>
+      </dgm:prSet>
+      <dgm:spPr/>
+    </dgm:pt>
+    <dgm:pt modelId="{753E5E70-7D20-40F0-8078-AE06389BB4C3}" type="pres">
+      <dgm:prSet presAssocID="{8B401ED7-476B-4977-AC83-7D8108466F4B}" presName="sibTrans" presStyleCnt="0"/>
+      <dgm:spPr/>
+    </dgm:pt>
+    <dgm:pt modelId="{026673A8-96C7-4153-8D53-0A2D2B7676AD}" type="pres">
+      <dgm:prSet presAssocID="{17FD767B-8850-4DC5-838B-B9810308666D}" presName="compNode" presStyleCnt="0"/>
+      <dgm:spPr/>
+    </dgm:pt>
+    <dgm:pt modelId="{F29911C8-8EE1-4D05-A76D-5562C7675D34}" type="pres">
+      <dgm:prSet presAssocID="{17FD767B-8850-4DC5-838B-B9810308666D}" presName="bgRect" presStyleLbl="bgShp" presStyleIdx="1" presStyleCnt="2"/>
+      <dgm:spPr/>
+    </dgm:pt>
+    <dgm:pt modelId="{BFF34BF5-75F7-48DF-BD47-00DCEBBE3548}" type="pres">
+      <dgm:prSet presAssocID="{17FD767B-8850-4DC5-838B-B9810308666D}" presName="iconRect" presStyleLbl="node1" presStyleIdx="1" presStyleCnt="2"/>
+      <dgm:spPr>
+        <a:blipFill>
+          <a:blip xmlns:r="http://schemas.openxmlformats.org/officeDocument/2006/relationships" r:embed="rId3">
+            <a:extLst>
+              <a:ext uri="{28A0092B-C50C-407E-A947-70E740481C1C}">
+                <a14:useLocalDpi xmlns:a14="http://schemas.microsoft.com/office/drawing/2010/main" val="0"/>
+              </a:ext>
+              <a:ext uri="{96DAC541-7B7A-43D3-8B79-37D633B846F1}">
+                <asvg:svgBlip xmlns:asvg="http://schemas.microsoft.com/office/drawing/2016/SVG/main" r:embed="rId4"/>
+              </a:ext>
+            </a:extLst>
+          </a:blip>
+          <a:stretch>
+            <a:fillRect/>
+          </a:stretch>
+        </a:blipFill>
+      </dgm:spPr>
+      <dgm:extLst>
+        <a:ext uri="{E40237B7-FDA0-4F09-8148-C483321AD2D9}">
+          <dgm14:cNvPr xmlns:dgm14="http://schemas.microsoft.com/office/drawing/2010/diagram" id="0" name="" descr="Closed Book"/>
+        </a:ext>
+      </dgm:extLst>
+    </dgm:pt>
+    <dgm:pt modelId="{B5FF5596-1E0D-4B76-8F3F-8EAD99B09F58}" type="pres">
+      <dgm:prSet presAssocID="{17FD767B-8850-4DC5-838B-B9810308666D}" presName="spaceRect" presStyleCnt="0"/>
+      <dgm:spPr/>
+    </dgm:pt>
+    <dgm:pt modelId="{661B8371-F462-499B-A18D-E624F207C581}" type="pres">
+      <dgm:prSet presAssocID="{17FD767B-8850-4DC5-838B-B9810308666D}" presName="parTx" presStyleLbl="revTx" presStyleIdx="1" presStyleCnt="2">
+        <dgm:presLayoutVars>
+          <dgm:chMax val="0"/>
+          <dgm:chPref val="0"/>
+        </dgm:presLayoutVars>
+      </dgm:prSet>
+      <dgm:spPr/>
+    </dgm:pt>
+  </dgm:ptLst>
+  <dgm:cxnLst>
+    <dgm:cxn modelId="{E369551A-0CAA-43A2-9977-43936AB8D857}" type="presOf" srcId="{17FD767B-8850-4DC5-838B-B9810308666D}" destId="{661B8371-F462-499B-A18D-E624F207C581}" srcOrd="0" destOrd="0" presId="urn:microsoft.com/office/officeart/2018/2/layout/IconVerticalSolidList"/>
+    <dgm:cxn modelId="{A2BC4675-E065-491D-B58E-258652CB1BD3}" type="presOf" srcId="{43080D54-461E-47FF-9F23-74DB8B81554A}" destId="{89ABC053-9CDA-4711-BD71-AFA62AE0C2EB}" srcOrd="0" destOrd="0" presId="urn:microsoft.com/office/officeart/2018/2/layout/IconVerticalSolidList"/>
+    <dgm:cxn modelId="{8D6A9359-00F3-494C-9354-9D1E586E9A68}" srcId="{43080D54-461E-47FF-9F23-74DB8B81554A}" destId="{E24FEA54-9DD2-4DFF-8D08-E9690922B0AC}" srcOrd="0" destOrd="0" parTransId="{A70BBCD7-F648-4D1A-B529-06EECE5139D1}" sibTransId="{8B401ED7-476B-4977-AC83-7D8108466F4B}"/>
+    <dgm:cxn modelId="{E203F99D-55EF-497B-B4DE-FA32FF3DD410}" type="presOf" srcId="{E24FEA54-9DD2-4DFF-8D08-E9690922B0AC}" destId="{61F75FB0-16F6-40FF-9661-5436EF9CAD59}" srcOrd="0" destOrd="0" presId="urn:microsoft.com/office/officeart/2018/2/layout/IconVerticalSolidList"/>
+    <dgm:cxn modelId="{80EBFDAE-31AD-4D65-96A7-CBCC84157EAA}" srcId="{43080D54-461E-47FF-9F23-74DB8B81554A}" destId="{17FD767B-8850-4DC5-838B-B9810308666D}" srcOrd="1" destOrd="0" parTransId="{8A21885B-E326-4223-BF59-A6BC29BD324F}" sibTransId="{1EC73261-59D8-4BC1-A77F-440060C4CE5E}"/>
+    <dgm:cxn modelId="{95701E78-612C-4393-8319-B4C5AD4C507F}" type="presParOf" srcId="{89ABC053-9CDA-4711-BD71-AFA62AE0C2EB}" destId="{3767F8DC-1F9F-4EFB-A2C5-FE015F3F074A}" srcOrd="0" destOrd="0" presId="urn:microsoft.com/office/officeart/2018/2/layout/IconVerticalSolidList"/>
+    <dgm:cxn modelId="{A0A1D114-5239-417F-A288-99AEB8E137BD}" type="presParOf" srcId="{3767F8DC-1F9F-4EFB-A2C5-FE015F3F074A}" destId="{C458BD67-BD9B-4B75-B2C9-A64481E261B9}" srcOrd="0" destOrd="0" presId="urn:microsoft.com/office/officeart/2018/2/layout/IconVerticalSolidList"/>
+    <dgm:cxn modelId="{4E672CA5-35C9-4E52-8925-C3023816C0E1}" type="presParOf" srcId="{3767F8DC-1F9F-4EFB-A2C5-FE015F3F074A}" destId="{6D01FA83-B0A1-4A6B-BDA2-A67450453F79}" srcOrd="1" destOrd="0" presId="urn:microsoft.com/office/officeart/2018/2/layout/IconVerticalSolidList"/>
+    <dgm:cxn modelId="{95B4AE0C-303D-4356-BB3E-7973334899F0}" type="presParOf" srcId="{3767F8DC-1F9F-4EFB-A2C5-FE015F3F074A}" destId="{743B9422-5CC2-4866-A6C4-E5D459CA0EC4}" srcOrd="2" destOrd="0" presId="urn:microsoft.com/office/officeart/2018/2/layout/IconVerticalSolidList"/>
+    <dgm:cxn modelId="{81F7A077-B5A3-4BC8-A128-770415CBE4D7}" type="presParOf" srcId="{3767F8DC-1F9F-4EFB-A2C5-FE015F3F074A}" destId="{61F75FB0-16F6-40FF-9661-5436EF9CAD59}" srcOrd="3" destOrd="0" presId="urn:microsoft.com/office/officeart/2018/2/layout/IconVerticalSolidList"/>
+    <dgm:cxn modelId="{16775C30-7F3D-4EE9-9403-A437DEBDFA27}" type="presParOf" srcId="{89ABC053-9CDA-4711-BD71-AFA62AE0C2EB}" destId="{753E5E70-7D20-40F0-8078-AE06389BB4C3}" srcOrd="1" destOrd="0" presId="urn:microsoft.com/office/officeart/2018/2/layout/IconVerticalSolidList"/>
+    <dgm:cxn modelId="{6A1A8377-79B3-425D-ADDB-4DFA94AABE85}" type="presParOf" srcId="{89ABC053-9CDA-4711-BD71-AFA62AE0C2EB}" destId="{026673A8-96C7-4153-8D53-0A2D2B7676AD}" srcOrd="2" destOrd="0" presId="urn:microsoft.com/office/officeart/2018/2/layout/IconVerticalSolidList"/>
+    <dgm:cxn modelId="{A8419B70-8F0D-4C13-AC30-1708B53E8B05}" type="presParOf" srcId="{026673A8-96C7-4153-8D53-0A2D2B7676AD}" destId="{F29911C8-8EE1-4D05-A76D-5562C7675D34}" srcOrd="0" destOrd="0" presId="urn:microsoft.com/office/officeart/2018/2/layout/IconVerticalSolidList"/>
+    <dgm:cxn modelId="{D7B45FD7-F5D2-4703-8920-EA674A9736DD}" type="presParOf" srcId="{026673A8-96C7-4153-8D53-0A2D2B7676AD}" destId="{BFF34BF5-75F7-48DF-BD47-00DCEBBE3548}" srcOrd="1" destOrd="0" presId="urn:microsoft.com/office/officeart/2018/2/layout/IconVerticalSolidList"/>
+    <dgm:cxn modelId="{279C8F0B-E54B-4466-AB3C-77FBC6DA7AC5}" type="presParOf" srcId="{026673A8-96C7-4153-8D53-0A2D2B7676AD}" destId="{B5FF5596-1E0D-4B76-8F3F-8EAD99B09F58}" srcOrd="2" destOrd="0" presId="urn:microsoft.com/office/officeart/2018/2/layout/IconVerticalSolidList"/>
+    <dgm:cxn modelId="{5025BBC7-E9E8-4C09-9F13-CF55FEB4ED18}" type="presParOf" srcId="{026673A8-96C7-4153-8D53-0A2D2B7676AD}" destId="{661B8371-F462-499B-A18D-E624F207C581}" srcOrd="3" destOrd="0" presId="urn:microsoft.com/office/officeart/2018/2/layout/IconVerticalSolidList"/>
+  </dgm:cxnLst>
+  <dgm:bg/>
+  <dgm:whole/>
+  <dgm:extLst>
+    <a:ext uri="http://schemas.microsoft.com/office/drawing/2008/diagram">
+      <dsp:dataModelExt xmlns:dsp="http://schemas.microsoft.com/office/drawing/2008/diagram" relId="rId6" minVer="http://schemas.openxmlformats.org/drawingml/2006/diagram"/>
+    </a:ext>
+  </dgm:extLst>
+</dgm:dataModel>
+</file>
+
+<file path=ppt/diagrams/data3.xml><?xml version="1.0" encoding="utf-8"?>
+<dgm:dataModel xmlns:dgm="http://schemas.openxmlformats.org/drawingml/2006/diagram" xmlns:a="http://schemas.openxmlformats.org/drawingml/2006/main">
+  <dgm:ptLst>
+    <dgm:pt modelId="{43080D54-461E-47FF-9F23-74DB8B81554A}" type="doc">
+      <dgm:prSet loTypeId="urn:microsoft.com/office/officeart/2018/2/layout/IconVerticalSolidList" loCatId="icon" qsTypeId="urn:microsoft.com/office/officeart/2005/8/quickstyle/simple1" qsCatId="simple" csTypeId="urn:microsoft.com/office/officeart/2005/8/colors/accent1_2" csCatId="accent1" phldr="1"/>
+      <dgm:spPr/>
+      <dgm:t>
+        <a:bodyPr/>
+        <a:lstStyle/>
+        <a:p>
+          <a:endParaRPr lang="en-US"/>
+        </a:p>
+      </dgm:t>
+    </dgm:pt>
     <dgm:pt modelId="{26D9867E-7013-4E00-8D6E-63C365F30D1D}">
       <dgm:prSet/>
       <dgm:spPr/>
@@ -2221,10 +3205,14 @@
             </a:lnSpc>
           </a:pPr>
           <a:r>
-            <a:rPr lang="it-IT"/>
-            <a:t>Enter the folder `01-DataPreprocessing`</a:t>
+            <a:rPr lang="it-IT" dirty="0" err="1"/>
+            <a:t>Enter</a:t>
           </a:r>
-          <a:endParaRPr lang="en-US"/>
+          <a:r>
+            <a:rPr lang="it-IT" dirty="0"/>
+            <a:t> the folder `01-DataPreprocessing`</a:t>
+          </a:r>
+          <a:endParaRPr lang="en-US" dirty="0"/>
         </a:p>
       </dgm:t>
     </dgm:pt>
@@ -3554,6 +4542,342 @@
       <dsp:cNvGrpSpPr/>
     </dsp:nvGrpSpPr>
     <dsp:grpSpPr/>
+    <dsp:sp modelId="{C458BD67-BD9B-4B75-B2C9-A64481E261B9}">
+      <dsp:nvSpPr>
+        <dsp:cNvPr id="0" name=""/>
+        <dsp:cNvSpPr/>
+      </dsp:nvSpPr>
+      <dsp:spPr>
+        <a:xfrm>
+          <a:off x="0" y="707092"/>
+          <a:ext cx="5586350" cy="1305401"/>
+        </a:xfrm>
+        <a:prstGeom prst="roundRect">
+          <a:avLst>
+            <a:gd name="adj" fmla="val 10000"/>
+          </a:avLst>
+        </a:prstGeom>
+        <a:solidFill>
+          <a:schemeClr val="accent1">
+            <a:tint val="40000"/>
+            <a:hueOff val="0"/>
+            <a:satOff val="0"/>
+            <a:lumOff val="0"/>
+            <a:alphaOff val="0"/>
+          </a:schemeClr>
+        </a:solidFill>
+        <a:ln>
+          <a:noFill/>
+        </a:ln>
+        <a:effectLst/>
+      </dsp:spPr>
+      <dsp:style>
+        <a:lnRef idx="0">
+          <a:scrgbClr r="0" g="0" b="0"/>
+        </a:lnRef>
+        <a:fillRef idx="1">
+          <a:scrgbClr r="0" g="0" b="0"/>
+        </a:fillRef>
+        <a:effectRef idx="0">
+          <a:scrgbClr r="0" g="0" b="0"/>
+        </a:effectRef>
+        <a:fontRef idx="minor"/>
+      </dsp:style>
+    </dsp:sp>
+    <dsp:sp modelId="{6D01FA83-B0A1-4A6B-BDA2-A67450453F79}">
+      <dsp:nvSpPr>
+        <dsp:cNvPr id="0" name=""/>
+        <dsp:cNvSpPr/>
+      </dsp:nvSpPr>
+      <dsp:spPr>
+        <a:xfrm>
+          <a:off x="394883" y="1000807"/>
+          <a:ext cx="717970" cy="717970"/>
+        </a:xfrm>
+        <a:prstGeom prst="rect">
+          <a:avLst/>
+        </a:prstGeom>
+        <a:blipFill>
+          <a:blip xmlns:r="http://schemas.openxmlformats.org/officeDocument/2006/relationships" r:embed="rId1">
+            <a:extLst>
+              <a:ext uri="{28A0092B-C50C-407E-A947-70E740481C1C}">
+                <a14:useLocalDpi xmlns:a14="http://schemas.microsoft.com/office/drawing/2010/main" val="0"/>
+              </a:ext>
+              <a:ext uri="{96DAC541-7B7A-43D3-8B79-37D633B846F1}">
+                <asvg:svgBlip xmlns:asvg="http://schemas.microsoft.com/office/drawing/2016/SVG/main" r:embed="rId2"/>
+              </a:ext>
+            </a:extLst>
+          </a:blip>
+          <a:stretch>
+            <a:fillRect/>
+          </a:stretch>
+        </a:blipFill>
+        <a:ln w="12700" cap="flat" cmpd="sng" algn="ctr">
+          <a:solidFill>
+            <a:schemeClr val="lt1">
+              <a:hueOff val="0"/>
+              <a:satOff val="0"/>
+              <a:lumOff val="0"/>
+              <a:alphaOff val="0"/>
+            </a:schemeClr>
+          </a:solidFill>
+          <a:prstDash val="solid"/>
+          <a:miter lim="800000"/>
+        </a:ln>
+        <a:effectLst/>
+      </dsp:spPr>
+      <dsp:style>
+        <a:lnRef idx="2">
+          <a:scrgbClr r="0" g="0" b="0"/>
+        </a:lnRef>
+        <a:fillRef idx="1">
+          <a:scrgbClr r="0" g="0" b="0"/>
+        </a:fillRef>
+        <a:effectRef idx="0">
+          <a:scrgbClr r="0" g="0" b="0"/>
+        </a:effectRef>
+        <a:fontRef idx="minor">
+          <a:schemeClr val="lt1"/>
+        </a:fontRef>
+      </dsp:style>
+    </dsp:sp>
+    <dsp:sp modelId="{61F75FB0-16F6-40FF-9661-5436EF9CAD59}">
+      <dsp:nvSpPr>
+        <dsp:cNvPr id="0" name=""/>
+        <dsp:cNvSpPr/>
+      </dsp:nvSpPr>
+      <dsp:spPr>
+        <a:xfrm>
+          <a:off x="1507738" y="707092"/>
+          <a:ext cx="4078612" cy="1305401"/>
+        </a:xfrm>
+        <a:prstGeom prst="rect">
+          <a:avLst/>
+        </a:prstGeom>
+        <a:noFill/>
+        <a:ln>
+          <a:noFill/>
+        </a:ln>
+        <a:effectLst/>
+      </dsp:spPr>
+      <dsp:style>
+        <a:lnRef idx="0">
+          <a:scrgbClr r="0" g="0" b="0"/>
+        </a:lnRef>
+        <a:fillRef idx="0">
+          <a:scrgbClr r="0" g="0" b="0"/>
+        </a:fillRef>
+        <a:effectRef idx="0">
+          <a:scrgbClr r="0" g="0" b="0"/>
+        </a:effectRef>
+        <a:fontRef idx="minor"/>
+      </dsp:style>
+      <dsp:txBody>
+        <a:bodyPr spcFirstLastPara="0" vert="horz" wrap="square" lIns="138155" tIns="138155" rIns="138155" bIns="138155" numCol="1" spcCol="1270" anchor="ctr" anchorCtr="0">
+          <a:noAutofit/>
+        </a:bodyPr>
+        <a:lstStyle/>
+        <a:p>
+          <a:pPr marL="0" lvl="0" indent="0" algn="l" defTabSz="1111250">
+            <a:lnSpc>
+              <a:spcPct val="100000"/>
+            </a:lnSpc>
+            <a:spcBef>
+              <a:spcPct val="0"/>
+            </a:spcBef>
+            <a:spcAft>
+              <a:spcPct val="35000"/>
+            </a:spcAft>
+            <a:buNone/>
+          </a:pPr>
+          <a:r>
+            <a:rPr lang="it-IT" sz="2500" kern="1200" dirty="0"/>
+            <a:t>Open the browser</a:t>
+          </a:r>
+          <a:endParaRPr lang="en-US" sz="2500" kern="1200" dirty="0"/>
+        </a:p>
+      </dsp:txBody>
+      <dsp:txXfrm>
+        <a:off x="1507738" y="707092"/>
+        <a:ext cx="4078612" cy="1305401"/>
+      </dsp:txXfrm>
+    </dsp:sp>
+    <dsp:sp modelId="{F29911C8-8EE1-4D05-A76D-5562C7675D34}">
+      <dsp:nvSpPr>
+        <dsp:cNvPr id="0" name=""/>
+        <dsp:cNvSpPr/>
+      </dsp:nvSpPr>
+      <dsp:spPr>
+        <a:xfrm>
+          <a:off x="0" y="2338844"/>
+          <a:ext cx="5586350" cy="1305401"/>
+        </a:xfrm>
+        <a:prstGeom prst="roundRect">
+          <a:avLst>
+            <a:gd name="adj" fmla="val 10000"/>
+          </a:avLst>
+        </a:prstGeom>
+        <a:solidFill>
+          <a:schemeClr val="accent1">
+            <a:tint val="40000"/>
+            <a:hueOff val="0"/>
+            <a:satOff val="0"/>
+            <a:lumOff val="0"/>
+            <a:alphaOff val="0"/>
+          </a:schemeClr>
+        </a:solidFill>
+        <a:ln>
+          <a:noFill/>
+        </a:ln>
+        <a:effectLst/>
+      </dsp:spPr>
+      <dsp:style>
+        <a:lnRef idx="0">
+          <a:scrgbClr r="0" g="0" b="0"/>
+        </a:lnRef>
+        <a:fillRef idx="1">
+          <a:scrgbClr r="0" g="0" b="0"/>
+        </a:fillRef>
+        <a:effectRef idx="0">
+          <a:scrgbClr r="0" g="0" b="0"/>
+        </a:effectRef>
+        <a:fontRef idx="minor"/>
+      </dsp:style>
+    </dsp:sp>
+    <dsp:sp modelId="{BFF34BF5-75F7-48DF-BD47-00DCEBBE3548}">
+      <dsp:nvSpPr>
+        <dsp:cNvPr id="0" name=""/>
+        <dsp:cNvSpPr/>
+      </dsp:nvSpPr>
+      <dsp:spPr>
+        <a:xfrm>
+          <a:off x="394883" y="2632559"/>
+          <a:ext cx="717970" cy="717970"/>
+        </a:xfrm>
+        <a:prstGeom prst="rect">
+          <a:avLst/>
+        </a:prstGeom>
+        <a:blipFill>
+          <a:blip xmlns:r="http://schemas.openxmlformats.org/officeDocument/2006/relationships" r:embed="rId3">
+            <a:extLst>
+              <a:ext uri="{28A0092B-C50C-407E-A947-70E740481C1C}">
+                <a14:useLocalDpi xmlns:a14="http://schemas.microsoft.com/office/drawing/2010/main" val="0"/>
+              </a:ext>
+              <a:ext uri="{96DAC541-7B7A-43D3-8B79-37D633B846F1}">
+                <asvg:svgBlip xmlns:asvg="http://schemas.microsoft.com/office/drawing/2016/SVG/main" r:embed="rId4"/>
+              </a:ext>
+            </a:extLst>
+          </a:blip>
+          <a:stretch>
+            <a:fillRect/>
+          </a:stretch>
+        </a:blipFill>
+        <a:ln w="12700" cap="flat" cmpd="sng" algn="ctr">
+          <a:solidFill>
+            <a:schemeClr val="lt1">
+              <a:hueOff val="0"/>
+              <a:satOff val="0"/>
+              <a:lumOff val="0"/>
+              <a:alphaOff val="0"/>
+            </a:schemeClr>
+          </a:solidFill>
+          <a:prstDash val="solid"/>
+          <a:miter lim="800000"/>
+        </a:ln>
+        <a:effectLst/>
+      </dsp:spPr>
+      <dsp:style>
+        <a:lnRef idx="2">
+          <a:scrgbClr r="0" g="0" b="0"/>
+        </a:lnRef>
+        <a:fillRef idx="1">
+          <a:scrgbClr r="0" g="0" b="0"/>
+        </a:fillRef>
+        <a:effectRef idx="0">
+          <a:scrgbClr r="0" g="0" b="0"/>
+        </a:effectRef>
+        <a:fontRef idx="minor">
+          <a:schemeClr val="lt1"/>
+        </a:fontRef>
+      </dsp:style>
+    </dsp:sp>
+    <dsp:sp modelId="{661B8371-F462-499B-A18D-E624F207C581}">
+      <dsp:nvSpPr>
+        <dsp:cNvPr id="0" name=""/>
+        <dsp:cNvSpPr/>
+      </dsp:nvSpPr>
+      <dsp:spPr>
+        <a:xfrm>
+          <a:off x="1507738" y="2338844"/>
+          <a:ext cx="4078612" cy="1305401"/>
+        </a:xfrm>
+        <a:prstGeom prst="rect">
+          <a:avLst/>
+        </a:prstGeom>
+        <a:noFill/>
+        <a:ln>
+          <a:noFill/>
+        </a:ln>
+        <a:effectLst/>
+      </dsp:spPr>
+      <dsp:style>
+        <a:lnRef idx="0">
+          <a:scrgbClr r="0" g="0" b="0"/>
+        </a:lnRef>
+        <a:fillRef idx="0">
+          <a:scrgbClr r="0" g="0" b="0"/>
+        </a:fillRef>
+        <a:effectRef idx="0">
+          <a:scrgbClr r="0" g="0" b="0"/>
+        </a:effectRef>
+        <a:fontRef idx="minor"/>
+      </dsp:style>
+      <dsp:txBody>
+        <a:bodyPr spcFirstLastPara="0" vert="horz" wrap="square" lIns="138155" tIns="138155" rIns="138155" bIns="138155" numCol="1" spcCol="1270" anchor="ctr" anchorCtr="0">
+          <a:noAutofit/>
+        </a:bodyPr>
+        <a:lstStyle/>
+        <a:p>
+          <a:pPr marL="0" lvl="0" indent="0" algn="l" defTabSz="1111250">
+            <a:lnSpc>
+              <a:spcPct val="100000"/>
+            </a:lnSpc>
+            <a:spcBef>
+              <a:spcPct val="0"/>
+            </a:spcBef>
+            <a:spcAft>
+              <a:spcPct val="35000"/>
+            </a:spcAft>
+            <a:buNone/>
+          </a:pPr>
+          <a:r>
+            <a:rPr lang="it-IT" sz="2500" kern="1200" dirty="0" err="1"/>
+            <a:t>Enter</a:t>
+          </a:r>
+          <a:r>
+            <a:rPr lang="it-IT" sz="2500" kern="1200" dirty="0"/>
+            <a:t> the notebook `02-Housing-DataPreprocessing`</a:t>
+          </a:r>
+          <a:endParaRPr lang="en-US" sz="2500" kern="1200" dirty="0"/>
+        </a:p>
+      </dsp:txBody>
+      <dsp:txXfrm>
+        <a:off x="1507738" y="2338844"/>
+        <a:ext cx="4078612" cy="1305401"/>
+      </dsp:txXfrm>
+    </dsp:sp>
+  </dsp:spTree>
+</dsp:drawing>
+</file>
+
+<file path=ppt/diagrams/drawing3.xml><?xml version="1.0" encoding="utf-8"?>
+<dsp:drawing xmlns:dgm="http://schemas.openxmlformats.org/drawingml/2006/diagram" xmlns:dsp="http://schemas.microsoft.com/office/drawing/2008/diagram" xmlns:a="http://schemas.openxmlformats.org/drawingml/2006/main">
+  <dsp:spTree>
+    <dsp:nvGrpSpPr>
+      <dsp:cNvPr id="0" name=""/>
+      <dsp:cNvGrpSpPr/>
+    </dsp:nvGrpSpPr>
+    <dsp:grpSpPr/>
     <dsp:sp modelId="{44C9460D-9063-42D1-AA2D-012F76E07E66}">
       <dsp:nvSpPr>
         <dsp:cNvPr id="0" name=""/>
@@ -3703,10 +5027,14 @@
             <a:buNone/>
           </a:pPr>
           <a:r>
-            <a:rPr lang="it-IT" sz="1900" kern="1200"/>
-            <a:t>Enter the folder `01-DataPreprocessing`</a:t>
+            <a:rPr lang="it-IT" sz="1900" kern="1200" dirty="0" err="1"/>
+            <a:t>Enter</a:t>
           </a:r>
-          <a:endParaRPr lang="en-US" sz="1900" kern="1200"/>
+          <a:r>
+            <a:rPr lang="it-IT" sz="1900" kern="1200" dirty="0"/>
+            <a:t> the folder `01-DataPreprocessing`</a:t>
+          </a:r>
+          <a:endParaRPr lang="en-US" sz="1900" kern="1200" dirty="0"/>
         </a:p>
       </dsp:txBody>
       <dsp:txXfrm>
@@ -4950,6 +6278,300 @@
 </dgm:layoutDef>
 </file>
 
+<file path=ppt/diagrams/layout3.xml><?xml version="1.0" encoding="utf-8"?>
+<dgm:layoutDef xmlns:dgm="http://schemas.openxmlformats.org/drawingml/2006/diagram" xmlns:a="http://schemas.openxmlformats.org/drawingml/2006/main" uniqueId="urn:microsoft.com/office/officeart/2018/2/layout/IconVerticalSolidList">
+  <dgm:title val="Icon Vertical Solid List"/>
+  <dgm:desc val="Use to show a series of visuals from top to bottom with Level 1 or Level 1 and Level 2 text grouped in a shape. Works best with icons or small pictures with lengthier descriptions."/>
+  <dgm:catLst>
+    <dgm:cat type="icon" pri="500"/>
+  </dgm:catLst>
+  <dgm:sampData useDef="1">
+    <dgm:dataModel>
+      <dgm:ptLst/>
+      <dgm:bg/>
+      <dgm:whole/>
+    </dgm:dataModel>
+  </dgm:sampData>
+  <dgm:styleData useDef="1">
+    <dgm:dataModel>
+      <dgm:ptLst/>
+      <dgm:bg/>
+      <dgm:whole/>
+    </dgm:dataModel>
+  </dgm:styleData>
+  <dgm:clrData useDef="1">
+    <dgm:dataModel>
+      <dgm:ptLst/>
+      <dgm:bg/>
+      <dgm:whole/>
+    </dgm:dataModel>
+  </dgm:clrData>
+  <dgm:layoutNode name="root">
+    <dgm:varLst>
+      <dgm:dir/>
+      <dgm:resizeHandles val="exact"/>
+    </dgm:varLst>
+    <dgm:choose name="Name0">
+      <dgm:if name="Name1" axis="self" func="var" arg="dir" op="equ" val="norm">
+        <dgm:alg type="lin">
+          <dgm:param type="linDir" val="fromT"/>
+          <dgm:param type="nodeHorzAlign" val="l"/>
+        </dgm:alg>
+      </dgm:if>
+      <dgm:else name="Name2">
+        <dgm:alg type="lin">
+          <dgm:param type="linDir" val="fromT"/>
+          <dgm:param type="nodeHorzAlign" val="r"/>
+        </dgm:alg>
+      </dgm:else>
+    </dgm:choose>
+    <dgm:shape xmlns:r="http://schemas.openxmlformats.org/officeDocument/2006/relationships" r:blip="">
+      <dgm:adjLst/>
+    </dgm:shape>
+    <dgm:presOf/>
+    <dgm:choose name="Name3">
+      <dgm:if name="Name4" axis="ch" ptType="node" func="cnt" op="lte" val="3">
+        <dgm:constrLst>
+          <dgm:constr type="h" for="ch" forName="compNode" refType="h" fact="0.3"/>
+          <dgm:constr type="w" for="ch" forName="compNode" refType="w"/>
+          <dgm:constr type="h" for="ch" forName="sibTrans" refType="h" refFor="ch" refForName="compNode" fact="0.25"/>
+          <dgm:constr type="primFontSz" for="des" forName="parTx" val="25"/>
+          <dgm:constr type="primFontSz" for="des" forName="desTx" refType="primFontSz" refFor="des" refForName="parTx" op="lte" fact="0.75"/>
+          <dgm:constr type="h" for="des" forName="compNode" op="equ"/>
+          <dgm:constr type="h" for="des" forName="bgRect" op="equ"/>
+          <dgm:constr type="h" for="des" forName="iconRect" op="equ"/>
+          <dgm:constr type="w" for="des" forName="iconRect" op="equ"/>
+          <dgm:constr type="h" for="des" forName="spaceRect" op="equ"/>
+          <dgm:constr type="h" for="des" forName="parTx" op="equ"/>
+          <dgm:constr type="h" for="des" forName="desTx" op="equ"/>
+        </dgm:constrLst>
+      </dgm:if>
+      <dgm:if name="Name5" axis="ch" ptType="node" func="cnt" op="lte" val="4">
+        <dgm:constrLst>
+          <dgm:constr type="h" for="ch" forName="compNode" refType="h" fact="0.3"/>
+          <dgm:constr type="w" for="ch" forName="compNode" refType="w"/>
+          <dgm:constr type="h" for="ch" forName="sibTrans" refType="h" refFor="ch" refForName="compNode" fact="0.25"/>
+          <dgm:constr type="primFontSz" for="des" forName="parTx" val="22"/>
+          <dgm:constr type="primFontSz" for="des" forName="desTx" refType="primFontSz" refFor="des" refForName="parTx" op="lte" fact="0.75"/>
+          <dgm:constr type="h" for="des" forName="compNode" op="equ"/>
+          <dgm:constr type="h" for="des" forName="bgRect" op="equ"/>
+          <dgm:constr type="h" for="des" forName="iconRect" op="equ"/>
+          <dgm:constr type="w" for="des" forName="iconRect" op="equ"/>
+          <dgm:constr type="h" for="des" forName="spaceRect" op="equ"/>
+          <dgm:constr type="h" for="des" forName="parTx" op="equ"/>
+          <dgm:constr type="h" for="des" forName="desTx" op="equ"/>
+        </dgm:constrLst>
+      </dgm:if>
+      <dgm:if name="Name6" axis="ch" ptType="node" func="cnt" op="lte" val="6">
+        <dgm:constrLst>
+          <dgm:constr type="h" for="ch" forName="compNode" refType="h" fact="0.3"/>
+          <dgm:constr type="w" for="ch" forName="compNode" refType="w"/>
+          <dgm:constr type="h" for="ch" forName="sibTrans" refType="h" refFor="ch" refForName="compNode" fact="0.25"/>
+          <dgm:constr type="primFontSz" for="des" forName="parTx" val="19"/>
+          <dgm:constr type="primFontSz" for="des" forName="desTx" refType="primFontSz" refFor="des" refForName="parTx" op="lte" fact="0.75"/>
+          <dgm:constr type="h" for="des" forName="compNode" op="equ"/>
+          <dgm:constr type="h" for="des" forName="bgRect" op="equ"/>
+          <dgm:constr type="h" for="des" forName="iconRect" op="equ"/>
+          <dgm:constr type="w" for="des" forName="iconRect" op="equ"/>
+          <dgm:constr type="h" for="des" forName="spaceRect" op="equ"/>
+          <dgm:constr type="h" for="des" forName="parTx" op="equ"/>
+          <dgm:constr type="h" for="des" forName="desTx" op="equ"/>
+        </dgm:constrLst>
+      </dgm:if>
+      <dgm:else name="Name7">
+        <dgm:constrLst>
+          <dgm:constr type="h" for="ch" forName="compNode" refType="h" fact="0.3"/>
+          <dgm:constr type="w" for="ch" forName="compNode" refType="w"/>
+          <dgm:constr type="h" for="ch" forName="sibTrans" refType="h" refFor="ch" refForName="compNode" fact="0.25"/>
+          <dgm:constr type="primFontSz" for="des" forName="parTx" val="16"/>
+          <dgm:constr type="primFontSz" for="des" forName="desTx" refType="primFontSz" refFor="des" refForName="parTx" op="lte" fact="0.75"/>
+          <dgm:constr type="h" for="des" forName="compNode" op="equ"/>
+          <dgm:constr type="h" for="des" forName="bgRect" op="equ"/>
+          <dgm:constr type="h" for="des" forName="iconRect" op="equ"/>
+          <dgm:constr type="w" for="des" forName="iconRect" op="equ"/>
+          <dgm:constr type="h" for="des" forName="spaceRect" op="equ"/>
+          <dgm:constr type="h" for="des" forName="parTx" op="equ"/>
+          <dgm:constr type="h" for="des" forName="desTx" op="equ"/>
+        </dgm:constrLst>
+      </dgm:else>
+    </dgm:choose>
+    <dgm:ruleLst>
+      <dgm:rule type="h" for="ch" forName="compNode" val="0" fact="NaN" max="NaN"/>
+    </dgm:ruleLst>
+    <dgm:forEach name="Name8" axis="ch" ptType="node">
+      <dgm:layoutNode name="compNode">
+        <dgm:alg type="composite"/>
+        <dgm:shape xmlns:r="http://schemas.openxmlformats.org/officeDocument/2006/relationships" r:blip="">
+          <dgm:adjLst/>
+        </dgm:shape>
+        <dgm:presOf axis="self"/>
+        <dgm:choose name="Name9">
+          <dgm:if name="Name10" axis="ch" ptType="node" func="cnt" op="gte" val="1">
+            <dgm:constrLst>
+              <dgm:constr type="w" for="ch" forName="bgRect" refType="w"/>
+              <dgm:constr type="h" for="ch" forName="bgRect" refType="h"/>
+              <dgm:constr type="l" for="ch" forName="bgRect"/>
+              <dgm:constr type="t" for="ch" forName="bgRect"/>
+              <dgm:constr type="h" for="ch" forName="iconRect" refType="h" fact="0.55"/>
+              <dgm:constr type="w" for="ch" forName="iconRect" refType="h" refFor="ch" refForName="iconRect"/>
+              <dgm:constr type="l" for="ch" forName="iconRect" refType="h" refFor="ch" refForName="iconRect" fact="0.55"/>
+              <dgm:constr type="ctrY" for="ch" forName="iconRect" refType="ctrY" refFor="ch" refForName="bgRect"/>
+              <dgm:constr type="w" for="ch" forName="spaceRect" refType="l" refFor="ch" refForName="iconRect"/>
+              <dgm:constr type="h" for="ch" forName="spaceRect" refType="h"/>
+              <dgm:constr type="l" for="ch" forName="spaceRect" refType="r" refFor="ch" refForName="iconRect"/>
+              <dgm:constr type="t" for="ch" forName="spaceRect"/>
+              <dgm:constr type="w" for="ch" forName="parTx" refType="w" fact="0.45"/>
+              <dgm:constr type="h" for="ch" forName="parTx" refType="h"/>
+              <dgm:constr type="l" for="ch" forName="parTx" refType="r" refFor="ch" refForName="spaceRect"/>
+              <dgm:constr type="t" for="ch" forName="parTx"/>
+              <dgm:constr type="h" for="ch" forName="desTx" refType="h"/>
+              <dgm:constr type="l" for="ch" forName="desTx" refType="r" refFor="ch" refForName="parTx"/>
+              <dgm:constr type="t" for="ch" forName="desTx"/>
+            </dgm:constrLst>
+          </dgm:if>
+          <dgm:else name="Name11">
+            <dgm:constrLst>
+              <dgm:constr type="w" for="ch" forName="bgRect" refType="w"/>
+              <dgm:constr type="h" for="ch" forName="bgRect" refType="h"/>
+              <dgm:constr type="l" for="ch" forName="bgRect"/>
+              <dgm:constr type="t" for="ch" forName="bgRect"/>
+              <dgm:constr type="h" for="ch" forName="iconRect" refType="h" fact="0.55"/>
+              <dgm:constr type="w" for="ch" forName="iconRect" refType="h" refFor="ch" refForName="iconRect"/>
+              <dgm:constr type="l" for="ch" forName="iconRect" refType="h" refFor="ch" refForName="iconRect" fact="0.55"/>
+              <dgm:constr type="ctrY" for="ch" forName="iconRect" refType="ctrY" refFor="ch" refForName="bgRect"/>
+              <dgm:constr type="w" for="ch" forName="spaceRect" refType="l" refFor="ch" refForName="iconRect"/>
+              <dgm:constr type="h" for="ch" forName="spaceRect" refType="h"/>
+              <dgm:constr type="l" for="ch" forName="spaceRect" refType="r" refFor="ch" refForName="iconRect"/>
+              <dgm:constr type="t" for="ch" forName="spaceRect"/>
+              <dgm:constr type="h" for="ch" forName="parTx" refType="h"/>
+              <dgm:constr type="l" for="ch" forName="parTx" refType="r" refFor="ch" refForName="spaceRect"/>
+              <dgm:constr type="t" for="ch" forName="parTx"/>
+            </dgm:constrLst>
+          </dgm:else>
+        </dgm:choose>
+        <dgm:ruleLst>
+          <dgm:rule type="h" val="INF" fact="NaN" max="NaN"/>
+        </dgm:ruleLst>
+        <dgm:layoutNode name="bgRect" styleLbl="bgShp">
+          <dgm:alg type="sp"/>
+          <dgm:shape xmlns:r="http://schemas.openxmlformats.org/officeDocument/2006/relationships" type="roundRect" r:blip="">
+            <dgm:adjLst>
+              <dgm:adj idx="1" val="0.1"/>
+            </dgm:adjLst>
+          </dgm:shape>
+          <dgm:presOf/>
+          <dgm:constrLst/>
+          <dgm:ruleLst/>
+        </dgm:layoutNode>
+        <dgm:layoutNode name="iconRect" styleLbl="node1">
+          <dgm:alg type="sp"/>
+          <dgm:shape xmlns:r="http://schemas.openxmlformats.org/officeDocument/2006/relationships" type="rect" r:blip="" blipPhldr="1">
+            <dgm:adjLst/>
+          </dgm:shape>
+          <dgm:presOf/>
+          <dgm:constrLst/>
+          <dgm:ruleLst/>
+        </dgm:layoutNode>
+        <dgm:layoutNode name="spaceRect">
+          <dgm:alg type="sp"/>
+          <dgm:shape xmlns:r="http://schemas.openxmlformats.org/officeDocument/2006/relationships" r:blip="">
+            <dgm:adjLst/>
+          </dgm:shape>
+          <dgm:presOf/>
+          <dgm:constrLst/>
+          <dgm:ruleLst/>
+        </dgm:layoutNode>
+        <dgm:layoutNode name="parTx" styleLbl="revTx">
+          <dgm:varLst>
+            <dgm:chMax val="0"/>
+            <dgm:chPref val="0"/>
+          </dgm:varLst>
+          <dgm:alg type="tx">
+            <dgm:param type="txAnchorVert" val="mid"/>
+            <dgm:param type="parTxLTRAlign" val="l"/>
+            <dgm:param type="shpTxLTRAlignCh" val="l"/>
+            <dgm:param type="parTxRTLAlign" val="r"/>
+            <dgm:param type="shpTxRTLAlignCh" val="r"/>
+          </dgm:alg>
+          <dgm:shape xmlns:r="http://schemas.openxmlformats.org/officeDocument/2006/relationships" type="rect" r:blip="">
+            <dgm:adjLst/>
+          </dgm:shape>
+          <dgm:presOf axis="self" ptType="node"/>
+          <dgm:constrLst>
+            <dgm:constr type="lMarg" refType="h" fact="0.3"/>
+            <dgm:constr type="rMarg" refType="h" fact="0.3"/>
+            <dgm:constr type="tMarg" refType="h" fact="0.3"/>
+            <dgm:constr type="bMarg" refType="h" fact="0.3"/>
+          </dgm:constrLst>
+          <dgm:ruleLst>
+            <dgm:rule type="primFontSz" val="14" fact="NaN" max="NaN"/>
+            <dgm:rule type="h" val="INF" fact="NaN" max="NaN"/>
+          </dgm:ruleLst>
+        </dgm:layoutNode>
+        <dgm:choose name="Name12">
+          <dgm:if name="Name13" axis="ch" ptType="node" func="cnt" op="gte" val="1">
+            <dgm:layoutNode name="desTx" styleLbl="revTx">
+              <dgm:varLst/>
+              <dgm:alg type="tx">
+                <dgm:param type="txAnchorVertCh" val="mid"/>
+                <dgm:param type="parTxLTRAlign" val="l"/>
+                <dgm:param type="shpTxLTRAlignCh" val="l"/>
+                <dgm:param type="parTxRTLAlign" val="r"/>
+                <dgm:param type="shpTxRTLAlignCh" val="r"/>
+                <dgm:param type="stBulletLvl" val="0"/>
+              </dgm:alg>
+              <dgm:shape xmlns:r="http://schemas.openxmlformats.org/officeDocument/2006/relationships" type="rect" r:blip="">
+                <dgm:adjLst/>
+              </dgm:shape>
+              <dgm:presOf axis="des" ptType="node"/>
+              <dgm:constrLst>
+                <dgm:constr type="primFontSz" val="18"/>
+                <dgm:constr type="secFontSz" refType="primFontSz"/>
+                <dgm:constr type="lMarg" refType="h" fact="0.3"/>
+                <dgm:constr type="rMarg" refType="h" fact="0.3"/>
+                <dgm:constr type="tMarg" refType="h" fact="0.3"/>
+                <dgm:constr type="bMarg" refType="h" fact="0.3"/>
+              </dgm:constrLst>
+              <dgm:ruleLst>
+                <dgm:rule type="primFontSz" val="11" fact="NaN" max="NaN"/>
+              </dgm:ruleLst>
+            </dgm:layoutNode>
+          </dgm:if>
+          <dgm:else name="Name14"/>
+        </dgm:choose>
+      </dgm:layoutNode>
+      <dgm:forEach name="Name15" axis="followSib" ptType="sibTrans" cnt="1">
+        <dgm:layoutNode name="sibTrans">
+          <dgm:alg type="sp"/>
+          <dgm:shape xmlns:r="http://schemas.openxmlformats.org/officeDocument/2006/relationships" r:blip="">
+            <dgm:adjLst/>
+          </dgm:shape>
+          <dgm:presOf axis="self"/>
+          <dgm:constrLst/>
+          <dgm:ruleLst/>
+        </dgm:layoutNode>
+      </dgm:forEach>
+    </dgm:forEach>
+  </dgm:layoutNode>
+  <dgm:extLst>
+    <a:ext uri="{68A01E43-0DF5-4B5B-8FA6-DAF915123BFB}">
+      <dgm1612:lstStyle xmlns:dgm1612="http://schemas.microsoft.com/office/drawing/2016/12/diagram">
+        <a:lvl1pPr>
+          <a:lnSpc>
+            <a:spcPct val="100000"/>
+          </a:lnSpc>
+        </a:lvl1pPr>
+        <a:lvl2pPr>
+          <a:lnSpc>
+            <a:spcPct val="100000"/>
+          </a:lnSpc>
+        </a:lvl2pPr>
+      </dgm1612:lstStyle>
+    </a:ext>
+  </dgm:extLst>
+</dgm:layoutDef>
+</file>
+
 <file path=ppt/diagrams/quickStyle1.xml><?xml version="1.0" encoding="utf-8"?>
 <dgm:styleDef xmlns:dgm="http://schemas.openxmlformats.org/drawingml/2006/diagram" xmlns:a="http://schemas.openxmlformats.org/drawingml/2006/main" uniqueId="urn:microsoft.com/office/officeart/2005/8/quickstyle/simple1">
   <dgm:title val=""/>
@@ -5985,6 +7607,1040 @@
 </file>
 
 <file path=ppt/diagrams/quickStyle2.xml><?xml version="1.0" encoding="utf-8"?>
+<dgm:styleDef xmlns:dgm="http://schemas.openxmlformats.org/drawingml/2006/diagram" xmlns:a="http://schemas.openxmlformats.org/drawingml/2006/main" uniqueId="urn:microsoft.com/office/officeart/2005/8/quickstyle/simple1">
+  <dgm:title val=""/>
+  <dgm:desc val=""/>
+  <dgm:catLst>
+    <dgm:cat type="simple" pri="10100"/>
+  </dgm:catLst>
+  <dgm:scene3d>
+    <a:camera prst="orthographicFront"/>
+    <a:lightRig rig="threePt" dir="t"/>
+  </dgm:scene3d>
+  <dgm:styleLbl name="node0">
+    <dgm:scene3d>
+      <a:camera prst="orthographicFront"/>
+      <a:lightRig rig="threePt" dir="t"/>
+    </dgm:scene3d>
+    <dgm:sp3d/>
+    <dgm:txPr/>
+    <dgm:style>
+      <a:lnRef idx="2">
+        <a:scrgbClr r="0" g="0" b="0"/>
+      </a:lnRef>
+      <a:fillRef idx="1">
+        <a:scrgbClr r="0" g="0" b="0"/>
+      </a:fillRef>
+      <a:effectRef idx="0">
+        <a:scrgbClr r="0" g="0" b="0"/>
+      </a:effectRef>
+      <a:fontRef idx="minor">
+        <a:schemeClr val="lt1"/>
+      </a:fontRef>
+    </dgm:style>
+  </dgm:styleLbl>
+  <dgm:styleLbl name="lnNode1">
+    <dgm:scene3d>
+      <a:camera prst="orthographicFront"/>
+      <a:lightRig rig="threePt" dir="t"/>
+    </dgm:scene3d>
+    <dgm:sp3d/>
+    <dgm:txPr/>
+    <dgm:style>
+      <a:lnRef idx="2">
+        <a:scrgbClr r="0" g="0" b="0"/>
+      </a:lnRef>
+      <a:fillRef idx="1">
+        <a:scrgbClr r="0" g="0" b="0"/>
+      </a:fillRef>
+      <a:effectRef idx="0">
+        <a:scrgbClr r="0" g="0" b="0"/>
+      </a:effectRef>
+      <a:fontRef idx="minor">
+        <a:schemeClr val="lt1"/>
+      </a:fontRef>
+    </dgm:style>
+  </dgm:styleLbl>
+  <dgm:styleLbl name="vennNode1">
+    <dgm:scene3d>
+      <a:camera prst="orthographicFront"/>
+      <a:lightRig rig="threePt" dir="t"/>
+    </dgm:scene3d>
+    <dgm:sp3d/>
+    <dgm:txPr/>
+    <dgm:style>
+      <a:lnRef idx="2">
+        <a:scrgbClr r="0" g="0" b="0"/>
+      </a:lnRef>
+      <a:fillRef idx="1">
+        <a:scrgbClr r="0" g="0" b="0"/>
+      </a:fillRef>
+      <a:effectRef idx="0">
+        <a:scrgbClr r="0" g="0" b="0"/>
+      </a:effectRef>
+      <a:fontRef idx="minor">
+        <a:schemeClr val="tx1"/>
+      </a:fontRef>
+    </dgm:style>
+  </dgm:styleLbl>
+  <dgm:styleLbl name="alignNode1">
+    <dgm:scene3d>
+      <a:camera prst="orthographicFront"/>
+      <a:lightRig rig="threePt" dir="t"/>
+    </dgm:scene3d>
+    <dgm:sp3d/>
+    <dgm:txPr/>
+    <dgm:style>
+      <a:lnRef idx="2">
+        <a:scrgbClr r="0" g="0" b="0"/>
+      </a:lnRef>
+      <a:fillRef idx="1">
+        <a:scrgbClr r="0" g="0" b="0"/>
+      </a:fillRef>
+      <a:effectRef idx="0">
+        <a:scrgbClr r="0" g="0" b="0"/>
+      </a:effectRef>
+      <a:fontRef idx="minor">
+        <a:schemeClr val="lt1"/>
+      </a:fontRef>
+    </dgm:style>
+  </dgm:styleLbl>
+  <dgm:styleLbl name="node1">
+    <dgm:scene3d>
+      <a:camera prst="orthographicFront"/>
+      <a:lightRig rig="threePt" dir="t"/>
+    </dgm:scene3d>
+    <dgm:sp3d/>
+    <dgm:txPr/>
+    <dgm:style>
+      <a:lnRef idx="2">
+        <a:scrgbClr r="0" g="0" b="0"/>
+      </a:lnRef>
+      <a:fillRef idx="1">
+        <a:scrgbClr r="0" g="0" b="0"/>
+      </a:fillRef>
+      <a:effectRef idx="0">
+        <a:scrgbClr r="0" g="0" b="0"/>
+      </a:effectRef>
+      <a:fontRef idx="minor">
+        <a:schemeClr val="lt1"/>
+      </a:fontRef>
+    </dgm:style>
+  </dgm:styleLbl>
+  <dgm:styleLbl name="node2">
+    <dgm:scene3d>
+      <a:camera prst="orthographicFront"/>
+      <a:lightRig rig="threePt" dir="t"/>
+    </dgm:scene3d>
+    <dgm:sp3d/>
+    <dgm:txPr/>
+    <dgm:style>
+      <a:lnRef idx="2">
+        <a:scrgbClr r="0" g="0" b="0"/>
+      </a:lnRef>
+      <a:fillRef idx="1">
+        <a:scrgbClr r="0" g="0" b="0"/>
+      </a:fillRef>
+      <a:effectRef idx="0">
+        <a:scrgbClr r="0" g="0" b="0"/>
+      </a:effectRef>
+      <a:fontRef idx="minor">
+        <a:schemeClr val="lt1"/>
+      </a:fontRef>
+    </dgm:style>
+  </dgm:styleLbl>
+  <dgm:styleLbl name="node3">
+    <dgm:scene3d>
+      <a:camera prst="orthographicFront"/>
+      <a:lightRig rig="threePt" dir="t"/>
+    </dgm:scene3d>
+    <dgm:sp3d/>
+    <dgm:txPr/>
+    <dgm:style>
+      <a:lnRef idx="2">
+        <a:scrgbClr r="0" g="0" b="0"/>
+      </a:lnRef>
+      <a:fillRef idx="1">
+        <a:scrgbClr r="0" g="0" b="0"/>
+      </a:fillRef>
+      <a:effectRef idx="0">
+        <a:scrgbClr r="0" g="0" b="0"/>
+      </a:effectRef>
+      <a:fontRef idx="minor">
+        <a:schemeClr val="lt1"/>
+      </a:fontRef>
+    </dgm:style>
+  </dgm:styleLbl>
+  <dgm:styleLbl name="node4">
+    <dgm:scene3d>
+      <a:camera prst="orthographicFront"/>
+      <a:lightRig rig="threePt" dir="t"/>
+    </dgm:scene3d>
+    <dgm:sp3d/>
+    <dgm:txPr/>
+    <dgm:style>
+      <a:lnRef idx="2">
+        <a:scrgbClr r="0" g="0" b="0"/>
+      </a:lnRef>
+      <a:fillRef idx="1">
+        <a:scrgbClr r="0" g="0" b="0"/>
+      </a:fillRef>
+      <a:effectRef idx="0">
+        <a:scrgbClr r="0" g="0" b="0"/>
+      </a:effectRef>
+      <a:fontRef idx="minor">
+        <a:schemeClr val="lt1"/>
+      </a:fontRef>
+    </dgm:style>
+  </dgm:styleLbl>
+  <dgm:styleLbl name="fgImgPlace1">
+    <dgm:scene3d>
+      <a:camera prst="orthographicFront"/>
+      <a:lightRig rig="threePt" dir="t"/>
+    </dgm:scene3d>
+    <dgm:sp3d/>
+    <dgm:txPr/>
+    <dgm:style>
+      <a:lnRef idx="2">
+        <a:scrgbClr r="0" g="0" b="0"/>
+      </a:lnRef>
+      <a:fillRef idx="1">
+        <a:scrgbClr r="0" g="0" b="0"/>
+      </a:fillRef>
+      <a:effectRef idx="0">
+        <a:scrgbClr r="0" g="0" b="0"/>
+      </a:effectRef>
+      <a:fontRef idx="minor"/>
+    </dgm:style>
+  </dgm:styleLbl>
+  <dgm:styleLbl name="alignImgPlace1">
+    <dgm:scene3d>
+      <a:camera prst="orthographicFront"/>
+      <a:lightRig rig="threePt" dir="t"/>
+    </dgm:scene3d>
+    <dgm:sp3d/>
+    <dgm:txPr/>
+    <dgm:style>
+      <a:lnRef idx="2">
+        <a:scrgbClr r="0" g="0" b="0"/>
+      </a:lnRef>
+      <a:fillRef idx="1">
+        <a:scrgbClr r="0" g="0" b="0"/>
+      </a:fillRef>
+      <a:effectRef idx="0">
+        <a:scrgbClr r="0" g="0" b="0"/>
+      </a:effectRef>
+      <a:fontRef idx="minor"/>
+    </dgm:style>
+  </dgm:styleLbl>
+  <dgm:styleLbl name="bgImgPlace1">
+    <dgm:scene3d>
+      <a:camera prst="orthographicFront"/>
+      <a:lightRig rig="threePt" dir="t"/>
+    </dgm:scene3d>
+    <dgm:sp3d/>
+    <dgm:txPr/>
+    <dgm:style>
+      <a:lnRef idx="2">
+        <a:scrgbClr r="0" g="0" b="0"/>
+      </a:lnRef>
+      <a:fillRef idx="1">
+        <a:scrgbClr r="0" g="0" b="0"/>
+      </a:fillRef>
+      <a:effectRef idx="0">
+        <a:scrgbClr r="0" g="0" b="0"/>
+      </a:effectRef>
+      <a:fontRef idx="minor"/>
+    </dgm:style>
+  </dgm:styleLbl>
+  <dgm:styleLbl name="sibTrans2D1">
+    <dgm:scene3d>
+      <a:camera prst="orthographicFront"/>
+      <a:lightRig rig="threePt" dir="t"/>
+    </dgm:scene3d>
+    <dgm:sp3d/>
+    <dgm:txPr/>
+    <dgm:style>
+      <a:lnRef idx="0">
+        <a:scrgbClr r="0" g="0" b="0"/>
+      </a:lnRef>
+      <a:fillRef idx="1">
+        <a:scrgbClr r="0" g="0" b="0"/>
+      </a:fillRef>
+      <a:effectRef idx="0">
+        <a:scrgbClr r="0" g="0" b="0"/>
+      </a:effectRef>
+      <a:fontRef idx="minor">
+        <a:schemeClr val="lt1"/>
+      </a:fontRef>
+    </dgm:style>
+  </dgm:styleLbl>
+  <dgm:styleLbl name="fgSibTrans2D1">
+    <dgm:scene3d>
+      <a:camera prst="orthographicFront"/>
+      <a:lightRig rig="threePt" dir="t"/>
+    </dgm:scene3d>
+    <dgm:sp3d/>
+    <dgm:txPr/>
+    <dgm:style>
+      <a:lnRef idx="0">
+        <a:scrgbClr r="0" g="0" b="0"/>
+      </a:lnRef>
+      <a:fillRef idx="1">
+        <a:scrgbClr r="0" g="0" b="0"/>
+      </a:fillRef>
+      <a:effectRef idx="0">
+        <a:scrgbClr r="0" g="0" b="0"/>
+      </a:effectRef>
+      <a:fontRef idx="minor">
+        <a:schemeClr val="lt1"/>
+      </a:fontRef>
+    </dgm:style>
+  </dgm:styleLbl>
+  <dgm:styleLbl name="bgSibTrans2D1">
+    <dgm:scene3d>
+      <a:camera prst="orthographicFront"/>
+      <a:lightRig rig="threePt" dir="t"/>
+    </dgm:scene3d>
+    <dgm:sp3d/>
+    <dgm:txPr/>
+    <dgm:style>
+      <a:lnRef idx="0">
+        <a:scrgbClr r="0" g="0" b="0"/>
+      </a:lnRef>
+      <a:fillRef idx="1">
+        <a:scrgbClr r="0" g="0" b="0"/>
+      </a:fillRef>
+      <a:effectRef idx="0">
+        <a:scrgbClr r="0" g="0" b="0"/>
+      </a:effectRef>
+      <a:fontRef idx="minor">
+        <a:schemeClr val="lt1"/>
+      </a:fontRef>
+    </dgm:style>
+  </dgm:styleLbl>
+  <dgm:styleLbl name="sibTrans1D1">
+    <dgm:scene3d>
+      <a:camera prst="orthographicFront"/>
+      <a:lightRig rig="threePt" dir="t"/>
+    </dgm:scene3d>
+    <dgm:sp3d/>
+    <dgm:txPr/>
+    <dgm:style>
+      <a:lnRef idx="1">
+        <a:scrgbClr r="0" g="0" b="0"/>
+      </a:lnRef>
+      <a:fillRef idx="0">
+        <a:scrgbClr r="0" g="0" b="0"/>
+      </a:fillRef>
+      <a:effectRef idx="0">
+        <a:scrgbClr r="0" g="0" b="0"/>
+      </a:effectRef>
+      <a:fontRef idx="minor"/>
+    </dgm:style>
+  </dgm:styleLbl>
+  <dgm:styleLbl name="callout">
+    <dgm:scene3d>
+      <a:camera prst="orthographicFront"/>
+      <a:lightRig rig="threePt" dir="t"/>
+    </dgm:scene3d>
+    <dgm:sp3d/>
+    <dgm:txPr/>
+    <dgm:style>
+      <a:lnRef idx="2">
+        <a:scrgbClr r="0" g="0" b="0"/>
+      </a:lnRef>
+      <a:fillRef idx="1">
+        <a:scrgbClr r="0" g="0" b="0"/>
+      </a:fillRef>
+      <a:effectRef idx="0">
+        <a:scrgbClr r="0" g="0" b="0"/>
+      </a:effectRef>
+      <a:fontRef idx="minor"/>
+    </dgm:style>
+  </dgm:styleLbl>
+  <dgm:styleLbl name="asst0">
+    <dgm:scene3d>
+      <a:camera prst="orthographicFront"/>
+      <a:lightRig rig="threePt" dir="t"/>
+    </dgm:scene3d>
+    <dgm:sp3d/>
+    <dgm:txPr/>
+    <dgm:style>
+      <a:lnRef idx="2">
+        <a:scrgbClr r="0" g="0" b="0"/>
+      </a:lnRef>
+      <a:fillRef idx="1">
+        <a:scrgbClr r="0" g="0" b="0"/>
+      </a:fillRef>
+      <a:effectRef idx="0">
+        <a:scrgbClr r="0" g="0" b="0"/>
+      </a:effectRef>
+      <a:fontRef idx="minor">
+        <a:schemeClr val="lt1"/>
+      </a:fontRef>
+    </dgm:style>
+  </dgm:styleLbl>
+  <dgm:styleLbl name="asst1">
+    <dgm:scene3d>
+      <a:camera prst="orthographicFront"/>
+      <a:lightRig rig="threePt" dir="t"/>
+    </dgm:scene3d>
+    <dgm:sp3d/>
+    <dgm:txPr/>
+    <dgm:style>
+      <a:lnRef idx="2">
+        <a:scrgbClr r="0" g="0" b="0"/>
+      </a:lnRef>
+      <a:fillRef idx="1">
+        <a:scrgbClr r="0" g="0" b="0"/>
+      </a:fillRef>
+      <a:effectRef idx="0">
+        <a:scrgbClr r="0" g="0" b="0"/>
+      </a:effectRef>
+      <a:fontRef idx="minor">
+        <a:schemeClr val="lt1"/>
+      </a:fontRef>
+    </dgm:style>
+  </dgm:styleLbl>
+  <dgm:styleLbl name="asst2">
+    <dgm:scene3d>
+      <a:camera prst="orthographicFront"/>
+      <a:lightRig rig="threePt" dir="t"/>
+    </dgm:scene3d>
+    <dgm:sp3d/>
+    <dgm:txPr/>
+    <dgm:style>
+      <a:lnRef idx="2">
+        <a:scrgbClr r="0" g="0" b="0"/>
+      </a:lnRef>
+      <a:fillRef idx="1">
+        <a:scrgbClr r="0" g="0" b="0"/>
+      </a:fillRef>
+      <a:effectRef idx="0">
+        <a:scrgbClr r="0" g="0" b="0"/>
+      </a:effectRef>
+      <a:fontRef idx="minor">
+        <a:schemeClr val="lt1"/>
+      </a:fontRef>
+    </dgm:style>
+  </dgm:styleLbl>
+  <dgm:styleLbl name="asst3">
+    <dgm:scene3d>
+      <a:camera prst="orthographicFront"/>
+      <a:lightRig rig="threePt" dir="t"/>
+    </dgm:scene3d>
+    <dgm:sp3d/>
+    <dgm:txPr/>
+    <dgm:style>
+      <a:lnRef idx="2">
+        <a:scrgbClr r="0" g="0" b="0"/>
+      </a:lnRef>
+      <a:fillRef idx="1">
+        <a:scrgbClr r="0" g="0" b="0"/>
+      </a:fillRef>
+      <a:effectRef idx="0">
+        <a:scrgbClr r="0" g="0" b="0"/>
+      </a:effectRef>
+      <a:fontRef idx="minor">
+        <a:schemeClr val="lt1"/>
+      </a:fontRef>
+    </dgm:style>
+  </dgm:styleLbl>
+  <dgm:styleLbl name="asst4">
+    <dgm:scene3d>
+      <a:camera prst="orthographicFront"/>
+      <a:lightRig rig="threePt" dir="t"/>
+    </dgm:scene3d>
+    <dgm:sp3d/>
+    <dgm:txPr/>
+    <dgm:style>
+      <a:lnRef idx="2">
+        <a:scrgbClr r="0" g="0" b="0"/>
+      </a:lnRef>
+      <a:fillRef idx="1">
+        <a:scrgbClr r="0" g="0" b="0"/>
+      </a:fillRef>
+      <a:effectRef idx="0">
+        <a:scrgbClr r="0" g="0" b="0"/>
+      </a:effectRef>
+      <a:fontRef idx="minor">
+        <a:schemeClr val="lt1"/>
+      </a:fontRef>
+    </dgm:style>
+  </dgm:styleLbl>
+  <dgm:styleLbl name="parChTrans2D1">
+    <dgm:scene3d>
+      <a:camera prst="orthographicFront"/>
+      <a:lightRig rig="threePt" dir="t"/>
+    </dgm:scene3d>
+    <dgm:sp3d/>
+    <dgm:txPr/>
+    <dgm:style>
+      <a:lnRef idx="2">
+        <a:scrgbClr r="0" g="0" b="0"/>
+      </a:lnRef>
+      <a:fillRef idx="1">
+        <a:scrgbClr r="0" g="0" b="0"/>
+      </a:fillRef>
+      <a:effectRef idx="0">
+        <a:scrgbClr r="0" g="0" b="0"/>
+      </a:effectRef>
+      <a:fontRef idx="minor">
+        <a:schemeClr val="lt1"/>
+      </a:fontRef>
+    </dgm:style>
+  </dgm:styleLbl>
+  <dgm:styleLbl name="parChTrans2D2">
+    <dgm:scene3d>
+      <a:camera prst="orthographicFront"/>
+      <a:lightRig rig="threePt" dir="t"/>
+    </dgm:scene3d>
+    <dgm:sp3d/>
+    <dgm:txPr/>
+    <dgm:style>
+      <a:lnRef idx="2">
+        <a:scrgbClr r="0" g="0" b="0"/>
+      </a:lnRef>
+      <a:fillRef idx="1">
+        <a:scrgbClr r="0" g="0" b="0"/>
+      </a:fillRef>
+      <a:effectRef idx="0">
+        <a:scrgbClr r="0" g="0" b="0"/>
+      </a:effectRef>
+      <a:fontRef idx="minor">
+        <a:schemeClr val="lt1"/>
+      </a:fontRef>
+    </dgm:style>
+  </dgm:styleLbl>
+  <dgm:styleLbl name="parChTrans2D3">
+    <dgm:scene3d>
+      <a:camera prst="orthographicFront"/>
+      <a:lightRig rig="threePt" dir="t"/>
+    </dgm:scene3d>
+    <dgm:sp3d/>
+    <dgm:txPr/>
+    <dgm:style>
+      <a:lnRef idx="2">
+        <a:scrgbClr r="0" g="0" b="0"/>
+      </a:lnRef>
+      <a:fillRef idx="1">
+        <a:scrgbClr r="0" g="0" b="0"/>
+      </a:fillRef>
+      <a:effectRef idx="0">
+        <a:scrgbClr r="0" g="0" b="0"/>
+      </a:effectRef>
+      <a:fontRef idx="minor">
+        <a:schemeClr val="lt1"/>
+      </a:fontRef>
+    </dgm:style>
+  </dgm:styleLbl>
+  <dgm:styleLbl name="parChTrans2D4">
+    <dgm:scene3d>
+      <a:camera prst="orthographicFront"/>
+      <a:lightRig rig="threePt" dir="t"/>
+    </dgm:scene3d>
+    <dgm:sp3d/>
+    <dgm:txPr/>
+    <dgm:style>
+      <a:lnRef idx="2">
+        <a:scrgbClr r="0" g="0" b="0"/>
+      </a:lnRef>
+      <a:fillRef idx="1">
+        <a:scrgbClr r="0" g="0" b="0"/>
+      </a:fillRef>
+      <a:effectRef idx="0">
+        <a:scrgbClr r="0" g="0" b="0"/>
+      </a:effectRef>
+      <a:fontRef idx="minor">
+        <a:schemeClr val="lt1"/>
+      </a:fontRef>
+    </dgm:style>
+  </dgm:styleLbl>
+  <dgm:styleLbl name="parChTrans1D1">
+    <dgm:scene3d>
+      <a:camera prst="orthographicFront"/>
+      <a:lightRig rig="threePt" dir="t"/>
+    </dgm:scene3d>
+    <dgm:sp3d/>
+    <dgm:txPr/>
+    <dgm:style>
+      <a:lnRef idx="2">
+        <a:scrgbClr r="0" g="0" b="0"/>
+      </a:lnRef>
+      <a:fillRef idx="0">
+        <a:scrgbClr r="0" g="0" b="0"/>
+      </a:fillRef>
+      <a:effectRef idx="0">
+        <a:scrgbClr r="0" g="0" b="0"/>
+      </a:effectRef>
+      <a:fontRef idx="minor"/>
+    </dgm:style>
+  </dgm:styleLbl>
+  <dgm:styleLbl name="parChTrans1D2">
+    <dgm:scene3d>
+      <a:camera prst="orthographicFront"/>
+      <a:lightRig rig="threePt" dir="t"/>
+    </dgm:scene3d>
+    <dgm:sp3d/>
+    <dgm:txPr/>
+    <dgm:style>
+      <a:lnRef idx="2">
+        <a:scrgbClr r="0" g="0" b="0"/>
+      </a:lnRef>
+      <a:fillRef idx="0">
+        <a:scrgbClr r="0" g="0" b="0"/>
+      </a:fillRef>
+      <a:effectRef idx="0">
+        <a:scrgbClr r="0" g="0" b="0"/>
+      </a:effectRef>
+      <a:fontRef idx="minor"/>
+    </dgm:style>
+  </dgm:styleLbl>
+  <dgm:styleLbl name="parChTrans1D3">
+    <dgm:scene3d>
+      <a:camera prst="orthographicFront"/>
+      <a:lightRig rig="threePt" dir="t"/>
+    </dgm:scene3d>
+    <dgm:sp3d/>
+    <dgm:txPr/>
+    <dgm:style>
+      <a:lnRef idx="2">
+        <a:scrgbClr r="0" g="0" b="0"/>
+      </a:lnRef>
+      <a:fillRef idx="0">
+        <a:scrgbClr r="0" g="0" b="0"/>
+      </a:fillRef>
+      <a:effectRef idx="0">
+        <a:scrgbClr r="0" g="0" b="0"/>
+      </a:effectRef>
+      <a:fontRef idx="minor"/>
+    </dgm:style>
+  </dgm:styleLbl>
+  <dgm:styleLbl name="parChTrans1D4">
+    <dgm:scene3d>
+      <a:camera prst="orthographicFront"/>
+      <a:lightRig rig="threePt" dir="t"/>
+    </dgm:scene3d>
+    <dgm:sp3d/>
+    <dgm:txPr/>
+    <dgm:style>
+      <a:lnRef idx="2">
+        <a:scrgbClr r="0" g="0" b="0"/>
+      </a:lnRef>
+      <a:fillRef idx="0">
+        <a:scrgbClr r="0" g="0" b="0"/>
+      </a:fillRef>
+      <a:effectRef idx="0">
+        <a:scrgbClr r="0" g="0" b="0"/>
+      </a:effectRef>
+      <a:fontRef idx="minor"/>
+    </dgm:style>
+  </dgm:styleLbl>
+  <dgm:styleLbl name="fgAcc1">
+    <dgm:scene3d>
+      <a:camera prst="orthographicFront"/>
+      <a:lightRig rig="threePt" dir="t"/>
+    </dgm:scene3d>
+    <dgm:sp3d/>
+    <dgm:txPr/>
+    <dgm:style>
+      <a:lnRef idx="2">
+        <a:scrgbClr r="0" g="0" b="0"/>
+      </a:lnRef>
+      <a:fillRef idx="1">
+        <a:scrgbClr r="0" g="0" b="0"/>
+      </a:fillRef>
+      <a:effectRef idx="0">
+        <a:scrgbClr r="0" g="0" b="0"/>
+      </a:effectRef>
+      <a:fontRef idx="minor"/>
+    </dgm:style>
+  </dgm:styleLbl>
+  <dgm:styleLbl name="conFgAcc1">
+    <dgm:scene3d>
+      <a:camera prst="orthographicFront"/>
+      <a:lightRig rig="threePt" dir="t"/>
+    </dgm:scene3d>
+    <dgm:sp3d/>
+    <dgm:txPr/>
+    <dgm:style>
+      <a:lnRef idx="2">
+        <a:scrgbClr r="0" g="0" b="0"/>
+      </a:lnRef>
+      <a:fillRef idx="1">
+        <a:scrgbClr r="0" g="0" b="0"/>
+      </a:fillRef>
+      <a:effectRef idx="0">
+        <a:scrgbClr r="0" g="0" b="0"/>
+      </a:effectRef>
+      <a:fontRef idx="minor"/>
+    </dgm:style>
+  </dgm:styleLbl>
+  <dgm:styleLbl name="alignAcc1">
+    <dgm:scene3d>
+      <a:camera prst="orthographicFront"/>
+      <a:lightRig rig="threePt" dir="t"/>
+    </dgm:scene3d>
+    <dgm:sp3d/>
+    <dgm:txPr/>
+    <dgm:style>
+      <a:lnRef idx="2">
+        <a:scrgbClr r="0" g="0" b="0"/>
+      </a:lnRef>
+      <a:fillRef idx="1">
+        <a:scrgbClr r="0" g="0" b="0"/>
+      </a:fillRef>
+      <a:effectRef idx="0">
+        <a:scrgbClr r="0" g="0" b="0"/>
+      </a:effectRef>
+      <a:fontRef idx="minor"/>
+    </dgm:style>
+  </dgm:styleLbl>
+  <dgm:styleLbl name="trAlignAcc1">
+    <dgm:scene3d>
+      <a:camera prst="orthographicFront"/>
+      <a:lightRig rig="threePt" dir="t"/>
+    </dgm:scene3d>
+    <dgm:sp3d/>
+    <dgm:txPr/>
+    <dgm:style>
+      <a:lnRef idx="1">
+        <a:scrgbClr r="0" g="0" b="0"/>
+      </a:lnRef>
+      <a:fillRef idx="1">
+        <a:scrgbClr r="0" g="0" b="0"/>
+      </a:fillRef>
+      <a:effectRef idx="0">
+        <a:scrgbClr r="0" g="0" b="0"/>
+      </a:effectRef>
+      <a:fontRef idx="minor"/>
+    </dgm:style>
+  </dgm:styleLbl>
+  <dgm:styleLbl name="bgAcc1">
+    <dgm:scene3d>
+      <a:camera prst="orthographicFront"/>
+      <a:lightRig rig="threePt" dir="t"/>
+    </dgm:scene3d>
+    <dgm:sp3d/>
+    <dgm:txPr/>
+    <dgm:style>
+      <a:lnRef idx="2">
+        <a:scrgbClr r="0" g="0" b="0"/>
+      </a:lnRef>
+      <a:fillRef idx="1">
+        <a:scrgbClr r="0" g="0" b="0"/>
+      </a:fillRef>
+      <a:effectRef idx="0">
+        <a:scrgbClr r="0" g="0" b="0"/>
+      </a:effectRef>
+      <a:fontRef idx="minor"/>
+    </dgm:style>
+  </dgm:styleLbl>
+  <dgm:styleLbl name="solidFgAcc1">
+    <dgm:scene3d>
+      <a:camera prst="orthographicFront"/>
+      <a:lightRig rig="threePt" dir="t"/>
+    </dgm:scene3d>
+    <dgm:sp3d/>
+    <dgm:txPr/>
+    <dgm:style>
+      <a:lnRef idx="2">
+        <a:scrgbClr r="0" g="0" b="0"/>
+      </a:lnRef>
+      <a:fillRef idx="1">
+        <a:scrgbClr r="0" g="0" b="0"/>
+      </a:fillRef>
+      <a:effectRef idx="0">
+        <a:scrgbClr r="0" g="0" b="0"/>
+      </a:effectRef>
+      <a:fontRef idx="minor"/>
+    </dgm:style>
+  </dgm:styleLbl>
+  <dgm:styleLbl name="solidAlignAcc1">
+    <dgm:scene3d>
+      <a:camera prst="orthographicFront"/>
+      <a:lightRig rig="threePt" dir="t"/>
+    </dgm:scene3d>
+    <dgm:sp3d/>
+    <dgm:txPr/>
+    <dgm:style>
+      <a:lnRef idx="2">
+        <a:scrgbClr r="0" g="0" b="0"/>
+      </a:lnRef>
+      <a:fillRef idx="1">
+        <a:scrgbClr r="0" g="0" b="0"/>
+      </a:fillRef>
+      <a:effectRef idx="0">
+        <a:scrgbClr r="0" g="0" b="0"/>
+      </a:effectRef>
+      <a:fontRef idx="minor"/>
+    </dgm:style>
+  </dgm:styleLbl>
+  <dgm:styleLbl name="solidBgAcc1">
+    <dgm:scene3d>
+      <a:camera prst="orthographicFront"/>
+      <a:lightRig rig="threePt" dir="t"/>
+    </dgm:scene3d>
+    <dgm:sp3d/>
+    <dgm:txPr/>
+    <dgm:style>
+      <a:lnRef idx="2">
+        <a:scrgbClr r="0" g="0" b="0"/>
+      </a:lnRef>
+      <a:fillRef idx="1">
+        <a:scrgbClr r="0" g="0" b="0"/>
+      </a:fillRef>
+      <a:effectRef idx="0">
+        <a:scrgbClr r="0" g="0" b="0"/>
+      </a:effectRef>
+      <a:fontRef idx="minor"/>
+    </dgm:style>
+  </dgm:styleLbl>
+  <dgm:styleLbl name="fgAccFollowNode1">
+    <dgm:scene3d>
+      <a:camera prst="orthographicFront"/>
+      <a:lightRig rig="threePt" dir="t"/>
+    </dgm:scene3d>
+    <dgm:sp3d/>
+    <dgm:txPr/>
+    <dgm:style>
+      <a:lnRef idx="2">
+        <a:scrgbClr r="0" g="0" b="0"/>
+      </a:lnRef>
+      <a:fillRef idx="1">
+        <a:scrgbClr r="0" g="0" b="0"/>
+      </a:fillRef>
+      <a:effectRef idx="0">
+        <a:scrgbClr r="0" g="0" b="0"/>
+      </a:effectRef>
+      <a:fontRef idx="minor"/>
+    </dgm:style>
+  </dgm:styleLbl>
+  <dgm:styleLbl name="alignAccFollowNode1">
+    <dgm:scene3d>
+      <a:camera prst="orthographicFront"/>
+      <a:lightRig rig="threePt" dir="t"/>
+    </dgm:scene3d>
+    <dgm:sp3d/>
+    <dgm:txPr/>
+    <dgm:style>
+      <a:lnRef idx="2">
+        <a:scrgbClr r="0" g="0" b="0"/>
+      </a:lnRef>
+      <a:fillRef idx="1">
+        <a:scrgbClr r="0" g="0" b="0"/>
+      </a:fillRef>
+      <a:effectRef idx="0">
+        <a:scrgbClr r="0" g="0" b="0"/>
+      </a:effectRef>
+      <a:fontRef idx="minor"/>
+    </dgm:style>
+  </dgm:styleLbl>
+  <dgm:styleLbl name="bgAccFollowNode1">
+    <dgm:scene3d>
+      <a:camera prst="orthographicFront"/>
+      <a:lightRig rig="threePt" dir="t"/>
+    </dgm:scene3d>
+    <dgm:sp3d/>
+    <dgm:txPr/>
+    <dgm:style>
+      <a:lnRef idx="2">
+        <a:scrgbClr r="0" g="0" b="0"/>
+      </a:lnRef>
+      <a:fillRef idx="1">
+        <a:scrgbClr r="0" g="0" b="0"/>
+      </a:fillRef>
+      <a:effectRef idx="0">
+        <a:scrgbClr r="0" g="0" b="0"/>
+      </a:effectRef>
+      <a:fontRef idx="minor"/>
+    </dgm:style>
+  </dgm:styleLbl>
+  <dgm:styleLbl name="fgAcc0">
+    <dgm:scene3d>
+      <a:camera prst="orthographicFront"/>
+      <a:lightRig rig="threePt" dir="t"/>
+    </dgm:scene3d>
+    <dgm:sp3d/>
+    <dgm:txPr/>
+    <dgm:style>
+      <a:lnRef idx="2">
+        <a:scrgbClr r="0" g="0" b="0"/>
+      </a:lnRef>
+      <a:fillRef idx="1">
+        <a:scrgbClr r="0" g="0" b="0"/>
+      </a:fillRef>
+      <a:effectRef idx="0">
+        <a:scrgbClr r="0" g="0" b="0"/>
+      </a:effectRef>
+      <a:fontRef idx="minor"/>
+    </dgm:style>
+  </dgm:styleLbl>
+  <dgm:styleLbl name="fgAcc2">
+    <dgm:scene3d>
+      <a:camera prst="orthographicFront"/>
+      <a:lightRig rig="threePt" dir="t"/>
+    </dgm:scene3d>
+    <dgm:sp3d/>
+    <dgm:txPr/>
+    <dgm:style>
+      <a:lnRef idx="2">
+        <a:scrgbClr r="0" g="0" b="0"/>
+      </a:lnRef>
+      <a:fillRef idx="1">
+        <a:scrgbClr r="0" g="0" b="0"/>
+      </a:fillRef>
+      <a:effectRef idx="0">
+        <a:scrgbClr r="0" g="0" b="0"/>
+      </a:effectRef>
+      <a:fontRef idx="minor"/>
+    </dgm:style>
+  </dgm:styleLbl>
+  <dgm:styleLbl name="fgAcc3">
+    <dgm:scene3d>
+      <a:camera prst="orthographicFront"/>
+      <a:lightRig rig="threePt" dir="t"/>
+    </dgm:scene3d>
+    <dgm:sp3d/>
+    <dgm:txPr/>
+    <dgm:style>
+      <a:lnRef idx="2">
+        <a:scrgbClr r="0" g="0" b="0"/>
+      </a:lnRef>
+      <a:fillRef idx="1">
+        <a:scrgbClr r="0" g="0" b="0"/>
+      </a:fillRef>
+      <a:effectRef idx="0">
+        <a:scrgbClr r="0" g="0" b="0"/>
+      </a:effectRef>
+      <a:fontRef idx="minor"/>
+    </dgm:style>
+  </dgm:styleLbl>
+  <dgm:styleLbl name="fgAcc4">
+    <dgm:scene3d>
+      <a:camera prst="orthographicFront"/>
+      <a:lightRig rig="threePt" dir="t"/>
+    </dgm:scene3d>
+    <dgm:sp3d/>
+    <dgm:txPr/>
+    <dgm:style>
+      <a:lnRef idx="2">
+        <a:scrgbClr r="0" g="0" b="0"/>
+      </a:lnRef>
+      <a:fillRef idx="1">
+        <a:scrgbClr r="0" g="0" b="0"/>
+      </a:fillRef>
+      <a:effectRef idx="0">
+        <a:scrgbClr r="0" g="0" b="0"/>
+      </a:effectRef>
+      <a:fontRef idx="minor"/>
+    </dgm:style>
+  </dgm:styleLbl>
+  <dgm:styleLbl name="bgShp">
+    <dgm:scene3d>
+      <a:camera prst="orthographicFront"/>
+      <a:lightRig rig="threePt" dir="t"/>
+    </dgm:scene3d>
+    <dgm:sp3d/>
+    <dgm:txPr/>
+    <dgm:style>
+      <a:lnRef idx="0">
+        <a:scrgbClr r="0" g="0" b="0"/>
+      </a:lnRef>
+      <a:fillRef idx="1">
+        <a:scrgbClr r="0" g="0" b="0"/>
+      </a:fillRef>
+      <a:effectRef idx="0">
+        <a:scrgbClr r="0" g="0" b="0"/>
+      </a:effectRef>
+      <a:fontRef idx="minor"/>
+    </dgm:style>
+  </dgm:styleLbl>
+  <dgm:styleLbl name="dkBgShp">
+    <dgm:scene3d>
+      <a:camera prst="orthographicFront"/>
+      <a:lightRig rig="threePt" dir="t"/>
+    </dgm:scene3d>
+    <dgm:sp3d/>
+    <dgm:txPr/>
+    <dgm:style>
+      <a:lnRef idx="0">
+        <a:scrgbClr r="0" g="0" b="0"/>
+      </a:lnRef>
+      <a:fillRef idx="1">
+        <a:scrgbClr r="0" g="0" b="0"/>
+      </a:fillRef>
+      <a:effectRef idx="0">
+        <a:scrgbClr r="0" g="0" b="0"/>
+      </a:effectRef>
+      <a:fontRef idx="minor"/>
+    </dgm:style>
+  </dgm:styleLbl>
+  <dgm:styleLbl name="trBgShp">
+    <dgm:scene3d>
+      <a:camera prst="orthographicFront"/>
+      <a:lightRig rig="threePt" dir="t"/>
+    </dgm:scene3d>
+    <dgm:sp3d/>
+    <dgm:txPr/>
+    <dgm:style>
+      <a:lnRef idx="0">
+        <a:scrgbClr r="0" g="0" b="0"/>
+      </a:lnRef>
+      <a:fillRef idx="1">
+        <a:scrgbClr r="0" g="0" b="0"/>
+      </a:fillRef>
+      <a:effectRef idx="0">
+        <a:scrgbClr r="0" g="0" b="0"/>
+      </a:effectRef>
+      <a:fontRef idx="minor"/>
+    </dgm:style>
+  </dgm:styleLbl>
+  <dgm:styleLbl name="fgShp">
+    <dgm:scene3d>
+      <a:camera prst="orthographicFront"/>
+      <a:lightRig rig="threePt" dir="t"/>
+    </dgm:scene3d>
+    <dgm:sp3d/>
+    <dgm:txPr/>
+    <dgm:style>
+      <a:lnRef idx="2">
+        <a:scrgbClr r="0" g="0" b="0"/>
+      </a:lnRef>
+      <a:fillRef idx="1">
+        <a:scrgbClr r="0" g="0" b="0"/>
+      </a:fillRef>
+      <a:effectRef idx="0">
+        <a:scrgbClr r="0" g="0" b="0"/>
+      </a:effectRef>
+      <a:fontRef idx="minor"/>
+    </dgm:style>
+  </dgm:styleLbl>
+  <dgm:styleLbl name="revTx">
+    <dgm:scene3d>
+      <a:camera prst="orthographicFront"/>
+      <a:lightRig rig="threePt" dir="t"/>
+    </dgm:scene3d>
+    <dgm:sp3d/>
+    <dgm:txPr/>
+    <dgm:style>
+      <a:lnRef idx="0">
+        <a:scrgbClr r="0" g="0" b="0"/>
+      </a:lnRef>
+      <a:fillRef idx="0">
+        <a:scrgbClr r="0" g="0" b="0"/>
+      </a:fillRef>
+      <a:effectRef idx="0">
+        <a:scrgbClr r="0" g="0" b="0"/>
+      </a:effectRef>
+      <a:fontRef idx="minor"/>
+    </dgm:style>
+  </dgm:styleLbl>
+</dgm:styleDef>
+</file>
+
+<file path=ppt/diagrams/quickStyle3.xml><?xml version="1.0" encoding="utf-8"?>
 <dgm:styleDef xmlns:dgm="http://schemas.openxmlformats.org/drawingml/2006/diagram" xmlns:a="http://schemas.openxmlformats.org/drawingml/2006/main" uniqueId="urn:microsoft.com/office/officeart/2005/8/quickstyle/simple1">
   <dgm:title val=""/>
   <dgm:desc val=""/>
@@ -22283,6 +24939,293 @@
           <a:chExt cx="0" cy="0"/>
         </a:xfrm>
       </p:grpSpPr>
+      <p:graphicFrame>
+        <p:nvGraphicFramePr>
+          <p:cNvPr id="17" name="Content Placeholder 2">
+            <a:extLst>
+              <a:ext uri="{FF2B5EF4-FFF2-40B4-BE49-F238E27FC236}">
+                <a16:creationId xmlns:a16="http://schemas.microsoft.com/office/drawing/2014/main" id="{273CB31C-83D3-426B-8EE0-BDDA0DD84805}"/>
+              </a:ext>
+            </a:extLst>
+          </p:cNvPr>
+          <p:cNvGraphicFramePr>
+            <a:graphicFrameLocks/>
+          </p:cNvGraphicFramePr>
+          <p:nvPr>
+            <p:extLst>
+              <p:ext uri="{D42A27DB-BD31-4B8C-83A1-F6EECF244321}">
+                <p14:modId xmlns:p14="http://schemas.microsoft.com/office/powerpoint/2010/main" val="642795869"/>
+              </p:ext>
+            </p:extLst>
+          </p:nvPr>
+        </p:nvGraphicFramePr>
+        <p:xfrm>
+          <a:off x="838199" y="1825625"/>
+          <a:ext cx="5586351" cy="4351338"/>
+        </p:xfrm>
+        <a:graphic>
+          <a:graphicData uri="http://schemas.openxmlformats.org/drawingml/2006/diagram">
+            <dgm:relIds xmlns:dgm="http://schemas.openxmlformats.org/drawingml/2006/diagram" xmlns:r="http://schemas.openxmlformats.org/officeDocument/2006/relationships" r:dm="rId2" r:lo="rId3" r:qs="rId4" r:cs="rId5"/>
+          </a:graphicData>
+        </a:graphic>
+      </p:graphicFrame>
+      <p:sp>
+        <p:nvSpPr>
+          <p:cNvPr id="2" name="Title 1">
+            <a:extLst>
+              <a:ext uri="{FF2B5EF4-FFF2-40B4-BE49-F238E27FC236}">
+                <a16:creationId xmlns:a16="http://schemas.microsoft.com/office/drawing/2014/main" id="{BC8FAE5D-CCB9-403B-BD5E-DD44A2125C45}"/>
+              </a:ext>
+            </a:extLst>
+          </p:cNvPr>
+          <p:cNvSpPr>
+            <a:spLocks noGrp="1"/>
+          </p:cNvSpPr>
+          <p:nvPr>
+            <p:ph type="title"/>
+          </p:nvPr>
+        </p:nvSpPr>
+        <p:spPr/>
+        <p:txBody>
+          <a:bodyPr/>
+          <a:lstStyle/>
+          <a:p>
+            <a:r>
+              <a:rPr lang="it-IT" dirty="0"/>
+              <a:t>In action!</a:t>
+            </a:r>
+            <a:endParaRPr lang="en-US" dirty="0"/>
+          </a:p>
+        </p:txBody>
+      </p:sp>
+      <p:sp>
+        <p:nvSpPr>
+          <p:cNvPr id="4" name="Footer Placeholder 3">
+            <a:extLst>
+              <a:ext uri="{FF2B5EF4-FFF2-40B4-BE49-F238E27FC236}">
+                <a16:creationId xmlns:a16="http://schemas.microsoft.com/office/drawing/2014/main" id="{0917F85B-7161-41CE-94F9-A121D87E3D1F}"/>
+              </a:ext>
+            </a:extLst>
+          </p:cNvPr>
+          <p:cNvSpPr>
+            <a:spLocks noGrp="1"/>
+          </p:cNvSpPr>
+          <p:nvPr>
+            <p:ph type="ftr" sz="quarter" idx="11"/>
+          </p:nvPr>
+        </p:nvSpPr>
+        <p:spPr/>
+        <p:txBody>
+          <a:bodyPr/>
+          <a:lstStyle/>
+          <a:p>
+            <a:pPr algn="l"/>
+            <a:r>
+              <a:rPr lang="it-IT"/>
+              <a:t>Matteo Francia – University of Bologna</a:t>
+            </a:r>
+            <a:endParaRPr lang="it-IT" dirty="0"/>
+          </a:p>
+        </p:txBody>
+      </p:sp>
+      <p:sp>
+        <p:nvSpPr>
+          <p:cNvPr id="5" name="Slide Number Placeholder 4">
+            <a:extLst>
+              <a:ext uri="{FF2B5EF4-FFF2-40B4-BE49-F238E27FC236}">
+                <a16:creationId xmlns:a16="http://schemas.microsoft.com/office/drawing/2014/main" id="{C6836BDB-38A9-494E-82D8-EB9FECA39BB5}"/>
+              </a:ext>
+            </a:extLst>
+          </p:cNvPr>
+          <p:cNvSpPr>
+            <a:spLocks noGrp="1"/>
+          </p:cNvSpPr>
+          <p:nvPr>
+            <p:ph type="sldNum" sz="quarter" idx="12"/>
+          </p:nvPr>
+        </p:nvSpPr>
+        <p:spPr/>
+        <p:txBody>
+          <a:bodyPr/>
+          <a:lstStyle/>
+          <a:p>
+            <a:fld id="{5DD6F1BA-2510-46FC-9346-AB1F3CA1593B}" type="slidenum">
+              <a:rPr lang="it-IT" smtClean="0"/>
+              <a:t>40</a:t>
+            </a:fld>
+            <a:endParaRPr lang="it-IT"/>
+          </a:p>
+        </p:txBody>
+      </p:sp>
+      <p:sp>
+        <p:nvSpPr>
+          <p:cNvPr id="8" name="Content Placeholder 7">
+            <a:extLst>
+              <a:ext uri="{FF2B5EF4-FFF2-40B4-BE49-F238E27FC236}">
+                <a16:creationId xmlns:a16="http://schemas.microsoft.com/office/drawing/2014/main" id="{E80ACFC2-1592-473D-83B3-9660EBAD588C}"/>
+              </a:ext>
+            </a:extLst>
+          </p:cNvPr>
+          <p:cNvSpPr>
+            <a:spLocks noGrp="1"/>
+          </p:cNvSpPr>
+          <p:nvPr>
+            <p:ph idx="13"/>
+          </p:nvPr>
+        </p:nvSpPr>
+        <p:spPr/>
+        <p:txBody>
+          <a:bodyPr/>
+          <a:lstStyle/>
+          <a:p>
+            <a:r>
+              <a:rPr lang="en-US" dirty="0">
+                <a:hlinkClick r:id="rId7"/>
+              </a:rPr>
+              <a:t>https</a:t>
+            </a:r>
+            <a:r>
+              <a:rPr lang="en-US">
+                <a:hlinkClick r:id="rId7"/>
+              </a:rPr>
+              <a:t>://github.com/w4bo/2022-bbs-dm/blob/main/notebooks/02-Housing-DataPreprocessing.ipynb</a:t>
+            </a:r>
+            <a:r>
+              <a:rPr lang="en-US"/>
+              <a:t> </a:t>
+            </a:r>
+          </a:p>
+        </p:txBody>
+      </p:sp>
+      <p:pic>
+        <p:nvPicPr>
+          <p:cNvPr id="25" name="Elemento grafico 24" descr="Pensiero scientifico contorno">
+            <a:extLst>
+              <a:ext uri="{FF2B5EF4-FFF2-40B4-BE49-F238E27FC236}">
+                <a16:creationId xmlns:a16="http://schemas.microsoft.com/office/drawing/2014/main" id="{CA4136DC-02D2-4591-A273-1F04DE797288}"/>
+              </a:ext>
+            </a:extLst>
+          </p:cNvPr>
+          <p:cNvPicPr>
+            <a:picLocks noChangeAspect="1"/>
+          </p:cNvPicPr>
+          <p:nvPr/>
+        </p:nvPicPr>
+        <p:blipFill>
+          <a:blip r:embed="rId8">
+            <a:extLst>
+              <a:ext uri="{28A0092B-C50C-407E-A947-70E740481C1C}">
+                <a14:useLocalDpi xmlns:a14="http://schemas.microsoft.com/office/drawing/2010/main" val="0"/>
+              </a:ext>
+              <a:ext uri="{96DAC541-7B7A-43D3-8B79-37D633B846F1}">
+                <asvg:svgBlip xmlns:asvg="http://schemas.microsoft.com/office/drawing/2016/SVG/main" r:embed="rId9"/>
+              </a:ext>
+            </a:extLst>
+          </a:blip>
+          <a:stretch>
+            <a:fillRect/>
+          </a:stretch>
+        </p:blipFill>
+        <p:spPr>
+          <a:xfrm>
+            <a:off x="7308510" y="2637292"/>
+            <a:ext cx="2908979" cy="2908979"/>
+          </a:xfrm>
+          <a:prstGeom prst="rect">
+            <a:avLst/>
+          </a:prstGeom>
+        </p:spPr>
+      </p:pic>
+      <p:sp>
+        <p:nvSpPr>
+          <p:cNvPr id="27" name="Segnaposto contenuto 26">
+            <a:extLst>
+              <a:ext uri="{FF2B5EF4-FFF2-40B4-BE49-F238E27FC236}">
+                <a16:creationId xmlns:a16="http://schemas.microsoft.com/office/drawing/2014/main" id="{762EE6C3-F227-4938-99DD-633BDF680A3E}"/>
+              </a:ext>
+            </a:extLst>
+          </p:cNvPr>
+          <p:cNvSpPr>
+            <a:spLocks noGrp="1"/>
+          </p:cNvSpPr>
+          <p:nvPr>
+            <p:ph sz="half" idx="1"/>
+          </p:nvPr>
+        </p:nvSpPr>
+        <p:spPr>
+          <a:xfrm>
+            <a:off x="838200" y="1825625"/>
+            <a:ext cx="5181600" cy="4351338"/>
+          </a:xfrm>
+        </p:spPr>
+        <p:txBody>
+          <a:bodyPr/>
+          <a:lstStyle/>
+          <a:p>
+            <a:endParaRPr lang="en-US"/>
+          </a:p>
+        </p:txBody>
+      </p:sp>
+      <p:sp>
+        <p:nvSpPr>
+          <p:cNvPr id="29" name="Segnaposto contenuto 28">
+            <a:extLst>
+              <a:ext uri="{FF2B5EF4-FFF2-40B4-BE49-F238E27FC236}">
+                <a16:creationId xmlns:a16="http://schemas.microsoft.com/office/drawing/2014/main" id="{59BEBFFD-A84C-4E5F-B202-BF9B6D13AB73}"/>
+              </a:ext>
+            </a:extLst>
+          </p:cNvPr>
+          <p:cNvSpPr>
+            <a:spLocks noGrp="1"/>
+          </p:cNvSpPr>
+          <p:nvPr>
+            <p:ph sz="half" idx="2"/>
+          </p:nvPr>
+        </p:nvSpPr>
+        <p:spPr>
+          <a:xfrm>
+            <a:off x="6172200" y="1825625"/>
+            <a:ext cx="5181600" cy="4351338"/>
+          </a:xfrm>
+        </p:spPr>
+        <p:txBody>
+          <a:bodyPr/>
+          <a:lstStyle/>
+          <a:p>
+            <a:endParaRPr lang="en-US"/>
+          </a:p>
+        </p:txBody>
+      </p:sp>
+    </p:spTree>
+    <p:extLst>
+      <p:ext uri="{BB962C8B-B14F-4D97-AF65-F5344CB8AC3E}">
+        <p14:creationId xmlns:p14="http://schemas.microsoft.com/office/powerpoint/2010/main" val="1924870658"/>
+      </p:ext>
+    </p:extLst>
+  </p:cSld>
+  <p:clrMapOvr>
+    <a:masterClrMapping/>
+  </p:clrMapOvr>
+</p:sld>
+</file>
+
+<file path=ppt/slides/slide41.xml><?xml version="1.0" encoding="utf-8"?>
+<p:sld xmlns:a="http://schemas.openxmlformats.org/drawingml/2006/main" xmlns:r="http://schemas.openxmlformats.org/officeDocument/2006/relationships" xmlns:p="http://schemas.openxmlformats.org/presentationml/2006/main" show="0">
+  <p:cSld>
+    <p:spTree>
+      <p:nvGrpSpPr>
+        <p:cNvPr id="1" name=""/>
+        <p:cNvGrpSpPr/>
+        <p:nvPr/>
+      </p:nvGrpSpPr>
+      <p:grpSpPr>
+        <a:xfrm>
+          <a:off x="0" y="0"/>
+          <a:ext cx="0" cy="0"/>
+          <a:chOff x="0" y="0"/>
+          <a:chExt cx="0" cy="0"/>
+        </a:xfrm>
+      </p:grpSpPr>
       <p:sp>
         <p:nvSpPr>
           <p:cNvPr id="2" name="Title 1">
@@ -22326,11 +25269,6 @@
           </p:cNvGraphicFramePr>
           <p:nvPr>
             <p:ph sz="half" idx="1"/>
-            <p:extLst>
-              <p:ext uri="{D42A27DB-BD31-4B8C-83A1-F6EECF244321}">
-                <p14:modId xmlns:p14="http://schemas.microsoft.com/office/powerpoint/2010/main" val="192204465"/>
-              </p:ext>
-            </p:extLst>
           </p:nvPr>
         </p:nvGraphicFramePr>
         <p:xfrm>
@@ -22434,7 +25372,7 @@
           <a:p>
             <a:fld id="{5DD6F1BA-2510-46FC-9346-AB1F3CA1593B}" type="slidenum">
               <a:rPr lang="it-IT" smtClean="0"/>
-              <a:t>40</a:t>
+              <a:t>41</a:t>
             </a:fld>
             <a:endParaRPr lang="it-IT"/>
           </a:p>
@@ -22620,7 +25558,7 @@
     </p:spTree>
     <p:extLst>
       <p:ext uri="{BB962C8B-B14F-4D97-AF65-F5344CB8AC3E}">
-        <p14:creationId xmlns:p14="http://schemas.microsoft.com/office/powerpoint/2010/main" val="1924870658"/>
+        <p14:creationId xmlns:p14="http://schemas.microsoft.com/office/powerpoint/2010/main" val="2935811346"/>
       </p:ext>
     </p:extLst>
   </p:cSld>
@@ -22630,7 +25568,7 @@
 </p:sld>
 </file>
 
-<file path=ppt/slides/slide41.xml><?xml version="1.0" encoding="utf-8"?>
+<file path=ppt/slides/slide42.xml><?xml version="1.0" encoding="utf-8"?>
 <p:sld xmlns:a="http://schemas.openxmlformats.org/drawingml/2006/main" xmlns:r="http://schemas.openxmlformats.org/officeDocument/2006/relationships" xmlns:p="http://schemas.openxmlformats.org/presentationml/2006/main">
   <p:cSld>
     <p:spTree>
@@ -22884,7 +25822,7 @@
             <a:fld id="{5DD6F1BA-2510-46FC-9346-AB1F3CA1593B}" type="slidenum">
               <a:rPr lang="it-IT" smtClean="0"/>
               <a:pPr/>
-              <a:t>41</a:t>
+              <a:t>42</a:t>
             </a:fld>
             <a:endParaRPr lang="it-IT"/>
           </a:p>
